--- a/docs/ideaPerLaPresentazione.pptx
+++ b/docs/ideaPerLaPresentazione.pptx
@@ -7,6 +7,19 @@
   <p:sldIdLst>
     <p:sldId id="256" r:id="rId2"/>
     <p:sldId id="257" r:id="rId3"/>
+    <p:sldId id="268" r:id="rId4"/>
+    <p:sldId id="269" r:id="rId5"/>
+    <p:sldId id="270" r:id="rId6"/>
+    <p:sldId id="258" r:id="rId7"/>
+    <p:sldId id="259" r:id="rId8"/>
+    <p:sldId id="264" r:id="rId9"/>
+    <p:sldId id="263" r:id="rId10"/>
+    <p:sldId id="266" r:id="rId11"/>
+    <p:sldId id="267" r:id="rId12"/>
+    <p:sldId id="272" r:id="rId13"/>
+    <p:sldId id="260" r:id="rId14"/>
+    <p:sldId id="261" r:id="rId15"/>
+    <p:sldId id="262" r:id="rId16"/>
   </p:sldIdLst>
   <p:sldSz cx="12192000" cy="6858000"/>
   <p:notesSz cx="6858000" cy="9144000"/>
@@ -105,6 +118,11 @@
       </a:defRPr>
     </a:lvl9pPr>
   </p:defaultTextStyle>
+  <p:extLst>
+    <p:ext uri="{EFAFB233-063F-42B5-8137-9DF3F51BA10A}">
+      <p15:sldGuideLst xmlns:p15="http://schemas.microsoft.com/office/powerpoint/2012/main"/>
+    </p:ext>
+  </p:extLst>
 </p:presentation>
 </file>
 
@@ -255,7 +273,7 @@
           <a:p>
             <a:fld id="{19650704-D090-48E5-9793-E1A82410574F}" type="datetimeFigureOut">
               <a:rPr lang="it-IT" smtClean="0"/>
-              <a:t>18/06/2021</a:t>
+              <a:t>19/06/2021</a:t>
             </a:fld>
             <a:endParaRPr lang="it-IT"/>
           </a:p>
@@ -453,7 +471,7 @@
           <a:p>
             <a:fld id="{19650704-D090-48E5-9793-E1A82410574F}" type="datetimeFigureOut">
               <a:rPr lang="it-IT" smtClean="0"/>
-              <a:t>18/06/2021</a:t>
+              <a:t>19/06/2021</a:t>
             </a:fld>
             <a:endParaRPr lang="it-IT"/>
           </a:p>
@@ -661,7 +679,7 @@
           <a:p>
             <a:fld id="{19650704-D090-48E5-9793-E1A82410574F}" type="datetimeFigureOut">
               <a:rPr lang="it-IT" smtClean="0"/>
-              <a:t>18/06/2021</a:t>
+              <a:t>19/06/2021</a:t>
             </a:fld>
             <a:endParaRPr lang="it-IT"/>
           </a:p>
@@ -859,7 +877,7 @@
           <a:p>
             <a:fld id="{19650704-D090-48E5-9793-E1A82410574F}" type="datetimeFigureOut">
               <a:rPr lang="it-IT" smtClean="0"/>
-              <a:t>18/06/2021</a:t>
+              <a:t>19/06/2021</a:t>
             </a:fld>
             <a:endParaRPr lang="it-IT"/>
           </a:p>
@@ -1134,7 +1152,7 @@
           <a:p>
             <a:fld id="{19650704-D090-48E5-9793-E1A82410574F}" type="datetimeFigureOut">
               <a:rPr lang="it-IT" smtClean="0"/>
-              <a:t>18/06/2021</a:t>
+              <a:t>19/06/2021</a:t>
             </a:fld>
             <a:endParaRPr lang="it-IT"/>
           </a:p>
@@ -1399,7 +1417,7 @@
           <a:p>
             <a:fld id="{19650704-D090-48E5-9793-E1A82410574F}" type="datetimeFigureOut">
               <a:rPr lang="it-IT" smtClean="0"/>
-              <a:t>18/06/2021</a:t>
+              <a:t>19/06/2021</a:t>
             </a:fld>
             <a:endParaRPr lang="it-IT"/>
           </a:p>
@@ -1811,7 +1829,7 @@
           <a:p>
             <a:fld id="{19650704-D090-48E5-9793-E1A82410574F}" type="datetimeFigureOut">
               <a:rPr lang="it-IT" smtClean="0"/>
-              <a:t>18/06/2021</a:t>
+              <a:t>19/06/2021</a:t>
             </a:fld>
             <a:endParaRPr lang="it-IT"/>
           </a:p>
@@ -1952,7 +1970,7 @@
           <a:p>
             <a:fld id="{19650704-D090-48E5-9793-E1A82410574F}" type="datetimeFigureOut">
               <a:rPr lang="it-IT" smtClean="0"/>
-              <a:t>18/06/2021</a:t>
+              <a:t>19/06/2021</a:t>
             </a:fld>
             <a:endParaRPr lang="it-IT"/>
           </a:p>
@@ -2065,7 +2083,7 @@
           <a:p>
             <a:fld id="{19650704-D090-48E5-9793-E1A82410574F}" type="datetimeFigureOut">
               <a:rPr lang="it-IT" smtClean="0"/>
-              <a:t>18/06/2021</a:t>
+              <a:t>19/06/2021</a:t>
             </a:fld>
             <a:endParaRPr lang="it-IT"/>
           </a:p>
@@ -2376,7 +2394,7 @@
           <a:p>
             <a:fld id="{19650704-D090-48E5-9793-E1A82410574F}" type="datetimeFigureOut">
               <a:rPr lang="it-IT" smtClean="0"/>
-              <a:t>18/06/2021</a:t>
+              <a:t>19/06/2021</a:t>
             </a:fld>
             <a:endParaRPr lang="it-IT"/>
           </a:p>
@@ -2664,7 +2682,7 @@
           <a:p>
             <a:fld id="{19650704-D090-48E5-9793-E1A82410574F}" type="datetimeFigureOut">
               <a:rPr lang="it-IT" smtClean="0"/>
-              <a:t>18/06/2021</a:t>
+              <a:t>19/06/2021</a:t>
             </a:fld>
             <a:endParaRPr lang="it-IT"/>
           </a:p>
@@ -2905,7 +2923,7 @@
           <a:p>
             <a:fld id="{19650704-D090-48E5-9793-E1A82410574F}" type="datetimeFigureOut">
               <a:rPr lang="it-IT" smtClean="0"/>
-              <a:t>18/06/2021</a:t>
+              <a:t>19/06/2021</a:t>
             </a:fld>
             <a:endParaRPr lang="it-IT"/>
           </a:p>
@@ -3456,7 +3474,7 @@
                 <a:ea typeface="Times New Roman" panose="02020603050405020304" pitchFamily="18" charset="0"/>
                 <a:cs typeface="Times New Roman" panose="02020603050405020304" pitchFamily="18" charset="0"/>
               </a:rPr>
-              <a:t>Martellozzo Sofia</a:t>
+              <a:t>Martellozzo Sofia - 10623060 - 914088</a:t>
             </a:r>
           </a:p>
           <a:p>
@@ -3467,7 +3485,7 @@
                 <a:ea typeface="Times New Roman" panose="02020603050405020304" pitchFamily="18" charset="0"/>
                 <a:cs typeface="Times New Roman" panose="02020603050405020304" pitchFamily="18" charset="0"/>
               </a:rPr>
-              <a:t>Mosconi Alberto</a:t>
+              <a:t>Mosconi Alberto - 10653349 - 910001</a:t>
             </a:r>
           </a:p>
           <a:p>
@@ -3478,7 +3496,7 @@
                 <a:ea typeface="Times New Roman" panose="02020603050405020304" pitchFamily="18" charset="0"/>
                 <a:cs typeface="Times New Roman" panose="02020603050405020304" pitchFamily="18" charset="0"/>
               </a:rPr>
-              <a:t>Musumeci Margherita - 907435 </a:t>
+              <a:t>Musumeci Margherita - 10600060 - 907435</a:t>
             </a:r>
             <a:endParaRPr lang="it-IT" i="1" dirty="0">
               <a:latin typeface="Hind"/>
@@ -3571,6 +3589,2964 @@
 </p:sld>
 </file>
 
+<file path=ppt/slides/slide10.xml><?xml version="1.0" encoding="utf-8"?>
+<p:sld xmlns:a="http://schemas.openxmlformats.org/drawingml/2006/main" xmlns:r="http://schemas.openxmlformats.org/officeDocument/2006/relationships" xmlns:p="http://schemas.openxmlformats.org/presentationml/2006/main">
+  <p:cSld>
+    <p:spTree>
+      <p:nvGrpSpPr>
+        <p:cNvPr id="1" name=""/>
+        <p:cNvGrpSpPr/>
+        <p:nvPr/>
+      </p:nvGrpSpPr>
+      <p:grpSpPr>
+        <a:xfrm>
+          <a:off x="0" y="0"/>
+          <a:ext cx="0" cy="0"/>
+          <a:chOff x="0" y="0"/>
+          <a:chExt cx="0" cy="0"/>
+        </a:xfrm>
+      </p:grpSpPr>
+      <p:sp>
+        <p:nvSpPr>
+          <p:cNvPr id="2" name="Titolo 1">
+            <a:extLst>
+              <a:ext uri="{FF2B5EF4-FFF2-40B4-BE49-F238E27FC236}">
+                <a16:creationId xmlns:a16="http://schemas.microsoft.com/office/drawing/2014/main" id="{21046205-7257-47FD-A07F-1B1048C90351}"/>
+              </a:ext>
+            </a:extLst>
+          </p:cNvPr>
+          <p:cNvSpPr>
+            <a:spLocks noGrp="1"/>
+          </p:cNvSpPr>
+          <p:nvPr>
+            <p:ph type="title"/>
+          </p:nvPr>
+        </p:nvSpPr>
+        <p:spPr/>
+        <p:txBody>
+          <a:bodyPr>
+            <a:normAutofit/>
+          </a:bodyPr>
+          <a:lstStyle/>
+          <a:p>
+            <a:r>
+              <a:rPr lang="it-IT" sz="4000" b="1" dirty="0">
+                <a:latin typeface="Hind"/>
+              </a:rPr>
+              <a:t>Design del Database </a:t>
+            </a:r>
+            <a:r>
+              <a:rPr lang="it-IT" sz="4000" dirty="0"/>
+              <a:t>– </a:t>
+            </a:r>
+            <a:r>
+              <a:rPr lang="it-IT" sz="4000" dirty="0">
+                <a:latin typeface="Hind"/>
+              </a:rPr>
+              <a:t>Definizione delle tabelle</a:t>
+            </a:r>
+          </a:p>
+        </p:txBody>
+      </p:sp>
+      <p:sp>
+        <p:nvSpPr>
+          <p:cNvPr id="3" name="Segnaposto contenuto 2">
+            <a:extLst>
+              <a:ext uri="{FF2B5EF4-FFF2-40B4-BE49-F238E27FC236}">
+                <a16:creationId xmlns:a16="http://schemas.microsoft.com/office/drawing/2014/main" id="{80869FFB-E925-4364-8C80-6479C4DD48B5}"/>
+              </a:ext>
+            </a:extLst>
+          </p:cNvPr>
+          <p:cNvSpPr>
+            <a:spLocks noGrp="1"/>
+          </p:cNvSpPr>
+          <p:nvPr>
+            <p:ph idx="1"/>
+          </p:nvPr>
+        </p:nvSpPr>
+        <p:spPr/>
+        <p:txBody>
+          <a:bodyPr>
+            <a:normAutofit/>
+          </a:bodyPr>
+          <a:lstStyle/>
+          <a:p>
+            <a:pPr marL="0" indent="0">
+              <a:buNone/>
+            </a:pPr>
+            <a:r>
+              <a:rPr lang="it-IT" sz="1800" dirty="0">
+                <a:solidFill>
+                  <a:srgbClr val="000000"/>
+                </a:solidFill>
+                <a:effectLst/>
+                <a:latin typeface="Calibri" panose="020F0502020204030204" pitchFamily="34" charset="0"/>
+                <a:ea typeface="Times New Roman" panose="02020603050405020304" pitchFamily="18" charset="0"/>
+              </a:rPr>
+              <a:t>«Un </a:t>
+            </a:r>
+            <a:r>
+              <a:rPr lang="it-IT" sz="1800" b="1" dirty="0">
+                <a:solidFill>
+                  <a:srgbClr val="FFC000"/>
+                </a:solidFill>
+                <a:effectLst/>
+                <a:latin typeface="Calibri" panose="020F0502020204030204" pitchFamily="34" charset="0"/>
+                <a:ea typeface="Times New Roman" panose="02020603050405020304" pitchFamily="18" charset="0"/>
+              </a:rPr>
+              <a:t>fornitore</a:t>
+            </a:r>
+            <a:r>
+              <a:rPr lang="it-IT" sz="1800" dirty="0">
+                <a:solidFill>
+                  <a:srgbClr val="000000"/>
+                </a:solidFill>
+                <a:effectLst/>
+                <a:latin typeface="Calibri" panose="020F0502020204030204" pitchFamily="34" charset="0"/>
+                <a:ea typeface="Times New Roman" panose="02020603050405020304" pitchFamily="18" charset="0"/>
+              </a:rPr>
+              <a:t> ha un </a:t>
+            </a:r>
+            <a:r>
+              <a:rPr lang="it-IT" sz="1800" dirty="0">
+                <a:solidFill>
+                  <a:srgbClr val="FF0000"/>
+                </a:solidFill>
+                <a:effectLst/>
+                <a:latin typeface="Calibri" panose="020F0502020204030204" pitchFamily="34" charset="0"/>
+                <a:ea typeface="Times New Roman" panose="02020603050405020304" pitchFamily="18" charset="0"/>
+              </a:rPr>
+              <a:t>codice</a:t>
+            </a:r>
+            <a:r>
+              <a:rPr lang="it-IT" sz="1800" dirty="0">
+                <a:solidFill>
+                  <a:srgbClr val="000000"/>
+                </a:solidFill>
+                <a:effectLst/>
+                <a:latin typeface="Calibri" panose="020F0502020204030204" pitchFamily="34" charset="0"/>
+                <a:ea typeface="Times New Roman" panose="02020603050405020304" pitchFamily="18" charset="0"/>
+              </a:rPr>
+              <a:t>, un </a:t>
+            </a:r>
+            <a:r>
+              <a:rPr lang="it-IT" sz="1800" dirty="0">
+                <a:solidFill>
+                  <a:srgbClr val="FF0000"/>
+                </a:solidFill>
+                <a:effectLst/>
+                <a:latin typeface="Calibri" panose="020F0502020204030204" pitchFamily="34" charset="0"/>
+                <a:ea typeface="Times New Roman" panose="02020603050405020304" pitchFamily="18" charset="0"/>
+              </a:rPr>
+              <a:t>nome</a:t>
+            </a:r>
+            <a:r>
+              <a:rPr lang="it-IT" sz="1800" dirty="0">
+                <a:solidFill>
+                  <a:srgbClr val="000000"/>
+                </a:solidFill>
+                <a:effectLst/>
+                <a:latin typeface="Calibri" panose="020F0502020204030204" pitchFamily="34" charset="0"/>
+                <a:ea typeface="Times New Roman" panose="02020603050405020304" pitchFamily="18" charset="0"/>
+              </a:rPr>
+              <a:t>, una </a:t>
+            </a:r>
+            <a:r>
+              <a:rPr lang="it-IT" sz="1800" dirty="0">
+                <a:solidFill>
+                  <a:srgbClr val="FF0000"/>
+                </a:solidFill>
+                <a:effectLst/>
+                <a:latin typeface="Calibri" panose="020F0502020204030204" pitchFamily="34" charset="0"/>
+                <a:ea typeface="Times New Roman" panose="02020603050405020304" pitchFamily="18" charset="0"/>
+              </a:rPr>
+              <a:t>valutazione</a:t>
+            </a:r>
+            <a:r>
+              <a:rPr lang="it-IT" sz="1800" dirty="0">
+                <a:solidFill>
+                  <a:srgbClr val="000000"/>
+                </a:solidFill>
+                <a:effectLst/>
+                <a:latin typeface="Calibri" panose="020F0502020204030204" pitchFamily="34" charset="0"/>
+                <a:ea typeface="Times New Roman" panose="02020603050405020304" pitchFamily="18" charset="0"/>
+              </a:rPr>
+              <a:t> da 1 a 5 stelle e una </a:t>
+            </a:r>
+            <a:r>
+              <a:rPr lang="it-IT" sz="1800" b="1" dirty="0">
+                <a:solidFill>
+                  <a:srgbClr val="FFC000"/>
+                </a:solidFill>
+                <a:effectLst/>
+                <a:latin typeface="Calibri" panose="020F0502020204030204" pitchFamily="34" charset="0"/>
+                <a:ea typeface="Times New Roman" panose="02020603050405020304" pitchFamily="18" charset="0"/>
+              </a:rPr>
+              <a:t>politica di spedizione</a:t>
+            </a:r>
+            <a:r>
+              <a:rPr lang="it-IT" sz="1800" b="1" dirty="0">
+                <a:solidFill>
+                  <a:srgbClr val="000000"/>
+                </a:solidFill>
+                <a:latin typeface="Calibri" panose="020F0502020204030204" pitchFamily="34" charset="0"/>
+                <a:ea typeface="Times New Roman" panose="02020603050405020304" pitchFamily="18" charset="0"/>
+              </a:rPr>
+              <a:t>.»</a:t>
+            </a:r>
+            <a:endParaRPr lang="en-US" sz="1800" dirty="0">
+              <a:latin typeface="Hind"/>
+              <a:ea typeface="+mj-ea"/>
+              <a:cs typeface="+mj-cs"/>
+            </a:endParaRPr>
+          </a:p>
+          <a:p>
+            <a:pPr marL="0" indent="0">
+              <a:buNone/>
+            </a:pPr>
+            <a:endParaRPr lang="en-US" sz="1800" dirty="0">
+              <a:latin typeface="Hind"/>
+              <a:ea typeface="+mj-ea"/>
+              <a:cs typeface="+mj-cs"/>
+            </a:endParaRPr>
+          </a:p>
+          <a:p>
+            <a:pPr marL="0" indent="0">
+              <a:buNone/>
+            </a:pPr>
+            <a:r>
+              <a:rPr lang="en-US" sz="1800" dirty="0">
+                <a:latin typeface="Hind"/>
+                <a:ea typeface="+mj-ea"/>
+                <a:cs typeface="+mj-cs"/>
+              </a:rPr>
+              <a:t>CREATE TABLE IF NOT EXISTS `</a:t>
+            </a:r>
+            <a:r>
+              <a:rPr lang="en-US" sz="1800" dirty="0" err="1">
+                <a:solidFill>
+                  <a:srgbClr val="FFC000"/>
+                </a:solidFill>
+                <a:latin typeface="Hind"/>
+                <a:ea typeface="+mj-ea"/>
+                <a:cs typeface="+mj-cs"/>
+              </a:rPr>
+              <a:t>shipping_policy</a:t>
+            </a:r>
+            <a:r>
+              <a:rPr lang="en-US" sz="1800" dirty="0">
+                <a:latin typeface="Hind"/>
+                <a:ea typeface="+mj-ea"/>
+                <a:cs typeface="+mj-cs"/>
+              </a:rPr>
+              <a:t>` (  </a:t>
+            </a:r>
+          </a:p>
+          <a:p>
+            <a:pPr marL="0" indent="0">
+              <a:buNone/>
+            </a:pPr>
+            <a:r>
+              <a:rPr lang="en-US" sz="1800" dirty="0">
+                <a:latin typeface="Hind"/>
+                <a:ea typeface="+mj-ea"/>
+                <a:cs typeface="+mj-cs"/>
+              </a:rPr>
+              <a:t>`</a:t>
+            </a:r>
+            <a:r>
+              <a:rPr lang="en-US" sz="1800" dirty="0" err="1">
+                <a:latin typeface="Hind"/>
+                <a:ea typeface="+mj-ea"/>
+                <a:cs typeface="+mj-cs"/>
+              </a:rPr>
+              <a:t>id_range</a:t>
+            </a:r>
+            <a:r>
+              <a:rPr lang="en-US" sz="1800" dirty="0">
+                <a:latin typeface="Hind"/>
+                <a:ea typeface="+mj-ea"/>
+                <a:cs typeface="+mj-cs"/>
+              </a:rPr>
+              <a:t>` INT NOT NULL,  </a:t>
+            </a:r>
+          </a:p>
+          <a:p>
+            <a:pPr marL="0" indent="0">
+              <a:buNone/>
+            </a:pPr>
+            <a:r>
+              <a:rPr lang="en-US" sz="1800" dirty="0">
+                <a:latin typeface="Hind"/>
+                <a:ea typeface="+mj-ea"/>
+                <a:cs typeface="+mj-cs"/>
+              </a:rPr>
+              <a:t>`</a:t>
+            </a:r>
+            <a:r>
+              <a:rPr lang="en-US" sz="1800" dirty="0" err="1">
+                <a:latin typeface="Hind"/>
+                <a:ea typeface="+mj-ea"/>
+                <a:cs typeface="+mj-cs"/>
+              </a:rPr>
+              <a:t>id_vendor</a:t>
+            </a:r>
+            <a:r>
+              <a:rPr lang="en-US" sz="1800" dirty="0">
+                <a:latin typeface="Hind"/>
+                <a:ea typeface="+mj-ea"/>
+                <a:cs typeface="+mj-cs"/>
+              </a:rPr>
+              <a:t>` INT NOT NULL,  </a:t>
+            </a:r>
+          </a:p>
+          <a:p>
+            <a:pPr marL="0" indent="0">
+              <a:buNone/>
+            </a:pPr>
+            <a:r>
+              <a:rPr lang="en-US" sz="1800" dirty="0">
+                <a:latin typeface="Hind"/>
+                <a:ea typeface="+mj-ea"/>
+                <a:cs typeface="+mj-cs"/>
+              </a:rPr>
+              <a:t>PRIMARY KEY (`</a:t>
+            </a:r>
+            <a:r>
+              <a:rPr lang="en-US" sz="1800" dirty="0" err="1">
+                <a:latin typeface="Hind"/>
+                <a:ea typeface="+mj-ea"/>
+                <a:cs typeface="+mj-cs"/>
+              </a:rPr>
+              <a:t>id_range</a:t>
+            </a:r>
+            <a:r>
+              <a:rPr lang="en-US" sz="1800" dirty="0">
+                <a:latin typeface="Hind"/>
+                <a:ea typeface="+mj-ea"/>
+                <a:cs typeface="+mj-cs"/>
+              </a:rPr>
+              <a:t>`, `</a:t>
+            </a:r>
+            <a:r>
+              <a:rPr lang="en-US" sz="1800" dirty="0" err="1">
+                <a:latin typeface="Hind"/>
+                <a:ea typeface="+mj-ea"/>
+                <a:cs typeface="+mj-cs"/>
+              </a:rPr>
+              <a:t>id_vendor</a:t>
+            </a:r>
+            <a:r>
+              <a:rPr lang="en-US" sz="1800" dirty="0">
+                <a:latin typeface="Hind"/>
+                <a:ea typeface="+mj-ea"/>
+                <a:cs typeface="+mj-cs"/>
+              </a:rPr>
+              <a:t>`),  </a:t>
+            </a:r>
+          </a:p>
+          <a:p>
+            <a:pPr marL="0" indent="0">
+              <a:buNone/>
+            </a:pPr>
+            <a:r>
+              <a:rPr lang="en-US" sz="1800" dirty="0">
+                <a:latin typeface="Hind"/>
+                <a:ea typeface="+mj-ea"/>
+                <a:cs typeface="+mj-cs"/>
+              </a:rPr>
+              <a:t>CONSTRAINT `</a:t>
+            </a:r>
+            <a:r>
+              <a:rPr lang="en-US" sz="1800" dirty="0" err="1">
+                <a:latin typeface="Hind"/>
+                <a:ea typeface="+mj-ea"/>
+                <a:cs typeface="+mj-cs"/>
+              </a:rPr>
+              <a:t>shipping_id_range</a:t>
+            </a:r>
+            <a:r>
+              <a:rPr lang="en-US" sz="1800" dirty="0">
+                <a:latin typeface="Hind"/>
+                <a:ea typeface="+mj-ea"/>
+                <a:cs typeface="+mj-cs"/>
+              </a:rPr>
+              <a:t>`    FOREIGN KEY (`</a:t>
+            </a:r>
+            <a:r>
+              <a:rPr lang="en-US" sz="1800" dirty="0" err="1">
+                <a:latin typeface="Hind"/>
+                <a:ea typeface="+mj-ea"/>
+                <a:cs typeface="+mj-cs"/>
+              </a:rPr>
+              <a:t>id_range</a:t>
+            </a:r>
+            <a:r>
+              <a:rPr lang="en-US" sz="1800" dirty="0">
+                <a:latin typeface="Hind"/>
+                <a:ea typeface="+mj-ea"/>
+                <a:cs typeface="+mj-cs"/>
+              </a:rPr>
+              <a:t>`)    REFERENCES `range` (`id`)    ON UPDATE CASCADE,  </a:t>
+            </a:r>
+          </a:p>
+          <a:p>
+            <a:pPr marL="0" indent="0">
+              <a:buNone/>
+            </a:pPr>
+            <a:r>
+              <a:rPr lang="en-US" sz="1800" dirty="0">
+                <a:latin typeface="Hind"/>
+                <a:ea typeface="+mj-ea"/>
+                <a:cs typeface="+mj-cs"/>
+              </a:rPr>
+              <a:t>CONSTRAINT `</a:t>
+            </a:r>
+            <a:r>
+              <a:rPr lang="en-US" sz="1800" dirty="0" err="1">
+                <a:latin typeface="Hind"/>
+                <a:ea typeface="+mj-ea"/>
+                <a:cs typeface="+mj-cs"/>
+              </a:rPr>
+              <a:t>shipping_id_vendor</a:t>
+            </a:r>
+            <a:r>
+              <a:rPr lang="en-US" sz="1800" dirty="0">
+                <a:latin typeface="Hind"/>
+                <a:ea typeface="+mj-ea"/>
+                <a:cs typeface="+mj-cs"/>
+              </a:rPr>
+              <a:t>`    FOREIGN KEY (`</a:t>
+            </a:r>
+            <a:r>
+              <a:rPr lang="en-US" sz="1800" dirty="0" err="1">
+                <a:latin typeface="Hind"/>
+                <a:ea typeface="+mj-ea"/>
+                <a:cs typeface="+mj-cs"/>
+              </a:rPr>
+              <a:t>id_vendor</a:t>
+            </a:r>
+            <a:r>
+              <a:rPr lang="en-US" sz="1800" dirty="0">
+                <a:latin typeface="Hind"/>
+                <a:ea typeface="+mj-ea"/>
+                <a:cs typeface="+mj-cs"/>
+              </a:rPr>
+              <a:t>`)    REFERENCES `vendor` (`id`)    ON DELETE CASCADE    ON UPDATE CASCADE)</a:t>
+            </a:r>
+          </a:p>
+        </p:txBody>
+      </p:sp>
+    </p:spTree>
+    <p:extLst>
+      <p:ext uri="{BB962C8B-B14F-4D97-AF65-F5344CB8AC3E}">
+        <p14:creationId xmlns:p14="http://schemas.microsoft.com/office/powerpoint/2010/main" val="1043231875"/>
+      </p:ext>
+    </p:extLst>
+  </p:cSld>
+  <p:clrMapOvr>
+    <a:masterClrMapping/>
+  </p:clrMapOvr>
+</p:sld>
+</file>
+
+<file path=ppt/slides/slide11.xml><?xml version="1.0" encoding="utf-8"?>
+<p:sld xmlns:a="http://schemas.openxmlformats.org/drawingml/2006/main" xmlns:r="http://schemas.openxmlformats.org/officeDocument/2006/relationships" xmlns:p="http://schemas.openxmlformats.org/presentationml/2006/main">
+  <p:cSld>
+    <p:spTree>
+      <p:nvGrpSpPr>
+        <p:cNvPr id="1" name=""/>
+        <p:cNvGrpSpPr/>
+        <p:nvPr/>
+      </p:nvGrpSpPr>
+      <p:grpSpPr>
+        <a:xfrm>
+          <a:off x="0" y="0"/>
+          <a:ext cx="0" cy="0"/>
+          <a:chOff x="0" y="0"/>
+          <a:chExt cx="0" cy="0"/>
+        </a:xfrm>
+      </p:grpSpPr>
+      <p:sp>
+        <p:nvSpPr>
+          <p:cNvPr id="2" name="Titolo 1">
+            <a:extLst>
+              <a:ext uri="{FF2B5EF4-FFF2-40B4-BE49-F238E27FC236}">
+                <a16:creationId xmlns:a16="http://schemas.microsoft.com/office/drawing/2014/main" id="{21046205-7257-47FD-A07F-1B1048C90351}"/>
+              </a:ext>
+            </a:extLst>
+          </p:cNvPr>
+          <p:cNvSpPr>
+            <a:spLocks noGrp="1"/>
+          </p:cNvSpPr>
+          <p:nvPr>
+            <p:ph type="title"/>
+          </p:nvPr>
+        </p:nvSpPr>
+        <p:spPr/>
+        <p:txBody>
+          <a:bodyPr>
+            <a:normAutofit/>
+          </a:bodyPr>
+          <a:lstStyle/>
+          <a:p>
+            <a:r>
+              <a:rPr lang="it-IT" sz="4000" b="1" dirty="0">
+                <a:latin typeface="Hind"/>
+              </a:rPr>
+              <a:t>Design del Database </a:t>
+            </a:r>
+            <a:r>
+              <a:rPr lang="it-IT" sz="4000" dirty="0"/>
+              <a:t>– </a:t>
+            </a:r>
+            <a:r>
+              <a:rPr lang="it-IT" sz="4000" dirty="0">
+                <a:latin typeface="Hind"/>
+              </a:rPr>
+              <a:t>Definizione delle tabelle</a:t>
+            </a:r>
+          </a:p>
+        </p:txBody>
+      </p:sp>
+      <p:sp>
+        <p:nvSpPr>
+          <p:cNvPr id="3" name="Segnaposto contenuto 2">
+            <a:extLst>
+              <a:ext uri="{FF2B5EF4-FFF2-40B4-BE49-F238E27FC236}">
+                <a16:creationId xmlns:a16="http://schemas.microsoft.com/office/drawing/2014/main" id="{80869FFB-E925-4364-8C80-6479C4DD48B5}"/>
+              </a:ext>
+            </a:extLst>
+          </p:cNvPr>
+          <p:cNvSpPr>
+            <a:spLocks noGrp="1"/>
+          </p:cNvSpPr>
+          <p:nvPr>
+            <p:ph idx="1"/>
+          </p:nvPr>
+        </p:nvSpPr>
+        <p:spPr/>
+        <p:txBody>
+          <a:bodyPr>
+            <a:normAutofit/>
+          </a:bodyPr>
+          <a:lstStyle/>
+          <a:p>
+            <a:pPr marL="0" indent="0">
+              <a:buNone/>
+            </a:pPr>
+            <a:r>
+              <a:rPr lang="it-IT" sz="1800" dirty="0">
+                <a:solidFill>
+                  <a:srgbClr val="000000"/>
+                </a:solidFill>
+                <a:effectLst/>
+                <a:latin typeface="Calibri" panose="020F0502020204030204" pitchFamily="34" charset="0"/>
+                <a:ea typeface="Times New Roman" panose="02020603050405020304" pitchFamily="18" charset="0"/>
+              </a:rPr>
+              <a:t>«Lo stesso </a:t>
+            </a:r>
+            <a:r>
+              <a:rPr lang="it-IT" sz="1800" dirty="0">
+                <a:solidFill>
+                  <a:srgbClr val="FF0000"/>
+                </a:solidFill>
+                <a:effectLst/>
+                <a:latin typeface="Calibri" panose="020F0502020204030204" pitchFamily="34" charset="0"/>
+                <a:ea typeface="Times New Roman" panose="02020603050405020304" pitchFamily="18" charset="0"/>
+              </a:rPr>
+              <a:t>articolo</a:t>
+            </a:r>
+            <a:r>
+              <a:rPr lang="it-IT" sz="1800" dirty="0">
+                <a:solidFill>
+                  <a:srgbClr val="000000"/>
+                </a:solidFill>
+                <a:effectLst/>
+                <a:latin typeface="Calibri" panose="020F0502020204030204" pitchFamily="34" charset="0"/>
+                <a:ea typeface="Times New Roman" panose="02020603050405020304" pitchFamily="18" charset="0"/>
+              </a:rPr>
+              <a:t> (cioè codice articolo) può </a:t>
+            </a:r>
+            <a:r>
+              <a:rPr lang="it-IT" sz="1800" b="1" dirty="0">
+                <a:solidFill>
+                  <a:srgbClr val="FFC000"/>
+                </a:solidFill>
+                <a:effectLst/>
+                <a:latin typeface="Calibri" panose="020F0502020204030204" pitchFamily="34" charset="0"/>
+                <a:ea typeface="Times New Roman" panose="02020603050405020304" pitchFamily="18" charset="0"/>
+              </a:rPr>
+              <a:t>essere venduto</a:t>
+            </a:r>
+            <a:r>
+              <a:rPr lang="it-IT" sz="1800" dirty="0">
+                <a:solidFill>
+                  <a:srgbClr val="FFC000"/>
+                </a:solidFill>
+                <a:effectLst/>
+                <a:latin typeface="Calibri" panose="020F0502020204030204" pitchFamily="34" charset="0"/>
+                <a:ea typeface="Times New Roman" panose="02020603050405020304" pitchFamily="18" charset="0"/>
+              </a:rPr>
+              <a:t> </a:t>
+            </a:r>
+            <a:r>
+              <a:rPr lang="it-IT" sz="1800" dirty="0">
+                <a:solidFill>
+                  <a:srgbClr val="000000"/>
+                </a:solidFill>
+                <a:effectLst/>
+                <a:latin typeface="Calibri" panose="020F0502020204030204" pitchFamily="34" charset="0"/>
+                <a:ea typeface="Times New Roman" panose="02020603050405020304" pitchFamily="18" charset="0"/>
+              </a:rPr>
+              <a:t>da più </a:t>
+            </a:r>
+            <a:r>
+              <a:rPr lang="it-IT" sz="1800" dirty="0">
+                <a:solidFill>
+                  <a:srgbClr val="FF0000"/>
+                </a:solidFill>
+                <a:effectLst/>
+                <a:latin typeface="Calibri" panose="020F0502020204030204" pitchFamily="34" charset="0"/>
+                <a:ea typeface="Times New Roman" panose="02020603050405020304" pitchFamily="18" charset="0"/>
+              </a:rPr>
+              <a:t>fornitori</a:t>
+            </a:r>
+            <a:r>
+              <a:rPr lang="it-IT" sz="1800" dirty="0">
+                <a:solidFill>
+                  <a:srgbClr val="000000"/>
+                </a:solidFill>
+                <a:effectLst/>
+                <a:latin typeface="Calibri" panose="020F0502020204030204" pitchFamily="34" charset="0"/>
+                <a:ea typeface="Times New Roman" panose="02020603050405020304" pitchFamily="18" charset="0"/>
+              </a:rPr>
+              <a:t> a prezzi </a:t>
+            </a:r>
+            <a:r>
+              <a:rPr lang="it-IT" sz="1800" dirty="0">
+                <a:solidFill>
+                  <a:srgbClr val="FF0000"/>
+                </a:solidFill>
+                <a:effectLst/>
+                <a:latin typeface="Calibri" panose="020F0502020204030204" pitchFamily="34" charset="0"/>
+                <a:ea typeface="Times New Roman" panose="02020603050405020304" pitchFamily="18" charset="0"/>
+              </a:rPr>
+              <a:t>differenti</a:t>
+            </a:r>
+            <a:r>
+              <a:rPr lang="it-IT" sz="1800" dirty="0">
+                <a:solidFill>
+                  <a:srgbClr val="000000"/>
+                </a:solidFill>
+                <a:effectLst/>
+                <a:latin typeface="Calibri" panose="020F0502020204030204" pitchFamily="34" charset="0"/>
+                <a:ea typeface="Times New Roman" panose="02020603050405020304" pitchFamily="18" charset="0"/>
+              </a:rPr>
+              <a:t>»</a:t>
+            </a:r>
+          </a:p>
+          <a:p>
+            <a:pPr marL="0" indent="0">
+              <a:buNone/>
+            </a:pPr>
+            <a:endParaRPr lang="en-US" sz="1800" dirty="0">
+              <a:latin typeface="Hind"/>
+              <a:ea typeface="+mj-ea"/>
+              <a:cs typeface="+mj-cs"/>
+            </a:endParaRPr>
+          </a:p>
+          <a:p>
+            <a:pPr marL="0" indent="0">
+              <a:buNone/>
+            </a:pPr>
+            <a:r>
+              <a:rPr lang="en-US" sz="1800" dirty="0">
+                <a:latin typeface="Hind"/>
+                <a:ea typeface="+mj-ea"/>
+                <a:cs typeface="+mj-cs"/>
+              </a:rPr>
+              <a:t>CREATE TABLE IF NOT EXISTS `</a:t>
+            </a:r>
+            <a:r>
+              <a:rPr lang="en-US" sz="1800" dirty="0">
+                <a:solidFill>
+                  <a:srgbClr val="FFC000"/>
+                </a:solidFill>
+                <a:latin typeface="Hind"/>
+                <a:ea typeface="+mj-ea"/>
+                <a:cs typeface="+mj-cs"/>
+              </a:rPr>
+              <a:t>price</a:t>
+            </a:r>
+            <a:r>
+              <a:rPr lang="en-US" sz="1800" dirty="0">
+                <a:latin typeface="Hind"/>
+                <a:ea typeface="+mj-ea"/>
+                <a:cs typeface="+mj-cs"/>
+              </a:rPr>
+              <a:t>` (  </a:t>
+            </a:r>
+          </a:p>
+          <a:p>
+            <a:pPr marL="0" indent="0">
+              <a:buNone/>
+            </a:pPr>
+            <a:r>
+              <a:rPr lang="en-US" sz="1800" dirty="0">
+                <a:latin typeface="Hind"/>
+                <a:ea typeface="+mj-ea"/>
+                <a:cs typeface="+mj-cs"/>
+              </a:rPr>
+              <a:t>`</a:t>
+            </a:r>
+            <a:r>
+              <a:rPr lang="en-US" sz="1800" dirty="0" err="1">
+                <a:latin typeface="Hind"/>
+                <a:ea typeface="+mj-ea"/>
+                <a:cs typeface="+mj-cs"/>
+              </a:rPr>
+              <a:t>id_vendor</a:t>
+            </a:r>
+            <a:r>
+              <a:rPr lang="en-US" sz="1800" dirty="0">
+                <a:latin typeface="Hind"/>
+                <a:ea typeface="+mj-ea"/>
+                <a:cs typeface="+mj-cs"/>
+              </a:rPr>
+              <a:t>` INT NOT NULL,  </a:t>
+            </a:r>
+          </a:p>
+          <a:p>
+            <a:pPr marL="0" indent="0">
+              <a:buNone/>
+            </a:pPr>
+            <a:r>
+              <a:rPr lang="en-US" sz="1800" dirty="0">
+                <a:latin typeface="Hind"/>
+                <a:ea typeface="+mj-ea"/>
+                <a:cs typeface="+mj-cs"/>
+              </a:rPr>
+              <a:t>`</a:t>
+            </a:r>
+            <a:r>
+              <a:rPr lang="en-US" sz="1800" dirty="0" err="1">
+                <a:latin typeface="Hind"/>
+                <a:ea typeface="+mj-ea"/>
+                <a:cs typeface="+mj-cs"/>
+              </a:rPr>
+              <a:t>id_item</a:t>
+            </a:r>
+            <a:r>
+              <a:rPr lang="en-US" sz="1800" dirty="0">
+                <a:latin typeface="Hind"/>
+                <a:ea typeface="+mj-ea"/>
+                <a:cs typeface="+mj-cs"/>
+              </a:rPr>
+              <a:t>` INT NOT NULL,  </a:t>
+            </a:r>
+          </a:p>
+          <a:p>
+            <a:pPr marL="0" indent="0">
+              <a:buNone/>
+            </a:pPr>
+            <a:r>
+              <a:rPr lang="en-US" sz="1800" dirty="0">
+                <a:latin typeface="Hind"/>
+                <a:ea typeface="+mj-ea"/>
+                <a:cs typeface="+mj-cs"/>
+              </a:rPr>
+              <a:t>`price` FLOAT NOT NULL,  </a:t>
+            </a:r>
+          </a:p>
+          <a:p>
+            <a:pPr marL="0" indent="0">
+              <a:buNone/>
+            </a:pPr>
+            <a:r>
+              <a:rPr lang="en-US" sz="1800" dirty="0">
+                <a:latin typeface="Hind"/>
+                <a:ea typeface="+mj-ea"/>
+                <a:cs typeface="+mj-cs"/>
+              </a:rPr>
+              <a:t>PRIMARY KEY (`</a:t>
+            </a:r>
+            <a:r>
+              <a:rPr lang="en-US" sz="1800" dirty="0" err="1">
+                <a:latin typeface="Hind"/>
+                <a:ea typeface="+mj-ea"/>
+                <a:cs typeface="+mj-cs"/>
+              </a:rPr>
+              <a:t>id_vendor</a:t>
+            </a:r>
+            <a:r>
+              <a:rPr lang="en-US" sz="1800" dirty="0">
+                <a:latin typeface="Hind"/>
+                <a:ea typeface="+mj-ea"/>
+                <a:cs typeface="+mj-cs"/>
+              </a:rPr>
+              <a:t>`, `</a:t>
+            </a:r>
+            <a:r>
+              <a:rPr lang="en-US" sz="1800" dirty="0" err="1">
+                <a:latin typeface="Hind"/>
+                <a:ea typeface="+mj-ea"/>
+                <a:cs typeface="+mj-cs"/>
+              </a:rPr>
+              <a:t>id_item</a:t>
+            </a:r>
+            <a:r>
+              <a:rPr lang="en-US" sz="1800" dirty="0">
+                <a:latin typeface="Hind"/>
+                <a:ea typeface="+mj-ea"/>
+                <a:cs typeface="+mj-cs"/>
+              </a:rPr>
+              <a:t>`),  </a:t>
+            </a:r>
+          </a:p>
+          <a:p>
+            <a:pPr marL="0" indent="0">
+              <a:buNone/>
+            </a:pPr>
+            <a:r>
+              <a:rPr lang="en-US" sz="1800" dirty="0">
+                <a:latin typeface="Hind"/>
+                <a:ea typeface="+mj-ea"/>
+                <a:cs typeface="+mj-cs"/>
+              </a:rPr>
+              <a:t>CONSTRAINT `</a:t>
+            </a:r>
+            <a:r>
+              <a:rPr lang="en-US" sz="1800" dirty="0" err="1">
+                <a:latin typeface="Hind"/>
+                <a:ea typeface="+mj-ea"/>
+                <a:cs typeface="+mj-cs"/>
+              </a:rPr>
+              <a:t>price_id_vendor</a:t>
+            </a:r>
+            <a:r>
+              <a:rPr lang="en-US" sz="1800" dirty="0">
+                <a:latin typeface="Hind"/>
+                <a:ea typeface="+mj-ea"/>
+                <a:cs typeface="+mj-cs"/>
+              </a:rPr>
+              <a:t>`    FOREIGN KEY (`</a:t>
+            </a:r>
+            <a:r>
+              <a:rPr lang="en-US" sz="1800" dirty="0" err="1">
+                <a:latin typeface="Hind"/>
+                <a:ea typeface="+mj-ea"/>
+                <a:cs typeface="+mj-cs"/>
+              </a:rPr>
+              <a:t>id_vendor</a:t>
+            </a:r>
+            <a:r>
+              <a:rPr lang="en-US" sz="1800" dirty="0">
+                <a:latin typeface="Hind"/>
+                <a:ea typeface="+mj-ea"/>
+                <a:cs typeface="+mj-cs"/>
+              </a:rPr>
+              <a:t>`)    REFERENCES `vendor` (`id`)    ON DELETE CASCADE    ON UPDATE CASCADE,  </a:t>
+            </a:r>
+          </a:p>
+          <a:p>
+            <a:pPr marL="0" indent="0">
+              <a:buNone/>
+            </a:pPr>
+            <a:r>
+              <a:rPr lang="en-US" sz="1800" dirty="0">
+                <a:latin typeface="Hind"/>
+                <a:ea typeface="+mj-ea"/>
+                <a:cs typeface="+mj-cs"/>
+              </a:rPr>
+              <a:t>CONSTRAINT `</a:t>
+            </a:r>
+            <a:r>
+              <a:rPr lang="en-US" sz="1800" dirty="0" err="1">
+                <a:latin typeface="Hind"/>
+                <a:ea typeface="+mj-ea"/>
+                <a:cs typeface="+mj-cs"/>
+              </a:rPr>
+              <a:t>price_id_item</a:t>
+            </a:r>
+            <a:r>
+              <a:rPr lang="en-US" sz="1800" dirty="0">
+                <a:latin typeface="Hind"/>
+                <a:ea typeface="+mj-ea"/>
+                <a:cs typeface="+mj-cs"/>
+              </a:rPr>
+              <a:t>`    FOREIGN KEY (`</a:t>
+            </a:r>
+            <a:r>
+              <a:rPr lang="en-US" sz="1800" dirty="0" err="1">
+                <a:latin typeface="Hind"/>
+                <a:ea typeface="+mj-ea"/>
+                <a:cs typeface="+mj-cs"/>
+              </a:rPr>
+              <a:t>id_item</a:t>
+            </a:r>
+            <a:r>
+              <a:rPr lang="en-US" sz="1800" dirty="0">
+                <a:latin typeface="Hind"/>
+                <a:ea typeface="+mj-ea"/>
+                <a:cs typeface="+mj-cs"/>
+              </a:rPr>
+              <a:t>`)    REFERENCES `item` (`id`)    ON DELETE CASCADE    ON UPDATE CASCADE)</a:t>
+            </a:r>
+          </a:p>
+        </p:txBody>
+      </p:sp>
+    </p:spTree>
+    <p:extLst>
+      <p:ext uri="{BB962C8B-B14F-4D97-AF65-F5344CB8AC3E}">
+        <p14:creationId xmlns:p14="http://schemas.microsoft.com/office/powerpoint/2010/main" val="3470089784"/>
+      </p:ext>
+    </p:extLst>
+  </p:cSld>
+  <p:clrMapOvr>
+    <a:masterClrMapping/>
+  </p:clrMapOvr>
+</p:sld>
+</file>
+
+<file path=ppt/slides/slide12.xml><?xml version="1.0" encoding="utf-8"?>
+<p:sld xmlns:a="http://schemas.openxmlformats.org/drawingml/2006/main" xmlns:r="http://schemas.openxmlformats.org/officeDocument/2006/relationships" xmlns:p="http://schemas.openxmlformats.org/presentationml/2006/main">
+  <p:cSld>
+    <p:spTree>
+      <p:nvGrpSpPr>
+        <p:cNvPr id="1" name=""/>
+        <p:cNvGrpSpPr/>
+        <p:nvPr/>
+      </p:nvGrpSpPr>
+      <p:grpSpPr>
+        <a:xfrm>
+          <a:off x="0" y="0"/>
+          <a:ext cx="0" cy="0"/>
+          <a:chOff x="0" y="0"/>
+          <a:chExt cx="0" cy="0"/>
+        </a:xfrm>
+      </p:grpSpPr>
+      <p:sp>
+        <p:nvSpPr>
+          <p:cNvPr id="2" name="Titolo 1">
+            <a:extLst>
+              <a:ext uri="{FF2B5EF4-FFF2-40B4-BE49-F238E27FC236}">
+                <a16:creationId xmlns:a16="http://schemas.microsoft.com/office/drawing/2014/main" id="{21046205-7257-47FD-A07F-1B1048C90351}"/>
+              </a:ext>
+            </a:extLst>
+          </p:cNvPr>
+          <p:cNvSpPr>
+            <a:spLocks noGrp="1"/>
+          </p:cNvSpPr>
+          <p:nvPr>
+            <p:ph type="title"/>
+          </p:nvPr>
+        </p:nvSpPr>
+        <p:spPr/>
+        <p:txBody>
+          <a:bodyPr>
+            <a:normAutofit/>
+          </a:bodyPr>
+          <a:lstStyle/>
+          <a:p>
+            <a:r>
+              <a:rPr lang="it-IT" sz="4000" b="1" dirty="0">
+                <a:latin typeface="Hind"/>
+              </a:rPr>
+              <a:t>Design del Database </a:t>
+            </a:r>
+            <a:r>
+              <a:rPr lang="it-IT" sz="4000" dirty="0"/>
+              <a:t>– </a:t>
+            </a:r>
+            <a:r>
+              <a:rPr lang="it-IT" sz="4000" dirty="0">
+                <a:latin typeface="Hind"/>
+              </a:rPr>
+              <a:t>Definizione delle tabelle</a:t>
+            </a:r>
+          </a:p>
+        </p:txBody>
+      </p:sp>
+      <p:sp>
+        <p:nvSpPr>
+          <p:cNvPr id="3" name="Segnaposto contenuto 2">
+            <a:extLst>
+              <a:ext uri="{FF2B5EF4-FFF2-40B4-BE49-F238E27FC236}">
+                <a16:creationId xmlns:a16="http://schemas.microsoft.com/office/drawing/2014/main" id="{80869FFB-E925-4364-8C80-6479C4DD48B5}"/>
+              </a:ext>
+            </a:extLst>
+          </p:cNvPr>
+          <p:cNvSpPr>
+            <a:spLocks noGrp="1"/>
+          </p:cNvSpPr>
+          <p:nvPr>
+            <p:ph idx="1"/>
+          </p:nvPr>
+        </p:nvSpPr>
+        <p:spPr/>
+        <p:txBody>
+          <a:bodyPr>
+            <a:normAutofit/>
+          </a:bodyPr>
+          <a:lstStyle/>
+          <a:p>
+            <a:pPr marL="0" indent="0">
+              <a:buNone/>
+            </a:pPr>
+            <a:r>
+              <a:rPr lang="it-IT" sz="1800" dirty="0">
+                <a:solidFill>
+                  <a:srgbClr val="000000"/>
+                </a:solidFill>
+                <a:effectLst/>
+                <a:latin typeface="Calibri" panose="020F0502020204030204" pitchFamily="34" charset="0"/>
+                <a:ea typeface="Times New Roman" panose="02020603050405020304" pitchFamily="18" charset="0"/>
+              </a:rPr>
+              <a:t>«Un </a:t>
+            </a:r>
+            <a:r>
+              <a:rPr lang="it-IT" sz="1800" b="1" dirty="0">
+                <a:solidFill>
+                  <a:srgbClr val="FFC000"/>
+                </a:solidFill>
+                <a:effectLst/>
+                <a:latin typeface="Calibri" panose="020F0502020204030204" pitchFamily="34" charset="0"/>
+                <a:ea typeface="Times New Roman" panose="02020603050405020304" pitchFamily="18" charset="0"/>
+              </a:rPr>
+              <a:t>utente</a:t>
+            </a:r>
+            <a:r>
+              <a:rPr lang="it-IT" sz="1800" dirty="0">
+                <a:solidFill>
+                  <a:srgbClr val="000000"/>
+                </a:solidFill>
+                <a:effectLst/>
+                <a:latin typeface="Calibri" panose="020F0502020204030204" pitchFamily="34" charset="0"/>
+                <a:ea typeface="Times New Roman" panose="02020603050405020304" pitchFamily="18" charset="0"/>
+              </a:rPr>
+              <a:t> ha un </a:t>
+            </a:r>
+            <a:r>
+              <a:rPr lang="it-IT" sz="1800" dirty="0">
+                <a:solidFill>
+                  <a:srgbClr val="FF0000"/>
+                </a:solidFill>
+                <a:effectLst/>
+                <a:latin typeface="Calibri" panose="020F0502020204030204" pitchFamily="34" charset="0"/>
+                <a:ea typeface="Times New Roman" panose="02020603050405020304" pitchFamily="18" charset="0"/>
+              </a:rPr>
+              <a:t>nome</a:t>
+            </a:r>
+            <a:r>
+              <a:rPr lang="it-IT" sz="1800" dirty="0">
+                <a:solidFill>
+                  <a:srgbClr val="000000"/>
+                </a:solidFill>
+                <a:effectLst/>
+                <a:latin typeface="Calibri" panose="020F0502020204030204" pitchFamily="34" charset="0"/>
+                <a:ea typeface="Times New Roman" panose="02020603050405020304" pitchFamily="18" charset="0"/>
+              </a:rPr>
+              <a:t>, un </a:t>
+            </a:r>
+            <a:r>
+              <a:rPr lang="it-IT" sz="1800" dirty="0">
+                <a:solidFill>
+                  <a:srgbClr val="FF0000"/>
+                </a:solidFill>
+                <a:effectLst/>
+                <a:latin typeface="Calibri" panose="020F0502020204030204" pitchFamily="34" charset="0"/>
+                <a:ea typeface="Times New Roman" panose="02020603050405020304" pitchFamily="18" charset="0"/>
+              </a:rPr>
+              <a:t>cognome</a:t>
+            </a:r>
+            <a:r>
+              <a:rPr lang="it-IT" sz="1800" dirty="0">
+                <a:solidFill>
+                  <a:srgbClr val="000000"/>
+                </a:solidFill>
+                <a:effectLst/>
+                <a:latin typeface="Calibri" panose="020F0502020204030204" pitchFamily="34" charset="0"/>
+                <a:ea typeface="Times New Roman" panose="02020603050405020304" pitchFamily="18" charset="0"/>
+              </a:rPr>
+              <a:t>, un’</a:t>
+            </a:r>
+            <a:r>
+              <a:rPr lang="it-IT" sz="1800" dirty="0">
+                <a:solidFill>
+                  <a:srgbClr val="FF0000"/>
+                </a:solidFill>
+                <a:effectLst/>
+                <a:latin typeface="Calibri" panose="020F0502020204030204" pitchFamily="34" charset="0"/>
+                <a:ea typeface="Times New Roman" panose="02020603050405020304" pitchFamily="18" charset="0"/>
+              </a:rPr>
+              <a:t>e-mail</a:t>
+            </a:r>
+            <a:r>
+              <a:rPr lang="it-IT" sz="1800" dirty="0">
+                <a:solidFill>
+                  <a:srgbClr val="000000"/>
+                </a:solidFill>
+                <a:effectLst/>
+                <a:latin typeface="Calibri" panose="020F0502020204030204" pitchFamily="34" charset="0"/>
+                <a:ea typeface="Times New Roman" panose="02020603050405020304" pitchFamily="18" charset="0"/>
+              </a:rPr>
+              <a:t>, una </a:t>
+            </a:r>
+            <a:r>
+              <a:rPr lang="it-IT" sz="1800" dirty="0">
+                <a:solidFill>
+                  <a:srgbClr val="FF0000"/>
+                </a:solidFill>
+                <a:effectLst/>
+                <a:latin typeface="Calibri" panose="020F0502020204030204" pitchFamily="34" charset="0"/>
+                <a:ea typeface="Times New Roman" panose="02020603050405020304" pitchFamily="18" charset="0"/>
+              </a:rPr>
+              <a:t>password</a:t>
+            </a:r>
+            <a:r>
+              <a:rPr lang="it-IT" sz="1800" dirty="0">
+                <a:solidFill>
+                  <a:srgbClr val="000000"/>
+                </a:solidFill>
+                <a:effectLst/>
+                <a:latin typeface="Calibri" panose="020F0502020204030204" pitchFamily="34" charset="0"/>
+                <a:ea typeface="Times New Roman" panose="02020603050405020304" pitchFamily="18" charset="0"/>
+              </a:rPr>
+              <a:t> e un </a:t>
+            </a:r>
+            <a:r>
+              <a:rPr lang="it-IT" sz="1800" dirty="0">
+                <a:solidFill>
+                  <a:srgbClr val="FF0000"/>
+                </a:solidFill>
+                <a:effectLst/>
+                <a:latin typeface="Calibri" panose="020F0502020204030204" pitchFamily="34" charset="0"/>
+                <a:ea typeface="Times New Roman" panose="02020603050405020304" pitchFamily="18" charset="0"/>
+              </a:rPr>
+              <a:t>indirizzo di spedizione</a:t>
+            </a:r>
+            <a:r>
+              <a:rPr lang="it-IT" sz="1800" dirty="0">
+                <a:solidFill>
+                  <a:srgbClr val="000000"/>
+                </a:solidFill>
+                <a:effectLst/>
+                <a:latin typeface="Calibri" panose="020F0502020204030204" pitchFamily="34" charset="0"/>
+                <a:ea typeface="Times New Roman" panose="02020603050405020304" pitchFamily="18" charset="0"/>
+              </a:rPr>
+              <a:t>.»</a:t>
+            </a:r>
+          </a:p>
+          <a:p>
+            <a:pPr marL="0" indent="0">
+              <a:buNone/>
+            </a:pPr>
+            <a:endParaRPr lang="en-US" sz="1800" dirty="0">
+              <a:latin typeface="Hind"/>
+              <a:ea typeface="+mj-ea"/>
+              <a:cs typeface="+mj-cs"/>
+            </a:endParaRPr>
+          </a:p>
+          <a:p>
+            <a:pPr marL="0" indent="0">
+              <a:buNone/>
+            </a:pPr>
+            <a:r>
+              <a:rPr lang="en-US" sz="1800" dirty="0">
+                <a:latin typeface="Hind"/>
+                <a:ea typeface="+mj-ea"/>
+                <a:cs typeface="+mj-cs"/>
+              </a:rPr>
+              <a:t>CREATE TABLE IF NOT EXISTS `</a:t>
+            </a:r>
+            <a:r>
+              <a:rPr lang="en-US" sz="1800" dirty="0">
+                <a:solidFill>
+                  <a:srgbClr val="FFC000"/>
+                </a:solidFill>
+                <a:latin typeface="Hind"/>
+                <a:ea typeface="+mj-ea"/>
+                <a:cs typeface="+mj-cs"/>
+              </a:rPr>
+              <a:t>user</a:t>
+            </a:r>
+            <a:r>
+              <a:rPr lang="en-US" sz="1800" dirty="0">
+                <a:latin typeface="Hind"/>
+                <a:ea typeface="+mj-ea"/>
+                <a:cs typeface="+mj-cs"/>
+              </a:rPr>
+              <a:t>` (  </a:t>
+            </a:r>
+          </a:p>
+          <a:p>
+            <a:pPr marL="0" indent="0">
+              <a:buNone/>
+            </a:pPr>
+            <a:r>
+              <a:rPr lang="en-US" sz="1800" dirty="0">
+                <a:latin typeface="Hind"/>
+                <a:ea typeface="+mj-ea"/>
+                <a:cs typeface="+mj-cs"/>
+              </a:rPr>
+              <a:t>`id` INT NOT NULL AUTO_INCREMENT,  </a:t>
+            </a:r>
+          </a:p>
+          <a:p>
+            <a:pPr marL="0" indent="0">
+              <a:buNone/>
+            </a:pPr>
+            <a:r>
+              <a:rPr lang="en-US" sz="1800" dirty="0">
+                <a:latin typeface="Hind"/>
+                <a:ea typeface="+mj-ea"/>
+                <a:cs typeface="+mj-cs"/>
+              </a:rPr>
+              <a:t>`name` VARCHAR(45) NOT NULL,  </a:t>
+            </a:r>
+          </a:p>
+          <a:p>
+            <a:pPr marL="0" indent="0">
+              <a:buNone/>
+            </a:pPr>
+            <a:r>
+              <a:rPr lang="en-US" sz="1800" dirty="0">
+                <a:latin typeface="Hind"/>
+                <a:ea typeface="+mj-ea"/>
+                <a:cs typeface="+mj-cs"/>
+              </a:rPr>
+              <a:t>`surname` VARCHAR(45) NOT NULL,  </a:t>
+            </a:r>
+          </a:p>
+          <a:p>
+            <a:pPr marL="0" indent="0">
+              <a:buNone/>
+            </a:pPr>
+            <a:r>
+              <a:rPr lang="en-US" sz="1800" dirty="0">
+                <a:latin typeface="Hind"/>
+                <a:ea typeface="+mj-ea"/>
+                <a:cs typeface="+mj-cs"/>
+              </a:rPr>
+              <a:t>`email` VARCHAR(60) NOT NULL,  </a:t>
+            </a:r>
+          </a:p>
+          <a:p>
+            <a:pPr marL="0" indent="0">
+              <a:buNone/>
+            </a:pPr>
+            <a:r>
+              <a:rPr lang="en-US" sz="1800" dirty="0">
+                <a:latin typeface="Hind"/>
+                <a:ea typeface="+mj-ea"/>
+                <a:cs typeface="+mj-cs"/>
+              </a:rPr>
+              <a:t>`password` VARCHAR(256) NOT NULL, </a:t>
+            </a:r>
+          </a:p>
+          <a:p>
+            <a:pPr marL="0" indent="0">
+              <a:buNone/>
+            </a:pPr>
+            <a:r>
+              <a:rPr lang="en-US" sz="1800" dirty="0">
+                <a:latin typeface="Hind"/>
+                <a:ea typeface="+mj-ea"/>
+                <a:cs typeface="+mj-cs"/>
+              </a:rPr>
+              <a:t>`address` VARCHAR(60) NOT NULL,  </a:t>
+            </a:r>
+          </a:p>
+          <a:p>
+            <a:pPr marL="0" indent="0">
+              <a:buNone/>
+            </a:pPr>
+            <a:r>
+              <a:rPr lang="en-US" sz="1800" dirty="0">
+                <a:latin typeface="Hind"/>
+                <a:ea typeface="+mj-ea"/>
+                <a:cs typeface="+mj-cs"/>
+              </a:rPr>
+              <a:t>PRIMARY KEY (`id`))</a:t>
+            </a:r>
+          </a:p>
+        </p:txBody>
+      </p:sp>
+    </p:spTree>
+    <p:extLst>
+      <p:ext uri="{BB962C8B-B14F-4D97-AF65-F5344CB8AC3E}">
+        <p14:creationId xmlns:p14="http://schemas.microsoft.com/office/powerpoint/2010/main" val="3027705242"/>
+      </p:ext>
+    </p:extLst>
+  </p:cSld>
+  <p:clrMapOvr>
+    <a:masterClrMapping/>
+  </p:clrMapOvr>
+</p:sld>
+</file>
+
+<file path=ppt/slides/slide13.xml><?xml version="1.0" encoding="utf-8"?>
+<p:sld xmlns:a="http://schemas.openxmlformats.org/drawingml/2006/main" xmlns:r="http://schemas.openxmlformats.org/officeDocument/2006/relationships" xmlns:p="http://schemas.openxmlformats.org/presentationml/2006/main">
+  <p:cSld>
+    <p:spTree>
+      <p:nvGrpSpPr>
+        <p:cNvPr id="1" name=""/>
+        <p:cNvGrpSpPr/>
+        <p:nvPr/>
+      </p:nvGrpSpPr>
+      <p:grpSpPr>
+        <a:xfrm>
+          <a:off x="0" y="0"/>
+          <a:ext cx="0" cy="0"/>
+          <a:chOff x="0" y="0"/>
+          <a:chExt cx="0" cy="0"/>
+        </a:xfrm>
+      </p:grpSpPr>
+      <p:sp>
+        <p:nvSpPr>
+          <p:cNvPr id="2" name="Titolo 1">
+            <a:extLst>
+              <a:ext uri="{FF2B5EF4-FFF2-40B4-BE49-F238E27FC236}">
+                <a16:creationId xmlns:a16="http://schemas.microsoft.com/office/drawing/2014/main" id="{21046205-7257-47FD-A07F-1B1048C90351}"/>
+              </a:ext>
+            </a:extLst>
+          </p:cNvPr>
+          <p:cNvSpPr>
+            <a:spLocks noGrp="1"/>
+          </p:cNvSpPr>
+          <p:nvPr>
+            <p:ph type="title"/>
+          </p:nvPr>
+        </p:nvSpPr>
+        <p:spPr/>
+        <p:txBody>
+          <a:bodyPr>
+            <a:normAutofit/>
+          </a:bodyPr>
+          <a:lstStyle/>
+          <a:p>
+            <a:r>
+              <a:rPr lang="it-IT" sz="4000" b="1" dirty="0">
+                <a:latin typeface="Hind"/>
+              </a:rPr>
+              <a:t>Design del Database </a:t>
+            </a:r>
+            <a:r>
+              <a:rPr lang="it-IT" sz="4000" dirty="0"/>
+              <a:t>– </a:t>
+            </a:r>
+            <a:r>
+              <a:rPr lang="it-IT" sz="4000" dirty="0">
+                <a:latin typeface="Hind"/>
+              </a:rPr>
+              <a:t>Definizione delle tabelle</a:t>
+            </a:r>
+          </a:p>
+        </p:txBody>
+      </p:sp>
+      <p:sp>
+        <p:nvSpPr>
+          <p:cNvPr id="3" name="Segnaposto contenuto 2">
+            <a:extLst>
+              <a:ext uri="{FF2B5EF4-FFF2-40B4-BE49-F238E27FC236}">
+                <a16:creationId xmlns:a16="http://schemas.microsoft.com/office/drawing/2014/main" id="{80869FFB-E925-4364-8C80-6479C4DD48B5}"/>
+              </a:ext>
+            </a:extLst>
+          </p:cNvPr>
+          <p:cNvSpPr>
+            <a:spLocks noGrp="1"/>
+          </p:cNvSpPr>
+          <p:nvPr>
+            <p:ph idx="1"/>
+          </p:nvPr>
+        </p:nvSpPr>
+        <p:spPr>
+          <a:xfrm>
+            <a:off x="838200" y="1825625"/>
+            <a:ext cx="10515600" cy="4851622"/>
+          </a:xfrm>
+        </p:spPr>
+        <p:txBody>
+          <a:bodyPr>
+            <a:normAutofit fontScale="92500" lnSpcReduction="10000"/>
+          </a:bodyPr>
+          <a:lstStyle/>
+          <a:p>
+            <a:pPr marL="0" indent="0">
+              <a:buNone/>
+            </a:pPr>
+            <a:r>
+              <a:rPr lang="it-IT" sz="1800" dirty="0">
+                <a:solidFill>
+                  <a:srgbClr val="000000"/>
+                </a:solidFill>
+                <a:effectLst/>
+                <a:latin typeface="Calibri" panose="020F0502020204030204" pitchFamily="34" charset="0"/>
+                <a:ea typeface="Times New Roman" panose="02020603050405020304" pitchFamily="18" charset="0"/>
+              </a:rPr>
+              <a:t>«Un’applicazione di commercio elettronico consente all’utente di </a:t>
+            </a:r>
+            <a:r>
+              <a:rPr lang="it-IT" sz="1800" b="1" dirty="0">
+                <a:solidFill>
+                  <a:srgbClr val="FFC000"/>
+                </a:solidFill>
+                <a:effectLst/>
+                <a:latin typeface="Calibri" panose="020F0502020204030204" pitchFamily="34" charset="0"/>
+                <a:ea typeface="Times New Roman" panose="02020603050405020304" pitchFamily="18" charset="0"/>
+              </a:rPr>
+              <a:t>visualizzare</a:t>
+            </a:r>
+            <a:r>
+              <a:rPr lang="it-IT" sz="1800" dirty="0">
+                <a:solidFill>
+                  <a:srgbClr val="000000"/>
+                </a:solidFill>
+                <a:effectLst/>
+                <a:latin typeface="Calibri" panose="020F0502020204030204" pitchFamily="34" charset="0"/>
+                <a:ea typeface="Times New Roman" panose="02020603050405020304" pitchFamily="18" charset="0"/>
+              </a:rPr>
+              <a:t> un catalogo di prodotti venduti da diversi fornitori.</a:t>
+            </a:r>
+          </a:p>
+          <a:p>
+            <a:pPr marL="0" indent="0">
+              <a:buNone/>
+            </a:pPr>
+            <a:r>
+              <a:rPr lang="it-IT" sz="1800" dirty="0">
+                <a:effectLst/>
+                <a:latin typeface="Calibri" panose="020F0502020204030204" pitchFamily="34" charset="0"/>
+                <a:ea typeface="Times New Roman" panose="02020603050405020304" pitchFamily="18" charset="0"/>
+              </a:rPr>
+              <a:t>…</a:t>
+            </a:r>
+          </a:p>
+          <a:p>
+            <a:pPr marL="0" indent="0">
+              <a:buNone/>
+            </a:pPr>
+            <a:r>
+              <a:rPr lang="it-IT" sz="1800" dirty="0">
+                <a:solidFill>
+                  <a:srgbClr val="000000"/>
+                </a:solidFill>
+                <a:effectLst/>
+                <a:latin typeface="Calibri" panose="020F0502020204030204" pitchFamily="34" charset="0"/>
+                <a:ea typeface="Times New Roman" panose="02020603050405020304" pitchFamily="18" charset="0"/>
+              </a:rPr>
+              <a:t>Dopo il login, l’utente accede a una pagina HOME che mostra (come tutte le altre pagine) un menù con i link HOME, CARRELLO, ORDINI, un campo di ricerca e una lista </a:t>
+            </a:r>
+            <a:r>
+              <a:rPr lang="it-IT" sz="1800" dirty="0">
+                <a:solidFill>
+                  <a:srgbClr val="FF0000"/>
+                </a:solidFill>
+                <a:effectLst/>
+                <a:latin typeface="Calibri" panose="020F0502020204030204" pitchFamily="34" charset="0"/>
+                <a:ea typeface="Times New Roman" panose="02020603050405020304" pitchFamily="18" charset="0"/>
+              </a:rPr>
+              <a:t>degli ultimi </a:t>
+            </a:r>
+            <a:r>
+              <a:rPr lang="it-IT" sz="1800" dirty="0">
+                <a:effectLst/>
+                <a:latin typeface="Calibri" panose="020F0502020204030204" pitchFamily="34" charset="0"/>
+                <a:ea typeface="Times New Roman" panose="02020603050405020304" pitchFamily="18" charset="0"/>
+              </a:rPr>
+              <a:t>cinque</a:t>
+            </a:r>
+            <a:r>
+              <a:rPr lang="it-IT" sz="1800" dirty="0">
+                <a:solidFill>
+                  <a:schemeClr val="accent1"/>
+                </a:solidFill>
+                <a:effectLst/>
+                <a:latin typeface="Calibri" panose="020F0502020204030204" pitchFamily="34" charset="0"/>
+                <a:ea typeface="Times New Roman" panose="02020603050405020304" pitchFamily="18" charset="0"/>
+              </a:rPr>
+              <a:t> </a:t>
+            </a:r>
+            <a:r>
+              <a:rPr lang="it-IT" sz="1800" dirty="0">
+                <a:solidFill>
+                  <a:srgbClr val="FF0000"/>
+                </a:solidFill>
+                <a:effectLst/>
+                <a:latin typeface="Calibri" panose="020F0502020204030204" pitchFamily="34" charset="0"/>
+                <a:ea typeface="Times New Roman" panose="02020603050405020304" pitchFamily="18" charset="0"/>
+              </a:rPr>
+              <a:t>prodotti</a:t>
+            </a:r>
+            <a:r>
+              <a:rPr lang="it-IT" sz="1800" dirty="0">
+                <a:solidFill>
+                  <a:schemeClr val="accent1"/>
+                </a:solidFill>
+                <a:effectLst/>
+                <a:latin typeface="Calibri" panose="020F0502020204030204" pitchFamily="34" charset="0"/>
+                <a:ea typeface="Times New Roman" panose="02020603050405020304" pitchFamily="18" charset="0"/>
+              </a:rPr>
+              <a:t> </a:t>
+            </a:r>
+            <a:r>
+              <a:rPr lang="it-IT" sz="1800" dirty="0">
+                <a:effectLst/>
+                <a:latin typeface="Calibri" panose="020F0502020204030204" pitchFamily="34" charset="0"/>
+                <a:ea typeface="Times New Roman" panose="02020603050405020304" pitchFamily="18" charset="0"/>
+              </a:rPr>
+              <a:t>visualizzati</a:t>
+            </a:r>
+            <a:r>
+              <a:rPr lang="it-IT" sz="1800" dirty="0">
+                <a:solidFill>
+                  <a:schemeClr val="accent1"/>
+                </a:solidFill>
+                <a:effectLst/>
+                <a:latin typeface="Calibri" panose="020F0502020204030204" pitchFamily="34" charset="0"/>
+                <a:ea typeface="Times New Roman" panose="02020603050405020304" pitchFamily="18" charset="0"/>
+              </a:rPr>
+              <a:t> </a:t>
+            </a:r>
+            <a:r>
+              <a:rPr lang="it-IT" sz="1800" dirty="0">
+                <a:solidFill>
+                  <a:srgbClr val="FF0000"/>
+                </a:solidFill>
+                <a:effectLst/>
+                <a:latin typeface="Calibri" panose="020F0502020204030204" pitchFamily="34" charset="0"/>
+                <a:ea typeface="Times New Roman" panose="02020603050405020304" pitchFamily="18" charset="0"/>
+              </a:rPr>
+              <a:t>dall’utente</a:t>
+            </a:r>
+            <a:r>
+              <a:rPr lang="it-IT" sz="1800" dirty="0">
+                <a:effectLst/>
+                <a:latin typeface="Calibri" panose="020F0502020204030204" pitchFamily="34" charset="0"/>
+                <a:ea typeface="Times New Roman" panose="02020603050405020304" pitchFamily="18" charset="0"/>
+              </a:rPr>
+              <a:t>»</a:t>
+            </a:r>
+            <a:endParaRPr lang="en-US" sz="1800" dirty="0">
+              <a:latin typeface="Hind"/>
+              <a:ea typeface="+mj-ea"/>
+              <a:cs typeface="+mj-cs"/>
+            </a:endParaRPr>
+          </a:p>
+          <a:p>
+            <a:pPr marL="0" indent="0">
+              <a:buNone/>
+            </a:pPr>
+            <a:endParaRPr lang="en-US" sz="1800" dirty="0">
+              <a:latin typeface="Hind"/>
+              <a:ea typeface="+mj-ea"/>
+              <a:cs typeface="+mj-cs"/>
+            </a:endParaRPr>
+          </a:p>
+          <a:p>
+            <a:pPr marL="0" indent="0">
+              <a:buNone/>
+            </a:pPr>
+            <a:r>
+              <a:rPr lang="en-US" sz="1800" dirty="0">
+                <a:latin typeface="Hind"/>
+                <a:ea typeface="+mj-ea"/>
+                <a:cs typeface="+mj-cs"/>
+              </a:rPr>
+              <a:t>CREATE TABLE IF NOT EXISTS `</a:t>
+            </a:r>
+            <a:r>
+              <a:rPr lang="en-US" sz="1800" dirty="0">
+                <a:solidFill>
+                  <a:srgbClr val="FFC000"/>
+                </a:solidFill>
+                <a:latin typeface="Hind"/>
+                <a:ea typeface="+mj-ea"/>
+                <a:cs typeface="+mj-cs"/>
+              </a:rPr>
+              <a:t>view</a:t>
+            </a:r>
+            <a:r>
+              <a:rPr lang="en-US" sz="1800" dirty="0">
+                <a:latin typeface="Hind"/>
+                <a:ea typeface="+mj-ea"/>
+                <a:cs typeface="+mj-cs"/>
+              </a:rPr>
+              <a:t>` (  </a:t>
+            </a:r>
+          </a:p>
+          <a:p>
+            <a:pPr marL="0" indent="0">
+              <a:buNone/>
+            </a:pPr>
+            <a:r>
+              <a:rPr lang="en-US" sz="1800" dirty="0">
+                <a:latin typeface="Hind"/>
+                <a:ea typeface="+mj-ea"/>
+                <a:cs typeface="+mj-cs"/>
+              </a:rPr>
+              <a:t>`</a:t>
+            </a:r>
+            <a:r>
+              <a:rPr lang="en-US" sz="1800" dirty="0" err="1">
+                <a:latin typeface="Hind"/>
+                <a:ea typeface="+mj-ea"/>
+                <a:cs typeface="+mj-cs"/>
+              </a:rPr>
+              <a:t>id_user</a:t>
+            </a:r>
+            <a:r>
+              <a:rPr lang="en-US" sz="1800" dirty="0">
+                <a:latin typeface="Hind"/>
+                <a:ea typeface="+mj-ea"/>
+                <a:cs typeface="+mj-cs"/>
+              </a:rPr>
+              <a:t>` INT NOT NULL,  </a:t>
+            </a:r>
+          </a:p>
+          <a:p>
+            <a:pPr marL="0" indent="0">
+              <a:buNone/>
+            </a:pPr>
+            <a:r>
+              <a:rPr lang="en-US" sz="1800" dirty="0">
+                <a:latin typeface="Hind"/>
+                <a:ea typeface="+mj-ea"/>
+                <a:cs typeface="+mj-cs"/>
+              </a:rPr>
+              <a:t>`</a:t>
+            </a:r>
+            <a:r>
+              <a:rPr lang="en-US" sz="1800" dirty="0" err="1">
+                <a:latin typeface="Hind"/>
+                <a:ea typeface="+mj-ea"/>
+                <a:cs typeface="+mj-cs"/>
+              </a:rPr>
+              <a:t>id_item</a:t>
+            </a:r>
+            <a:r>
+              <a:rPr lang="en-US" sz="1800" dirty="0">
+                <a:latin typeface="Hind"/>
+                <a:ea typeface="+mj-ea"/>
+                <a:cs typeface="+mj-cs"/>
+              </a:rPr>
+              <a:t>` INT NOT NULL,  </a:t>
+            </a:r>
+          </a:p>
+          <a:p>
+            <a:pPr marL="0" indent="0">
+              <a:buNone/>
+            </a:pPr>
+            <a:r>
+              <a:rPr lang="en-US" sz="1800" dirty="0">
+                <a:latin typeface="Hind"/>
+                <a:ea typeface="+mj-ea"/>
+                <a:cs typeface="+mj-cs"/>
+              </a:rPr>
+              <a:t>`date` TIMESTAMP NOT NULL,  </a:t>
+            </a:r>
+          </a:p>
+          <a:p>
+            <a:pPr marL="0" indent="0">
+              <a:buNone/>
+            </a:pPr>
+            <a:r>
+              <a:rPr lang="en-US" sz="1800" dirty="0">
+                <a:latin typeface="Hind"/>
+                <a:ea typeface="+mj-ea"/>
+                <a:cs typeface="+mj-cs"/>
+              </a:rPr>
+              <a:t>PRIMARY KEY (`</a:t>
+            </a:r>
+            <a:r>
+              <a:rPr lang="en-US" sz="1800" dirty="0" err="1">
+                <a:latin typeface="Hind"/>
+                <a:ea typeface="+mj-ea"/>
+                <a:cs typeface="+mj-cs"/>
+              </a:rPr>
+              <a:t>id_user</a:t>
+            </a:r>
+            <a:r>
+              <a:rPr lang="en-US" sz="1800" dirty="0">
+                <a:latin typeface="Hind"/>
+                <a:ea typeface="+mj-ea"/>
+                <a:cs typeface="+mj-cs"/>
+              </a:rPr>
+              <a:t>`, `</a:t>
+            </a:r>
+            <a:r>
+              <a:rPr lang="en-US" sz="1800" dirty="0" err="1">
+                <a:latin typeface="Hind"/>
+                <a:ea typeface="+mj-ea"/>
+                <a:cs typeface="+mj-cs"/>
+              </a:rPr>
+              <a:t>id_item`,`date</a:t>
+            </a:r>
+            <a:r>
+              <a:rPr lang="en-US" sz="1800" dirty="0">
+                <a:latin typeface="Hind"/>
+                <a:ea typeface="+mj-ea"/>
+                <a:cs typeface="+mj-cs"/>
+              </a:rPr>
+              <a:t>`), </a:t>
+            </a:r>
+          </a:p>
+          <a:p>
+            <a:pPr marL="0" indent="0">
+              <a:buNone/>
+            </a:pPr>
+            <a:r>
+              <a:rPr lang="en-US" sz="1800" dirty="0">
+                <a:latin typeface="Hind"/>
+                <a:ea typeface="+mj-ea"/>
+                <a:cs typeface="+mj-cs"/>
+              </a:rPr>
+              <a:t>CONSTRAINT `</a:t>
+            </a:r>
+            <a:r>
+              <a:rPr lang="en-US" sz="1800" dirty="0" err="1">
+                <a:latin typeface="Hind"/>
+                <a:ea typeface="+mj-ea"/>
+                <a:cs typeface="+mj-cs"/>
+              </a:rPr>
+              <a:t>view_id_item</a:t>
+            </a:r>
+            <a:r>
+              <a:rPr lang="en-US" sz="1800" dirty="0">
+                <a:latin typeface="Hind"/>
+                <a:ea typeface="+mj-ea"/>
+                <a:cs typeface="+mj-cs"/>
+              </a:rPr>
+              <a:t>`    FOREIGN KEY (`</a:t>
+            </a:r>
+            <a:r>
+              <a:rPr lang="en-US" sz="1800" dirty="0" err="1">
+                <a:latin typeface="Hind"/>
+                <a:ea typeface="+mj-ea"/>
+                <a:cs typeface="+mj-cs"/>
+              </a:rPr>
+              <a:t>id_item</a:t>
+            </a:r>
+            <a:r>
+              <a:rPr lang="en-US" sz="1800" dirty="0">
+                <a:latin typeface="Hind"/>
+                <a:ea typeface="+mj-ea"/>
+                <a:cs typeface="+mj-cs"/>
+              </a:rPr>
+              <a:t>`)    REFERENCES `item` (`id`)    ON DELETE CASCADE    ON UPDATE CASCADE,  </a:t>
+            </a:r>
+          </a:p>
+          <a:p>
+            <a:pPr marL="0" indent="0">
+              <a:buNone/>
+            </a:pPr>
+            <a:r>
+              <a:rPr lang="en-US" sz="1800" dirty="0">
+                <a:latin typeface="Hind"/>
+                <a:ea typeface="+mj-ea"/>
+                <a:cs typeface="+mj-cs"/>
+              </a:rPr>
+              <a:t>CONSTRAINT `</a:t>
+            </a:r>
+            <a:r>
+              <a:rPr lang="en-US" sz="1800" dirty="0" err="1">
+                <a:latin typeface="Hind"/>
+                <a:ea typeface="+mj-ea"/>
+                <a:cs typeface="+mj-cs"/>
+              </a:rPr>
+              <a:t>view_id_user</a:t>
+            </a:r>
+            <a:r>
+              <a:rPr lang="en-US" sz="1800" dirty="0">
+                <a:latin typeface="Hind"/>
+                <a:ea typeface="+mj-ea"/>
+                <a:cs typeface="+mj-cs"/>
+              </a:rPr>
+              <a:t>`    FOREIGN KEY (`</a:t>
+            </a:r>
+            <a:r>
+              <a:rPr lang="en-US" sz="1800" dirty="0" err="1">
+                <a:latin typeface="Hind"/>
+                <a:ea typeface="+mj-ea"/>
+                <a:cs typeface="+mj-cs"/>
+              </a:rPr>
+              <a:t>id_user</a:t>
+            </a:r>
+            <a:r>
+              <a:rPr lang="en-US" sz="1800" dirty="0">
+                <a:latin typeface="Hind"/>
+                <a:ea typeface="+mj-ea"/>
+                <a:cs typeface="+mj-cs"/>
+              </a:rPr>
+              <a:t>`)    REFERENCES `user` (`id`)    ON DELETE CASCADE    ON UPDATE CASCADE)</a:t>
+            </a:r>
+          </a:p>
+        </p:txBody>
+      </p:sp>
+    </p:spTree>
+    <p:extLst>
+      <p:ext uri="{BB962C8B-B14F-4D97-AF65-F5344CB8AC3E}">
+        <p14:creationId xmlns:p14="http://schemas.microsoft.com/office/powerpoint/2010/main" val="145711944"/>
+      </p:ext>
+    </p:extLst>
+  </p:cSld>
+  <p:clrMapOvr>
+    <a:masterClrMapping/>
+  </p:clrMapOvr>
+</p:sld>
+</file>
+
+<file path=ppt/slides/slide14.xml><?xml version="1.0" encoding="utf-8"?>
+<p:sld xmlns:a="http://schemas.openxmlformats.org/drawingml/2006/main" xmlns:r="http://schemas.openxmlformats.org/officeDocument/2006/relationships" xmlns:p="http://schemas.openxmlformats.org/presentationml/2006/main">
+  <p:cSld>
+    <p:spTree>
+      <p:nvGrpSpPr>
+        <p:cNvPr id="1" name=""/>
+        <p:cNvGrpSpPr/>
+        <p:nvPr/>
+      </p:nvGrpSpPr>
+      <p:grpSpPr>
+        <a:xfrm>
+          <a:off x="0" y="0"/>
+          <a:ext cx="0" cy="0"/>
+          <a:chOff x="0" y="0"/>
+          <a:chExt cx="0" cy="0"/>
+        </a:xfrm>
+      </p:grpSpPr>
+      <p:sp>
+        <p:nvSpPr>
+          <p:cNvPr id="2" name="Titolo 1">
+            <a:extLst>
+              <a:ext uri="{FF2B5EF4-FFF2-40B4-BE49-F238E27FC236}">
+                <a16:creationId xmlns:a16="http://schemas.microsoft.com/office/drawing/2014/main" id="{21046205-7257-47FD-A07F-1B1048C90351}"/>
+              </a:ext>
+            </a:extLst>
+          </p:cNvPr>
+          <p:cNvSpPr>
+            <a:spLocks noGrp="1"/>
+          </p:cNvSpPr>
+          <p:nvPr>
+            <p:ph type="title"/>
+          </p:nvPr>
+        </p:nvSpPr>
+        <p:spPr/>
+        <p:txBody>
+          <a:bodyPr>
+            <a:normAutofit/>
+          </a:bodyPr>
+          <a:lstStyle/>
+          <a:p>
+            <a:r>
+              <a:rPr lang="it-IT" sz="4000" b="1" dirty="0">
+                <a:latin typeface="Hind"/>
+              </a:rPr>
+              <a:t>Design del Database </a:t>
+            </a:r>
+            <a:r>
+              <a:rPr lang="it-IT" sz="4000" dirty="0"/>
+              <a:t>– </a:t>
+            </a:r>
+            <a:r>
+              <a:rPr lang="it-IT" sz="4000" dirty="0">
+                <a:latin typeface="Hind"/>
+              </a:rPr>
+              <a:t>Definizione delle tabelle</a:t>
+            </a:r>
+          </a:p>
+        </p:txBody>
+      </p:sp>
+      <p:sp>
+        <p:nvSpPr>
+          <p:cNvPr id="3" name="Segnaposto contenuto 2">
+            <a:extLst>
+              <a:ext uri="{FF2B5EF4-FFF2-40B4-BE49-F238E27FC236}">
+                <a16:creationId xmlns:a16="http://schemas.microsoft.com/office/drawing/2014/main" id="{80869FFB-E925-4364-8C80-6479C4DD48B5}"/>
+              </a:ext>
+            </a:extLst>
+          </p:cNvPr>
+          <p:cNvSpPr>
+            <a:spLocks noGrp="1"/>
+          </p:cNvSpPr>
+          <p:nvPr>
+            <p:ph idx="1"/>
+          </p:nvPr>
+        </p:nvSpPr>
+        <p:spPr>
+          <a:xfrm>
+            <a:off x="838200" y="1825624"/>
+            <a:ext cx="10515600" cy="4840989"/>
+          </a:xfrm>
+        </p:spPr>
+        <p:txBody>
+          <a:bodyPr>
+            <a:normAutofit fontScale="92500" lnSpcReduction="10000"/>
+          </a:bodyPr>
+          <a:lstStyle/>
+          <a:p>
+            <a:pPr marL="0" indent="0">
+              <a:buNone/>
+            </a:pPr>
+            <a:r>
+              <a:rPr lang="it-IT" sz="1800" dirty="0">
+                <a:solidFill>
+                  <a:srgbClr val="000000"/>
+                </a:solidFill>
+                <a:effectLst/>
+                <a:latin typeface="Calibri" panose="020F0502020204030204" pitchFamily="34" charset="0"/>
+                <a:ea typeface="Times New Roman" panose="02020603050405020304" pitchFamily="18" charset="0"/>
+              </a:rPr>
+              <a:t>«Un </a:t>
+            </a:r>
+            <a:r>
+              <a:rPr lang="it-IT" sz="1800" b="1" dirty="0">
+                <a:solidFill>
+                  <a:srgbClr val="FFC000"/>
+                </a:solidFill>
+                <a:effectLst/>
+                <a:latin typeface="Calibri" panose="020F0502020204030204" pitchFamily="34" charset="0"/>
+                <a:ea typeface="Times New Roman" panose="02020603050405020304" pitchFamily="18" charset="0"/>
+              </a:rPr>
+              <a:t>ordine</a:t>
+            </a:r>
+            <a:r>
+              <a:rPr lang="it-IT" sz="1800" dirty="0">
+                <a:solidFill>
+                  <a:srgbClr val="000000"/>
+                </a:solidFill>
+                <a:effectLst/>
+                <a:latin typeface="Calibri" panose="020F0502020204030204" pitchFamily="34" charset="0"/>
+                <a:ea typeface="Times New Roman" panose="02020603050405020304" pitchFamily="18" charset="0"/>
+              </a:rPr>
+              <a:t> ha un </a:t>
+            </a:r>
+            <a:r>
+              <a:rPr lang="it-IT" sz="1800" dirty="0">
+                <a:solidFill>
+                  <a:srgbClr val="FF0000"/>
+                </a:solidFill>
+                <a:effectLst/>
+                <a:latin typeface="Calibri" panose="020F0502020204030204" pitchFamily="34" charset="0"/>
+                <a:ea typeface="Times New Roman" panose="02020603050405020304" pitchFamily="18" charset="0"/>
+              </a:rPr>
+              <a:t>codice</a:t>
+            </a:r>
+            <a:r>
+              <a:rPr lang="it-IT" sz="1800" dirty="0">
+                <a:solidFill>
+                  <a:srgbClr val="000000"/>
+                </a:solidFill>
+                <a:effectLst/>
+                <a:latin typeface="Calibri" panose="020F0502020204030204" pitchFamily="34" charset="0"/>
+                <a:ea typeface="Times New Roman" panose="02020603050405020304" pitchFamily="18" charset="0"/>
+              </a:rPr>
+              <a:t>, il </a:t>
+            </a:r>
+            <a:r>
+              <a:rPr lang="it-IT" sz="1800" dirty="0">
+                <a:solidFill>
+                  <a:srgbClr val="FF0000"/>
+                </a:solidFill>
+                <a:effectLst/>
+                <a:latin typeface="Calibri" panose="020F0502020204030204" pitchFamily="34" charset="0"/>
+                <a:ea typeface="Times New Roman" panose="02020603050405020304" pitchFamily="18" charset="0"/>
+              </a:rPr>
+              <a:t>nome</a:t>
+            </a:r>
+            <a:r>
+              <a:rPr lang="it-IT" sz="1800" dirty="0">
+                <a:solidFill>
+                  <a:srgbClr val="000000"/>
+                </a:solidFill>
+                <a:effectLst/>
+                <a:latin typeface="Calibri" panose="020F0502020204030204" pitchFamily="34" charset="0"/>
+                <a:ea typeface="Times New Roman" panose="02020603050405020304" pitchFamily="18" charset="0"/>
+              </a:rPr>
+              <a:t> </a:t>
+            </a:r>
+            <a:r>
+              <a:rPr lang="it-IT" sz="1800" dirty="0">
+                <a:solidFill>
+                  <a:srgbClr val="FF0000"/>
+                </a:solidFill>
+                <a:effectLst/>
+                <a:latin typeface="Calibri" panose="020F0502020204030204" pitchFamily="34" charset="0"/>
+                <a:ea typeface="Times New Roman" panose="02020603050405020304" pitchFamily="18" charset="0"/>
+              </a:rPr>
+              <a:t>del fornitore</a:t>
+            </a:r>
+            <a:r>
+              <a:rPr lang="it-IT" sz="1800" dirty="0">
+                <a:solidFill>
+                  <a:srgbClr val="000000"/>
+                </a:solidFill>
+                <a:effectLst/>
+                <a:latin typeface="Calibri" panose="020F0502020204030204" pitchFamily="34" charset="0"/>
+                <a:ea typeface="Times New Roman" panose="02020603050405020304" pitchFamily="18" charset="0"/>
+              </a:rPr>
+              <a:t>, </a:t>
+            </a:r>
+            <a:r>
+              <a:rPr lang="it-IT" sz="1800" dirty="0">
+                <a:solidFill>
+                  <a:srgbClr val="FF0000"/>
+                </a:solidFill>
+                <a:effectLst/>
+                <a:latin typeface="Calibri" panose="020F0502020204030204" pitchFamily="34" charset="0"/>
+                <a:ea typeface="Times New Roman" panose="02020603050405020304" pitchFamily="18" charset="0"/>
+              </a:rPr>
+              <a:t>l’elenco degli articoli</a:t>
+            </a:r>
+            <a:r>
+              <a:rPr lang="it-IT" sz="1800" dirty="0">
+                <a:solidFill>
+                  <a:srgbClr val="000000"/>
+                </a:solidFill>
+                <a:effectLst/>
+                <a:latin typeface="Calibri" panose="020F0502020204030204" pitchFamily="34" charset="0"/>
+                <a:ea typeface="Times New Roman" panose="02020603050405020304" pitchFamily="18" charset="0"/>
+              </a:rPr>
+              <a:t>, un </a:t>
+            </a:r>
+            <a:r>
+              <a:rPr lang="it-IT" sz="1800" dirty="0">
+                <a:solidFill>
+                  <a:srgbClr val="FF0000"/>
+                </a:solidFill>
+                <a:effectLst/>
+                <a:latin typeface="Calibri" panose="020F0502020204030204" pitchFamily="34" charset="0"/>
+                <a:ea typeface="Times New Roman" panose="02020603050405020304" pitchFamily="18" charset="0"/>
+              </a:rPr>
+              <a:t>valore </a:t>
+            </a:r>
+            <a:r>
+              <a:rPr lang="it-IT" sz="1800" dirty="0">
+                <a:solidFill>
+                  <a:srgbClr val="000000"/>
+                </a:solidFill>
+                <a:effectLst/>
+                <a:latin typeface="Calibri" panose="020F0502020204030204" pitchFamily="34" charset="0"/>
+                <a:ea typeface="Times New Roman" panose="02020603050405020304" pitchFamily="18" charset="0"/>
+              </a:rPr>
+              <a:t>totale composto dalla somma del valore degli articoli e delle spese di spedizione, una </a:t>
+            </a:r>
+            <a:r>
+              <a:rPr lang="it-IT" sz="1800" dirty="0">
+                <a:solidFill>
+                  <a:srgbClr val="FF0000"/>
+                </a:solidFill>
+                <a:effectLst/>
+                <a:latin typeface="Calibri" panose="020F0502020204030204" pitchFamily="34" charset="0"/>
+                <a:ea typeface="Times New Roman" panose="02020603050405020304" pitchFamily="18" charset="0"/>
+              </a:rPr>
+              <a:t>data</a:t>
+            </a:r>
+            <a:r>
+              <a:rPr lang="it-IT" sz="1800" dirty="0">
+                <a:solidFill>
+                  <a:srgbClr val="000000"/>
+                </a:solidFill>
+                <a:effectLst/>
+                <a:latin typeface="Calibri" panose="020F0502020204030204" pitchFamily="34" charset="0"/>
+                <a:ea typeface="Times New Roman" panose="02020603050405020304" pitchFamily="18" charset="0"/>
+              </a:rPr>
+              <a:t> di spedizione e </a:t>
+            </a:r>
+            <a:r>
+              <a:rPr lang="it-IT" sz="1800" dirty="0">
+                <a:solidFill>
+                  <a:srgbClr val="FF0000"/>
+                </a:solidFill>
+                <a:effectLst/>
+                <a:latin typeface="Calibri" panose="020F0502020204030204" pitchFamily="34" charset="0"/>
+                <a:ea typeface="Times New Roman" panose="02020603050405020304" pitchFamily="18" charset="0"/>
+              </a:rPr>
+              <a:t>l’indirizzo</a:t>
+            </a:r>
+            <a:r>
+              <a:rPr lang="it-IT" sz="1800" dirty="0">
+                <a:solidFill>
+                  <a:srgbClr val="000000"/>
+                </a:solidFill>
+                <a:effectLst/>
+                <a:latin typeface="Calibri" panose="020F0502020204030204" pitchFamily="34" charset="0"/>
+                <a:ea typeface="Times New Roman" panose="02020603050405020304" pitchFamily="18" charset="0"/>
+              </a:rPr>
+              <a:t> di spedizione dell’utente.</a:t>
+            </a:r>
+            <a:r>
+              <a:rPr lang="it-IT" sz="1800" dirty="0">
+                <a:solidFill>
+                  <a:srgbClr val="000000"/>
+                </a:solidFill>
+                <a:latin typeface="Calibri" panose="020F0502020204030204" pitchFamily="34" charset="0"/>
+                <a:ea typeface="Times New Roman" panose="02020603050405020304" pitchFamily="18" charset="0"/>
+              </a:rPr>
+              <a:t>»</a:t>
+            </a:r>
+          </a:p>
+          <a:p>
+            <a:pPr marL="0" indent="0">
+              <a:buNone/>
+            </a:pPr>
+            <a:r>
+              <a:rPr lang="it-IT" sz="1800" dirty="0">
+                <a:solidFill>
+                  <a:srgbClr val="000000"/>
+                </a:solidFill>
+                <a:latin typeface="Calibri" panose="020F0502020204030204" pitchFamily="34" charset="0"/>
+                <a:ea typeface="Times New Roman" panose="02020603050405020304" pitchFamily="18" charset="0"/>
+              </a:rPr>
+              <a:t>Abbiamo deciso di salvare le informazioni necessarie in due tabelle, una contenente i dati dell’ordine e una contenete i dettagli riguardanti il contenuto dell’ordine.</a:t>
+            </a:r>
+          </a:p>
+          <a:p>
+            <a:pPr marL="0" indent="0">
+              <a:buNone/>
+            </a:pPr>
+            <a:endParaRPr lang="en-US" sz="1800" dirty="0">
+              <a:latin typeface="Hind"/>
+              <a:ea typeface="+mj-ea"/>
+              <a:cs typeface="+mj-cs"/>
+            </a:endParaRPr>
+          </a:p>
+          <a:p>
+            <a:pPr marL="0" indent="0">
+              <a:buNone/>
+            </a:pPr>
+            <a:r>
+              <a:rPr lang="en-US" sz="1800" dirty="0">
+                <a:latin typeface="Hind"/>
+                <a:ea typeface="+mj-ea"/>
+                <a:cs typeface="+mj-cs"/>
+              </a:rPr>
+              <a:t>CREATE TABLE IF NOT EXISTS `</a:t>
+            </a:r>
+            <a:r>
+              <a:rPr lang="en-US" sz="1800" dirty="0" err="1">
+                <a:solidFill>
+                  <a:srgbClr val="FFC000"/>
+                </a:solidFill>
+                <a:latin typeface="Hind"/>
+                <a:ea typeface="+mj-ea"/>
+                <a:cs typeface="+mj-cs"/>
+              </a:rPr>
+              <a:t>order_info</a:t>
+            </a:r>
+            <a:r>
+              <a:rPr lang="en-US" sz="1800" dirty="0">
+                <a:latin typeface="Hind"/>
+                <a:ea typeface="+mj-ea"/>
+                <a:cs typeface="+mj-cs"/>
+              </a:rPr>
+              <a:t>` (  </a:t>
+            </a:r>
+          </a:p>
+          <a:p>
+            <a:pPr marL="0" indent="0">
+              <a:buNone/>
+            </a:pPr>
+            <a:r>
+              <a:rPr lang="en-US" sz="1800" dirty="0">
+                <a:latin typeface="Hind"/>
+                <a:ea typeface="+mj-ea"/>
+                <a:cs typeface="+mj-cs"/>
+              </a:rPr>
+              <a:t>`id` CHAR(36) NOT NULL,  </a:t>
+            </a:r>
+          </a:p>
+          <a:p>
+            <a:pPr marL="0" indent="0">
+              <a:buNone/>
+            </a:pPr>
+            <a:r>
+              <a:rPr lang="en-US" sz="1800" dirty="0">
+                <a:latin typeface="Hind"/>
+                <a:ea typeface="+mj-ea"/>
+                <a:cs typeface="+mj-cs"/>
+              </a:rPr>
+              <a:t>`</a:t>
+            </a:r>
+            <a:r>
+              <a:rPr lang="en-US" sz="1800" dirty="0" err="1">
+                <a:latin typeface="Hind"/>
+                <a:ea typeface="+mj-ea"/>
+                <a:cs typeface="+mj-cs"/>
+              </a:rPr>
+              <a:t>id_user</a:t>
+            </a:r>
+            <a:r>
+              <a:rPr lang="en-US" sz="1800" dirty="0">
+                <a:latin typeface="Hind"/>
+                <a:ea typeface="+mj-ea"/>
+                <a:cs typeface="+mj-cs"/>
+              </a:rPr>
+              <a:t>` INT NOT NULL, </a:t>
+            </a:r>
+          </a:p>
+          <a:p>
+            <a:pPr marL="0" indent="0">
+              <a:buNone/>
+            </a:pPr>
+            <a:r>
+              <a:rPr lang="en-US" sz="1800" dirty="0">
+                <a:latin typeface="Hind"/>
+                <a:ea typeface="+mj-ea"/>
+                <a:cs typeface="+mj-cs"/>
+              </a:rPr>
+              <a:t>`</a:t>
+            </a:r>
+            <a:r>
+              <a:rPr lang="en-US" sz="1800" dirty="0" err="1">
+                <a:latin typeface="Hind"/>
+                <a:ea typeface="+mj-ea"/>
+                <a:cs typeface="+mj-cs"/>
+              </a:rPr>
+              <a:t>id_vendor</a:t>
+            </a:r>
+            <a:r>
+              <a:rPr lang="en-US" sz="1800" dirty="0">
+                <a:latin typeface="Hind"/>
+                <a:ea typeface="+mj-ea"/>
+                <a:cs typeface="+mj-cs"/>
+              </a:rPr>
+              <a:t>` INT NOT NULL,  </a:t>
+            </a:r>
+          </a:p>
+          <a:p>
+            <a:pPr marL="0" indent="0">
+              <a:buNone/>
+            </a:pPr>
+            <a:r>
+              <a:rPr lang="en-US" sz="1800" dirty="0">
+                <a:latin typeface="Hind"/>
+                <a:ea typeface="+mj-ea"/>
+                <a:cs typeface="+mj-cs"/>
+              </a:rPr>
+              <a:t>`date` TIMESTAMP NOT NULL,  </a:t>
+            </a:r>
+          </a:p>
+          <a:p>
+            <a:pPr marL="0" indent="0">
+              <a:buNone/>
+            </a:pPr>
+            <a:r>
+              <a:rPr lang="en-US" sz="1800" dirty="0">
+                <a:latin typeface="Hind"/>
+                <a:ea typeface="+mj-ea"/>
+                <a:cs typeface="+mj-cs"/>
+              </a:rPr>
+              <a:t>`</a:t>
+            </a:r>
+            <a:r>
+              <a:rPr lang="en-US" sz="1800" dirty="0" err="1">
+                <a:latin typeface="Hind"/>
+                <a:ea typeface="+mj-ea"/>
+                <a:cs typeface="+mj-cs"/>
+              </a:rPr>
+              <a:t>shipping_cost</a:t>
+            </a:r>
+            <a:r>
+              <a:rPr lang="en-US" sz="1800" dirty="0">
+                <a:latin typeface="Hind"/>
+                <a:ea typeface="+mj-ea"/>
+                <a:cs typeface="+mj-cs"/>
+              </a:rPr>
+              <a:t>` FLOAT NOT NULL,  </a:t>
+            </a:r>
+          </a:p>
+          <a:p>
+            <a:pPr marL="0" indent="0">
+              <a:buNone/>
+            </a:pPr>
+            <a:r>
+              <a:rPr lang="en-US" sz="1800" dirty="0">
+                <a:latin typeface="Hind"/>
+                <a:ea typeface="+mj-ea"/>
+                <a:cs typeface="+mj-cs"/>
+              </a:rPr>
+              <a:t>PRIMARY KEY (`id`),  </a:t>
+            </a:r>
+          </a:p>
+          <a:p>
+            <a:pPr marL="0" indent="0">
+              <a:buNone/>
+            </a:pPr>
+            <a:r>
+              <a:rPr lang="en-US" sz="1800" dirty="0">
+                <a:latin typeface="Hind"/>
+                <a:ea typeface="+mj-ea"/>
+                <a:cs typeface="+mj-cs"/>
+              </a:rPr>
+              <a:t>CONSTRAINT `</a:t>
+            </a:r>
+            <a:r>
+              <a:rPr lang="en-US" sz="1800" dirty="0" err="1">
+                <a:latin typeface="Hind"/>
+                <a:ea typeface="+mj-ea"/>
+                <a:cs typeface="+mj-cs"/>
+              </a:rPr>
+              <a:t>order_info_id_user</a:t>
+            </a:r>
+            <a:r>
+              <a:rPr lang="en-US" sz="1800" dirty="0">
+                <a:latin typeface="Hind"/>
+                <a:ea typeface="+mj-ea"/>
+                <a:cs typeface="+mj-cs"/>
+              </a:rPr>
+              <a:t>`    FOREIGN KEY (`</a:t>
+            </a:r>
+            <a:r>
+              <a:rPr lang="en-US" sz="1800" dirty="0" err="1">
+                <a:latin typeface="Hind"/>
+                <a:ea typeface="+mj-ea"/>
+                <a:cs typeface="+mj-cs"/>
+              </a:rPr>
+              <a:t>id_user</a:t>
+            </a:r>
+            <a:r>
+              <a:rPr lang="en-US" sz="1800" dirty="0">
+                <a:latin typeface="Hind"/>
+                <a:ea typeface="+mj-ea"/>
+                <a:cs typeface="+mj-cs"/>
+              </a:rPr>
+              <a:t>`)    REFERENCES `user` (`id`)    ON UPDATE CASCADE,  </a:t>
+            </a:r>
+          </a:p>
+          <a:p>
+            <a:pPr marL="0" indent="0">
+              <a:buNone/>
+            </a:pPr>
+            <a:r>
+              <a:rPr lang="en-US" sz="1800" dirty="0">
+                <a:latin typeface="Hind"/>
+                <a:ea typeface="+mj-ea"/>
+                <a:cs typeface="+mj-cs"/>
+              </a:rPr>
+              <a:t>CONSTRAINT `</a:t>
+            </a:r>
+            <a:r>
+              <a:rPr lang="en-US" sz="1800" dirty="0" err="1">
+                <a:latin typeface="Hind"/>
+                <a:ea typeface="+mj-ea"/>
+                <a:cs typeface="+mj-cs"/>
+              </a:rPr>
+              <a:t>order_info_id_vendor</a:t>
+            </a:r>
+            <a:r>
+              <a:rPr lang="en-US" sz="1800" dirty="0">
+                <a:latin typeface="Hind"/>
+                <a:ea typeface="+mj-ea"/>
+                <a:cs typeface="+mj-cs"/>
+              </a:rPr>
+              <a:t>`    FOREIGN KEY (`</a:t>
+            </a:r>
+            <a:r>
+              <a:rPr lang="en-US" sz="1800" dirty="0" err="1">
+                <a:latin typeface="Hind"/>
+                <a:ea typeface="+mj-ea"/>
+                <a:cs typeface="+mj-cs"/>
+              </a:rPr>
+              <a:t>id_vendor</a:t>
+            </a:r>
+            <a:r>
+              <a:rPr lang="en-US" sz="1800" dirty="0">
+                <a:latin typeface="Hind"/>
+                <a:ea typeface="+mj-ea"/>
+                <a:cs typeface="+mj-cs"/>
+              </a:rPr>
+              <a:t>`)    REFERENCES `vendor` (`id`)    ON UPDATE CASCADE)</a:t>
+            </a:r>
+          </a:p>
+        </p:txBody>
+      </p:sp>
+    </p:spTree>
+    <p:extLst>
+      <p:ext uri="{BB962C8B-B14F-4D97-AF65-F5344CB8AC3E}">
+        <p14:creationId xmlns:p14="http://schemas.microsoft.com/office/powerpoint/2010/main" val="2740465825"/>
+      </p:ext>
+    </p:extLst>
+  </p:cSld>
+  <p:clrMapOvr>
+    <a:masterClrMapping/>
+  </p:clrMapOvr>
+</p:sld>
+</file>
+
+<file path=ppt/slides/slide15.xml><?xml version="1.0" encoding="utf-8"?>
+<p:sld xmlns:a="http://schemas.openxmlformats.org/drawingml/2006/main" xmlns:r="http://schemas.openxmlformats.org/officeDocument/2006/relationships" xmlns:p="http://schemas.openxmlformats.org/presentationml/2006/main">
+  <p:cSld>
+    <p:spTree>
+      <p:nvGrpSpPr>
+        <p:cNvPr id="1" name=""/>
+        <p:cNvGrpSpPr/>
+        <p:nvPr/>
+      </p:nvGrpSpPr>
+      <p:grpSpPr>
+        <a:xfrm>
+          <a:off x="0" y="0"/>
+          <a:ext cx="0" cy="0"/>
+          <a:chOff x="0" y="0"/>
+          <a:chExt cx="0" cy="0"/>
+        </a:xfrm>
+      </p:grpSpPr>
+      <p:sp>
+        <p:nvSpPr>
+          <p:cNvPr id="2" name="Titolo 1">
+            <a:extLst>
+              <a:ext uri="{FF2B5EF4-FFF2-40B4-BE49-F238E27FC236}">
+                <a16:creationId xmlns:a16="http://schemas.microsoft.com/office/drawing/2014/main" id="{21046205-7257-47FD-A07F-1B1048C90351}"/>
+              </a:ext>
+            </a:extLst>
+          </p:cNvPr>
+          <p:cNvSpPr>
+            <a:spLocks noGrp="1"/>
+          </p:cNvSpPr>
+          <p:nvPr>
+            <p:ph type="title"/>
+          </p:nvPr>
+        </p:nvSpPr>
+        <p:spPr/>
+        <p:txBody>
+          <a:bodyPr>
+            <a:normAutofit/>
+          </a:bodyPr>
+          <a:lstStyle/>
+          <a:p>
+            <a:r>
+              <a:rPr lang="it-IT" sz="4000" b="1" dirty="0">
+                <a:latin typeface="Hind"/>
+              </a:rPr>
+              <a:t>Design del Database </a:t>
+            </a:r>
+            <a:r>
+              <a:rPr lang="it-IT" sz="4000" dirty="0"/>
+              <a:t>– </a:t>
+            </a:r>
+            <a:r>
+              <a:rPr lang="it-IT" sz="4000" dirty="0">
+                <a:latin typeface="Hind"/>
+              </a:rPr>
+              <a:t>Definizione delle tabelle</a:t>
+            </a:r>
+          </a:p>
+        </p:txBody>
+      </p:sp>
+      <p:sp>
+        <p:nvSpPr>
+          <p:cNvPr id="3" name="Segnaposto contenuto 2">
+            <a:extLst>
+              <a:ext uri="{FF2B5EF4-FFF2-40B4-BE49-F238E27FC236}">
+                <a16:creationId xmlns:a16="http://schemas.microsoft.com/office/drawing/2014/main" id="{80869FFB-E925-4364-8C80-6479C4DD48B5}"/>
+              </a:ext>
+            </a:extLst>
+          </p:cNvPr>
+          <p:cNvSpPr>
+            <a:spLocks noGrp="1"/>
+          </p:cNvSpPr>
+          <p:nvPr>
+            <p:ph idx="1"/>
+          </p:nvPr>
+        </p:nvSpPr>
+        <p:spPr/>
+        <p:txBody>
+          <a:bodyPr>
+            <a:normAutofit fontScale="92500" lnSpcReduction="10000"/>
+          </a:bodyPr>
+          <a:lstStyle/>
+          <a:p>
+            <a:pPr marL="0" indent="0">
+              <a:buNone/>
+            </a:pPr>
+            <a:r>
+              <a:rPr lang="it-IT" sz="1800" dirty="0">
+                <a:solidFill>
+                  <a:srgbClr val="000000"/>
+                </a:solidFill>
+                <a:effectLst/>
+                <a:latin typeface="Calibri" panose="020F0502020204030204" pitchFamily="34" charset="0"/>
+                <a:ea typeface="Times New Roman" panose="02020603050405020304" pitchFamily="18" charset="0"/>
+              </a:rPr>
+              <a:t>«Un </a:t>
+            </a:r>
+            <a:r>
+              <a:rPr lang="it-IT" sz="1800" b="1" dirty="0">
+                <a:solidFill>
+                  <a:srgbClr val="FFC000"/>
+                </a:solidFill>
+                <a:effectLst/>
+                <a:latin typeface="Calibri" panose="020F0502020204030204" pitchFamily="34" charset="0"/>
+                <a:ea typeface="Times New Roman" panose="02020603050405020304" pitchFamily="18" charset="0"/>
+              </a:rPr>
+              <a:t>ordine</a:t>
+            </a:r>
+            <a:r>
+              <a:rPr lang="it-IT" sz="1800" dirty="0">
+                <a:solidFill>
+                  <a:srgbClr val="000000"/>
+                </a:solidFill>
+                <a:effectLst/>
+                <a:latin typeface="Calibri" panose="020F0502020204030204" pitchFamily="34" charset="0"/>
+                <a:ea typeface="Times New Roman" panose="02020603050405020304" pitchFamily="18" charset="0"/>
+              </a:rPr>
+              <a:t> ha un </a:t>
+            </a:r>
+            <a:r>
+              <a:rPr lang="it-IT" sz="1800" dirty="0">
+                <a:solidFill>
+                  <a:srgbClr val="FF0000"/>
+                </a:solidFill>
+                <a:effectLst/>
+                <a:latin typeface="Calibri" panose="020F0502020204030204" pitchFamily="34" charset="0"/>
+                <a:ea typeface="Times New Roman" panose="02020603050405020304" pitchFamily="18" charset="0"/>
+              </a:rPr>
+              <a:t>codice</a:t>
+            </a:r>
+            <a:r>
+              <a:rPr lang="it-IT" sz="1800" dirty="0">
+                <a:solidFill>
+                  <a:srgbClr val="000000"/>
+                </a:solidFill>
+                <a:effectLst/>
+                <a:latin typeface="Calibri" panose="020F0502020204030204" pitchFamily="34" charset="0"/>
+                <a:ea typeface="Times New Roman" panose="02020603050405020304" pitchFamily="18" charset="0"/>
+              </a:rPr>
+              <a:t>, il </a:t>
+            </a:r>
+            <a:r>
+              <a:rPr lang="it-IT" sz="1800" dirty="0">
+                <a:solidFill>
+                  <a:srgbClr val="FF0000"/>
+                </a:solidFill>
+                <a:effectLst/>
+                <a:latin typeface="Calibri" panose="020F0502020204030204" pitchFamily="34" charset="0"/>
+                <a:ea typeface="Times New Roman" panose="02020603050405020304" pitchFamily="18" charset="0"/>
+              </a:rPr>
+              <a:t>nome</a:t>
+            </a:r>
+            <a:r>
+              <a:rPr lang="it-IT" sz="1800" dirty="0">
+                <a:solidFill>
+                  <a:srgbClr val="000000"/>
+                </a:solidFill>
+                <a:effectLst/>
+                <a:latin typeface="Calibri" panose="020F0502020204030204" pitchFamily="34" charset="0"/>
+                <a:ea typeface="Times New Roman" panose="02020603050405020304" pitchFamily="18" charset="0"/>
+              </a:rPr>
+              <a:t> </a:t>
+            </a:r>
+            <a:r>
+              <a:rPr lang="it-IT" sz="1800" dirty="0">
+                <a:solidFill>
+                  <a:srgbClr val="FF0000"/>
+                </a:solidFill>
+                <a:effectLst/>
+                <a:latin typeface="Calibri" panose="020F0502020204030204" pitchFamily="34" charset="0"/>
+                <a:ea typeface="Times New Roman" panose="02020603050405020304" pitchFamily="18" charset="0"/>
+              </a:rPr>
+              <a:t>del fornitore</a:t>
+            </a:r>
+            <a:r>
+              <a:rPr lang="it-IT" sz="1800" dirty="0">
+                <a:solidFill>
+                  <a:srgbClr val="000000"/>
+                </a:solidFill>
+                <a:effectLst/>
+                <a:latin typeface="Calibri" panose="020F0502020204030204" pitchFamily="34" charset="0"/>
+                <a:ea typeface="Times New Roman" panose="02020603050405020304" pitchFamily="18" charset="0"/>
+              </a:rPr>
+              <a:t>, </a:t>
+            </a:r>
+            <a:r>
+              <a:rPr lang="it-IT" sz="1800" dirty="0">
+                <a:solidFill>
+                  <a:srgbClr val="FF0000"/>
+                </a:solidFill>
+                <a:effectLst/>
+                <a:latin typeface="Calibri" panose="020F0502020204030204" pitchFamily="34" charset="0"/>
+                <a:ea typeface="Times New Roman" panose="02020603050405020304" pitchFamily="18" charset="0"/>
+              </a:rPr>
+              <a:t>l’elenco degli articoli</a:t>
+            </a:r>
+            <a:r>
+              <a:rPr lang="it-IT" sz="1800" dirty="0">
+                <a:solidFill>
+                  <a:srgbClr val="000000"/>
+                </a:solidFill>
+                <a:effectLst/>
+                <a:latin typeface="Calibri" panose="020F0502020204030204" pitchFamily="34" charset="0"/>
+                <a:ea typeface="Times New Roman" panose="02020603050405020304" pitchFamily="18" charset="0"/>
+              </a:rPr>
+              <a:t>, un </a:t>
+            </a:r>
+            <a:r>
+              <a:rPr lang="it-IT" sz="1800" dirty="0">
+                <a:solidFill>
+                  <a:srgbClr val="FF0000"/>
+                </a:solidFill>
+                <a:effectLst/>
+                <a:latin typeface="Calibri" panose="020F0502020204030204" pitchFamily="34" charset="0"/>
+                <a:ea typeface="Times New Roman" panose="02020603050405020304" pitchFamily="18" charset="0"/>
+              </a:rPr>
+              <a:t>valore </a:t>
+            </a:r>
+            <a:r>
+              <a:rPr lang="it-IT" sz="1800" dirty="0">
+                <a:solidFill>
+                  <a:srgbClr val="000000"/>
+                </a:solidFill>
+                <a:effectLst/>
+                <a:latin typeface="Calibri" panose="020F0502020204030204" pitchFamily="34" charset="0"/>
+                <a:ea typeface="Times New Roman" panose="02020603050405020304" pitchFamily="18" charset="0"/>
+              </a:rPr>
+              <a:t>totale composto dalla somma del valore degli articoli e delle spese di spedizione, una </a:t>
+            </a:r>
+            <a:r>
+              <a:rPr lang="it-IT" sz="1800" dirty="0">
+                <a:solidFill>
+                  <a:srgbClr val="FF0000"/>
+                </a:solidFill>
+                <a:effectLst/>
+                <a:latin typeface="Calibri" panose="020F0502020204030204" pitchFamily="34" charset="0"/>
+                <a:ea typeface="Times New Roman" panose="02020603050405020304" pitchFamily="18" charset="0"/>
+              </a:rPr>
+              <a:t>data</a:t>
+            </a:r>
+            <a:r>
+              <a:rPr lang="it-IT" sz="1800" dirty="0">
+                <a:solidFill>
+                  <a:srgbClr val="000000"/>
+                </a:solidFill>
+                <a:effectLst/>
+                <a:latin typeface="Calibri" panose="020F0502020204030204" pitchFamily="34" charset="0"/>
+                <a:ea typeface="Times New Roman" panose="02020603050405020304" pitchFamily="18" charset="0"/>
+              </a:rPr>
+              <a:t> di spedizione e </a:t>
+            </a:r>
+            <a:r>
+              <a:rPr lang="it-IT" sz="1800" dirty="0">
+                <a:solidFill>
+                  <a:srgbClr val="FF0000"/>
+                </a:solidFill>
+                <a:effectLst/>
+                <a:latin typeface="Calibri" panose="020F0502020204030204" pitchFamily="34" charset="0"/>
+                <a:ea typeface="Times New Roman" panose="02020603050405020304" pitchFamily="18" charset="0"/>
+              </a:rPr>
+              <a:t>l’indirizzo</a:t>
+            </a:r>
+            <a:r>
+              <a:rPr lang="it-IT" sz="1800" dirty="0">
+                <a:solidFill>
+                  <a:srgbClr val="000000"/>
+                </a:solidFill>
+                <a:effectLst/>
+                <a:latin typeface="Calibri" panose="020F0502020204030204" pitchFamily="34" charset="0"/>
+                <a:ea typeface="Times New Roman" panose="02020603050405020304" pitchFamily="18" charset="0"/>
+              </a:rPr>
+              <a:t> di spedizione dell’utente.</a:t>
+            </a:r>
+            <a:r>
+              <a:rPr lang="it-IT" sz="1800" dirty="0">
+                <a:solidFill>
+                  <a:srgbClr val="000000"/>
+                </a:solidFill>
+                <a:latin typeface="Calibri" panose="020F0502020204030204" pitchFamily="34" charset="0"/>
+                <a:ea typeface="Times New Roman" panose="02020603050405020304" pitchFamily="18" charset="0"/>
+              </a:rPr>
+              <a:t>»</a:t>
+            </a:r>
+          </a:p>
+          <a:p>
+            <a:pPr marL="0" indent="0">
+              <a:buNone/>
+            </a:pPr>
+            <a:r>
+              <a:rPr lang="it-IT" sz="1800" dirty="0">
+                <a:solidFill>
+                  <a:srgbClr val="000000"/>
+                </a:solidFill>
+                <a:latin typeface="Calibri" panose="020F0502020204030204" pitchFamily="34" charset="0"/>
+                <a:ea typeface="Times New Roman" panose="02020603050405020304" pitchFamily="18" charset="0"/>
+              </a:rPr>
+              <a:t>Abbiamo deciso di salvare le informazioni necessarie in due tabelle, una contenente i dati dell’ordine e una contenete i dettagli riguardanti il contenuto dell’ordine.</a:t>
+            </a:r>
+          </a:p>
+          <a:p>
+            <a:pPr marL="0" indent="0">
+              <a:buNone/>
+            </a:pPr>
+            <a:endParaRPr lang="en-US" sz="1800" dirty="0">
+              <a:latin typeface="Hind"/>
+              <a:ea typeface="+mj-ea"/>
+              <a:cs typeface="+mj-cs"/>
+            </a:endParaRPr>
+          </a:p>
+          <a:p>
+            <a:pPr marL="0" indent="0">
+              <a:buNone/>
+            </a:pPr>
+            <a:r>
+              <a:rPr lang="en-US" sz="1800" dirty="0">
+                <a:latin typeface="Hind"/>
+                <a:ea typeface="+mj-ea"/>
+                <a:cs typeface="+mj-cs"/>
+              </a:rPr>
+              <a:t>CREATE TABLE IF NOT EXISTS `</a:t>
+            </a:r>
+            <a:r>
+              <a:rPr lang="en-US" sz="1800" dirty="0" err="1">
+                <a:solidFill>
+                  <a:srgbClr val="FFC000"/>
+                </a:solidFill>
+                <a:latin typeface="Hind"/>
+                <a:ea typeface="+mj-ea"/>
+                <a:cs typeface="+mj-cs"/>
+              </a:rPr>
+              <a:t>ordered_item</a:t>
+            </a:r>
+            <a:r>
+              <a:rPr lang="en-US" sz="1800" dirty="0">
+                <a:latin typeface="Hind"/>
+                <a:ea typeface="+mj-ea"/>
+                <a:cs typeface="+mj-cs"/>
+              </a:rPr>
+              <a:t>` (  </a:t>
+            </a:r>
+          </a:p>
+          <a:p>
+            <a:pPr marL="0" indent="0">
+              <a:buNone/>
+            </a:pPr>
+            <a:r>
+              <a:rPr lang="en-US" sz="1800" dirty="0">
+                <a:latin typeface="Hind"/>
+                <a:ea typeface="+mj-ea"/>
+                <a:cs typeface="+mj-cs"/>
+              </a:rPr>
+              <a:t>`</a:t>
+            </a:r>
+            <a:r>
+              <a:rPr lang="en-US" sz="1800" dirty="0" err="1">
+                <a:latin typeface="Hind"/>
+                <a:ea typeface="+mj-ea"/>
+                <a:cs typeface="+mj-cs"/>
+              </a:rPr>
+              <a:t>id_order</a:t>
+            </a:r>
+            <a:r>
+              <a:rPr lang="en-US" sz="1800" dirty="0">
+                <a:latin typeface="Hind"/>
+                <a:ea typeface="+mj-ea"/>
+                <a:cs typeface="+mj-cs"/>
+              </a:rPr>
+              <a:t>` CHAR(36) NOT NULL,  </a:t>
+            </a:r>
+          </a:p>
+          <a:p>
+            <a:pPr marL="0" indent="0">
+              <a:buNone/>
+            </a:pPr>
+            <a:r>
+              <a:rPr lang="en-US" sz="1800" dirty="0">
+                <a:latin typeface="Hind"/>
+                <a:ea typeface="+mj-ea"/>
+                <a:cs typeface="+mj-cs"/>
+              </a:rPr>
+              <a:t>`</a:t>
+            </a:r>
+            <a:r>
+              <a:rPr lang="en-US" sz="1800" dirty="0" err="1">
+                <a:latin typeface="Hind"/>
+                <a:ea typeface="+mj-ea"/>
+                <a:cs typeface="+mj-cs"/>
+              </a:rPr>
+              <a:t>id_item</a:t>
+            </a:r>
+            <a:r>
+              <a:rPr lang="en-US" sz="1800" dirty="0">
+                <a:latin typeface="Hind"/>
+                <a:ea typeface="+mj-ea"/>
+                <a:cs typeface="+mj-cs"/>
+              </a:rPr>
+              <a:t>` INT NOT NULL,  </a:t>
+            </a:r>
+          </a:p>
+          <a:p>
+            <a:pPr marL="0" indent="0">
+              <a:buNone/>
+            </a:pPr>
+            <a:r>
+              <a:rPr lang="en-US" sz="1800" dirty="0">
+                <a:latin typeface="Hind"/>
+                <a:ea typeface="+mj-ea"/>
+                <a:cs typeface="+mj-cs"/>
+              </a:rPr>
+              <a:t>`quantity` INT NOT NULL,  </a:t>
+            </a:r>
+          </a:p>
+          <a:p>
+            <a:pPr marL="0" indent="0">
+              <a:buNone/>
+            </a:pPr>
+            <a:r>
+              <a:rPr lang="en-US" sz="1800" dirty="0">
+                <a:latin typeface="Hind"/>
+                <a:ea typeface="+mj-ea"/>
+                <a:cs typeface="+mj-cs"/>
+              </a:rPr>
+              <a:t>`cost` FLOAT NOT NULL,  </a:t>
+            </a:r>
+          </a:p>
+          <a:p>
+            <a:pPr marL="0" indent="0">
+              <a:buNone/>
+            </a:pPr>
+            <a:r>
+              <a:rPr lang="en-US" sz="1800" dirty="0">
+                <a:latin typeface="Hind"/>
+                <a:ea typeface="+mj-ea"/>
+                <a:cs typeface="+mj-cs"/>
+              </a:rPr>
+              <a:t>PRIMARY KEY (`id_order`,`</a:t>
+            </a:r>
+            <a:r>
+              <a:rPr lang="en-US" sz="1800" dirty="0" err="1">
+                <a:latin typeface="Hind"/>
+                <a:ea typeface="+mj-ea"/>
+                <a:cs typeface="+mj-cs"/>
+              </a:rPr>
+              <a:t>id_item</a:t>
+            </a:r>
+            <a:r>
+              <a:rPr lang="en-US" sz="1800" dirty="0">
+                <a:latin typeface="Hind"/>
+                <a:ea typeface="+mj-ea"/>
+                <a:cs typeface="+mj-cs"/>
+              </a:rPr>
+              <a:t>`),  </a:t>
+            </a:r>
+          </a:p>
+          <a:p>
+            <a:pPr marL="0" indent="0">
+              <a:buNone/>
+            </a:pPr>
+            <a:r>
+              <a:rPr lang="en-US" sz="1800" dirty="0">
+                <a:latin typeface="Hind"/>
+                <a:ea typeface="+mj-ea"/>
+                <a:cs typeface="+mj-cs"/>
+              </a:rPr>
+              <a:t>CONSTRAINT `</a:t>
+            </a:r>
+            <a:r>
+              <a:rPr lang="en-US" sz="1800" dirty="0" err="1">
+                <a:latin typeface="Hind"/>
+                <a:ea typeface="+mj-ea"/>
+                <a:cs typeface="+mj-cs"/>
+              </a:rPr>
+              <a:t>ordered_item_id_order</a:t>
+            </a:r>
+            <a:r>
+              <a:rPr lang="en-US" sz="1800" dirty="0">
+                <a:latin typeface="Hind"/>
+                <a:ea typeface="+mj-ea"/>
+                <a:cs typeface="+mj-cs"/>
+              </a:rPr>
+              <a:t>`    FOREIGN KEY (`</a:t>
+            </a:r>
+            <a:r>
+              <a:rPr lang="en-US" sz="1800" dirty="0" err="1">
+                <a:latin typeface="Hind"/>
+                <a:ea typeface="+mj-ea"/>
+                <a:cs typeface="+mj-cs"/>
+              </a:rPr>
+              <a:t>id_order</a:t>
+            </a:r>
+            <a:r>
+              <a:rPr lang="en-US" sz="1800" dirty="0">
+                <a:latin typeface="Hind"/>
+                <a:ea typeface="+mj-ea"/>
+                <a:cs typeface="+mj-cs"/>
+              </a:rPr>
+              <a:t>`)    REFERENCES `</a:t>
+            </a:r>
+            <a:r>
+              <a:rPr lang="en-US" sz="1800" dirty="0" err="1">
+                <a:latin typeface="Hind"/>
+                <a:ea typeface="+mj-ea"/>
+                <a:cs typeface="+mj-cs"/>
+              </a:rPr>
+              <a:t>order_info</a:t>
+            </a:r>
+            <a:r>
+              <a:rPr lang="en-US" sz="1800" dirty="0">
+                <a:latin typeface="Hind"/>
+                <a:ea typeface="+mj-ea"/>
+                <a:cs typeface="+mj-cs"/>
+              </a:rPr>
+              <a:t>` (`id`)    ON UPDATE CASCADE,  </a:t>
+            </a:r>
+          </a:p>
+          <a:p>
+            <a:pPr marL="0" indent="0">
+              <a:buNone/>
+            </a:pPr>
+            <a:r>
+              <a:rPr lang="en-US" sz="1800" dirty="0">
+                <a:latin typeface="Hind"/>
+                <a:ea typeface="+mj-ea"/>
+                <a:cs typeface="+mj-cs"/>
+              </a:rPr>
+              <a:t>CONSTRAINT `</a:t>
+            </a:r>
+            <a:r>
+              <a:rPr lang="en-US" sz="1800" dirty="0" err="1">
+                <a:latin typeface="Hind"/>
+                <a:ea typeface="+mj-ea"/>
+                <a:cs typeface="+mj-cs"/>
+              </a:rPr>
+              <a:t>ordered_item_id_item</a:t>
+            </a:r>
+            <a:r>
+              <a:rPr lang="en-US" sz="1800" dirty="0">
+                <a:latin typeface="Hind"/>
+                <a:ea typeface="+mj-ea"/>
+                <a:cs typeface="+mj-cs"/>
+              </a:rPr>
+              <a:t>`    FOREIGN KEY (`</a:t>
+            </a:r>
+            <a:r>
+              <a:rPr lang="en-US" sz="1800" dirty="0" err="1">
+                <a:latin typeface="Hind"/>
+                <a:ea typeface="+mj-ea"/>
+                <a:cs typeface="+mj-cs"/>
+              </a:rPr>
+              <a:t>id_item</a:t>
+            </a:r>
+            <a:r>
+              <a:rPr lang="en-US" sz="1800" dirty="0">
+                <a:latin typeface="Hind"/>
+                <a:ea typeface="+mj-ea"/>
+                <a:cs typeface="+mj-cs"/>
+              </a:rPr>
+              <a:t>`)    REFERENCES `item` (`id`)    ON UPDATE CASCADE)</a:t>
+            </a:r>
+          </a:p>
+        </p:txBody>
+      </p:sp>
+    </p:spTree>
+    <p:extLst>
+      <p:ext uri="{BB962C8B-B14F-4D97-AF65-F5344CB8AC3E}">
+        <p14:creationId xmlns:p14="http://schemas.microsoft.com/office/powerpoint/2010/main" val="487181871"/>
+      </p:ext>
+    </p:extLst>
+  </p:cSld>
+  <p:clrMapOvr>
+    <a:masterClrMapping/>
+  </p:clrMapOvr>
+</p:sld>
+</file>
+
 <file path=ppt/slides/slide2.xml><?xml version="1.0" encoding="utf-8"?>
 <p:sld xmlns:a="http://schemas.openxmlformats.org/drawingml/2006/main" xmlns:r="http://schemas.openxmlformats.org/officeDocument/2006/relationships" xmlns:p="http://schemas.openxmlformats.org/presentationml/2006/main">
   <p:cSld>
@@ -3610,8 +6586,8 @@
           <a:lstStyle/>
           <a:p>
             <a:r>
-              <a:rPr lang="it-IT" dirty="0">
-                <a:latin typeface="Montserrat"/>
+              <a:rPr lang="it-IT" b="1" dirty="0">
+                <a:latin typeface="Hind"/>
               </a:rPr>
               <a:t>INDICE</a:t>
             </a:r>
@@ -3643,15 +6619,18 @@
           <a:p>
             <a:r>
               <a:rPr lang="it-IT" dirty="0">
-                <a:latin typeface="Montserrat"/>
-              </a:rPr>
-              <a:t>Testo con le richieste assegnate ? </a:t>
+                <a:highlight>
+                  <a:srgbClr val="FFFF00"/>
+                </a:highlight>
+                <a:latin typeface="Hind"/>
+              </a:rPr>
+              <a:t>Testo con le richieste assegnate </a:t>
             </a:r>
           </a:p>
           <a:p>
             <a:r>
               <a:rPr lang="it-IT" dirty="0">
-                <a:latin typeface="Montserrat"/>
+                <a:latin typeface="Hind"/>
               </a:rPr>
               <a:t>Strumenti utilizzati per la risoluzione</a:t>
             </a:r>
@@ -3659,15 +6638,15 @@
           <a:p>
             <a:r>
               <a:rPr lang="it-IT" dirty="0">
-                <a:latin typeface="Montserrat"/>
-              </a:rPr>
-              <a:t>Assunzioni </a:t>
+                <a:latin typeface="Hind"/>
+              </a:rPr>
+              <a:t>Assunzioni ?</a:t>
             </a:r>
           </a:p>
           <a:p>
             <a:r>
               <a:rPr lang="it-IT" dirty="0">
-                <a:latin typeface="Montserrat"/>
+                <a:latin typeface="Hind"/>
               </a:rPr>
               <a:t>Scelte implementative</a:t>
             </a:r>
@@ -3675,7 +6654,7 @@
           <a:p>
             <a:r>
               <a:rPr lang="it-IT" dirty="0">
-                <a:latin typeface="Montserrat"/>
+                <a:latin typeface="Hind"/>
               </a:rPr>
               <a:t>Ulteriori aggiunte</a:t>
             </a:r>
@@ -3683,23 +6662,26 @@
           <a:p>
             <a:r>
               <a:rPr lang="it-IT" dirty="0">
-                <a:latin typeface="Montserrat"/>
-              </a:rPr>
-              <a:t>Design del Database (schema ER – definizione delle tabelle – analisi del testo?)</a:t>
+                <a:highlight>
+                  <a:srgbClr val="FFFF00"/>
+                </a:highlight>
+                <a:latin typeface="Hind"/>
+              </a:rPr>
+              <a:t>Design del Database (schema ER – definizione delle tabelle – righe del testo corrispondenti </a:t>
             </a:r>
           </a:p>
           <a:p>
             <a:r>
               <a:rPr lang="it-IT" dirty="0">
-                <a:latin typeface="Montserrat"/>
-              </a:rPr>
-              <a:t>Componenti</a:t>
+                <a:latin typeface="Hind"/>
+              </a:rPr>
+              <a:t>Componenti </a:t>
             </a:r>
           </a:p>
           <a:p>
             <a:r>
               <a:rPr lang="it-IT" dirty="0">
-                <a:latin typeface="Montserrat"/>
+                <a:latin typeface="Hind"/>
               </a:rPr>
               <a:t>Struttura dell’applicazione (IFML)</a:t>
             </a:r>
@@ -3707,7 +6689,7 @@
           <a:p>
             <a:r>
               <a:rPr lang="it-IT" dirty="0">
-                <a:latin typeface="Montserrat"/>
+                <a:latin typeface="Hind"/>
               </a:rPr>
               <a:t>Sequence Diagram</a:t>
             </a:r>
@@ -3718,6 +6700,1794 @@
     <p:extLst>
       <p:ext uri="{BB962C8B-B14F-4D97-AF65-F5344CB8AC3E}">
         <p14:creationId xmlns:p14="http://schemas.microsoft.com/office/powerpoint/2010/main" val="281242995"/>
+      </p:ext>
+    </p:extLst>
+  </p:cSld>
+  <p:clrMapOvr>
+    <a:masterClrMapping/>
+  </p:clrMapOvr>
+</p:sld>
+</file>
+
+<file path=ppt/slides/slide3.xml><?xml version="1.0" encoding="utf-8"?>
+<p:sld xmlns:a="http://schemas.openxmlformats.org/drawingml/2006/main" xmlns:r="http://schemas.openxmlformats.org/officeDocument/2006/relationships" xmlns:p="http://schemas.openxmlformats.org/presentationml/2006/main">
+  <p:cSld>
+    <p:spTree>
+      <p:nvGrpSpPr>
+        <p:cNvPr id="1" name=""/>
+        <p:cNvGrpSpPr/>
+        <p:nvPr/>
+      </p:nvGrpSpPr>
+      <p:grpSpPr>
+        <a:xfrm>
+          <a:off x="0" y="0"/>
+          <a:ext cx="0" cy="0"/>
+          <a:chOff x="0" y="0"/>
+          <a:chExt cx="0" cy="0"/>
+        </a:xfrm>
+      </p:grpSpPr>
+      <p:sp>
+        <p:nvSpPr>
+          <p:cNvPr id="2" name="Titolo 1">
+            <a:extLst>
+              <a:ext uri="{FF2B5EF4-FFF2-40B4-BE49-F238E27FC236}">
+                <a16:creationId xmlns:a16="http://schemas.microsoft.com/office/drawing/2014/main" id="{6B0E847F-33A2-4DFD-8A08-B5D9B87E2859}"/>
+              </a:ext>
+            </a:extLst>
+          </p:cNvPr>
+          <p:cNvSpPr>
+            <a:spLocks noGrp="1"/>
+          </p:cNvSpPr>
+          <p:nvPr>
+            <p:ph type="title"/>
+          </p:nvPr>
+        </p:nvSpPr>
+        <p:spPr/>
+        <p:txBody>
+          <a:bodyPr>
+            <a:normAutofit/>
+          </a:bodyPr>
+          <a:lstStyle/>
+          <a:p>
+            <a:r>
+              <a:rPr lang="it-IT" sz="4000" b="1" dirty="0">
+                <a:latin typeface="Hind"/>
+              </a:rPr>
+              <a:t>Specifiche del progetto </a:t>
+            </a:r>
+            <a:r>
+              <a:rPr lang="it-IT" b="1" dirty="0">
+                <a:latin typeface="Hind"/>
+              </a:rPr>
+              <a:t>- </a:t>
+            </a:r>
+            <a:r>
+              <a:rPr lang="it-IT" sz="4000" i="0" u="none" strike="noStrike" dirty="0">
+                <a:effectLst/>
+                <a:latin typeface="Hind"/>
+              </a:rPr>
+              <a:t>Versione HTML pura</a:t>
+            </a:r>
+            <a:endParaRPr lang="it-IT" dirty="0">
+              <a:latin typeface="Hind"/>
+            </a:endParaRPr>
+          </a:p>
+        </p:txBody>
+      </p:sp>
+      <p:sp>
+        <p:nvSpPr>
+          <p:cNvPr id="3" name="Segnaposto contenuto 2">
+            <a:extLst>
+              <a:ext uri="{FF2B5EF4-FFF2-40B4-BE49-F238E27FC236}">
+                <a16:creationId xmlns:a16="http://schemas.microsoft.com/office/drawing/2014/main" id="{B629B385-86A1-4554-B7DA-7CB9F13052EF}"/>
+              </a:ext>
+            </a:extLst>
+          </p:cNvPr>
+          <p:cNvSpPr>
+            <a:spLocks noGrp="1"/>
+          </p:cNvSpPr>
+          <p:nvPr>
+            <p:ph idx="1"/>
+          </p:nvPr>
+        </p:nvSpPr>
+        <p:spPr>
+          <a:xfrm>
+            <a:off x="838200" y="1825625"/>
+            <a:ext cx="10515600" cy="4667250"/>
+          </a:xfrm>
+        </p:spPr>
+        <p:txBody>
+          <a:bodyPr>
+            <a:normAutofit/>
+          </a:bodyPr>
+          <a:lstStyle/>
+          <a:p>
+            <a:pPr marL="0" indent="0" algn="just" rtl="0">
+              <a:spcBef>
+                <a:spcPts val="0"/>
+              </a:spcBef>
+              <a:spcAft>
+                <a:spcPts val="1000"/>
+              </a:spcAft>
+              <a:buNone/>
+            </a:pPr>
+            <a:r>
+              <a:rPr lang="it-IT" sz="2000" b="0" i="0" u="none" strike="noStrike" dirty="0">
+                <a:solidFill>
+                  <a:srgbClr val="000000"/>
+                </a:solidFill>
+                <a:effectLst/>
+                <a:latin typeface="Hind"/>
+              </a:rPr>
+              <a:t>Un’applicazione di commercio elettronico consente all’utente di visualizzare un catalogo di prodotti venduti da diversi fornitori, inserire prodotti in un carrello della spesa e creare un ordine di acquisto a partire dal contenuto del carrello. </a:t>
+            </a:r>
+          </a:p>
+          <a:p>
+            <a:pPr marL="0" indent="0" algn="just" rtl="0">
+              <a:spcBef>
+                <a:spcPts val="0"/>
+              </a:spcBef>
+              <a:spcAft>
+                <a:spcPts val="1000"/>
+              </a:spcAft>
+              <a:buNone/>
+            </a:pPr>
+            <a:r>
+              <a:rPr lang="it-IT" sz="2000" b="0" i="0" u="none" strike="noStrike" dirty="0">
+                <a:solidFill>
+                  <a:srgbClr val="000000"/>
+                </a:solidFill>
+                <a:effectLst/>
+                <a:latin typeface="Hind"/>
+              </a:rPr>
+              <a:t>Un articolo ha un codice (campo chiave), un nome, una descrizione, una categoria merceologica e una foto. Lo stesso articolo (cioè codice articolo) può essere venduto da più fornitori a prezzi differenti. Un fornitore ha un codice, un nome, una valutazione da 1 a 5 stelle e una politica di spedizione. Un utente ha un nome, un cognome, un’e-mail, una password e un indirizzo di spedizione. </a:t>
+            </a:r>
+          </a:p>
+          <a:p>
+            <a:pPr marL="0" indent="0" algn="just" rtl="0">
+              <a:spcBef>
+                <a:spcPts val="0"/>
+              </a:spcBef>
+              <a:spcAft>
+                <a:spcPts val="1000"/>
+              </a:spcAft>
+              <a:buNone/>
+            </a:pPr>
+            <a:r>
+              <a:rPr lang="it-IT" sz="2000" b="0" i="0" u="none" strike="noStrike" dirty="0">
+                <a:solidFill>
+                  <a:srgbClr val="000000"/>
+                </a:solidFill>
+                <a:effectLst/>
+                <a:latin typeface="Hind"/>
+              </a:rPr>
+              <a:t>La politica di spedizione precisa il prezzo della spedizione in base al numero di articoli ordinati. Ogni fornitore è libero di definire fasce di spesa. Una fascia di spesa ha un numero minimo, un numero massimo e un prezzo. Ad esempio: da 1 a 3 articoli 15€, da 4 a 10 articoli 20€, oltre a 10 articoli,  ecc. Oltre alla fascia di spesa, il fornitore può anche indicare un importo in euro oltre al quale la spedizione è gratuita. Se il totale supera la soglia per la gratuità della spedizione, la spedizione è gratuita indipendentemente dal numero di articoli. </a:t>
+            </a:r>
+            <a:endParaRPr lang="it-IT" dirty="0"/>
+          </a:p>
+        </p:txBody>
+      </p:sp>
+    </p:spTree>
+    <p:extLst>
+      <p:ext uri="{BB962C8B-B14F-4D97-AF65-F5344CB8AC3E}">
+        <p14:creationId xmlns:p14="http://schemas.microsoft.com/office/powerpoint/2010/main" val="3182676770"/>
+      </p:ext>
+    </p:extLst>
+  </p:cSld>
+  <p:clrMapOvr>
+    <a:masterClrMapping/>
+  </p:clrMapOvr>
+</p:sld>
+</file>
+
+<file path=ppt/slides/slide4.xml><?xml version="1.0" encoding="utf-8"?>
+<p:sld xmlns:a="http://schemas.openxmlformats.org/drawingml/2006/main" xmlns:r="http://schemas.openxmlformats.org/officeDocument/2006/relationships" xmlns:p="http://schemas.openxmlformats.org/presentationml/2006/main">
+  <p:cSld>
+    <p:spTree>
+      <p:nvGrpSpPr>
+        <p:cNvPr id="1" name=""/>
+        <p:cNvGrpSpPr/>
+        <p:nvPr/>
+      </p:nvGrpSpPr>
+      <p:grpSpPr>
+        <a:xfrm>
+          <a:off x="0" y="0"/>
+          <a:ext cx="0" cy="0"/>
+          <a:chOff x="0" y="0"/>
+          <a:chExt cx="0" cy="0"/>
+        </a:xfrm>
+      </p:grpSpPr>
+      <p:sp>
+        <p:nvSpPr>
+          <p:cNvPr id="2" name="Titolo 1">
+            <a:extLst>
+              <a:ext uri="{FF2B5EF4-FFF2-40B4-BE49-F238E27FC236}">
+                <a16:creationId xmlns:a16="http://schemas.microsoft.com/office/drawing/2014/main" id="{6B0E847F-33A2-4DFD-8A08-B5D9B87E2859}"/>
+              </a:ext>
+            </a:extLst>
+          </p:cNvPr>
+          <p:cNvSpPr>
+            <a:spLocks noGrp="1"/>
+          </p:cNvSpPr>
+          <p:nvPr>
+            <p:ph type="title"/>
+          </p:nvPr>
+        </p:nvSpPr>
+        <p:spPr/>
+        <p:txBody>
+          <a:bodyPr>
+            <a:normAutofit/>
+          </a:bodyPr>
+          <a:lstStyle/>
+          <a:p>
+            <a:r>
+              <a:rPr lang="it-IT" sz="4000" b="1" dirty="0">
+                <a:latin typeface="Hind"/>
+              </a:rPr>
+              <a:t>Specifiche del progetto - </a:t>
+            </a:r>
+            <a:r>
+              <a:rPr lang="it-IT" sz="4000" i="0" u="none" strike="noStrike" dirty="0">
+                <a:effectLst/>
+                <a:latin typeface="Hind"/>
+              </a:rPr>
+              <a:t>Versione HTML pura</a:t>
+            </a:r>
+            <a:endParaRPr lang="it-IT" sz="4000" b="1" dirty="0">
+              <a:latin typeface="Hind"/>
+            </a:endParaRPr>
+          </a:p>
+        </p:txBody>
+      </p:sp>
+      <p:sp>
+        <p:nvSpPr>
+          <p:cNvPr id="3" name="Segnaposto contenuto 2">
+            <a:extLst>
+              <a:ext uri="{FF2B5EF4-FFF2-40B4-BE49-F238E27FC236}">
+                <a16:creationId xmlns:a16="http://schemas.microsoft.com/office/drawing/2014/main" id="{B629B385-86A1-4554-B7DA-7CB9F13052EF}"/>
+              </a:ext>
+            </a:extLst>
+          </p:cNvPr>
+          <p:cNvSpPr>
+            <a:spLocks noGrp="1"/>
+          </p:cNvSpPr>
+          <p:nvPr>
+            <p:ph idx="1"/>
+          </p:nvPr>
+        </p:nvSpPr>
+        <p:spPr>
+          <a:xfrm>
+            <a:off x="838200" y="1825625"/>
+            <a:ext cx="10515600" cy="4667250"/>
+          </a:xfrm>
+        </p:spPr>
+        <p:txBody>
+          <a:bodyPr>
+            <a:normAutofit lnSpcReduction="10000"/>
+          </a:bodyPr>
+          <a:lstStyle/>
+          <a:p>
+            <a:pPr marL="0" indent="0" algn="just" rtl="0">
+              <a:spcBef>
+                <a:spcPts val="0"/>
+              </a:spcBef>
+              <a:spcAft>
+                <a:spcPts val="1000"/>
+              </a:spcAft>
+              <a:buNone/>
+            </a:pPr>
+            <a:r>
+              <a:rPr lang="it-IT" sz="2000" b="0" i="0" u="none" strike="noStrike" dirty="0">
+                <a:solidFill>
+                  <a:srgbClr val="000000"/>
+                </a:solidFill>
+                <a:effectLst/>
+                <a:latin typeface="Hind"/>
+              </a:rPr>
+              <a:t>Dopo il login, l’utente accede a una pagina HOME che mostra (come tutte le altre pagine) un menù con i link HOME, CARRELLO, ORDINI, un campo di ricerca e una lista degli ultimi cinque prodotti visualizzati dall’utente. Se l’utente non ha visualizzato almeno cinque prodotti, la lista è completata con prodotti in offerta scelti a caso in una categoria di default. </a:t>
+            </a:r>
+          </a:p>
+          <a:p>
+            <a:pPr marL="0" indent="0" algn="just" rtl="0">
+              <a:spcBef>
+                <a:spcPts val="0"/>
+              </a:spcBef>
+              <a:spcAft>
+                <a:spcPts val="1000"/>
+              </a:spcAft>
+              <a:buNone/>
+            </a:pPr>
+            <a:r>
+              <a:rPr lang="it-IT" sz="2000" b="0" i="0" u="none" strike="noStrike" dirty="0">
+                <a:solidFill>
+                  <a:srgbClr val="000000"/>
+                </a:solidFill>
+                <a:effectLst/>
+                <a:latin typeface="Hind"/>
+              </a:rPr>
+              <a:t>L’utente può inserire una parola chiave di ricerca nel campo di input e premere INVIO. A seguito dell’invio compare una pagina RISULTATI con prodotti che contengono la chiave di ricerca nel nome o nella descrizione. L’elenco mostra solo il codice, il nome del prodotto e il prezzo minimo di vendita ed è ordinato in modo crescente in base al prezzo minimo di vendita dell’articolo da parte dei fornitori che lo offrono. </a:t>
+            </a:r>
+          </a:p>
+          <a:p>
+            <a:pPr marL="0" indent="0" algn="just" rtl="0">
+              <a:spcBef>
+                <a:spcPts val="0"/>
+              </a:spcBef>
+              <a:spcAft>
+                <a:spcPts val="1000"/>
+              </a:spcAft>
+              <a:buNone/>
+            </a:pPr>
+            <a:r>
+              <a:rPr lang="it-IT" sz="2000" b="0" i="0" u="none" strike="noStrike" dirty="0">
+                <a:solidFill>
+                  <a:srgbClr val="000000"/>
+                </a:solidFill>
+                <a:effectLst/>
+                <a:latin typeface="Hind"/>
+              </a:rPr>
+              <a:t>L’utente può selezionare mediante un click un elemento dell'elenco e visualizzare nella stessa pagina i dati completi e l’elenco dei fornitori che lo vendono (questa azione rende l’articolo “visualizzato”). </a:t>
+            </a:r>
+          </a:p>
+          <a:p>
+            <a:pPr marL="0" indent="0" algn="just" rtl="0">
+              <a:spcBef>
+                <a:spcPts val="0"/>
+              </a:spcBef>
+              <a:spcAft>
+                <a:spcPts val="1000"/>
+              </a:spcAft>
+              <a:buNone/>
+            </a:pPr>
+            <a:r>
+              <a:rPr lang="it-IT" sz="2000" b="0" i="0" u="none" strike="noStrike" dirty="0">
+                <a:solidFill>
+                  <a:srgbClr val="000000"/>
+                </a:solidFill>
+                <a:effectLst/>
+                <a:latin typeface="Hind"/>
+              </a:rPr>
+              <a:t>Per ogni fornitore in tale elenco compaiono: nome, valutazione, prezzo unitario, fasce di spesa di spedizione, importo minimo della spedizione gratuita e il numero degli articoli e valore totale degli articoli di quel fornitore che l’utente ha già messo nel carrello. Accanto all’offerta di ciascun fornitore compare un campo di input intero (quantità) e un bottone METTI NEL CARRELLO. </a:t>
+            </a:r>
+            <a:endParaRPr lang="it-IT" sz="3400" b="0" dirty="0">
+              <a:effectLst/>
+              <a:latin typeface="Hind"/>
+            </a:endParaRPr>
+          </a:p>
+        </p:txBody>
+      </p:sp>
+    </p:spTree>
+    <p:extLst>
+      <p:ext uri="{BB962C8B-B14F-4D97-AF65-F5344CB8AC3E}">
+        <p14:creationId xmlns:p14="http://schemas.microsoft.com/office/powerpoint/2010/main" val="1506029726"/>
+      </p:ext>
+    </p:extLst>
+  </p:cSld>
+  <p:clrMapOvr>
+    <a:masterClrMapping/>
+  </p:clrMapOvr>
+</p:sld>
+</file>
+
+<file path=ppt/slides/slide5.xml><?xml version="1.0" encoding="utf-8"?>
+<p:sld xmlns:a="http://schemas.openxmlformats.org/drawingml/2006/main" xmlns:r="http://schemas.openxmlformats.org/officeDocument/2006/relationships" xmlns:p="http://schemas.openxmlformats.org/presentationml/2006/main">
+  <p:cSld>
+    <p:spTree>
+      <p:nvGrpSpPr>
+        <p:cNvPr id="1" name=""/>
+        <p:cNvGrpSpPr/>
+        <p:nvPr/>
+      </p:nvGrpSpPr>
+      <p:grpSpPr>
+        <a:xfrm>
+          <a:off x="0" y="0"/>
+          <a:ext cx="0" cy="0"/>
+          <a:chOff x="0" y="0"/>
+          <a:chExt cx="0" cy="0"/>
+        </a:xfrm>
+      </p:grpSpPr>
+      <p:sp>
+        <p:nvSpPr>
+          <p:cNvPr id="2" name="Titolo 1">
+            <a:extLst>
+              <a:ext uri="{FF2B5EF4-FFF2-40B4-BE49-F238E27FC236}">
+                <a16:creationId xmlns:a16="http://schemas.microsoft.com/office/drawing/2014/main" id="{6B0E847F-33A2-4DFD-8A08-B5D9B87E2859}"/>
+              </a:ext>
+            </a:extLst>
+          </p:cNvPr>
+          <p:cNvSpPr>
+            <a:spLocks noGrp="1"/>
+          </p:cNvSpPr>
+          <p:nvPr>
+            <p:ph type="title"/>
+          </p:nvPr>
+        </p:nvSpPr>
+        <p:spPr/>
+        <p:txBody>
+          <a:bodyPr>
+            <a:normAutofit/>
+          </a:bodyPr>
+          <a:lstStyle/>
+          <a:p>
+            <a:r>
+              <a:rPr lang="it-IT" sz="4000" b="1" dirty="0">
+                <a:latin typeface="Hind"/>
+              </a:rPr>
+              <a:t>Specifiche del progetto - </a:t>
+            </a:r>
+            <a:r>
+              <a:rPr lang="it-IT" sz="4000" i="0" u="none" strike="noStrike" dirty="0">
+                <a:effectLst/>
+                <a:latin typeface="Hind"/>
+              </a:rPr>
+              <a:t>Versione HTML pura</a:t>
+            </a:r>
+            <a:endParaRPr lang="it-IT" sz="4000" b="1" dirty="0">
+              <a:latin typeface="Hind"/>
+            </a:endParaRPr>
+          </a:p>
+        </p:txBody>
+      </p:sp>
+      <p:sp>
+        <p:nvSpPr>
+          <p:cNvPr id="3" name="Segnaposto contenuto 2">
+            <a:extLst>
+              <a:ext uri="{FF2B5EF4-FFF2-40B4-BE49-F238E27FC236}">
+                <a16:creationId xmlns:a16="http://schemas.microsoft.com/office/drawing/2014/main" id="{B629B385-86A1-4554-B7DA-7CB9F13052EF}"/>
+              </a:ext>
+            </a:extLst>
+          </p:cNvPr>
+          <p:cNvSpPr>
+            <a:spLocks noGrp="1"/>
+          </p:cNvSpPr>
+          <p:nvPr>
+            <p:ph idx="1"/>
+          </p:nvPr>
+        </p:nvSpPr>
+        <p:spPr>
+          <a:xfrm>
+            <a:off x="838200" y="1825625"/>
+            <a:ext cx="10515600" cy="4667250"/>
+          </a:xfrm>
+        </p:spPr>
+        <p:txBody>
+          <a:bodyPr>
+            <a:normAutofit/>
+          </a:bodyPr>
+          <a:lstStyle/>
+          <a:p>
+            <a:pPr marL="0" indent="0" algn="just" rtl="0">
+              <a:spcBef>
+                <a:spcPts val="0"/>
+              </a:spcBef>
+              <a:spcAft>
+                <a:spcPts val="1000"/>
+              </a:spcAft>
+              <a:buNone/>
+            </a:pPr>
+            <a:r>
+              <a:rPr lang="it-IT" sz="2000" b="0" i="0" u="none" strike="noStrike" dirty="0">
+                <a:solidFill>
+                  <a:srgbClr val="000000"/>
+                </a:solidFill>
+                <a:effectLst/>
+                <a:latin typeface="Hind"/>
+              </a:rPr>
+              <a:t>L’inserimento nel carrello di una quantità maggiore di zero di articoli comporta l’aggiornamento del contenuto del  carrello e la visualizzazione della pagina CARRELLO. Questa mostra gli articoli inseriti, raggruppati per fornitore. Per ogni fornitore nel carrello si vedono la lista degli articoli, il prezzo totale degli articoli e il prezzo della spedizione calcolato in base alla politica del fornitore. </a:t>
+            </a:r>
+          </a:p>
+          <a:p>
+            <a:pPr marL="0" indent="0" algn="just" rtl="0">
+              <a:spcBef>
+                <a:spcPts val="0"/>
+              </a:spcBef>
+              <a:spcAft>
+                <a:spcPts val="1000"/>
+              </a:spcAft>
+              <a:buNone/>
+            </a:pPr>
+            <a:r>
+              <a:rPr lang="it-IT" sz="2000" b="0" i="0" u="none" strike="noStrike" dirty="0">
+                <a:solidFill>
+                  <a:srgbClr val="000000"/>
+                </a:solidFill>
+                <a:effectLst/>
+                <a:latin typeface="Hind"/>
+              </a:rPr>
+              <a:t>Per ogni fornitore  compare un bottone ORDINA. Premere il bottone comporta l’eliminazione degli articoli del fornitore dal carrello e la creazione di un ordine corrispondente. Un ordine ha un codice, il nome del fornitore, l’elenco degli articoli, un valore totale composto dalla somma del valore degli articoli e delle spese di spedizione, una data di spedizione e l’indirizzo di spedizione dell’utente. I valori degli attributi di un ordine sono memorizzati esplicitamente nella base di dati indipendentemente dai dati del carrello. </a:t>
+            </a:r>
+          </a:p>
+          <a:p>
+            <a:pPr marL="0" indent="0" algn="just" rtl="0">
+              <a:spcBef>
+                <a:spcPts val="0"/>
+              </a:spcBef>
+              <a:spcAft>
+                <a:spcPts val="1000"/>
+              </a:spcAft>
+              <a:buNone/>
+            </a:pPr>
+            <a:r>
+              <a:rPr lang="it-IT" sz="2000" b="0" i="0" u="none" strike="noStrike" dirty="0">
+                <a:solidFill>
+                  <a:srgbClr val="000000"/>
+                </a:solidFill>
+                <a:effectLst/>
+                <a:latin typeface="Hind"/>
+              </a:rPr>
+              <a:t>In ogni momento l’utente può accedere tramite il menu alla pagina HOME, ORDINI e CARRELLO. La pagina ORDINI mostra l’elenco ordinato per data decrescente degli ordini con tutti i dati associati.</a:t>
+            </a:r>
+            <a:endParaRPr lang="it-IT" sz="3400" b="0" dirty="0">
+              <a:effectLst/>
+              <a:latin typeface="Hind"/>
+            </a:endParaRPr>
+          </a:p>
+          <a:p>
+            <a:pPr marL="0" indent="0" algn="just" rtl="0">
+              <a:spcBef>
+                <a:spcPts val="0"/>
+              </a:spcBef>
+              <a:spcAft>
+                <a:spcPts val="1000"/>
+              </a:spcAft>
+              <a:buNone/>
+            </a:pPr>
+            <a:r>
+              <a:rPr lang="it-IT" sz="2000" b="0" i="0" u="none" strike="noStrike" dirty="0">
+                <a:solidFill>
+                  <a:srgbClr val="000000"/>
+                </a:solidFill>
+                <a:effectLst/>
+                <a:latin typeface="Hind"/>
+              </a:rPr>
+              <a:t>L’applicazione NON salva il carrello nella base di dati ma solo gli ordini.</a:t>
+            </a:r>
+            <a:endParaRPr lang="it-IT" sz="3400" b="0" dirty="0">
+              <a:effectLst/>
+              <a:latin typeface="Hind"/>
+            </a:endParaRPr>
+          </a:p>
+        </p:txBody>
+      </p:sp>
+    </p:spTree>
+    <p:extLst>
+      <p:ext uri="{BB962C8B-B14F-4D97-AF65-F5344CB8AC3E}">
+        <p14:creationId xmlns:p14="http://schemas.microsoft.com/office/powerpoint/2010/main" val="3327415241"/>
+      </p:ext>
+    </p:extLst>
+  </p:cSld>
+  <p:clrMapOvr>
+    <a:masterClrMapping/>
+  </p:clrMapOvr>
+</p:sld>
+</file>
+
+<file path=ppt/slides/slide6.xml><?xml version="1.0" encoding="utf-8"?>
+<p:sld xmlns:a="http://schemas.openxmlformats.org/drawingml/2006/main" xmlns:r="http://schemas.openxmlformats.org/officeDocument/2006/relationships" xmlns:p="http://schemas.openxmlformats.org/presentationml/2006/main">
+  <p:cSld>
+    <p:spTree>
+      <p:nvGrpSpPr>
+        <p:cNvPr id="1" name=""/>
+        <p:cNvGrpSpPr/>
+        <p:nvPr/>
+      </p:nvGrpSpPr>
+      <p:grpSpPr>
+        <a:xfrm>
+          <a:off x="0" y="0"/>
+          <a:ext cx="0" cy="0"/>
+          <a:chOff x="0" y="0"/>
+          <a:chExt cx="0" cy="0"/>
+        </a:xfrm>
+      </p:grpSpPr>
+      <p:sp>
+        <p:nvSpPr>
+          <p:cNvPr id="2" name="Titolo 1">
+            <a:extLst>
+              <a:ext uri="{FF2B5EF4-FFF2-40B4-BE49-F238E27FC236}">
+                <a16:creationId xmlns:a16="http://schemas.microsoft.com/office/drawing/2014/main" id="{5E693768-0A36-4D3E-9956-D29799316D24}"/>
+              </a:ext>
+            </a:extLst>
+          </p:cNvPr>
+          <p:cNvSpPr>
+            <a:spLocks noGrp="1"/>
+          </p:cNvSpPr>
+          <p:nvPr>
+            <p:ph type="title"/>
+          </p:nvPr>
+        </p:nvSpPr>
+        <p:spPr/>
+        <p:txBody>
+          <a:bodyPr>
+            <a:normAutofit/>
+          </a:bodyPr>
+          <a:lstStyle/>
+          <a:p>
+            <a:r>
+              <a:rPr lang="it-IT" sz="4000" b="1" dirty="0">
+                <a:latin typeface="Hind"/>
+              </a:rPr>
+              <a:t>Design del Database </a:t>
+            </a:r>
+            <a:r>
+              <a:rPr lang="it-IT" sz="4000" dirty="0">
+                <a:latin typeface="Hind"/>
+              </a:rPr>
+              <a:t>– Schema ER</a:t>
+            </a:r>
+          </a:p>
+        </p:txBody>
+      </p:sp>
+      <p:pic>
+        <p:nvPicPr>
+          <p:cNvPr id="5" name="Segnaposto contenuto 4">
+            <a:extLst>
+              <a:ext uri="{FF2B5EF4-FFF2-40B4-BE49-F238E27FC236}">
+                <a16:creationId xmlns:a16="http://schemas.microsoft.com/office/drawing/2014/main" id="{63D55CB6-732D-495D-86D0-512917EF2F70}"/>
+              </a:ext>
+            </a:extLst>
+          </p:cNvPr>
+          <p:cNvPicPr>
+            <a:picLocks noGrp="1" noChangeAspect="1"/>
+          </p:cNvPicPr>
+          <p:nvPr>
+            <p:ph idx="1"/>
+          </p:nvPr>
+        </p:nvPicPr>
+        <p:blipFill>
+          <a:blip r:embed="rId2">
+            <a:extLst>
+              <a:ext uri="{28A0092B-C50C-407E-A947-70E740481C1C}">
+                <a14:useLocalDpi xmlns:a14="http://schemas.microsoft.com/office/drawing/2010/main" val="0"/>
+              </a:ext>
+            </a:extLst>
+          </a:blip>
+          <a:stretch>
+            <a:fillRect/>
+          </a:stretch>
+        </p:blipFill>
+        <p:spPr>
+          <a:xfrm>
+            <a:off x="2354484" y="1405467"/>
+            <a:ext cx="7619250" cy="5286162"/>
+          </a:xfrm>
+        </p:spPr>
+      </p:pic>
+    </p:spTree>
+    <p:extLst>
+      <p:ext uri="{BB962C8B-B14F-4D97-AF65-F5344CB8AC3E}">
+        <p14:creationId xmlns:p14="http://schemas.microsoft.com/office/powerpoint/2010/main" val="2680103403"/>
+      </p:ext>
+    </p:extLst>
+  </p:cSld>
+  <p:clrMapOvr>
+    <a:masterClrMapping/>
+  </p:clrMapOvr>
+</p:sld>
+</file>
+
+<file path=ppt/slides/slide7.xml><?xml version="1.0" encoding="utf-8"?>
+<p:sld xmlns:a="http://schemas.openxmlformats.org/drawingml/2006/main" xmlns:r="http://schemas.openxmlformats.org/officeDocument/2006/relationships" xmlns:p="http://schemas.openxmlformats.org/presentationml/2006/main">
+  <p:cSld>
+    <p:spTree>
+      <p:nvGrpSpPr>
+        <p:cNvPr id="1" name=""/>
+        <p:cNvGrpSpPr/>
+        <p:nvPr/>
+      </p:nvGrpSpPr>
+      <p:grpSpPr>
+        <a:xfrm>
+          <a:off x="0" y="0"/>
+          <a:ext cx="0" cy="0"/>
+          <a:chOff x="0" y="0"/>
+          <a:chExt cx="0" cy="0"/>
+        </a:xfrm>
+      </p:grpSpPr>
+      <p:sp>
+        <p:nvSpPr>
+          <p:cNvPr id="2" name="Titolo 1">
+            <a:extLst>
+              <a:ext uri="{FF2B5EF4-FFF2-40B4-BE49-F238E27FC236}">
+                <a16:creationId xmlns:a16="http://schemas.microsoft.com/office/drawing/2014/main" id="{21046205-7257-47FD-A07F-1B1048C90351}"/>
+              </a:ext>
+            </a:extLst>
+          </p:cNvPr>
+          <p:cNvSpPr>
+            <a:spLocks noGrp="1"/>
+          </p:cNvSpPr>
+          <p:nvPr>
+            <p:ph type="title"/>
+          </p:nvPr>
+        </p:nvSpPr>
+        <p:spPr/>
+        <p:txBody>
+          <a:bodyPr>
+            <a:normAutofit/>
+          </a:bodyPr>
+          <a:lstStyle/>
+          <a:p>
+            <a:r>
+              <a:rPr lang="it-IT" sz="4000" b="1" dirty="0">
+                <a:latin typeface="Hind"/>
+              </a:rPr>
+              <a:t>Design del Database </a:t>
+            </a:r>
+            <a:r>
+              <a:rPr lang="it-IT" sz="4000" dirty="0"/>
+              <a:t>– </a:t>
+            </a:r>
+            <a:r>
+              <a:rPr lang="it-IT" sz="4000" dirty="0">
+                <a:latin typeface="Hind"/>
+              </a:rPr>
+              <a:t>Definizione delle tabelle</a:t>
+            </a:r>
+          </a:p>
+        </p:txBody>
+      </p:sp>
+      <p:sp>
+        <p:nvSpPr>
+          <p:cNvPr id="3" name="Segnaposto contenuto 2">
+            <a:extLst>
+              <a:ext uri="{FF2B5EF4-FFF2-40B4-BE49-F238E27FC236}">
+                <a16:creationId xmlns:a16="http://schemas.microsoft.com/office/drawing/2014/main" id="{80869FFB-E925-4364-8C80-6479C4DD48B5}"/>
+              </a:ext>
+            </a:extLst>
+          </p:cNvPr>
+          <p:cNvSpPr>
+            <a:spLocks noGrp="1"/>
+          </p:cNvSpPr>
+          <p:nvPr>
+            <p:ph idx="1"/>
+          </p:nvPr>
+        </p:nvSpPr>
+        <p:spPr/>
+        <p:txBody>
+          <a:bodyPr>
+            <a:normAutofit/>
+          </a:bodyPr>
+          <a:lstStyle/>
+          <a:p>
+            <a:pPr marL="0" indent="0">
+              <a:buNone/>
+            </a:pPr>
+            <a:r>
+              <a:rPr lang="it-IT" sz="1800" dirty="0">
+                <a:solidFill>
+                  <a:srgbClr val="000000"/>
+                </a:solidFill>
+                <a:latin typeface="Calibri" panose="020F0502020204030204" pitchFamily="34" charset="0"/>
+                <a:ea typeface="Times New Roman" panose="02020603050405020304" pitchFamily="18" charset="0"/>
+              </a:rPr>
+              <a:t>«U</a:t>
+            </a:r>
+            <a:r>
+              <a:rPr lang="it-IT" sz="1800" dirty="0">
+                <a:solidFill>
+                  <a:srgbClr val="000000"/>
+                </a:solidFill>
+                <a:effectLst/>
+                <a:latin typeface="Calibri" panose="020F0502020204030204" pitchFamily="34" charset="0"/>
+                <a:ea typeface="Times New Roman" panose="02020603050405020304" pitchFamily="18" charset="0"/>
+              </a:rPr>
+              <a:t>n </a:t>
+            </a:r>
+            <a:r>
+              <a:rPr lang="it-IT" sz="1800" b="1" dirty="0">
+                <a:solidFill>
+                  <a:srgbClr val="FFC000"/>
+                </a:solidFill>
+                <a:effectLst/>
+                <a:latin typeface="Calibri" panose="020F0502020204030204" pitchFamily="34" charset="0"/>
+                <a:ea typeface="Times New Roman" panose="02020603050405020304" pitchFamily="18" charset="0"/>
+              </a:rPr>
+              <a:t>articolo</a:t>
+            </a:r>
+            <a:r>
+              <a:rPr lang="it-IT" sz="1800" dirty="0">
+                <a:solidFill>
+                  <a:srgbClr val="000000"/>
+                </a:solidFill>
+                <a:effectLst/>
+                <a:latin typeface="Calibri" panose="020F0502020204030204" pitchFamily="34" charset="0"/>
+                <a:ea typeface="Times New Roman" panose="02020603050405020304" pitchFamily="18" charset="0"/>
+              </a:rPr>
+              <a:t> ha un </a:t>
+            </a:r>
+            <a:r>
+              <a:rPr lang="it-IT" sz="1800" dirty="0">
+                <a:solidFill>
+                  <a:srgbClr val="FF0000"/>
+                </a:solidFill>
+                <a:effectLst/>
+                <a:latin typeface="Calibri" panose="020F0502020204030204" pitchFamily="34" charset="0"/>
+                <a:ea typeface="Times New Roman" panose="02020603050405020304" pitchFamily="18" charset="0"/>
+              </a:rPr>
+              <a:t>codice</a:t>
+            </a:r>
+            <a:r>
+              <a:rPr lang="it-IT" sz="1800" dirty="0">
+                <a:solidFill>
+                  <a:srgbClr val="000000"/>
+                </a:solidFill>
+                <a:effectLst/>
+                <a:latin typeface="Calibri" panose="020F0502020204030204" pitchFamily="34" charset="0"/>
+                <a:ea typeface="Times New Roman" panose="02020603050405020304" pitchFamily="18" charset="0"/>
+              </a:rPr>
+              <a:t> (campo chiave), un </a:t>
+            </a:r>
+            <a:r>
+              <a:rPr lang="it-IT" sz="1800" dirty="0">
+                <a:solidFill>
+                  <a:srgbClr val="FF0000"/>
+                </a:solidFill>
+                <a:effectLst/>
+                <a:latin typeface="Calibri" panose="020F0502020204030204" pitchFamily="34" charset="0"/>
+                <a:ea typeface="Times New Roman" panose="02020603050405020304" pitchFamily="18" charset="0"/>
+              </a:rPr>
+              <a:t>nome</a:t>
+            </a:r>
+            <a:r>
+              <a:rPr lang="it-IT" sz="1800" dirty="0">
+                <a:solidFill>
+                  <a:srgbClr val="000000"/>
+                </a:solidFill>
+                <a:effectLst/>
+                <a:latin typeface="Calibri" panose="020F0502020204030204" pitchFamily="34" charset="0"/>
+                <a:ea typeface="Times New Roman" panose="02020603050405020304" pitchFamily="18" charset="0"/>
+              </a:rPr>
+              <a:t>, una </a:t>
+            </a:r>
+            <a:r>
+              <a:rPr lang="it-IT" sz="1800" dirty="0">
+                <a:solidFill>
+                  <a:srgbClr val="FF0000"/>
+                </a:solidFill>
+                <a:effectLst/>
+                <a:latin typeface="Calibri" panose="020F0502020204030204" pitchFamily="34" charset="0"/>
+                <a:ea typeface="Times New Roman" panose="02020603050405020304" pitchFamily="18" charset="0"/>
+              </a:rPr>
+              <a:t>descrizione</a:t>
+            </a:r>
+            <a:r>
+              <a:rPr lang="it-IT" sz="1800" dirty="0">
+                <a:solidFill>
+                  <a:srgbClr val="000000"/>
+                </a:solidFill>
+                <a:effectLst/>
+                <a:latin typeface="Calibri" panose="020F0502020204030204" pitchFamily="34" charset="0"/>
+                <a:ea typeface="Times New Roman" panose="02020603050405020304" pitchFamily="18" charset="0"/>
+              </a:rPr>
+              <a:t>, una </a:t>
+            </a:r>
+            <a:r>
+              <a:rPr lang="it-IT" sz="1800" dirty="0">
+                <a:solidFill>
+                  <a:srgbClr val="FF0000"/>
+                </a:solidFill>
+                <a:effectLst/>
+                <a:latin typeface="Calibri" panose="020F0502020204030204" pitchFamily="34" charset="0"/>
+                <a:ea typeface="Times New Roman" panose="02020603050405020304" pitchFamily="18" charset="0"/>
+              </a:rPr>
+              <a:t>categoria</a:t>
+            </a:r>
+            <a:r>
+              <a:rPr lang="it-IT" sz="1800" dirty="0">
+                <a:solidFill>
+                  <a:srgbClr val="000000"/>
+                </a:solidFill>
+                <a:effectLst/>
+                <a:latin typeface="Calibri" panose="020F0502020204030204" pitchFamily="34" charset="0"/>
+                <a:ea typeface="Times New Roman" panose="02020603050405020304" pitchFamily="18" charset="0"/>
+              </a:rPr>
+              <a:t> </a:t>
+            </a:r>
+            <a:r>
+              <a:rPr lang="it-IT" sz="1800" dirty="0">
+                <a:solidFill>
+                  <a:srgbClr val="FF0000"/>
+                </a:solidFill>
+                <a:effectLst/>
+                <a:latin typeface="Calibri" panose="020F0502020204030204" pitchFamily="34" charset="0"/>
+                <a:ea typeface="Times New Roman" panose="02020603050405020304" pitchFamily="18" charset="0"/>
+              </a:rPr>
+              <a:t>merceologica</a:t>
+            </a:r>
+            <a:r>
+              <a:rPr lang="it-IT" sz="1800" dirty="0">
+                <a:solidFill>
+                  <a:srgbClr val="000000"/>
+                </a:solidFill>
+                <a:effectLst/>
+                <a:latin typeface="Calibri" panose="020F0502020204030204" pitchFamily="34" charset="0"/>
+                <a:ea typeface="Times New Roman" panose="02020603050405020304" pitchFamily="18" charset="0"/>
+              </a:rPr>
+              <a:t> e una </a:t>
+            </a:r>
+            <a:r>
+              <a:rPr lang="it-IT" sz="1800" dirty="0">
+                <a:solidFill>
+                  <a:srgbClr val="FF0000"/>
+                </a:solidFill>
+                <a:effectLst/>
+                <a:latin typeface="Calibri" panose="020F0502020204030204" pitchFamily="34" charset="0"/>
+                <a:ea typeface="Times New Roman" panose="02020603050405020304" pitchFamily="18" charset="0"/>
+              </a:rPr>
+              <a:t>foto</a:t>
+            </a:r>
+            <a:r>
+              <a:rPr lang="it-IT" sz="1800" dirty="0">
+                <a:solidFill>
+                  <a:srgbClr val="000000"/>
+                </a:solidFill>
+                <a:effectLst/>
+                <a:latin typeface="Calibri" panose="020F0502020204030204" pitchFamily="34" charset="0"/>
+                <a:ea typeface="Times New Roman" panose="02020603050405020304" pitchFamily="18" charset="0"/>
+              </a:rPr>
+              <a:t>.»</a:t>
+            </a:r>
+            <a:endParaRPr lang="it-IT" sz="1800" dirty="0">
+              <a:latin typeface="Hind"/>
+              <a:ea typeface="+mj-ea"/>
+              <a:cs typeface="+mj-cs"/>
+            </a:endParaRPr>
+          </a:p>
+          <a:p>
+            <a:pPr marL="0" indent="0">
+              <a:buNone/>
+            </a:pPr>
+            <a:endParaRPr lang="en-US" sz="1800" dirty="0">
+              <a:latin typeface="Hind"/>
+              <a:ea typeface="+mj-ea"/>
+              <a:cs typeface="+mj-cs"/>
+            </a:endParaRPr>
+          </a:p>
+          <a:p>
+            <a:pPr marL="0" indent="0">
+              <a:buNone/>
+            </a:pPr>
+            <a:r>
+              <a:rPr lang="en-US" sz="1800" dirty="0">
+                <a:latin typeface="Hind"/>
+                <a:ea typeface="+mj-ea"/>
+                <a:cs typeface="+mj-cs"/>
+              </a:rPr>
+              <a:t>CREATE TABLE IF NOT EXISTS `</a:t>
+            </a:r>
+            <a:r>
+              <a:rPr lang="en-US" sz="1800" dirty="0">
+                <a:solidFill>
+                  <a:srgbClr val="FFC000"/>
+                </a:solidFill>
+                <a:latin typeface="Hind"/>
+                <a:ea typeface="+mj-ea"/>
+                <a:cs typeface="+mj-cs"/>
+              </a:rPr>
+              <a:t>item</a:t>
+            </a:r>
+            <a:r>
+              <a:rPr lang="en-US" sz="1800" dirty="0">
+                <a:latin typeface="Hind"/>
+                <a:ea typeface="+mj-ea"/>
+                <a:cs typeface="+mj-cs"/>
+              </a:rPr>
+              <a:t>` (  </a:t>
+            </a:r>
+          </a:p>
+          <a:p>
+            <a:pPr marL="0" indent="0">
+              <a:buNone/>
+            </a:pPr>
+            <a:r>
+              <a:rPr lang="en-US" sz="1800" dirty="0">
+                <a:latin typeface="Hind"/>
+                <a:ea typeface="+mj-ea"/>
+                <a:cs typeface="+mj-cs"/>
+              </a:rPr>
+              <a:t>`id` INT NOT NULL AUTO_INCREMENT,  </a:t>
+            </a:r>
+          </a:p>
+          <a:p>
+            <a:pPr marL="0" indent="0">
+              <a:buNone/>
+            </a:pPr>
+            <a:r>
+              <a:rPr lang="en-US" sz="1800" dirty="0">
+                <a:latin typeface="Hind"/>
+                <a:ea typeface="+mj-ea"/>
+                <a:cs typeface="+mj-cs"/>
+              </a:rPr>
+              <a:t>`name` VARCHAR(45) NOT NULL,  </a:t>
+            </a:r>
+          </a:p>
+          <a:p>
+            <a:pPr marL="0" indent="0">
+              <a:buNone/>
+            </a:pPr>
+            <a:r>
+              <a:rPr lang="en-US" sz="1800" dirty="0">
+                <a:latin typeface="Hind"/>
+                <a:ea typeface="+mj-ea"/>
+                <a:cs typeface="+mj-cs"/>
+              </a:rPr>
+              <a:t>`description` TEXT NOT NULL,  </a:t>
+            </a:r>
+          </a:p>
+          <a:p>
+            <a:pPr marL="0" indent="0">
+              <a:buNone/>
+            </a:pPr>
+            <a:r>
+              <a:rPr lang="en-US" sz="1800" dirty="0">
+                <a:latin typeface="Hind"/>
+                <a:ea typeface="+mj-ea"/>
+                <a:cs typeface="+mj-cs"/>
+              </a:rPr>
+              <a:t>`category` LONGTEXT NOT NULL,  </a:t>
+            </a:r>
+          </a:p>
+          <a:p>
+            <a:pPr marL="0" indent="0">
+              <a:buNone/>
+            </a:pPr>
+            <a:r>
+              <a:rPr lang="en-US" sz="1800" dirty="0">
+                <a:latin typeface="Hind"/>
+                <a:ea typeface="+mj-ea"/>
+                <a:cs typeface="+mj-cs"/>
+              </a:rPr>
+              <a:t>`picture` VARCHAR(45) NOT NULL,  </a:t>
+            </a:r>
+          </a:p>
+          <a:p>
+            <a:pPr marL="0" indent="0">
+              <a:buNone/>
+            </a:pPr>
+            <a:r>
+              <a:rPr lang="en-US" sz="1800" dirty="0">
+                <a:latin typeface="Hind"/>
+                <a:ea typeface="+mj-ea"/>
+                <a:cs typeface="+mj-cs"/>
+              </a:rPr>
+              <a:t>PRIMARY KEY (`id`))</a:t>
+            </a:r>
+          </a:p>
+        </p:txBody>
+      </p:sp>
+    </p:spTree>
+    <p:extLst>
+      <p:ext uri="{BB962C8B-B14F-4D97-AF65-F5344CB8AC3E}">
+        <p14:creationId xmlns:p14="http://schemas.microsoft.com/office/powerpoint/2010/main" val="1886747928"/>
+      </p:ext>
+    </p:extLst>
+  </p:cSld>
+  <p:clrMapOvr>
+    <a:masterClrMapping/>
+  </p:clrMapOvr>
+</p:sld>
+</file>
+
+<file path=ppt/slides/slide8.xml><?xml version="1.0" encoding="utf-8"?>
+<p:sld xmlns:a="http://schemas.openxmlformats.org/drawingml/2006/main" xmlns:r="http://schemas.openxmlformats.org/officeDocument/2006/relationships" xmlns:p="http://schemas.openxmlformats.org/presentationml/2006/main">
+  <p:cSld>
+    <p:spTree>
+      <p:nvGrpSpPr>
+        <p:cNvPr id="1" name=""/>
+        <p:cNvGrpSpPr/>
+        <p:nvPr/>
+      </p:nvGrpSpPr>
+      <p:grpSpPr>
+        <a:xfrm>
+          <a:off x="0" y="0"/>
+          <a:ext cx="0" cy="0"/>
+          <a:chOff x="0" y="0"/>
+          <a:chExt cx="0" cy="0"/>
+        </a:xfrm>
+      </p:grpSpPr>
+      <p:sp>
+        <p:nvSpPr>
+          <p:cNvPr id="2" name="Titolo 1">
+            <a:extLst>
+              <a:ext uri="{FF2B5EF4-FFF2-40B4-BE49-F238E27FC236}">
+                <a16:creationId xmlns:a16="http://schemas.microsoft.com/office/drawing/2014/main" id="{21046205-7257-47FD-A07F-1B1048C90351}"/>
+              </a:ext>
+            </a:extLst>
+          </p:cNvPr>
+          <p:cNvSpPr>
+            <a:spLocks noGrp="1"/>
+          </p:cNvSpPr>
+          <p:nvPr>
+            <p:ph type="title"/>
+          </p:nvPr>
+        </p:nvSpPr>
+        <p:spPr/>
+        <p:txBody>
+          <a:bodyPr>
+            <a:normAutofit/>
+          </a:bodyPr>
+          <a:lstStyle/>
+          <a:p>
+            <a:r>
+              <a:rPr lang="it-IT" sz="4000" b="1" dirty="0">
+                <a:latin typeface="Hind"/>
+              </a:rPr>
+              <a:t>Design del Database </a:t>
+            </a:r>
+            <a:r>
+              <a:rPr lang="it-IT" sz="4000" dirty="0"/>
+              <a:t>– </a:t>
+            </a:r>
+            <a:r>
+              <a:rPr lang="it-IT" sz="4000" dirty="0">
+                <a:latin typeface="Hind"/>
+              </a:rPr>
+              <a:t>Definizione delle tabelle</a:t>
+            </a:r>
+          </a:p>
+        </p:txBody>
+      </p:sp>
+      <p:sp>
+        <p:nvSpPr>
+          <p:cNvPr id="3" name="Segnaposto contenuto 2">
+            <a:extLst>
+              <a:ext uri="{FF2B5EF4-FFF2-40B4-BE49-F238E27FC236}">
+                <a16:creationId xmlns:a16="http://schemas.microsoft.com/office/drawing/2014/main" id="{80869FFB-E925-4364-8C80-6479C4DD48B5}"/>
+              </a:ext>
+            </a:extLst>
+          </p:cNvPr>
+          <p:cNvSpPr>
+            <a:spLocks noGrp="1"/>
+          </p:cNvSpPr>
+          <p:nvPr>
+            <p:ph idx="1"/>
+          </p:nvPr>
+        </p:nvSpPr>
+        <p:spPr/>
+        <p:txBody>
+          <a:bodyPr>
+            <a:normAutofit/>
+          </a:bodyPr>
+          <a:lstStyle/>
+          <a:p>
+            <a:pPr marL="0" indent="0">
+              <a:buNone/>
+            </a:pPr>
+            <a:r>
+              <a:rPr lang="it-IT" sz="1800" dirty="0">
+                <a:solidFill>
+                  <a:srgbClr val="000000"/>
+                </a:solidFill>
+                <a:effectLst/>
+                <a:latin typeface="Calibri" panose="020F0502020204030204" pitchFamily="34" charset="0"/>
+                <a:ea typeface="Times New Roman" panose="02020603050405020304" pitchFamily="18" charset="0"/>
+              </a:rPr>
+              <a:t>«Un </a:t>
+            </a:r>
+            <a:r>
+              <a:rPr lang="it-IT" sz="1800" b="1" dirty="0">
+                <a:solidFill>
+                  <a:srgbClr val="FFC000"/>
+                </a:solidFill>
+                <a:effectLst/>
+                <a:latin typeface="Calibri" panose="020F0502020204030204" pitchFamily="34" charset="0"/>
+                <a:ea typeface="Times New Roman" panose="02020603050405020304" pitchFamily="18" charset="0"/>
+              </a:rPr>
+              <a:t>fornitore</a:t>
+            </a:r>
+            <a:r>
+              <a:rPr lang="it-IT" sz="1800" dirty="0">
+                <a:solidFill>
+                  <a:srgbClr val="000000"/>
+                </a:solidFill>
+                <a:effectLst/>
+                <a:latin typeface="Calibri" panose="020F0502020204030204" pitchFamily="34" charset="0"/>
+                <a:ea typeface="Times New Roman" panose="02020603050405020304" pitchFamily="18" charset="0"/>
+              </a:rPr>
+              <a:t> ha un </a:t>
+            </a:r>
+            <a:r>
+              <a:rPr lang="it-IT" sz="1800" dirty="0">
+                <a:solidFill>
+                  <a:srgbClr val="FF0000"/>
+                </a:solidFill>
+                <a:effectLst/>
+                <a:latin typeface="Calibri" panose="020F0502020204030204" pitchFamily="34" charset="0"/>
+                <a:ea typeface="Times New Roman" panose="02020603050405020304" pitchFamily="18" charset="0"/>
+              </a:rPr>
+              <a:t>codice</a:t>
+            </a:r>
+            <a:r>
+              <a:rPr lang="it-IT" sz="1800" dirty="0">
+                <a:solidFill>
+                  <a:srgbClr val="000000"/>
+                </a:solidFill>
+                <a:effectLst/>
+                <a:latin typeface="Calibri" panose="020F0502020204030204" pitchFamily="34" charset="0"/>
+                <a:ea typeface="Times New Roman" panose="02020603050405020304" pitchFamily="18" charset="0"/>
+              </a:rPr>
+              <a:t>, un </a:t>
+            </a:r>
+            <a:r>
+              <a:rPr lang="it-IT" sz="1800" dirty="0">
+                <a:solidFill>
+                  <a:srgbClr val="FF0000"/>
+                </a:solidFill>
+                <a:effectLst/>
+                <a:latin typeface="Calibri" panose="020F0502020204030204" pitchFamily="34" charset="0"/>
+                <a:ea typeface="Times New Roman" panose="02020603050405020304" pitchFamily="18" charset="0"/>
+              </a:rPr>
+              <a:t>nome</a:t>
+            </a:r>
+            <a:r>
+              <a:rPr lang="it-IT" sz="1800" dirty="0">
+                <a:solidFill>
+                  <a:srgbClr val="000000"/>
+                </a:solidFill>
+                <a:effectLst/>
+                <a:latin typeface="Calibri" panose="020F0502020204030204" pitchFamily="34" charset="0"/>
+                <a:ea typeface="Times New Roman" panose="02020603050405020304" pitchFamily="18" charset="0"/>
+              </a:rPr>
+              <a:t>, una </a:t>
+            </a:r>
+            <a:r>
+              <a:rPr lang="it-IT" sz="1800" dirty="0">
+                <a:solidFill>
+                  <a:srgbClr val="FF0000"/>
+                </a:solidFill>
+                <a:effectLst/>
+                <a:latin typeface="Calibri" panose="020F0502020204030204" pitchFamily="34" charset="0"/>
+                <a:ea typeface="Times New Roman" panose="02020603050405020304" pitchFamily="18" charset="0"/>
+              </a:rPr>
+              <a:t>valutazione</a:t>
+            </a:r>
+            <a:r>
+              <a:rPr lang="it-IT" sz="1800" dirty="0">
+                <a:solidFill>
+                  <a:srgbClr val="000000"/>
+                </a:solidFill>
+                <a:effectLst/>
+                <a:latin typeface="Calibri" panose="020F0502020204030204" pitchFamily="34" charset="0"/>
+                <a:ea typeface="Times New Roman" panose="02020603050405020304" pitchFamily="18" charset="0"/>
+              </a:rPr>
+              <a:t> da 1 a 5 stelle e una </a:t>
+            </a:r>
+            <a:r>
+              <a:rPr lang="it-IT" sz="1800" b="1" dirty="0">
+                <a:solidFill>
+                  <a:srgbClr val="FFC000"/>
+                </a:solidFill>
+                <a:effectLst/>
+                <a:latin typeface="Calibri" panose="020F0502020204030204" pitchFamily="34" charset="0"/>
+                <a:ea typeface="Times New Roman" panose="02020603050405020304" pitchFamily="18" charset="0"/>
+              </a:rPr>
+              <a:t>politica di spedizione</a:t>
+            </a:r>
+            <a:r>
+              <a:rPr lang="it-IT" sz="1800" b="1" dirty="0">
+                <a:solidFill>
+                  <a:srgbClr val="000000"/>
+                </a:solidFill>
+                <a:latin typeface="Calibri" panose="020F0502020204030204" pitchFamily="34" charset="0"/>
+                <a:ea typeface="Times New Roman" panose="02020603050405020304" pitchFamily="18" charset="0"/>
+              </a:rPr>
+              <a:t>.</a:t>
+            </a:r>
+          </a:p>
+          <a:p>
+            <a:pPr marL="0" indent="0">
+              <a:buNone/>
+            </a:pPr>
+            <a:r>
+              <a:rPr lang="it-IT" sz="1800" b="1" dirty="0">
+                <a:solidFill>
+                  <a:srgbClr val="000000"/>
+                </a:solidFill>
+                <a:latin typeface="Calibri" panose="020F0502020204030204" pitchFamily="34" charset="0"/>
+                <a:ea typeface="Times New Roman" panose="02020603050405020304" pitchFamily="18" charset="0"/>
+              </a:rPr>
+              <a:t> …</a:t>
+            </a:r>
+            <a:r>
+              <a:rPr lang="it-IT" sz="1800" b="1" dirty="0">
+                <a:solidFill>
+                  <a:srgbClr val="000000"/>
+                </a:solidFill>
+                <a:effectLst/>
+                <a:latin typeface="Calibri" panose="020F0502020204030204" pitchFamily="34" charset="0"/>
+                <a:ea typeface="Times New Roman" panose="02020603050405020304" pitchFamily="18" charset="0"/>
+              </a:rPr>
+              <a:t>  </a:t>
+            </a:r>
+          </a:p>
+          <a:p>
+            <a:pPr marL="0" indent="0">
+              <a:buNone/>
+            </a:pPr>
+            <a:r>
+              <a:rPr lang="it-IT" sz="1800" dirty="0">
+                <a:solidFill>
+                  <a:srgbClr val="000000"/>
+                </a:solidFill>
+                <a:effectLst/>
+                <a:latin typeface="Calibri" panose="020F0502020204030204" pitchFamily="34" charset="0"/>
+                <a:ea typeface="Times New Roman" panose="02020603050405020304" pitchFamily="18" charset="0"/>
+              </a:rPr>
+              <a:t>Oltre alla fascia di spesa, il fornitore può anche indicare un importo in euro oltre al quale la </a:t>
+            </a:r>
+            <a:r>
+              <a:rPr lang="it-IT" sz="1800" dirty="0">
+                <a:solidFill>
+                  <a:srgbClr val="FF0000"/>
+                </a:solidFill>
+                <a:effectLst/>
+                <a:latin typeface="Calibri" panose="020F0502020204030204" pitchFamily="34" charset="0"/>
+                <a:ea typeface="Times New Roman" panose="02020603050405020304" pitchFamily="18" charset="0"/>
+              </a:rPr>
+              <a:t>spedizione è gratuita</a:t>
+            </a:r>
+            <a:r>
+              <a:rPr lang="it-IT" sz="1800" dirty="0">
+                <a:solidFill>
+                  <a:srgbClr val="000000"/>
+                </a:solidFill>
+                <a:effectLst/>
+                <a:latin typeface="Calibri" panose="020F0502020204030204" pitchFamily="34" charset="0"/>
+                <a:ea typeface="Times New Roman" panose="02020603050405020304" pitchFamily="18" charset="0"/>
+              </a:rPr>
+              <a:t>.»</a:t>
+            </a:r>
+          </a:p>
+          <a:p>
+            <a:pPr marL="0" indent="0">
+              <a:buNone/>
+            </a:pPr>
+            <a:endParaRPr lang="en-US" sz="1800" dirty="0">
+              <a:latin typeface="Hind"/>
+              <a:ea typeface="+mj-ea"/>
+              <a:cs typeface="+mj-cs"/>
+            </a:endParaRPr>
+          </a:p>
+          <a:p>
+            <a:pPr marL="0" indent="0">
+              <a:buNone/>
+            </a:pPr>
+            <a:r>
+              <a:rPr lang="en-US" sz="1800" dirty="0">
+                <a:latin typeface="Hind"/>
+                <a:ea typeface="+mj-ea"/>
+                <a:cs typeface="+mj-cs"/>
+              </a:rPr>
+              <a:t>CREATE TABLE IF NOT EXISTS `</a:t>
+            </a:r>
+            <a:r>
+              <a:rPr lang="en-US" sz="1800" dirty="0">
+                <a:solidFill>
+                  <a:srgbClr val="FFC000"/>
+                </a:solidFill>
+                <a:latin typeface="Hind"/>
+                <a:ea typeface="+mj-ea"/>
+                <a:cs typeface="+mj-cs"/>
+              </a:rPr>
+              <a:t>vendor</a:t>
+            </a:r>
+            <a:r>
+              <a:rPr lang="en-US" sz="1800" dirty="0">
+                <a:latin typeface="Hind"/>
+                <a:ea typeface="+mj-ea"/>
+                <a:cs typeface="+mj-cs"/>
+              </a:rPr>
+              <a:t>` (  </a:t>
+            </a:r>
+          </a:p>
+          <a:p>
+            <a:pPr marL="0" indent="0">
+              <a:buNone/>
+            </a:pPr>
+            <a:r>
+              <a:rPr lang="en-US" sz="1800" dirty="0">
+                <a:latin typeface="Hind"/>
+                <a:ea typeface="+mj-ea"/>
+                <a:cs typeface="+mj-cs"/>
+              </a:rPr>
+              <a:t>`id` INT NOT NULL AUTO_INCREMENT,  </a:t>
+            </a:r>
+          </a:p>
+          <a:p>
+            <a:pPr marL="0" indent="0">
+              <a:buNone/>
+            </a:pPr>
+            <a:r>
+              <a:rPr lang="en-US" sz="1800" dirty="0">
+                <a:latin typeface="Hind"/>
+                <a:ea typeface="+mj-ea"/>
+                <a:cs typeface="+mj-cs"/>
+              </a:rPr>
+              <a:t>`name` VARCHAR(45) NOT NULL,  </a:t>
+            </a:r>
+          </a:p>
+          <a:p>
+            <a:pPr marL="0" indent="0">
+              <a:buNone/>
+            </a:pPr>
+            <a:r>
+              <a:rPr lang="en-US" sz="1800" dirty="0">
+                <a:latin typeface="Hind"/>
+                <a:ea typeface="+mj-ea"/>
+                <a:cs typeface="+mj-cs"/>
+              </a:rPr>
+              <a:t>`score` INT NOT NULL,  </a:t>
+            </a:r>
+          </a:p>
+          <a:p>
+            <a:pPr marL="0" indent="0">
+              <a:buNone/>
+            </a:pPr>
+            <a:r>
+              <a:rPr lang="en-US" sz="1800" dirty="0">
+                <a:latin typeface="Hind"/>
+                <a:ea typeface="+mj-ea"/>
+                <a:cs typeface="+mj-cs"/>
+              </a:rPr>
+              <a:t>`</a:t>
+            </a:r>
+            <a:r>
+              <a:rPr lang="en-US" sz="1800" dirty="0" err="1">
+                <a:latin typeface="Hind"/>
+                <a:ea typeface="+mj-ea"/>
+                <a:cs typeface="+mj-cs"/>
+              </a:rPr>
+              <a:t>free_limit</a:t>
+            </a:r>
+            <a:r>
+              <a:rPr lang="en-US" sz="1800" dirty="0">
+                <a:latin typeface="Hind"/>
+                <a:ea typeface="+mj-ea"/>
+                <a:cs typeface="+mj-cs"/>
+              </a:rPr>
+              <a:t>` FLOAT NULL DEFAULT NULL,  </a:t>
+            </a:r>
+          </a:p>
+          <a:p>
+            <a:pPr marL="0" indent="0">
+              <a:buNone/>
+            </a:pPr>
+            <a:r>
+              <a:rPr lang="en-US" sz="1800" dirty="0">
+                <a:latin typeface="Hind"/>
+                <a:ea typeface="+mj-ea"/>
+                <a:cs typeface="+mj-cs"/>
+              </a:rPr>
+              <a:t>PRIMARY KEY (`id`))</a:t>
+            </a:r>
+          </a:p>
+        </p:txBody>
+      </p:sp>
+    </p:spTree>
+    <p:extLst>
+      <p:ext uri="{BB962C8B-B14F-4D97-AF65-F5344CB8AC3E}">
+        <p14:creationId xmlns:p14="http://schemas.microsoft.com/office/powerpoint/2010/main" val="1508393104"/>
+      </p:ext>
+    </p:extLst>
+  </p:cSld>
+  <p:clrMapOvr>
+    <a:masterClrMapping/>
+  </p:clrMapOvr>
+</p:sld>
+</file>
+
+<file path=ppt/slides/slide9.xml><?xml version="1.0" encoding="utf-8"?>
+<p:sld xmlns:a="http://schemas.openxmlformats.org/drawingml/2006/main" xmlns:r="http://schemas.openxmlformats.org/officeDocument/2006/relationships" xmlns:p="http://schemas.openxmlformats.org/presentationml/2006/main">
+  <p:cSld>
+    <p:spTree>
+      <p:nvGrpSpPr>
+        <p:cNvPr id="1" name=""/>
+        <p:cNvGrpSpPr/>
+        <p:nvPr/>
+      </p:nvGrpSpPr>
+      <p:grpSpPr>
+        <a:xfrm>
+          <a:off x="0" y="0"/>
+          <a:ext cx="0" cy="0"/>
+          <a:chOff x="0" y="0"/>
+          <a:chExt cx="0" cy="0"/>
+        </a:xfrm>
+      </p:grpSpPr>
+      <p:sp>
+        <p:nvSpPr>
+          <p:cNvPr id="2" name="Titolo 1">
+            <a:extLst>
+              <a:ext uri="{FF2B5EF4-FFF2-40B4-BE49-F238E27FC236}">
+                <a16:creationId xmlns:a16="http://schemas.microsoft.com/office/drawing/2014/main" id="{21046205-7257-47FD-A07F-1B1048C90351}"/>
+              </a:ext>
+            </a:extLst>
+          </p:cNvPr>
+          <p:cNvSpPr>
+            <a:spLocks noGrp="1"/>
+          </p:cNvSpPr>
+          <p:nvPr>
+            <p:ph type="title"/>
+          </p:nvPr>
+        </p:nvSpPr>
+        <p:spPr/>
+        <p:txBody>
+          <a:bodyPr>
+            <a:normAutofit/>
+          </a:bodyPr>
+          <a:lstStyle/>
+          <a:p>
+            <a:r>
+              <a:rPr lang="it-IT" sz="4000" b="1" dirty="0">
+                <a:latin typeface="Hind"/>
+              </a:rPr>
+              <a:t>Design del Database </a:t>
+            </a:r>
+            <a:r>
+              <a:rPr lang="it-IT" sz="4000" dirty="0"/>
+              <a:t>– </a:t>
+            </a:r>
+            <a:r>
+              <a:rPr lang="it-IT" sz="4000" dirty="0">
+                <a:latin typeface="Hind"/>
+              </a:rPr>
+              <a:t>Definizione delle tabelle</a:t>
+            </a:r>
+          </a:p>
+        </p:txBody>
+      </p:sp>
+      <p:sp>
+        <p:nvSpPr>
+          <p:cNvPr id="3" name="Segnaposto contenuto 2">
+            <a:extLst>
+              <a:ext uri="{FF2B5EF4-FFF2-40B4-BE49-F238E27FC236}">
+                <a16:creationId xmlns:a16="http://schemas.microsoft.com/office/drawing/2014/main" id="{80869FFB-E925-4364-8C80-6479C4DD48B5}"/>
+              </a:ext>
+            </a:extLst>
+          </p:cNvPr>
+          <p:cNvSpPr>
+            <a:spLocks noGrp="1"/>
+          </p:cNvSpPr>
+          <p:nvPr>
+            <p:ph idx="1"/>
+          </p:nvPr>
+        </p:nvSpPr>
+        <p:spPr/>
+        <p:txBody>
+          <a:bodyPr>
+            <a:normAutofit/>
+          </a:bodyPr>
+          <a:lstStyle/>
+          <a:p>
+            <a:pPr marL="0" indent="0">
+              <a:buNone/>
+            </a:pPr>
+            <a:r>
+              <a:rPr lang="it-IT" sz="1800" dirty="0">
+                <a:solidFill>
+                  <a:srgbClr val="000000"/>
+                </a:solidFill>
+                <a:effectLst/>
+                <a:latin typeface="Calibri" panose="020F0502020204030204" pitchFamily="34" charset="0"/>
+                <a:ea typeface="Times New Roman" panose="02020603050405020304" pitchFamily="18" charset="0"/>
+              </a:rPr>
+              <a:t>«Una </a:t>
+            </a:r>
+            <a:r>
+              <a:rPr lang="it-IT" sz="1800" b="1" dirty="0">
+                <a:solidFill>
+                  <a:srgbClr val="FFC000"/>
+                </a:solidFill>
+                <a:effectLst/>
+                <a:latin typeface="Calibri" panose="020F0502020204030204" pitchFamily="34" charset="0"/>
+                <a:ea typeface="Times New Roman" panose="02020603050405020304" pitchFamily="18" charset="0"/>
+              </a:rPr>
+              <a:t>fascia di spesa</a:t>
+            </a:r>
+            <a:r>
+              <a:rPr lang="it-IT" sz="1800" dirty="0">
+                <a:solidFill>
+                  <a:srgbClr val="000000"/>
+                </a:solidFill>
+                <a:effectLst/>
+                <a:latin typeface="Calibri" panose="020F0502020204030204" pitchFamily="34" charset="0"/>
+                <a:ea typeface="Times New Roman" panose="02020603050405020304" pitchFamily="18" charset="0"/>
+              </a:rPr>
+              <a:t> ha un </a:t>
+            </a:r>
+            <a:r>
+              <a:rPr lang="it-IT" sz="1800" dirty="0">
+                <a:solidFill>
+                  <a:srgbClr val="FF0000"/>
+                </a:solidFill>
+                <a:effectLst/>
+                <a:latin typeface="Calibri" panose="020F0502020204030204" pitchFamily="34" charset="0"/>
+                <a:ea typeface="Times New Roman" panose="02020603050405020304" pitchFamily="18" charset="0"/>
+              </a:rPr>
+              <a:t>numero minimo</a:t>
+            </a:r>
+            <a:r>
+              <a:rPr lang="it-IT" sz="1800" dirty="0">
+                <a:solidFill>
+                  <a:srgbClr val="000000"/>
+                </a:solidFill>
+                <a:effectLst/>
+                <a:latin typeface="Calibri" panose="020F0502020204030204" pitchFamily="34" charset="0"/>
+                <a:ea typeface="Times New Roman" panose="02020603050405020304" pitchFamily="18" charset="0"/>
+              </a:rPr>
+              <a:t>, un </a:t>
+            </a:r>
+            <a:r>
+              <a:rPr lang="it-IT" sz="1800" dirty="0">
+                <a:solidFill>
+                  <a:srgbClr val="FF0000"/>
+                </a:solidFill>
+                <a:effectLst/>
+                <a:latin typeface="Calibri" panose="020F0502020204030204" pitchFamily="34" charset="0"/>
+                <a:ea typeface="Times New Roman" panose="02020603050405020304" pitchFamily="18" charset="0"/>
+              </a:rPr>
+              <a:t>numero massimo</a:t>
+            </a:r>
+            <a:r>
+              <a:rPr lang="it-IT" sz="1800" dirty="0">
+                <a:solidFill>
+                  <a:srgbClr val="000000"/>
+                </a:solidFill>
+                <a:effectLst/>
+                <a:latin typeface="Calibri" panose="020F0502020204030204" pitchFamily="34" charset="0"/>
+                <a:ea typeface="Times New Roman" panose="02020603050405020304" pitchFamily="18" charset="0"/>
+              </a:rPr>
+              <a:t> e un </a:t>
+            </a:r>
+            <a:r>
+              <a:rPr lang="it-IT" sz="1800" dirty="0">
+                <a:solidFill>
+                  <a:srgbClr val="FF0000"/>
+                </a:solidFill>
+                <a:effectLst/>
+                <a:latin typeface="Calibri" panose="020F0502020204030204" pitchFamily="34" charset="0"/>
+                <a:ea typeface="Times New Roman" panose="02020603050405020304" pitchFamily="18" charset="0"/>
+              </a:rPr>
+              <a:t>prezzo</a:t>
+            </a:r>
+            <a:r>
+              <a:rPr lang="it-IT" sz="1800" dirty="0">
+                <a:solidFill>
+                  <a:srgbClr val="000000"/>
+                </a:solidFill>
+                <a:effectLst/>
+                <a:latin typeface="Calibri" panose="020F0502020204030204" pitchFamily="34" charset="0"/>
+                <a:ea typeface="Times New Roman" panose="02020603050405020304" pitchFamily="18" charset="0"/>
+              </a:rPr>
+              <a:t>. Ad esempio: da 1 a 3 articoli 15€, da 4 a 10 articoli 20€, oltre a 10 articoli, ecc.»</a:t>
+            </a:r>
+          </a:p>
+          <a:p>
+            <a:pPr marL="0" indent="0">
+              <a:buNone/>
+            </a:pPr>
+            <a:endParaRPr lang="en-US" sz="1800" dirty="0">
+              <a:latin typeface="Hind"/>
+              <a:ea typeface="+mj-ea"/>
+              <a:cs typeface="+mj-cs"/>
+            </a:endParaRPr>
+          </a:p>
+          <a:p>
+            <a:pPr marL="0" indent="0">
+              <a:buNone/>
+            </a:pPr>
+            <a:r>
+              <a:rPr lang="en-US" sz="1800" dirty="0">
+                <a:latin typeface="Hind"/>
+                <a:ea typeface="+mj-ea"/>
+                <a:cs typeface="+mj-cs"/>
+              </a:rPr>
+              <a:t>CREATE TABLE IF NOT EXISTS `</a:t>
+            </a:r>
+            <a:r>
+              <a:rPr lang="en-US" sz="1800" dirty="0">
+                <a:solidFill>
+                  <a:srgbClr val="FFC000"/>
+                </a:solidFill>
+                <a:latin typeface="Hind"/>
+                <a:ea typeface="+mj-ea"/>
+                <a:cs typeface="+mj-cs"/>
+              </a:rPr>
+              <a:t>range</a:t>
+            </a:r>
+            <a:r>
+              <a:rPr lang="en-US" sz="1800" dirty="0">
+                <a:latin typeface="Hind"/>
+                <a:ea typeface="+mj-ea"/>
+                <a:cs typeface="+mj-cs"/>
+              </a:rPr>
+              <a:t>` (  </a:t>
+            </a:r>
+          </a:p>
+          <a:p>
+            <a:pPr marL="0" indent="0">
+              <a:buNone/>
+            </a:pPr>
+            <a:r>
+              <a:rPr lang="en-US" sz="1800" dirty="0">
+                <a:latin typeface="Hind"/>
+                <a:ea typeface="+mj-ea"/>
+                <a:cs typeface="+mj-cs"/>
+              </a:rPr>
+              <a:t>`id` INT NOT NULL AUTO_INCREMENT,  </a:t>
+            </a:r>
+          </a:p>
+          <a:p>
+            <a:pPr marL="0" indent="0">
+              <a:buNone/>
+            </a:pPr>
+            <a:r>
+              <a:rPr lang="en-US" sz="1800" dirty="0">
+                <a:latin typeface="Hind"/>
+                <a:ea typeface="+mj-ea"/>
+                <a:cs typeface="+mj-cs"/>
+              </a:rPr>
+              <a:t>`min` INT NOT NULL,  </a:t>
+            </a:r>
+          </a:p>
+          <a:p>
+            <a:pPr marL="0" indent="0">
+              <a:buNone/>
+            </a:pPr>
+            <a:r>
+              <a:rPr lang="en-US" sz="1800" dirty="0">
+                <a:latin typeface="Hind"/>
+                <a:ea typeface="+mj-ea"/>
+                <a:cs typeface="+mj-cs"/>
+              </a:rPr>
+              <a:t>`max` INT NOT NULL,  </a:t>
+            </a:r>
+          </a:p>
+          <a:p>
+            <a:pPr marL="0" indent="0">
+              <a:buNone/>
+            </a:pPr>
+            <a:r>
+              <a:rPr lang="en-US" sz="1800" dirty="0">
+                <a:latin typeface="Hind"/>
+                <a:ea typeface="+mj-ea"/>
+                <a:cs typeface="+mj-cs"/>
+              </a:rPr>
+              <a:t>`</a:t>
+            </a:r>
+            <a:r>
+              <a:rPr lang="en-US" sz="1800" dirty="0" err="1">
+                <a:latin typeface="Hind"/>
+                <a:ea typeface="+mj-ea"/>
+                <a:cs typeface="+mj-cs"/>
+              </a:rPr>
+              <a:t>shipping_cost</a:t>
+            </a:r>
+            <a:r>
+              <a:rPr lang="en-US" sz="1800" dirty="0">
+                <a:latin typeface="Hind"/>
+                <a:ea typeface="+mj-ea"/>
+                <a:cs typeface="+mj-cs"/>
+              </a:rPr>
+              <a:t>` FLOAT NOT NULL,  </a:t>
+            </a:r>
+          </a:p>
+          <a:p>
+            <a:pPr marL="0" indent="0">
+              <a:buNone/>
+            </a:pPr>
+            <a:r>
+              <a:rPr lang="en-US" sz="1800" dirty="0">
+                <a:latin typeface="Hind"/>
+                <a:ea typeface="+mj-ea"/>
+                <a:cs typeface="+mj-cs"/>
+              </a:rPr>
+              <a:t>PRIMARY KEY (`id`))</a:t>
+            </a:r>
+          </a:p>
+        </p:txBody>
+      </p:sp>
+    </p:spTree>
+    <p:extLst>
+      <p:ext uri="{BB962C8B-B14F-4D97-AF65-F5344CB8AC3E}">
+        <p14:creationId xmlns:p14="http://schemas.microsoft.com/office/powerpoint/2010/main" val="72428276"/>
       </p:ext>
     </p:extLst>
   </p:cSld>

--- a/docs/ideaPerLaPresentazione.pptx
+++ b/docs/ideaPerLaPresentazione.pptx
@@ -10,16 +10,26 @@
     <p:sldId id="268" r:id="rId4"/>
     <p:sldId id="269" r:id="rId5"/>
     <p:sldId id="270" r:id="rId6"/>
-    <p:sldId id="258" r:id="rId7"/>
-    <p:sldId id="259" r:id="rId8"/>
-    <p:sldId id="264" r:id="rId9"/>
-    <p:sldId id="263" r:id="rId10"/>
-    <p:sldId id="266" r:id="rId11"/>
-    <p:sldId id="267" r:id="rId12"/>
-    <p:sldId id="272" r:id="rId13"/>
-    <p:sldId id="260" r:id="rId14"/>
-    <p:sldId id="261" r:id="rId15"/>
-    <p:sldId id="262" r:id="rId16"/>
+    <p:sldId id="273" r:id="rId7"/>
+    <p:sldId id="258" r:id="rId8"/>
+    <p:sldId id="259" r:id="rId9"/>
+    <p:sldId id="264" r:id="rId10"/>
+    <p:sldId id="263" r:id="rId11"/>
+    <p:sldId id="266" r:id="rId12"/>
+    <p:sldId id="267" r:id="rId13"/>
+    <p:sldId id="272" r:id="rId14"/>
+    <p:sldId id="260" r:id="rId15"/>
+    <p:sldId id="261" r:id="rId16"/>
+    <p:sldId id="262" r:id="rId17"/>
+    <p:sldId id="275" r:id="rId18"/>
+    <p:sldId id="276" r:id="rId19"/>
+    <p:sldId id="277" r:id="rId20"/>
+    <p:sldId id="278" r:id="rId21"/>
+    <p:sldId id="279" r:id="rId22"/>
+    <p:sldId id="280" r:id="rId23"/>
+    <p:sldId id="281" r:id="rId24"/>
+    <p:sldId id="282" r:id="rId25"/>
+    <p:sldId id="274" r:id="rId26"/>
   </p:sldIdLst>
   <p:sldSz cx="12192000" cy="6858000"/>
   <p:notesSz cx="6858000" cy="9144000"/>
@@ -273,7 +283,7 @@
           <a:p>
             <a:fld id="{19650704-D090-48E5-9793-E1A82410574F}" type="datetimeFigureOut">
               <a:rPr lang="it-IT" smtClean="0"/>
-              <a:t>19/06/2021</a:t>
+              <a:t>20/06/2021</a:t>
             </a:fld>
             <a:endParaRPr lang="it-IT"/>
           </a:p>
@@ -471,7 +481,7 @@
           <a:p>
             <a:fld id="{19650704-D090-48E5-9793-E1A82410574F}" type="datetimeFigureOut">
               <a:rPr lang="it-IT" smtClean="0"/>
-              <a:t>19/06/2021</a:t>
+              <a:t>20/06/2021</a:t>
             </a:fld>
             <a:endParaRPr lang="it-IT"/>
           </a:p>
@@ -679,7 +689,7 @@
           <a:p>
             <a:fld id="{19650704-D090-48E5-9793-E1A82410574F}" type="datetimeFigureOut">
               <a:rPr lang="it-IT" smtClean="0"/>
-              <a:t>19/06/2021</a:t>
+              <a:t>20/06/2021</a:t>
             </a:fld>
             <a:endParaRPr lang="it-IT"/>
           </a:p>
@@ -877,7 +887,7 @@
           <a:p>
             <a:fld id="{19650704-D090-48E5-9793-E1A82410574F}" type="datetimeFigureOut">
               <a:rPr lang="it-IT" smtClean="0"/>
-              <a:t>19/06/2021</a:t>
+              <a:t>20/06/2021</a:t>
             </a:fld>
             <a:endParaRPr lang="it-IT"/>
           </a:p>
@@ -1152,7 +1162,7 @@
           <a:p>
             <a:fld id="{19650704-D090-48E5-9793-E1A82410574F}" type="datetimeFigureOut">
               <a:rPr lang="it-IT" smtClean="0"/>
-              <a:t>19/06/2021</a:t>
+              <a:t>20/06/2021</a:t>
             </a:fld>
             <a:endParaRPr lang="it-IT"/>
           </a:p>
@@ -1417,7 +1427,7 @@
           <a:p>
             <a:fld id="{19650704-D090-48E5-9793-E1A82410574F}" type="datetimeFigureOut">
               <a:rPr lang="it-IT" smtClean="0"/>
-              <a:t>19/06/2021</a:t>
+              <a:t>20/06/2021</a:t>
             </a:fld>
             <a:endParaRPr lang="it-IT"/>
           </a:p>
@@ -1829,7 +1839,7 @@
           <a:p>
             <a:fld id="{19650704-D090-48E5-9793-E1A82410574F}" type="datetimeFigureOut">
               <a:rPr lang="it-IT" smtClean="0"/>
-              <a:t>19/06/2021</a:t>
+              <a:t>20/06/2021</a:t>
             </a:fld>
             <a:endParaRPr lang="it-IT"/>
           </a:p>
@@ -1970,7 +1980,7 @@
           <a:p>
             <a:fld id="{19650704-D090-48E5-9793-E1A82410574F}" type="datetimeFigureOut">
               <a:rPr lang="it-IT" smtClean="0"/>
-              <a:t>19/06/2021</a:t>
+              <a:t>20/06/2021</a:t>
             </a:fld>
             <a:endParaRPr lang="it-IT"/>
           </a:p>
@@ -2083,7 +2093,7 @@
           <a:p>
             <a:fld id="{19650704-D090-48E5-9793-E1A82410574F}" type="datetimeFigureOut">
               <a:rPr lang="it-IT" smtClean="0"/>
-              <a:t>19/06/2021</a:t>
+              <a:t>20/06/2021</a:t>
             </a:fld>
             <a:endParaRPr lang="it-IT"/>
           </a:p>
@@ -2394,7 +2404,7 @@
           <a:p>
             <a:fld id="{19650704-D090-48E5-9793-E1A82410574F}" type="datetimeFigureOut">
               <a:rPr lang="it-IT" smtClean="0"/>
-              <a:t>19/06/2021</a:t>
+              <a:t>20/06/2021</a:t>
             </a:fld>
             <a:endParaRPr lang="it-IT"/>
           </a:p>
@@ -2682,7 +2692,7 @@
           <a:p>
             <a:fld id="{19650704-D090-48E5-9793-E1A82410574F}" type="datetimeFigureOut">
               <a:rPr lang="it-IT" smtClean="0"/>
-              <a:t>19/06/2021</a:t>
+              <a:t>20/06/2021</a:t>
             </a:fld>
             <a:endParaRPr lang="it-IT"/>
           </a:p>
@@ -2923,7 +2933,7 @@
           <a:p>
             <a:fld id="{19650704-D090-48E5-9793-E1A82410574F}" type="datetimeFigureOut">
               <a:rPr lang="it-IT" smtClean="0"/>
-              <a:t>19/06/2021</a:t>
+              <a:t>20/06/2021</a:t>
             </a:fld>
             <a:endParaRPr lang="it-IT"/>
           </a:p>
@@ -3683,7 +3693,7 @@
                 <a:latin typeface="Calibri" panose="020F0502020204030204" pitchFamily="34" charset="0"/>
                 <a:ea typeface="Times New Roman" panose="02020603050405020304" pitchFamily="18" charset="0"/>
               </a:rPr>
-              <a:t>«Un </a:t>
+              <a:t>«Una </a:t>
             </a:r>
             <a:r>
               <a:rPr lang="it-IT" sz="1800" b="1" dirty="0">
@@ -3694,7 +3704,7 @@
                 <a:latin typeface="Calibri" panose="020F0502020204030204" pitchFamily="34" charset="0"/>
                 <a:ea typeface="Times New Roman" panose="02020603050405020304" pitchFamily="18" charset="0"/>
               </a:rPr>
-              <a:t>fornitore</a:t>
+              <a:t>fascia di spesa</a:t>
             </a:r>
             <a:r>
               <a:rPr lang="it-IT" sz="1800" dirty="0">
@@ -3716,7 +3726,7 @@
                 <a:latin typeface="Calibri" panose="020F0502020204030204" pitchFamily="34" charset="0"/>
                 <a:ea typeface="Times New Roman" panose="02020603050405020304" pitchFamily="18" charset="0"/>
               </a:rPr>
-              <a:t>codice</a:t>
+              <a:t>numero minimo</a:t>
             </a:r>
             <a:r>
               <a:rPr lang="it-IT" sz="1800" dirty="0">
@@ -3738,7 +3748,7 @@
                 <a:latin typeface="Calibri" panose="020F0502020204030204" pitchFamily="34" charset="0"/>
                 <a:ea typeface="Times New Roman" panose="02020603050405020304" pitchFamily="18" charset="0"/>
               </a:rPr>
-              <a:t>nome</a:t>
+              <a:t>numero massimo</a:t>
             </a:r>
             <a:r>
               <a:rPr lang="it-IT" sz="1800" dirty="0">
@@ -3749,7 +3759,7 @@
                 <a:latin typeface="Calibri" panose="020F0502020204030204" pitchFamily="34" charset="0"/>
                 <a:ea typeface="Times New Roman" panose="02020603050405020304" pitchFamily="18" charset="0"/>
               </a:rPr>
-              <a:t>, una </a:t>
+              <a:t> e un </a:t>
             </a:r>
             <a:r>
               <a:rPr lang="it-IT" sz="1800" dirty="0">
@@ -3760,7 +3770,7 @@
                 <a:latin typeface="Calibri" panose="020F0502020204030204" pitchFamily="34" charset="0"/>
                 <a:ea typeface="Times New Roman" panose="02020603050405020304" pitchFamily="18" charset="0"/>
               </a:rPr>
-              <a:t>valutazione</a:t>
+              <a:t>prezzo</a:t>
             </a:r>
             <a:r>
               <a:rPr lang="it-IT" sz="1800" dirty="0">
@@ -3771,29 +3781,13 @@
                 <a:latin typeface="Calibri" panose="020F0502020204030204" pitchFamily="34" charset="0"/>
                 <a:ea typeface="Times New Roman" panose="02020603050405020304" pitchFamily="18" charset="0"/>
               </a:rPr>
-              <a:t> da 1 a 5 stelle e una </a:t>
-            </a:r>
-            <a:r>
-              <a:rPr lang="it-IT" sz="1800" b="1" dirty="0">
-                <a:solidFill>
-                  <a:srgbClr val="FFC000"/>
-                </a:solidFill>
-                <a:effectLst/>
-                <a:latin typeface="Calibri" panose="020F0502020204030204" pitchFamily="34" charset="0"/>
-                <a:ea typeface="Times New Roman" panose="02020603050405020304" pitchFamily="18" charset="0"/>
-              </a:rPr>
-              <a:t>politica di spedizione</a:t>
-            </a:r>
-            <a:r>
-              <a:rPr lang="it-IT" sz="1800" b="1" dirty="0">
-                <a:solidFill>
-                  <a:srgbClr val="000000"/>
-                </a:solidFill>
-                <a:latin typeface="Calibri" panose="020F0502020204030204" pitchFamily="34" charset="0"/>
-                <a:ea typeface="Times New Roman" panose="02020603050405020304" pitchFamily="18" charset="0"/>
-              </a:rPr>
-              <a:t>.»</a:t>
-            </a:r>
+              <a:t>. Ad esempio: da 1 a 3 articoli 15€, da 4 a 10 articoli 20€, oltre a 10 articoli, ecc.»</a:t>
+            </a:r>
+          </a:p>
+          <a:p>
+            <a:pPr marL="0" indent="0">
+              <a:buNone/>
+            </a:pPr>
             <a:endParaRPr lang="en-US" sz="1800" dirty="0">
               <a:latin typeface="Hind"/>
               <a:ea typeface="+mj-ea"/>
@@ -3804,11 +3798,33 @@
             <a:pPr marL="0" indent="0">
               <a:buNone/>
             </a:pPr>
-            <a:endParaRPr lang="en-US" sz="1800" dirty="0">
-              <a:latin typeface="Hind"/>
-              <a:ea typeface="+mj-ea"/>
-              <a:cs typeface="+mj-cs"/>
-            </a:endParaRPr>
+            <a:r>
+              <a:rPr lang="en-US" sz="1800" dirty="0">
+                <a:latin typeface="Hind"/>
+                <a:ea typeface="+mj-ea"/>
+                <a:cs typeface="+mj-cs"/>
+              </a:rPr>
+              <a:t>CREATE TABLE IF NOT EXISTS `</a:t>
+            </a:r>
+            <a:r>
+              <a:rPr lang="en-US" sz="1800" dirty="0">
+                <a:solidFill>
+                  <a:srgbClr val="FFC000"/>
+                </a:solidFill>
+                <a:latin typeface="Hind"/>
+                <a:ea typeface="+mj-ea"/>
+                <a:cs typeface="+mj-cs"/>
+              </a:rPr>
+              <a:t>range</a:t>
+            </a:r>
+            <a:r>
+              <a:rPr lang="en-US" sz="1800" dirty="0">
+                <a:latin typeface="Hind"/>
+                <a:ea typeface="+mj-ea"/>
+                <a:cs typeface="+mj-cs"/>
+              </a:rPr>
+              <a:t>` (  </a:t>
+            </a:r>
           </a:p>
           <a:p>
             <a:pPr marL="0" indent="0">
@@ -3820,26 +3836,62 @@
                 <a:ea typeface="+mj-ea"/>
                 <a:cs typeface="+mj-cs"/>
               </a:rPr>
-              <a:t>CREATE TABLE IF NOT EXISTS `</a:t>
+              <a:t>`id` INT NOT NULL AUTO_INCREMENT,  </a:t>
+            </a:r>
+          </a:p>
+          <a:p>
+            <a:pPr marL="0" indent="0">
+              <a:buNone/>
+            </a:pPr>
+            <a:r>
+              <a:rPr lang="en-US" sz="1800" dirty="0">
+                <a:latin typeface="Hind"/>
+                <a:ea typeface="+mj-ea"/>
+                <a:cs typeface="+mj-cs"/>
+              </a:rPr>
+              <a:t>`min` INT NOT NULL,  </a:t>
+            </a:r>
+          </a:p>
+          <a:p>
+            <a:pPr marL="0" indent="0">
+              <a:buNone/>
+            </a:pPr>
+            <a:r>
+              <a:rPr lang="en-US" sz="1800" dirty="0">
+                <a:latin typeface="Hind"/>
+                <a:ea typeface="+mj-ea"/>
+                <a:cs typeface="+mj-cs"/>
+              </a:rPr>
+              <a:t>`max` INT NOT NULL,  </a:t>
+            </a:r>
+          </a:p>
+          <a:p>
+            <a:pPr marL="0" indent="0">
+              <a:buNone/>
+            </a:pPr>
+            <a:r>
+              <a:rPr lang="en-US" sz="1800" dirty="0">
+                <a:latin typeface="Hind"/>
+                <a:ea typeface="+mj-ea"/>
+                <a:cs typeface="+mj-cs"/>
+              </a:rPr>
+              <a:t>`</a:t>
             </a:r>
             <a:r>
               <a:rPr lang="en-US" sz="1800" dirty="0" err="1">
-                <a:solidFill>
-                  <a:srgbClr val="FFC000"/>
-                </a:solidFill>
-                <a:latin typeface="Hind"/>
-                <a:ea typeface="+mj-ea"/>
-                <a:cs typeface="+mj-cs"/>
-              </a:rPr>
-              <a:t>shipping_policy</a:t>
-            </a:r>
-            <a:r>
-              <a:rPr lang="en-US" sz="1800" dirty="0">
-                <a:latin typeface="Hind"/>
-                <a:ea typeface="+mj-ea"/>
-                <a:cs typeface="+mj-cs"/>
-              </a:rPr>
-              <a:t>` (  </a:t>
+                <a:latin typeface="Hind"/>
+                <a:ea typeface="+mj-ea"/>
+                <a:cs typeface="+mj-cs"/>
+              </a:rPr>
+              <a:t>shipping_cost</a:t>
+            </a:r>
+            <a:r>
+              <a:rPr lang="en-US" sz="1800" dirty="0">
+                <a:latin typeface="Hind"/>
+                <a:ea typeface="+mj-ea"/>
+                <a:cs typeface="+mj-cs"/>
+              </a:rPr>
+              <a:t>` FLOAT NOT NULL,  </a:t>
             </a:r>
           </a:p>
           <a:p>
@@ -3852,187 +3904,7 @@
                 <a:ea typeface="+mj-ea"/>
                 <a:cs typeface="+mj-cs"/>
               </a:rPr>
-              <a:t>`</a:t>
-            </a:r>
-            <a:r>
-              <a:rPr lang="en-US" sz="1800" dirty="0" err="1">
-                <a:latin typeface="Hind"/>
-                <a:ea typeface="+mj-ea"/>
-                <a:cs typeface="+mj-cs"/>
-              </a:rPr>
-              <a:t>id_range</a:t>
-            </a:r>
-            <a:r>
-              <a:rPr lang="en-US" sz="1800" dirty="0">
-                <a:latin typeface="Hind"/>
-                <a:ea typeface="+mj-ea"/>
-                <a:cs typeface="+mj-cs"/>
-              </a:rPr>
-              <a:t>` INT NOT NULL,  </a:t>
-            </a:r>
-          </a:p>
-          <a:p>
-            <a:pPr marL="0" indent="0">
-              <a:buNone/>
-            </a:pPr>
-            <a:r>
-              <a:rPr lang="en-US" sz="1800" dirty="0">
-                <a:latin typeface="Hind"/>
-                <a:ea typeface="+mj-ea"/>
-                <a:cs typeface="+mj-cs"/>
-              </a:rPr>
-              <a:t>`</a:t>
-            </a:r>
-            <a:r>
-              <a:rPr lang="en-US" sz="1800" dirty="0" err="1">
-                <a:latin typeface="Hind"/>
-                <a:ea typeface="+mj-ea"/>
-                <a:cs typeface="+mj-cs"/>
-              </a:rPr>
-              <a:t>id_vendor</a:t>
-            </a:r>
-            <a:r>
-              <a:rPr lang="en-US" sz="1800" dirty="0">
-                <a:latin typeface="Hind"/>
-                <a:ea typeface="+mj-ea"/>
-                <a:cs typeface="+mj-cs"/>
-              </a:rPr>
-              <a:t>` INT NOT NULL,  </a:t>
-            </a:r>
-          </a:p>
-          <a:p>
-            <a:pPr marL="0" indent="0">
-              <a:buNone/>
-            </a:pPr>
-            <a:r>
-              <a:rPr lang="en-US" sz="1800" dirty="0">
-                <a:latin typeface="Hind"/>
-                <a:ea typeface="+mj-ea"/>
-                <a:cs typeface="+mj-cs"/>
-              </a:rPr>
-              <a:t>PRIMARY KEY (`</a:t>
-            </a:r>
-            <a:r>
-              <a:rPr lang="en-US" sz="1800" dirty="0" err="1">
-                <a:latin typeface="Hind"/>
-                <a:ea typeface="+mj-ea"/>
-                <a:cs typeface="+mj-cs"/>
-              </a:rPr>
-              <a:t>id_range</a:t>
-            </a:r>
-            <a:r>
-              <a:rPr lang="en-US" sz="1800" dirty="0">
-                <a:latin typeface="Hind"/>
-                <a:ea typeface="+mj-ea"/>
-                <a:cs typeface="+mj-cs"/>
-              </a:rPr>
-              <a:t>`, `</a:t>
-            </a:r>
-            <a:r>
-              <a:rPr lang="en-US" sz="1800" dirty="0" err="1">
-                <a:latin typeface="Hind"/>
-                <a:ea typeface="+mj-ea"/>
-                <a:cs typeface="+mj-cs"/>
-              </a:rPr>
-              <a:t>id_vendor</a:t>
-            </a:r>
-            <a:r>
-              <a:rPr lang="en-US" sz="1800" dirty="0">
-                <a:latin typeface="Hind"/>
-                <a:ea typeface="+mj-ea"/>
-                <a:cs typeface="+mj-cs"/>
-              </a:rPr>
-              <a:t>`),  </a:t>
-            </a:r>
-          </a:p>
-          <a:p>
-            <a:pPr marL="0" indent="0">
-              <a:buNone/>
-            </a:pPr>
-            <a:r>
-              <a:rPr lang="en-US" sz="1800" dirty="0">
-                <a:latin typeface="Hind"/>
-                <a:ea typeface="+mj-ea"/>
-                <a:cs typeface="+mj-cs"/>
-              </a:rPr>
-              <a:t>CONSTRAINT `</a:t>
-            </a:r>
-            <a:r>
-              <a:rPr lang="en-US" sz="1800" dirty="0" err="1">
-                <a:latin typeface="Hind"/>
-                <a:ea typeface="+mj-ea"/>
-                <a:cs typeface="+mj-cs"/>
-              </a:rPr>
-              <a:t>shipping_id_range</a:t>
-            </a:r>
-            <a:r>
-              <a:rPr lang="en-US" sz="1800" dirty="0">
-                <a:latin typeface="Hind"/>
-                <a:ea typeface="+mj-ea"/>
-                <a:cs typeface="+mj-cs"/>
-              </a:rPr>
-              <a:t>`    FOREIGN KEY (`</a:t>
-            </a:r>
-            <a:r>
-              <a:rPr lang="en-US" sz="1800" dirty="0" err="1">
-                <a:latin typeface="Hind"/>
-                <a:ea typeface="+mj-ea"/>
-                <a:cs typeface="+mj-cs"/>
-              </a:rPr>
-              <a:t>id_range</a:t>
-            </a:r>
-            <a:r>
-              <a:rPr lang="en-US" sz="1800" dirty="0">
-                <a:latin typeface="Hind"/>
-                <a:ea typeface="+mj-ea"/>
-                <a:cs typeface="+mj-cs"/>
-              </a:rPr>
-              <a:t>`)    REFERENCES `range` (`id`)    ON UPDATE CASCADE,  </a:t>
-            </a:r>
-          </a:p>
-          <a:p>
-            <a:pPr marL="0" indent="0">
-              <a:buNone/>
-            </a:pPr>
-            <a:r>
-              <a:rPr lang="en-US" sz="1800" dirty="0">
-                <a:latin typeface="Hind"/>
-                <a:ea typeface="+mj-ea"/>
-                <a:cs typeface="+mj-cs"/>
-              </a:rPr>
-              <a:t>CONSTRAINT `</a:t>
-            </a:r>
-            <a:r>
-              <a:rPr lang="en-US" sz="1800" dirty="0" err="1">
-                <a:latin typeface="Hind"/>
-                <a:ea typeface="+mj-ea"/>
-                <a:cs typeface="+mj-cs"/>
-              </a:rPr>
-              <a:t>shipping_id_vendor</a:t>
-            </a:r>
-            <a:r>
-              <a:rPr lang="en-US" sz="1800" dirty="0">
-                <a:latin typeface="Hind"/>
-                <a:ea typeface="+mj-ea"/>
-                <a:cs typeface="+mj-cs"/>
-              </a:rPr>
-              <a:t>`    FOREIGN KEY (`</a:t>
-            </a:r>
-            <a:r>
-              <a:rPr lang="en-US" sz="1800" dirty="0" err="1">
-                <a:latin typeface="Hind"/>
-                <a:ea typeface="+mj-ea"/>
-                <a:cs typeface="+mj-cs"/>
-              </a:rPr>
-              <a:t>id_vendor</a:t>
-            </a:r>
-            <a:r>
-              <a:rPr lang="en-US" sz="1800" dirty="0">
-                <a:latin typeface="Hind"/>
-                <a:ea typeface="+mj-ea"/>
-                <a:cs typeface="+mj-cs"/>
-              </a:rPr>
-              <a:t>`)    REFERENCES `vendor` (`id`)    ON DELETE CASCADE    ON UPDATE CASCADE)</a:t>
+              <a:t>PRIMARY KEY (`id`))</a:t>
             </a:r>
           </a:p>
         </p:txBody>
@@ -4040,7 +3912,7 @@
     </p:spTree>
     <p:extLst>
       <p:ext uri="{BB962C8B-B14F-4D97-AF65-F5344CB8AC3E}">
-        <p14:creationId xmlns:p14="http://schemas.microsoft.com/office/powerpoint/2010/main" val="1043231875"/>
+        <p14:creationId xmlns:p14="http://schemas.microsoft.com/office/powerpoint/2010/main" val="72428276"/>
       </p:ext>
     </p:extLst>
   </p:cSld>
@@ -4144,7 +4016,29 @@
                 <a:latin typeface="Calibri" panose="020F0502020204030204" pitchFamily="34" charset="0"/>
                 <a:ea typeface="Times New Roman" panose="02020603050405020304" pitchFamily="18" charset="0"/>
               </a:rPr>
-              <a:t>«Lo stesso </a:t>
+              <a:t>«Un </a:t>
+            </a:r>
+            <a:r>
+              <a:rPr lang="it-IT" sz="1800" b="1" dirty="0">
+                <a:solidFill>
+                  <a:srgbClr val="FFC000"/>
+                </a:solidFill>
+                <a:effectLst/>
+                <a:latin typeface="Calibri" panose="020F0502020204030204" pitchFamily="34" charset="0"/>
+                <a:ea typeface="Times New Roman" panose="02020603050405020304" pitchFamily="18" charset="0"/>
+              </a:rPr>
+              <a:t>fornitore</a:t>
+            </a:r>
+            <a:r>
+              <a:rPr lang="it-IT" sz="1800" dirty="0">
+                <a:solidFill>
+                  <a:srgbClr val="000000"/>
+                </a:solidFill>
+                <a:effectLst/>
+                <a:latin typeface="Calibri" panose="020F0502020204030204" pitchFamily="34" charset="0"/>
+                <a:ea typeface="Times New Roman" panose="02020603050405020304" pitchFamily="18" charset="0"/>
+              </a:rPr>
+              <a:t> ha un </a:t>
             </a:r>
             <a:r>
               <a:rPr lang="it-IT" sz="1800" dirty="0">
@@ -4155,7 +4049,7 @@
                 <a:latin typeface="Calibri" panose="020F0502020204030204" pitchFamily="34" charset="0"/>
                 <a:ea typeface="Times New Roman" panose="02020603050405020304" pitchFamily="18" charset="0"/>
               </a:rPr>
-              <a:t>articolo</a:t>
+              <a:t>codice</a:t>
             </a:r>
             <a:r>
               <a:rPr lang="it-IT" sz="1800" dirty="0">
@@ -4166,7 +4060,51 @@
                 <a:latin typeface="Calibri" panose="020F0502020204030204" pitchFamily="34" charset="0"/>
                 <a:ea typeface="Times New Roman" panose="02020603050405020304" pitchFamily="18" charset="0"/>
               </a:rPr>
-              <a:t> (cioè codice articolo) può </a:t>
+              <a:t>, un </a:t>
+            </a:r>
+            <a:r>
+              <a:rPr lang="it-IT" sz="1800" dirty="0">
+                <a:solidFill>
+                  <a:srgbClr val="FF0000"/>
+                </a:solidFill>
+                <a:effectLst/>
+                <a:latin typeface="Calibri" panose="020F0502020204030204" pitchFamily="34" charset="0"/>
+                <a:ea typeface="Times New Roman" panose="02020603050405020304" pitchFamily="18" charset="0"/>
+              </a:rPr>
+              <a:t>nome</a:t>
+            </a:r>
+            <a:r>
+              <a:rPr lang="it-IT" sz="1800" dirty="0">
+                <a:solidFill>
+                  <a:srgbClr val="000000"/>
+                </a:solidFill>
+                <a:effectLst/>
+                <a:latin typeface="Calibri" panose="020F0502020204030204" pitchFamily="34" charset="0"/>
+                <a:ea typeface="Times New Roman" panose="02020603050405020304" pitchFamily="18" charset="0"/>
+              </a:rPr>
+              <a:t>, una </a:t>
+            </a:r>
+            <a:r>
+              <a:rPr lang="it-IT" sz="1800" dirty="0">
+                <a:solidFill>
+                  <a:srgbClr val="FF0000"/>
+                </a:solidFill>
+                <a:effectLst/>
+                <a:latin typeface="Calibri" panose="020F0502020204030204" pitchFamily="34" charset="0"/>
+                <a:ea typeface="Times New Roman" panose="02020603050405020304" pitchFamily="18" charset="0"/>
+              </a:rPr>
+              <a:t>valutazione</a:t>
+            </a:r>
+            <a:r>
+              <a:rPr lang="it-IT" sz="1800" dirty="0">
+                <a:solidFill>
+                  <a:srgbClr val="000000"/>
+                </a:solidFill>
+                <a:effectLst/>
+                <a:latin typeface="Calibri" panose="020F0502020204030204" pitchFamily="34" charset="0"/>
+                <a:ea typeface="Times New Roman" panose="02020603050405020304" pitchFamily="18" charset="0"/>
+              </a:rPr>
+              <a:t> da 1 a 5 stelle e una </a:t>
             </a:r>
             <a:r>
               <a:rPr lang="it-IT" sz="1800" b="1" dirty="0">
@@ -4177,79 +4115,18 @@
                 <a:latin typeface="Calibri" panose="020F0502020204030204" pitchFamily="34" charset="0"/>
                 <a:ea typeface="Times New Roman" panose="02020603050405020304" pitchFamily="18" charset="0"/>
               </a:rPr>
-              <a:t>essere venduto</a:t>
-            </a:r>
-            <a:r>
-              <a:rPr lang="it-IT" sz="1800" dirty="0">
-                <a:solidFill>
-                  <a:srgbClr val="FFC000"/>
-                </a:solidFill>
-                <a:effectLst/>
-                <a:latin typeface="Calibri" panose="020F0502020204030204" pitchFamily="34" charset="0"/>
-                <a:ea typeface="Times New Roman" panose="02020603050405020304" pitchFamily="18" charset="0"/>
-              </a:rPr>
-              <a:t> </a:t>
-            </a:r>
-            <a:r>
-              <a:rPr lang="it-IT" sz="1800" dirty="0">
+              <a:t>politica di spedizione</a:t>
+            </a:r>
+            <a:r>
+              <a:rPr lang="it-IT" sz="1800" b="1" dirty="0">
                 <a:solidFill>
                   <a:srgbClr val="000000"/>
                 </a:solidFill>
-                <a:effectLst/>
-                <a:latin typeface="Calibri" panose="020F0502020204030204" pitchFamily="34" charset="0"/>
-                <a:ea typeface="Times New Roman" panose="02020603050405020304" pitchFamily="18" charset="0"/>
-              </a:rPr>
-              <a:t>da più </a:t>
-            </a:r>
-            <a:r>
-              <a:rPr lang="it-IT" sz="1800" dirty="0">
-                <a:solidFill>
-                  <a:srgbClr val="FF0000"/>
-                </a:solidFill>
-                <a:effectLst/>
-                <a:latin typeface="Calibri" panose="020F0502020204030204" pitchFamily="34" charset="0"/>
-                <a:ea typeface="Times New Roman" panose="02020603050405020304" pitchFamily="18" charset="0"/>
-              </a:rPr>
-              <a:t>fornitori</a:t>
-            </a:r>
-            <a:r>
-              <a:rPr lang="it-IT" sz="1800" dirty="0">
-                <a:solidFill>
-                  <a:srgbClr val="000000"/>
-                </a:solidFill>
-                <a:effectLst/>
-                <a:latin typeface="Calibri" panose="020F0502020204030204" pitchFamily="34" charset="0"/>
-                <a:ea typeface="Times New Roman" panose="02020603050405020304" pitchFamily="18" charset="0"/>
-              </a:rPr>
-              <a:t> a prezzi </a:t>
-            </a:r>
-            <a:r>
-              <a:rPr lang="it-IT" sz="1800" dirty="0">
-                <a:solidFill>
-                  <a:srgbClr val="FF0000"/>
-                </a:solidFill>
-                <a:effectLst/>
-                <a:latin typeface="Calibri" panose="020F0502020204030204" pitchFamily="34" charset="0"/>
-                <a:ea typeface="Times New Roman" panose="02020603050405020304" pitchFamily="18" charset="0"/>
-              </a:rPr>
-              <a:t>differenti</a:t>
-            </a:r>
-            <a:r>
-              <a:rPr lang="it-IT" sz="1800" dirty="0">
-                <a:solidFill>
-                  <a:srgbClr val="000000"/>
-                </a:solidFill>
-                <a:effectLst/>
-                <a:latin typeface="Calibri" panose="020F0502020204030204" pitchFamily="34" charset="0"/>
-                <a:ea typeface="Times New Roman" panose="02020603050405020304" pitchFamily="18" charset="0"/>
-              </a:rPr>
-              <a:t>»</a:t>
-            </a:r>
-          </a:p>
-          <a:p>
-            <a:pPr marL="0" indent="0">
-              <a:buNone/>
-            </a:pPr>
+                <a:latin typeface="Calibri" panose="020F0502020204030204" pitchFamily="34" charset="0"/>
+                <a:ea typeface="Times New Roman" panose="02020603050405020304" pitchFamily="18" charset="0"/>
+              </a:rPr>
+              <a:t>.»</a:t>
+            </a:r>
             <a:endParaRPr lang="en-US" sz="1800" dirty="0">
               <a:latin typeface="Hind"/>
               <a:ea typeface="+mj-ea"/>
@@ -4260,6 +4137,16 @@
             <a:pPr marL="0" indent="0">
               <a:buNone/>
             </a:pPr>
+            <a:endParaRPr lang="en-US" sz="1800" dirty="0">
+              <a:latin typeface="Hind"/>
+              <a:ea typeface="+mj-ea"/>
+              <a:cs typeface="+mj-cs"/>
+            </a:endParaRPr>
+          </a:p>
+          <a:p>
+            <a:pPr marL="0" indent="0">
+              <a:buNone/>
+            </a:pPr>
             <a:r>
               <a:rPr lang="en-US" sz="1800" dirty="0">
                 <a:latin typeface="Hind"/>
@@ -4269,7 +4156,7 @@
               <a:t>CREATE TABLE IF NOT EXISTS `</a:t>
             </a:r>
             <a:r>
-              <a:rPr lang="en-US" sz="1800" dirty="0">
+              <a:rPr lang="en-US" sz="1800" dirty="0" err="1">
                 <a:solidFill>
                   <a:srgbClr val="FFC000"/>
                 </a:solidFill>
@@ -4277,7 +4164,7 @@
                 <a:ea typeface="+mj-ea"/>
                 <a:cs typeface="+mj-cs"/>
               </a:rPr>
-              <a:t>price</a:t>
+              <a:t>shipping_policy</a:t>
             </a:r>
             <a:r>
               <a:rPr lang="en-US" sz="1800" dirty="0">
@@ -4306,6 +4193,35 @@
                 <a:ea typeface="+mj-ea"/>
                 <a:cs typeface="+mj-cs"/>
               </a:rPr>
+              <a:t>id_range</a:t>
+            </a:r>
+            <a:r>
+              <a:rPr lang="en-US" sz="1800" dirty="0">
+                <a:latin typeface="Hind"/>
+                <a:ea typeface="+mj-ea"/>
+                <a:cs typeface="+mj-cs"/>
+              </a:rPr>
+              <a:t>` INT NOT NULL,  </a:t>
+            </a:r>
+          </a:p>
+          <a:p>
+            <a:pPr marL="0" indent="0">
+              <a:buNone/>
+            </a:pPr>
+            <a:r>
+              <a:rPr lang="en-US" sz="1800" dirty="0">
+                <a:latin typeface="Hind"/>
+                <a:ea typeface="+mj-ea"/>
+                <a:cs typeface="+mj-cs"/>
+              </a:rPr>
+              <a:t>`</a:t>
+            </a:r>
+            <a:r>
+              <a:rPr lang="en-US" sz="1800" dirty="0" err="1">
+                <a:latin typeface="Hind"/>
+                <a:ea typeface="+mj-ea"/>
+                <a:cs typeface="+mj-cs"/>
+              </a:rPr>
               <a:t>id_vendor</a:t>
             </a:r>
             <a:r>
@@ -4327,7 +4243,7 @@
                 <a:ea typeface="+mj-ea"/>
                 <a:cs typeface="+mj-cs"/>
               </a:rPr>
-              <a:t>`</a:t>
+              <a:t>PRIMARY KEY (`</a:t>
             </a:r>
             <a:r>
               <a:rPr lang="en-US" sz="1800" dirty="0" err="1">
@@ -4335,15 +4251,31 @@
                 <a:ea typeface="+mj-ea"/>
                 <a:cs typeface="+mj-cs"/>
               </a:rPr>
-              <a:t>id_item</a:t>
-            </a:r>
-            <a:r>
-              <a:rPr lang="en-US" sz="1800" dirty="0">
-                <a:latin typeface="Hind"/>
-                <a:ea typeface="+mj-ea"/>
-                <a:cs typeface="+mj-cs"/>
-              </a:rPr>
-              <a:t>` INT NOT NULL,  </a:t>
+              <a:t>id_range</a:t>
+            </a:r>
+            <a:r>
+              <a:rPr lang="en-US" sz="1800" dirty="0">
+                <a:latin typeface="Hind"/>
+                <a:ea typeface="+mj-ea"/>
+                <a:cs typeface="+mj-cs"/>
+              </a:rPr>
+              <a:t>`, `</a:t>
+            </a:r>
+            <a:r>
+              <a:rPr lang="en-US" sz="1800" dirty="0" err="1">
+                <a:latin typeface="Hind"/>
+                <a:ea typeface="+mj-ea"/>
+                <a:cs typeface="+mj-cs"/>
+              </a:rPr>
+              <a:t>id_vendor</a:t>
+            </a:r>
+            <a:r>
+              <a:rPr lang="en-US" sz="1800" dirty="0">
+                <a:latin typeface="Hind"/>
+                <a:ea typeface="+mj-ea"/>
+                <a:cs typeface="+mj-cs"/>
+              </a:rPr>
+              <a:t>`),  </a:t>
             </a:r>
           </a:p>
           <a:p>
@@ -4356,7 +4288,39 @@
                 <a:ea typeface="+mj-ea"/>
                 <a:cs typeface="+mj-cs"/>
               </a:rPr>
-              <a:t>`price` FLOAT NOT NULL,  </a:t>
+              <a:t>CONSTRAINT `</a:t>
+            </a:r>
+            <a:r>
+              <a:rPr lang="en-US" sz="1800" dirty="0" err="1">
+                <a:latin typeface="Hind"/>
+                <a:ea typeface="+mj-ea"/>
+                <a:cs typeface="+mj-cs"/>
+              </a:rPr>
+              <a:t>shipping_id_range</a:t>
+            </a:r>
+            <a:r>
+              <a:rPr lang="en-US" sz="1800" dirty="0">
+                <a:latin typeface="Hind"/>
+                <a:ea typeface="+mj-ea"/>
+                <a:cs typeface="+mj-cs"/>
+              </a:rPr>
+              <a:t>`    FOREIGN KEY (`</a:t>
+            </a:r>
+            <a:r>
+              <a:rPr lang="en-US" sz="1800" dirty="0" err="1">
+                <a:latin typeface="Hind"/>
+                <a:ea typeface="+mj-ea"/>
+                <a:cs typeface="+mj-cs"/>
+              </a:rPr>
+              <a:t>id_range</a:t>
+            </a:r>
+            <a:r>
+              <a:rPr lang="en-US" sz="1800" dirty="0">
+                <a:latin typeface="Hind"/>
+                <a:ea typeface="+mj-ea"/>
+                <a:cs typeface="+mj-cs"/>
+              </a:rPr>
+              <a:t>`)    REFERENCES `range` (`id`)    ON UPDATE CASCADE,  </a:t>
             </a:r>
           </a:p>
           <a:p>
@@ -4369,7 +4333,7 @@
                 <a:ea typeface="+mj-ea"/>
                 <a:cs typeface="+mj-cs"/>
               </a:rPr>
-              <a:t>PRIMARY KEY (`</a:t>
+              <a:t>CONSTRAINT `</a:t>
             </a:r>
             <a:r>
               <a:rPr lang="en-US" sz="1800" dirty="0" err="1">
@@ -4377,6 +4341,22 @@
                 <a:ea typeface="+mj-ea"/>
                 <a:cs typeface="+mj-cs"/>
               </a:rPr>
+              <a:t>shipping_id_vendor</a:t>
+            </a:r>
+            <a:r>
+              <a:rPr lang="en-US" sz="1800" dirty="0">
+                <a:latin typeface="Hind"/>
+                <a:ea typeface="+mj-ea"/>
+                <a:cs typeface="+mj-cs"/>
+              </a:rPr>
+              <a:t>`    FOREIGN KEY (`</a:t>
+            </a:r>
+            <a:r>
+              <a:rPr lang="en-US" sz="1800" dirty="0" err="1">
+                <a:latin typeface="Hind"/>
+                <a:ea typeface="+mj-ea"/>
+                <a:cs typeface="+mj-cs"/>
+              </a:rPr>
               <a:t>id_vendor</a:t>
             </a:r>
             <a:r>
@@ -4385,113 +4365,7 @@
                 <a:ea typeface="+mj-ea"/>
                 <a:cs typeface="+mj-cs"/>
               </a:rPr>
-              <a:t>`, `</a:t>
-            </a:r>
-            <a:r>
-              <a:rPr lang="en-US" sz="1800" dirty="0" err="1">
-                <a:latin typeface="Hind"/>
-                <a:ea typeface="+mj-ea"/>
-                <a:cs typeface="+mj-cs"/>
-              </a:rPr>
-              <a:t>id_item</a:t>
-            </a:r>
-            <a:r>
-              <a:rPr lang="en-US" sz="1800" dirty="0">
-                <a:latin typeface="Hind"/>
-                <a:ea typeface="+mj-ea"/>
-                <a:cs typeface="+mj-cs"/>
-              </a:rPr>
-              <a:t>`),  </a:t>
-            </a:r>
-          </a:p>
-          <a:p>
-            <a:pPr marL="0" indent="0">
-              <a:buNone/>
-            </a:pPr>
-            <a:r>
-              <a:rPr lang="en-US" sz="1800" dirty="0">
-                <a:latin typeface="Hind"/>
-                <a:ea typeface="+mj-ea"/>
-                <a:cs typeface="+mj-cs"/>
-              </a:rPr>
-              <a:t>CONSTRAINT `</a:t>
-            </a:r>
-            <a:r>
-              <a:rPr lang="en-US" sz="1800" dirty="0" err="1">
-                <a:latin typeface="Hind"/>
-                <a:ea typeface="+mj-ea"/>
-                <a:cs typeface="+mj-cs"/>
-              </a:rPr>
-              <a:t>price_id_vendor</a:t>
-            </a:r>
-            <a:r>
-              <a:rPr lang="en-US" sz="1800" dirty="0">
-                <a:latin typeface="Hind"/>
-                <a:ea typeface="+mj-ea"/>
-                <a:cs typeface="+mj-cs"/>
-              </a:rPr>
-              <a:t>`    FOREIGN KEY (`</a:t>
-            </a:r>
-            <a:r>
-              <a:rPr lang="en-US" sz="1800" dirty="0" err="1">
-                <a:latin typeface="Hind"/>
-                <a:ea typeface="+mj-ea"/>
-                <a:cs typeface="+mj-cs"/>
-              </a:rPr>
-              <a:t>id_vendor</a:t>
-            </a:r>
-            <a:r>
-              <a:rPr lang="en-US" sz="1800" dirty="0">
-                <a:latin typeface="Hind"/>
-                <a:ea typeface="+mj-ea"/>
-                <a:cs typeface="+mj-cs"/>
-              </a:rPr>
-              <a:t>`)    REFERENCES `vendor` (`id`)    ON DELETE CASCADE    ON UPDATE CASCADE,  </a:t>
-            </a:r>
-          </a:p>
-          <a:p>
-            <a:pPr marL="0" indent="0">
-              <a:buNone/>
-            </a:pPr>
-            <a:r>
-              <a:rPr lang="en-US" sz="1800" dirty="0">
-                <a:latin typeface="Hind"/>
-                <a:ea typeface="+mj-ea"/>
-                <a:cs typeface="+mj-cs"/>
-              </a:rPr>
-              <a:t>CONSTRAINT `</a:t>
-            </a:r>
-            <a:r>
-              <a:rPr lang="en-US" sz="1800" dirty="0" err="1">
-                <a:latin typeface="Hind"/>
-                <a:ea typeface="+mj-ea"/>
-                <a:cs typeface="+mj-cs"/>
-              </a:rPr>
-              <a:t>price_id_item</a:t>
-            </a:r>
-            <a:r>
-              <a:rPr lang="en-US" sz="1800" dirty="0">
-                <a:latin typeface="Hind"/>
-                <a:ea typeface="+mj-ea"/>
-                <a:cs typeface="+mj-cs"/>
-              </a:rPr>
-              <a:t>`    FOREIGN KEY (`</a:t>
-            </a:r>
-            <a:r>
-              <a:rPr lang="en-US" sz="1800" dirty="0" err="1">
-                <a:latin typeface="Hind"/>
-                <a:ea typeface="+mj-ea"/>
-                <a:cs typeface="+mj-cs"/>
-              </a:rPr>
-              <a:t>id_item</a:t>
-            </a:r>
-            <a:r>
-              <a:rPr lang="en-US" sz="1800" dirty="0">
-                <a:latin typeface="Hind"/>
-                <a:ea typeface="+mj-ea"/>
-                <a:cs typeface="+mj-cs"/>
-              </a:rPr>
-              <a:t>`)    REFERENCES `item` (`id`)    ON DELETE CASCADE    ON UPDATE CASCADE)</a:t>
+              <a:t>`)    REFERENCES `vendor` (`id`)    ON DELETE CASCADE    ON UPDATE CASCADE)</a:t>
             </a:r>
           </a:p>
         </p:txBody>
@@ -4499,7 +4373,7 @@
     </p:spTree>
     <p:extLst>
       <p:ext uri="{BB962C8B-B14F-4D97-AF65-F5344CB8AC3E}">
-        <p14:creationId xmlns:p14="http://schemas.microsoft.com/office/powerpoint/2010/main" val="3470089784"/>
+        <p14:creationId xmlns:p14="http://schemas.microsoft.com/office/powerpoint/2010/main" val="1043231875"/>
       </p:ext>
     </p:extLst>
   </p:cSld>
@@ -4603,7 +4477,29 @@
                 <a:latin typeface="Calibri" panose="020F0502020204030204" pitchFamily="34" charset="0"/>
                 <a:ea typeface="Times New Roman" panose="02020603050405020304" pitchFamily="18" charset="0"/>
               </a:rPr>
-              <a:t>«Un </a:t>
+              <a:t>«Lo stesso </a:t>
+            </a:r>
+            <a:r>
+              <a:rPr lang="it-IT" sz="1800" dirty="0">
+                <a:solidFill>
+                  <a:srgbClr val="FF0000"/>
+                </a:solidFill>
+                <a:effectLst/>
+                <a:latin typeface="Calibri" panose="020F0502020204030204" pitchFamily="34" charset="0"/>
+                <a:ea typeface="Times New Roman" panose="02020603050405020304" pitchFamily="18" charset="0"/>
+              </a:rPr>
+              <a:t>articolo</a:t>
+            </a:r>
+            <a:r>
+              <a:rPr lang="it-IT" sz="1800" dirty="0">
+                <a:solidFill>
+                  <a:srgbClr val="000000"/>
+                </a:solidFill>
+                <a:effectLst/>
+                <a:latin typeface="Calibri" panose="020F0502020204030204" pitchFamily="34" charset="0"/>
+                <a:ea typeface="Times New Roman" panose="02020603050405020304" pitchFamily="18" charset="0"/>
+              </a:rPr>
+              <a:t> (cioè codice articolo) può </a:t>
             </a:r>
             <a:r>
               <a:rPr lang="it-IT" sz="1800" b="1" dirty="0">
@@ -4614,7 +4510,18 @@
                 <a:latin typeface="Calibri" panose="020F0502020204030204" pitchFamily="34" charset="0"/>
                 <a:ea typeface="Times New Roman" panose="02020603050405020304" pitchFamily="18" charset="0"/>
               </a:rPr>
-              <a:t>utente</a:t>
+              <a:t>essere venduto</a:t>
+            </a:r>
+            <a:r>
+              <a:rPr lang="it-IT" sz="1800" dirty="0">
+                <a:solidFill>
+                  <a:srgbClr val="FFC000"/>
+                </a:solidFill>
+                <a:effectLst/>
+                <a:latin typeface="Calibri" panose="020F0502020204030204" pitchFamily="34" charset="0"/>
+                <a:ea typeface="Times New Roman" panose="02020603050405020304" pitchFamily="18" charset="0"/>
+              </a:rPr>
+              <a:t> </a:t>
             </a:r>
             <a:r>
               <a:rPr lang="it-IT" sz="1800" dirty="0">
@@ -4625,7 +4532,7 @@
                 <a:latin typeface="Calibri" panose="020F0502020204030204" pitchFamily="34" charset="0"/>
                 <a:ea typeface="Times New Roman" panose="02020603050405020304" pitchFamily="18" charset="0"/>
               </a:rPr>
-              <a:t> ha un </a:t>
+              <a:t>da più </a:t>
             </a:r>
             <a:r>
               <a:rPr lang="it-IT" sz="1800" dirty="0">
@@ -4636,7 +4543,7 @@
                 <a:latin typeface="Calibri" panose="020F0502020204030204" pitchFamily="34" charset="0"/>
                 <a:ea typeface="Times New Roman" panose="02020603050405020304" pitchFamily="18" charset="0"/>
               </a:rPr>
-              <a:t>nome</a:t>
+              <a:t>fornitori</a:t>
             </a:r>
             <a:r>
               <a:rPr lang="it-IT" sz="1800" dirty="0">
@@ -4647,7 +4554,7 @@
                 <a:latin typeface="Calibri" panose="020F0502020204030204" pitchFamily="34" charset="0"/>
                 <a:ea typeface="Times New Roman" panose="02020603050405020304" pitchFamily="18" charset="0"/>
               </a:rPr>
-              <a:t>, un </a:t>
+              <a:t> a prezzi </a:t>
             </a:r>
             <a:r>
               <a:rPr lang="it-IT" sz="1800" dirty="0">
@@ -4658,7 +4565,7 @@
                 <a:latin typeface="Calibri" panose="020F0502020204030204" pitchFamily="34" charset="0"/>
                 <a:ea typeface="Times New Roman" panose="02020603050405020304" pitchFamily="18" charset="0"/>
               </a:rPr>
-              <a:t>cognome</a:t>
+              <a:t>differenti</a:t>
             </a:r>
             <a:r>
               <a:rPr lang="it-IT" sz="1800" dirty="0">
@@ -4669,73 +4576,7 @@
                 <a:latin typeface="Calibri" panose="020F0502020204030204" pitchFamily="34" charset="0"/>
                 <a:ea typeface="Times New Roman" panose="02020603050405020304" pitchFamily="18" charset="0"/>
               </a:rPr>
-              <a:t>, un’</a:t>
-            </a:r>
-            <a:r>
-              <a:rPr lang="it-IT" sz="1800" dirty="0">
-                <a:solidFill>
-                  <a:srgbClr val="FF0000"/>
-                </a:solidFill>
-                <a:effectLst/>
-                <a:latin typeface="Calibri" panose="020F0502020204030204" pitchFamily="34" charset="0"/>
-                <a:ea typeface="Times New Roman" panose="02020603050405020304" pitchFamily="18" charset="0"/>
-              </a:rPr>
-              <a:t>e-mail</a:t>
-            </a:r>
-            <a:r>
-              <a:rPr lang="it-IT" sz="1800" dirty="0">
-                <a:solidFill>
-                  <a:srgbClr val="000000"/>
-                </a:solidFill>
-                <a:effectLst/>
-                <a:latin typeface="Calibri" panose="020F0502020204030204" pitchFamily="34" charset="0"/>
-                <a:ea typeface="Times New Roman" panose="02020603050405020304" pitchFamily="18" charset="0"/>
-              </a:rPr>
-              <a:t>, una </a:t>
-            </a:r>
-            <a:r>
-              <a:rPr lang="it-IT" sz="1800" dirty="0">
-                <a:solidFill>
-                  <a:srgbClr val="FF0000"/>
-                </a:solidFill>
-                <a:effectLst/>
-                <a:latin typeface="Calibri" panose="020F0502020204030204" pitchFamily="34" charset="0"/>
-                <a:ea typeface="Times New Roman" panose="02020603050405020304" pitchFamily="18" charset="0"/>
-              </a:rPr>
-              <a:t>password</a:t>
-            </a:r>
-            <a:r>
-              <a:rPr lang="it-IT" sz="1800" dirty="0">
-                <a:solidFill>
-                  <a:srgbClr val="000000"/>
-                </a:solidFill>
-                <a:effectLst/>
-                <a:latin typeface="Calibri" panose="020F0502020204030204" pitchFamily="34" charset="0"/>
-                <a:ea typeface="Times New Roman" panose="02020603050405020304" pitchFamily="18" charset="0"/>
-              </a:rPr>
-              <a:t> e un </a:t>
-            </a:r>
-            <a:r>
-              <a:rPr lang="it-IT" sz="1800" dirty="0">
-                <a:solidFill>
-                  <a:srgbClr val="FF0000"/>
-                </a:solidFill>
-                <a:effectLst/>
-                <a:latin typeface="Calibri" panose="020F0502020204030204" pitchFamily="34" charset="0"/>
-                <a:ea typeface="Times New Roman" panose="02020603050405020304" pitchFamily="18" charset="0"/>
-              </a:rPr>
-              <a:t>indirizzo di spedizione</a:t>
-            </a:r>
-            <a:r>
-              <a:rPr lang="it-IT" sz="1800" dirty="0">
-                <a:solidFill>
-                  <a:srgbClr val="000000"/>
-                </a:solidFill>
-                <a:effectLst/>
-                <a:latin typeface="Calibri" panose="020F0502020204030204" pitchFamily="34" charset="0"/>
-                <a:ea typeface="Times New Roman" panose="02020603050405020304" pitchFamily="18" charset="0"/>
-              </a:rPr>
-              <a:t>.»</a:t>
+              <a:t>»</a:t>
             </a:r>
           </a:p>
           <a:p>
@@ -4769,7 +4610,7 @@
                 <a:ea typeface="+mj-ea"/>
                 <a:cs typeface="+mj-cs"/>
               </a:rPr>
-              <a:t>user</a:t>
+              <a:t>price</a:t>
             </a:r>
             <a:r>
               <a:rPr lang="en-US" sz="1800" dirty="0">
@@ -4790,7 +4631,23 @@
                 <a:ea typeface="+mj-ea"/>
                 <a:cs typeface="+mj-cs"/>
               </a:rPr>
-              <a:t>`id` INT NOT NULL AUTO_INCREMENT,  </a:t>
+              <a:t>`</a:t>
+            </a:r>
+            <a:r>
+              <a:rPr lang="en-US" sz="1800" dirty="0" err="1">
+                <a:latin typeface="Hind"/>
+                <a:ea typeface="+mj-ea"/>
+                <a:cs typeface="+mj-cs"/>
+              </a:rPr>
+              <a:t>id_vendor</a:t>
+            </a:r>
+            <a:r>
+              <a:rPr lang="en-US" sz="1800" dirty="0">
+                <a:latin typeface="Hind"/>
+                <a:ea typeface="+mj-ea"/>
+                <a:cs typeface="+mj-cs"/>
+              </a:rPr>
+              <a:t>` INT NOT NULL,  </a:t>
             </a:r>
           </a:p>
           <a:p>
@@ -4803,7 +4660,23 @@
                 <a:ea typeface="+mj-ea"/>
                 <a:cs typeface="+mj-cs"/>
               </a:rPr>
-              <a:t>`name` VARCHAR(45) NOT NULL,  </a:t>
+              <a:t>`</a:t>
+            </a:r>
+            <a:r>
+              <a:rPr lang="en-US" sz="1800" dirty="0" err="1">
+                <a:latin typeface="Hind"/>
+                <a:ea typeface="+mj-ea"/>
+                <a:cs typeface="+mj-cs"/>
+              </a:rPr>
+              <a:t>id_item</a:t>
+            </a:r>
+            <a:r>
+              <a:rPr lang="en-US" sz="1800" dirty="0">
+                <a:latin typeface="Hind"/>
+                <a:ea typeface="+mj-ea"/>
+                <a:cs typeface="+mj-cs"/>
+              </a:rPr>
+              <a:t>` INT NOT NULL,  </a:t>
             </a:r>
           </a:p>
           <a:p>
@@ -4816,7 +4689,7 @@
                 <a:ea typeface="+mj-ea"/>
                 <a:cs typeface="+mj-cs"/>
               </a:rPr>
-              <a:t>`surname` VARCHAR(45) NOT NULL,  </a:t>
+              <a:t>`price` FLOAT NOT NULL,  </a:t>
             </a:r>
           </a:p>
           <a:p>
@@ -4829,7 +4702,39 @@
                 <a:ea typeface="+mj-ea"/>
                 <a:cs typeface="+mj-cs"/>
               </a:rPr>
-              <a:t>`email` VARCHAR(60) NOT NULL,  </a:t>
+              <a:t>PRIMARY KEY (`</a:t>
+            </a:r>
+            <a:r>
+              <a:rPr lang="en-US" sz="1800" dirty="0" err="1">
+                <a:latin typeface="Hind"/>
+                <a:ea typeface="+mj-ea"/>
+                <a:cs typeface="+mj-cs"/>
+              </a:rPr>
+              <a:t>id_vendor</a:t>
+            </a:r>
+            <a:r>
+              <a:rPr lang="en-US" sz="1800" dirty="0">
+                <a:latin typeface="Hind"/>
+                <a:ea typeface="+mj-ea"/>
+                <a:cs typeface="+mj-cs"/>
+              </a:rPr>
+              <a:t>`, `</a:t>
+            </a:r>
+            <a:r>
+              <a:rPr lang="en-US" sz="1800" dirty="0" err="1">
+                <a:latin typeface="Hind"/>
+                <a:ea typeface="+mj-ea"/>
+                <a:cs typeface="+mj-cs"/>
+              </a:rPr>
+              <a:t>id_item</a:t>
+            </a:r>
+            <a:r>
+              <a:rPr lang="en-US" sz="1800" dirty="0">
+                <a:latin typeface="Hind"/>
+                <a:ea typeface="+mj-ea"/>
+                <a:cs typeface="+mj-cs"/>
+              </a:rPr>
+              <a:t>`),  </a:t>
             </a:r>
           </a:p>
           <a:p>
@@ -4842,7 +4747,39 @@
                 <a:ea typeface="+mj-ea"/>
                 <a:cs typeface="+mj-cs"/>
               </a:rPr>
-              <a:t>`password` VARCHAR(256) NOT NULL, </a:t>
+              <a:t>CONSTRAINT `</a:t>
+            </a:r>
+            <a:r>
+              <a:rPr lang="en-US" sz="1800" dirty="0" err="1">
+                <a:latin typeface="Hind"/>
+                <a:ea typeface="+mj-ea"/>
+                <a:cs typeface="+mj-cs"/>
+              </a:rPr>
+              <a:t>price_id_vendor</a:t>
+            </a:r>
+            <a:r>
+              <a:rPr lang="en-US" sz="1800" dirty="0">
+                <a:latin typeface="Hind"/>
+                <a:ea typeface="+mj-ea"/>
+                <a:cs typeface="+mj-cs"/>
+              </a:rPr>
+              <a:t>`    FOREIGN KEY (`</a:t>
+            </a:r>
+            <a:r>
+              <a:rPr lang="en-US" sz="1800" dirty="0" err="1">
+                <a:latin typeface="Hind"/>
+                <a:ea typeface="+mj-ea"/>
+                <a:cs typeface="+mj-cs"/>
+              </a:rPr>
+              <a:t>id_vendor</a:t>
+            </a:r>
+            <a:r>
+              <a:rPr lang="en-US" sz="1800" dirty="0">
+                <a:latin typeface="Hind"/>
+                <a:ea typeface="+mj-ea"/>
+                <a:cs typeface="+mj-cs"/>
+              </a:rPr>
+              <a:t>`)    REFERENCES `vendor` (`id`)    ON DELETE CASCADE    ON UPDATE CASCADE,  </a:t>
             </a:r>
           </a:p>
           <a:p>
@@ -4855,20 +4792,39 @@
                 <a:ea typeface="+mj-ea"/>
                 <a:cs typeface="+mj-cs"/>
               </a:rPr>
-              <a:t>`address` VARCHAR(60) NOT NULL,  </a:t>
-            </a:r>
-          </a:p>
-          <a:p>
-            <a:pPr marL="0" indent="0">
-              <a:buNone/>
-            </a:pPr>
-            <a:r>
-              <a:rPr lang="en-US" sz="1800" dirty="0">
-                <a:latin typeface="Hind"/>
-                <a:ea typeface="+mj-ea"/>
-                <a:cs typeface="+mj-cs"/>
-              </a:rPr>
-              <a:t>PRIMARY KEY (`id`))</a:t>
+              <a:t>CONSTRAINT `</a:t>
+            </a:r>
+            <a:r>
+              <a:rPr lang="en-US" sz="1800" dirty="0" err="1">
+                <a:latin typeface="Hind"/>
+                <a:ea typeface="+mj-ea"/>
+                <a:cs typeface="+mj-cs"/>
+              </a:rPr>
+              <a:t>price_id_item</a:t>
+            </a:r>
+            <a:r>
+              <a:rPr lang="en-US" sz="1800" dirty="0">
+                <a:latin typeface="Hind"/>
+                <a:ea typeface="+mj-ea"/>
+                <a:cs typeface="+mj-cs"/>
+              </a:rPr>
+              <a:t>`    FOREIGN KEY (`</a:t>
+            </a:r>
+            <a:r>
+              <a:rPr lang="en-US" sz="1800" dirty="0" err="1">
+                <a:latin typeface="Hind"/>
+                <a:ea typeface="+mj-ea"/>
+                <a:cs typeface="+mj-cs"/>
+              </a:rPr>
+              <a:t>id_item</a:t>
+            </a:r>
+            <a:r>
+              <a:rPr lang="en-US" sz="1800" dirty="0">
+                <a:latin typeface="Hind"/>
+                <a:ea typeface="+mj-ea"/>
+                <a:cs typeface="+mj-cs"/>
+              </a:rPr>
+              <a:t>`)    REFERENCES `item` (`id`)    ON DELETE CASCADE    ON UPDATE CASCADE)</a:t>
             </a:r>
           </a:p>
         </p:txBody>
@@ -4876,7 +4832,7 @@
     </p:spTree>
     <p:extLst>
       <p:ext uri="{BB962C8B-B14F-4D97-AF65-F5344CB8AC3E}">
-        <p14:creationId xmlns:p14="http://schemas.microsoft.com/office/powerpoint/2010/main" val="3027705242"/>
+        <p14:creationId xmlns:p14="http://schemas.microsoft.com/office/powerpoint/2010/main" val="3470089784"/>
       </p:ext>
     </p:extLst>
   </p:cSld>
@@ -4961,15 +4917,10 @@
             <p:ph idx="1"/>
           </p:nvPr>
         </p:nvSpPr>
-        <p:spPr>
-          <a:xfrm>
-            <a:off x="838200" y="1825625"/>
-            <a:ext cx="10515600" cy="4851622"/>
-          </a:xfrm>
-        </p:spPr>
+        <p:spPr/>
         <p:txBody>
           <a:bodyPr>
-            <a:normAutofit fontScale="92500" lnSpcReduction="10000"/>
+            <a:normAutofit/>
           </a:bodyPr>
           <a:lstStyle/>
           <a:p>
@@ -4985,7 +4936,7 @@
                 <a:latin typeface="Calibri" panose="020F0502020204030204" pitchFamily="34" charset="0"/>
                 <a:ea typeface="Times New Roman" panose="02020603050405020304" pitchFamily="18" charset="0"/>
               </a:rPr>
-              <a:t>«Un’applicazione di commercio elettronico consente all’utente di </a:t>
+              <a:t>«Un </a:t>
             </a:r>
             <a:r>
               <a:rPr lang="it-IT" sz="1800" b="1" dirty="0">
@@ -4996,7 +4947,7 @@
                 <a:latin typeface="Calibri" panose="020F0502020204030204" pitchFamily="34" charset="0"/>
                 <a:ea typeface="Times New Roman" panose="02020603050405020304" pitchFamily="18" charset="0"/>
               </a:rPr>
-              <a:t>visualizzare</a:t>
+              <a:t>utente</a:t>
             </a:r>
             <a:r>
               <a:rPr lang="it-IT" sz="1800" dirty="0">
@@ -5007,127 +4958,123 @@
                 <a:latin typeface="Calibri" panose="020F0502020204030204" pitchFamily="34" charset="0"/>
                 <a:ea typeface="Times New Roman" panose="02020603050405020304" pitchFamily="18" charset="0"/>
               </a:rPr>
-              <a:t> un catalogo di prodotti venduti da diversi fornitori.</a:t>
+              <a:t> ha un </a:t>
+            </a:r>
+            <a:r>
+              <a:rPr lang="it-IT" sz="1800" dirty="0">
+                <a:solidFill>
+                  <a:srgbClr val="FF0000"/>
+                </a:solidFill>
+                <a:effectLst/>
+                <a:latin typeface="Calibri" panose="020F0502020204030204" pitchFamily="34" charset="0"/>
+                <a:ea typeface="Times New Roman" panose="02020603050405020304" pitchFamily="18" charset="0"/>
+              </a:rPr>
+              <a:t>nome</a:t>
+            </a:r>
+            <a:r>
+              <a:rPr lang="it-IT" sz="1800" dirty="0">
+                <a:solidFill>
+                  <a:srgbClr val="000000"/>
+                </a:solidFill>
+                <a:effectLst/>
+                <a:latin typeface="Calibri" panose="020F0502020204030204" pitchFamily="34" charset="0"/>
+                <a:ea typeface="Times New Roman" panose="02020603050405020304" pitchFamily="18" charset="0"/>
+              </a:rPr>
+              <a:t>, un </a:t>
+            </a:r>
+            <a:r>
+              <a:rPr lang="it-IT" sz="1800" dirty="0">
+                <a:solidFill>
+                  <a:srgbClr val="FF0000"/>
+                </a:solidFill>
+                <a:effectLst/>
+                <a:latin typeface="Calibri" panose="020F0502020204030204" pitchFamily="34" charset="0"/>
+                <a:ea typeface="Times New Roman" panose="02020603050405020304" pitchFamily="18" charset="0"/>
+              </a:rPr>
+              <a:t>cognome</a:t>
+            </a:r>
+            <a:r>
+              <a:rPr lang="it-IT" sz="1800" dirty="0">
+                <a:solidFill>
+                  <a:srgbClr val="000000"/>
+                </a:solidFill>
+                <a:effectLst/>
+                <a:latin typeface="Calibri" panose="020F0502020204030204" pitchFamily="34" charset="0"/>
+                <a:ea typeface="Times New Roman" panose="02020603050405020304" pitchFamily="18" charset="0"/>
+              </a:rPr>
+              <a:t>, un’</a:t>
+            </a:r>
+            <a:r>
+              <a:rPr lang="it-IT" sz="1800" dirty="0">
+                <a:solidFill>
+                  <a:srgbClr val="FF0000"/>
+                </a:solidFill>
+                <a:effectLst/>
+                <a:latin typeface="Calibri" panose="020F0502020204030204" pitchFamily="34" charset="0"/>
+                <a:ea typeface="Times New Roman" panose="02020603050405020304" pitchFamily="18" charset="0"/>
+              </a:rPr>
+              <a:t>e-mail</a:t>
+            </a:r>
+            <a:r>
+              <a:rPr lang="it-IT" sz="1800" dirty="0">
+                <a:solidFill>
+                  <a:srgbClr val="000000"/>
+                </a:solidFill>
+                <a:effectLst/>
+                <a:latin typeface="Calibri" panose="020F0502020204030204" pitchFamily="34" charset="0"/>
+                <a:ea typeface="Times New Roman" panose="02020603050405020304" pitchFamily="18" charset="0"/>
+              </a:rPr>
+              <a:t>, una </a:t>
+            </a:r>
+            <a:r>
+              <a:rPr lang="it-IT" sz="1800" dirty="0">
+                <a:solidFill>
+                  <a:srgbClr val="FF0000"/>
+                </a:solidFill>
+                <a:effectLst/>
+                <a:latin typeface="Calibri" panose="020F0502020204030204" pitchFamily="34" charset="0"/>
+                <a:ea typeface="Times New Roman" panose="02020603050405020304" pitchFamily="18" charset="0"/>
+              </a:rPr>
+              <a:t>password</a:t>
+            </a:r>
+            <a:r>
+              <a:rPr lang="it-IT" sz="1800" dirty="0">
+                <a:solidFill>
+                  <a:srgbClr val="000000"/>
+                </a:solidFill>
+                <a:effectLst/>
+                <a:latin typeface="Calibri" panose="020F0502020204030204" pitchFamily="34" charset="0"/>
+                <a:ea typeface="Times New Roman" panose="02020603050405020304" pitchFamily="18" charset="0"/>
+              </a:rPr>
+              <a:t> e un </a:t>
+            </a:r>
+            <a:r>
+              <a:rPr lang="it-IT" sz="1800" dirty="0">
+                <a:solidFill>
+                  <a:srgbClr val="FF0000"/>
+                </a:solidFill>
+                <a:effectLst/>
+                <a:latin typeface="Calibri" panose="020F0502020204030204" pitchFamily="34" charset="0"/>
+                <a:ea typeface="Times New Roman" panose="02020603050405020304" pitchFamily="18" charset="0"/>
+              </a:rPr>
+              <a:t>indirizzo di spedizione</a:t>
+            </a:r>
+            <a:r>
+              <a:rPr lang="it-IT" sz="1800" dirty="0">
+                <a:solidFill>
+                  <a:srgbClr val="000000"/>
+                </a:solidFill>
+                <a:effectLst/>
+                <a:latin typeface="Calibri" panose="020F0502020204030204" pitchFamily="34" charset="0"/>
+                <a:ea typeface="Times New Roman" panose="02020603050405020304" pitchFamily="18" charset="0"/>
+              </a:rPr>
+              <a:t>.»</a:t>
             </a:r>
           </a:p>
           <a:p>
             <a:pPr marL="0" indent="0">
               <a:buNone/>
             </a:pPr>
-            <a:r>
-              <a:rPr lang="it-IT" sz="1800" dirty="0">
-                <a:effectLst/>
-                <a:latin typeface="Calibri" panose="020F0502020204030204" pitchFamily="34" charset="0"/>
-                <a:ea typeface="Times New Roman" panose="02020603050405020304" pitchFamily="18" charset="0"/>
-              </a:rPr>
-              <a:t>…</a:t>
-            </a:r>
-          </a:p>
-          <a:p>
-            <a:pPr marL="0" indent="0">
-              <a:buNone/>
-            </a:pPr>
-            <a:r>
-              <a:rPr lang="it-IT" sz="1800" dirty="0">
-                <a:solidFill>
-                  <a:srgbClr val="000000"/>
-                </a:solidFill>
-                <a:effectLst/>
-                <a:latin typeface="Calibri" panose="020F0502020204030204" pitchFamily="34" charset="0"/>
-                <a:ea typeface="Times New Roman" panose="02020603050405020304" pitchFamily="18" charset="0"/>
-              </a:rPr>
-              <a:t>Dopo il login, l’utente accede a una pagina HOME che mostra (come tutte le altre pagine) un menù con i link HOME, CARRELLO, ORDINI, un campo di ricerca e una lista </a:t>
-            </a:r>
-            <a:r>
-              <a:rPr lang="it-IT" sz="1800" dirty="0">
-                <a:solidFill>
-                  <a:srgbClr val="FF0000"/>
-                </a:solidFill>
-                <a:effectLst/>
-                <a:latin typeface="Calibri" panose="020F0502020204030204" pitchFamily="34" charset="0"/>
-                <a:ea typeface="Times New Roman" panose="02020603050405020304" pitchFamily="18" charset="0"/>
-              </a:rPr>
-              <a:t>degli ultimi </a:t>
-            </a:r>
-            <a:r>
-              <a:rPr lang="it-IT" sz="1800" dirty="0">
-                <a:effectLst/>
-                <a:latin typeface="Calibri" panose="020F0502020204030204" pitchFamily="34" charset="0"/>
-                <a:ea typeface="Times New Roman" panose="02020603050405020304" pitchFamily="18" charset="0"/>
-              </a:rPr>
-              <a:t>cinque</a:t>
-            </a:r>
-            <a:r>
-              <a:rPr lang="it-IT" sz="1800" dirty="0">
-                <a:solidFill>
-                  <a:schemeClr val="accent1"/>
-                </a:solidFill>
-                <a:effectLst/>
-                <a:latin typeface="Calibri" panose="020F0502020204030204" pitchFamily="34" charset="0"/>
-                <a:ea typeface="Times New Roman" panose="02020603050405020304" pitchFamily="18" charset="0"/>
-              </a:rPr>
-              <a:t> </a:t>
-            </a:r>
-            <a:r>
-              <a:rPr lang="it-IT" sz="1800" dirty="0">
-                <a:solidFill>
-                  <a:srgbClr val="FF0000"/>
-                </a:solidFill>
-                <a:effectLst/>
-                <a:latin typeface="Calibri" panose="020F0502020204030204" pitchFamily="34" charset="0"/>
-                <a:ea typeface="Times New Roman" panose="02020603050405020304" pitchFamily="18" charset="0"/>
-              </a:rPr>
-              <a:t>prodotti</a:t>
-            </a:r>
-            <a:r>
-              <a:rPr lang="it-IT" sz="1800" dirty="0">
-                <a:solidFill>
-                  <a:schemeClr val="accent1"/>
-                </a:solidFill>
-                <a:effectLst/>
-                <a:latin typeface="Calibri" panose="020F0502020204030204" pitchFamily="34" charset="0"/>
-                <a:ea typeface="Times New Roman" panose="02020603050405020304" pitchFamily="18" charset="0"/>
-              </a:rPr>
-              <a:t> </a:t>
-            </a:r>
-            <a:r>
-              <a:rPr lang="it-IT" sz="1800" dirty="0">
-                <a:effectLst/>
-                <a:latin typeface="Calibri" panose="020F0502020204030204" pitchFamily="34" charset="0"/>
-                <a:ea typeface="Times New Roman" panose="02020603050405020304" pitchFamily="18" charset="0"/>
-              </a:rPr>
-              <a:t>visualizzati</a:t>
-            </a:r>
-            <a:r>
-              <a:rPr lang="it-IT" sz="1800" dirty="0">
-                <a:solidFill>
-                  <a:schemeClr val="accent1"/>
-                </a:solidFill>
-                <a:effectLst/>
-                <a:latin typeface="Calibri" panose="020F0502020204030204" pitchFamily="34" charset="0"/>
-                <a:ea typeface="Times New Roman" panose="02020603050405020304" pitchFamily="18" charset="0"/>
-              </a:rPr>
-              <a:t> </a:t>
-            </a:r>
-            <a:r>
-              <a:rPr lang="it-IT" sz="1800" dirty="0">
-                <a:solidFill>
-                  <a:srgbClr val="FF0000"/>
-                </a:solidFill>
-                <a:effectLst/>
-                <a:latin typeface="Calibri" panose="020F0502020204030204" pitchFamily="34" charset="0"/>
-                <a:ea typeface="Times New Roman" panose="02020603050405020304" pitchFamily="18" charset="0"/>
-              </a:rPr>
-              <a:t>dall’utente</a:t>
-            </a:r>
-            <a:r>
-              <a:rPr lang="it-IT" sz="1800" dirty="0">
-                <a:effectLst/>
-                <a:latin typeface="Calibri" panose="020F0502020204030204" pitchFamily="34" charset="0"/>
-                <a:ea typeface="Times New Roman" panose="02020603050405020304" pitchFamily="18" charset="0"/>
-              </a:rPr>
-              <a:t>»</a:t>
-            </a:r>
             <a:endParaRPr lang="en-US" sz="1800" dirty="0">
               <a:latin typeface="Hind"/>
               <a:ea typeface="+mj-ea"/>
@@ -5138,11 +5085,33 @@
             <a:pPr marL="0" indent="0">
               <a:buNone/>
             </a:pPr>
-            <a:endParaRPr lang="en-US" sz="1800" dirty="0">
-              <a:latin typeface="Hind"/>
-              <a:ea typeface="+mj-ea"/>
-              <a:cs typeface="+mj-cs"/>
-            </a:endParaRPr>
+            <a:r>
+              <a:rPr lang="en-US" sz="1800" dirty="0">
+                <a:latin typeface="Hind"/>
+                <a:ea typeface="+mj-ea"/>
+                <a:cs typeface="+mj-cs"/>
+              </a:rPr>
+              <a:t>CREATE TABLE IF NOT EXISTS `</a:t>
+            </a:r>
+            <a:r>
+              <a:rPr lang="en-US" sz="1800" dirty="0">
+                <a:solidFill>
+                  <a:srgbClr val="FFC000"/>
+                </a:solidFill>
+                <a:latin typeface="Hind"/>
+                <a:ea typeface="+mj-ea"/>
+                <a:cs typeface="+mj-cs"/>
+              </a:rPr>
+              <a:t>user</a:t>
+            </a:r>
+            <a:r>
+              <a:rPr lang="en-US" sz="1800" dirty="0">
+                <a:latin typeface="Hind"/>
+                <a:ea typeface="+mj-ea"/>
+                <a:cs typeface="+mj-cs"/>
+              </a:rPr>
+              <a:t>` (  </a:t>
+            </a:r>
           </a:p>
           <a:p>
             <a:pPr marL="0" indent="0">
@@ -5154,26 +5123,7 @@
                 <a:ea typeface="+mj-ea"/>
                 <a:cs typeface="+mj-cs"/>
               </a:rPr>
-              <a:t>CREATE TABLE IF NOT EXISTS `</a:t>
-            </a:r>
-            <a:r>
-              <a:rPr lang="en-US" sz="1800" dirty="0">
-                <a:solidFill>
-                  <a:srgbClr val="FFC000"/>
-                </a:solidFill>
-                <a:latin typeface="Hind"/>
-                <a:ea typeface="+mj-ea"/>
-                <a:cs typeface="+mj-cs"/>
-              </a:rPr>
-              <a:t>view</a:t>
-            </a:r>
-            <a:r>
-              <a:rPr lang="en-US" sz="1800" dirty="0">
-                <a:latin typeface="Hind"/>
-                <a:ea typeface="+mj-ea"/>
-                <a:cs typeface="+mj-cs"/>
-              </a:rPr>
-              <a:t>` (  </a:t>
+              <a:t>`id` INT NOT NULL AUTO_INCREMENT,  </a:t>
             </a:r>
           </a:p>
           <a:p>
@@ -5186,23 +5136,7 @@
                 <a:ea typeface="+mj-ea"/>
                 <a:cs typeface="+mj-cs"/>
               </a:rPr>
-              <a:t>`</a:t>
-            </a:r>
-            <a:r>
-              <a:rPr lang="en-US" sz="1800" dirty="0" err="1">
-                <a:latin typeface="Hind"/>
-                <a:ea typeface="+mj-ea"/>
-                <a:cs typeface="+mj-cs"/>
-              </a:rPr>
-              <a:t>id_user</a:t>
-            </a:r>
-            <a:r>
-              <a:rPr lang="en-US" sz="1800" dirty="0">
-                <a:latin typeface="Hind"/>
-                <a:ea typeface="+mj-ea"/>
-                <a:cs typeface="+mj-cs"/>
-              </a:rPr>
-              <a:t>` INT NOT NULL,  </a:t>
+              <a:t>`name` VARCHAR(45) NOT NULL,  </a:t>
             </a:r>
           </a:p>
           <a:p>
@@ -5215,23 +5149,7 @@
                 <a:ea typeface="+mj-ea"/>
                 <a:cs typeface="+mj-cs"/>
               </a:rPr>
-              <a:t>`</a:t>
-            </a:r>
-            <a:r>
-              <a:rPr lang="en-US" sz="1800" dirty="0" err="1">
-                <a:latin typeface="Hind"/>
-                <a:ea typeface="+mj-ea"/>
-                <a:cs typeface="+mj-cs"/>
-              </a:rPr>
-              <a:t>id_item</a:t>
-            </a:r>
-            <a:r>
-              <a:rPr lang="en-US" sz="1800" dirty="0">
-                <a:latin typeface="Hind"/>
-                <a:ea typeface="+mj-ea"/>
-                <a:cs typeface="+mj-cs"/>
-              </a:rPr>
-              <a:t>` INT NOT NULL,  </a:t>
+              <a:t>`surname` VARCHAR(45) NOT NULL,  </a:t>
             </a:r>
           </a:p>
           <a:p>
@@ -5244,7 +5162,7 @@
                 <a:ea typeface="+mj-ea"/>
                 <a:cs typeface="+mj-cs"/>
               </a:rPr>
-              <a:t>`date` TIMESTAMP NOT NULL,  </a:t>
+              <a:t>`email` VARCHAR(60) NOT NULL,  </a:t>
             </a:r>
           </a:p>
           <a:p>
@@ -5257,39 +5175,7 @@
                 <a:ea typeface="+mj-ea"/>
                 <a:cs typeface="+mj-cs"/>
               </a:rPr>
-              <a:t>PRIMARY KEY (`</a:t>
-            </a:r>
-            <a:r>
-              <a:rPr lang="en-US" sz="1800" dirty="0" err="1">
-                <a:latin typeface="Hind"/>
-                <a:ea typeface="+mj-ea"/>
-                <a:cs typeface="+mj-cs"/>
-              </a:rPr>
-              <a:t>id_user</a:t>
-            </a:r>
-            <a:r>
-              <a:rPr lang="en-US" sz="1800" dirty="0">
-                <a:latin typeface="Hind"/>
-                <a:ea typeface="+mj-ea"/>
-                <a:cs typeface="+mj-cs"/>
-              </a:rPr>
-              <a:t>`, `</a:t>
-            </a:r>
-            <a:r>
-              <a:rPr lang="en-US" sz="1800" dirty="0" err="1">
-                <a:latin typeface="Hind"/>
-                <a:ea typeface="+mj-ea"/>
-                <a:cs typeface="+mj-cs"/>
-              </a:rPr>
-              <a:t>id_item`,`date</a:t>
-            </a:r>
-            <a:r>
-              <a:rPr lang="en-US" sz="1800" dirty="0">
-                <a:latin typeface="Hind"/>
-                <a:ea typeface="+mj-ea"/>
-                <a:cs typeface="+mj-cs"/>
-              </a:rPr>
-              <a:t>`), </a:t>
+              <a:t>`password` VARCHAR(256) NOT NULL, </a:t>
             </a:r>
           </a:p>
           <a:p>
@@ -5302,39 +5188,7 @@
                 <a:ea typeface="+mj-ea"/>
                 <a:cs typeface="+mj-cs"/>
               </a:rPr>
-              <a:t>CONSTRAINT `</a:t>
-            </a:r>
-            <a:r>
-              <a:rPr lang="en-US" sz="1800" dirty="0" err="1">
-                <a:latin typeface="Hind"/>
-                <a:ea typeface="+mj-ea"/>
-                <a:cs typeface="+mj-cs"/>
-              </a:rPr>
-              <a:t>view_id_item</a:t>
-            </a:r>
-            <a:r>
-              <a:rPr lang="en-US" sz="1800" dirty="0">
-                <a:latin typeface="Hind"/>
-                <a:ea typeface="+mj-ea"/>
-                <a:cs typeface="+mj-cs"/>
-              </a:rPr>
-              <a:t>`    FOREIGN KEY (`</a:t>
-            </a:r>
-            <a:r>
-              <a:rPr lang="en-US" sz="1800" dirty="0" err="1">
-                <a:latin typeface="Hind"/>
-                <a:ea typeface="+mj-ea"/>
-                <a:cs typeface="+mj-cs"/>
-              </a:rPr>
-              <a:t>id_item</a:t>
-            </a:r>
-            <a:r>
-              <a:rPr lang="en-US" sz="1800" dirty="0">
-                <a:latin typeface="Hind"/>
-                <a:ea typeface="+mj-ea"/>
-                <a:cs typeface="+mj-cs"/>
-              </a:rPr>
-              <a:t>`)    REFERENCES `item` (`id`)    ON DELETE CASCADE    ON UPDATE CASCADE,  </a:t>
+              <a:t>`address` VARCHAR(60) NOT NULL,  </a:t>
             </a:r>
           </a:p>
           <a:p>
@@ -5347,39 +5201,7 @@
                 <a:ea typeface="+mj-ea"/>
                 <a:cs typeface="+mj-cs"/>
               </a:rPr>
-              <a:t>CONSTRAINT `</a:t>
-            </a:r>
-            <a:r>
-              <a:rPr lang="en-US" sz="1800" dirty="0" err="1">
-                <a:latin typeface="Hind"/>
-                <a:ea typeface="+mj-ea"/>
-                <a:cs typeface="+mj-cs"/>
-              </a:rPr>
-              <a:t>view_id_user</a:t>
-            </a:r>
-            <a:r>
-              <a:rPr lang="en-US" sz="1800" dirty="0">
-                <a:latin typeface="Hind"/>
-                <a:ea typeface="+mj-ea"/>
-                <a:cs typeface="+mj-cs"/>
-              </a:rPr>
-              <a:t>`    FOREIGN KEY (`</a:t>
-            </a:r>
-            <a:r>
-              <a:rPr lang="en-US" sz="1800" dirty="0" err="1">
-                <a:latin typeface="Hind"/>
-                <a:ea typeface="+mj-ea"/>
-                <a:cs typeface="+mj-cs"/>
-              </a:rPr>
-              <a:t>id_user</a:t>
-            </a:r>
-            <a:r>
-              <a:rPr lang="en-US" sz="1800" dirty="0">
-                <a:latin typeface="Hind"/>
-                <a:ea typeface="+mj-ea"/>
-                <a:cs typeface="+mj-cs"/>
-              </a:rPr>
-              <a:t>`)    REFERENCES `user` (`id`)    ON DELETE CASCADE    ON UPDATE CASCADE)</a:t>
+              <a:t>PRIMARY KEY (`id`))</a:t>
             </a:r>
           </a:p>
         </p:txBody>
@@ -5387,7 +5209,7 @@
     </p:spTree>
     <p:extLst>
       <p:ext uri="{BB962C8B-B14F-4D97-AF65-F5344CB8AC3E}">
-        <p14:creationId xmlns:p14="http://schemas.microsoft.com/office/powerpoint/2010/main" val="145711944"/>
+        <p14:creationId xmlns:p14="http://schemas.microsoft.com/office/powerpoint/2010/main" val="3027705242"/>
       </p:ext>
     </p:extLst>
   </p:cSld>
@@ -5474,8 +5296,8 @@
         </p:nvSpPr>
         <p:spPr>
           <a:xfrm>
-            <a:off x="838200" y="1825624"/>
-            <a:ext cx="10515600" cy="4840989"/>
+            <a:off x="838200" y="1825625"/>
+            <a:ext cx="10515600" cy="4851622"/>
           </a:xfrm>
         </p:spPr>
         <p:txBody>
@@ -5496,7 +5318,7 @@
                 <a:latin typeface="Calibri" panose="020F0502020204030204" pitchFamily="34" charset="0"/>
                 <a:ea typeface="Times New Roman" panose="02020603050405020304" pitchFamily="18" charset="0"/>
               </a:rPr>
-              <a:t>«Un </a:t>
+              <a:t>«Un’applicazione di commercio elettronico consente all’utente di </a:t>
             </a:r>
             <a:r>
               <a:rPr lang="it-IT" sz="1800" b="1" dirty="0">
@@ -5507,7 +5329,7 @@
                 <a:latin typeface="Calibri" panose="020F0502020204030204" pitchFamily="34" charset="0"/>
                 <a:ea typeface="Times New Roman" panose="02020603050405020304" pitchFamily="18" charset="0"/>
               </a:rPr>
-              <a:t>ordine</a:t>
+              <a:t>visualizzare</a:t>
             </a:r>
             <a:r>
               <a:rPr lang="it-IT" sz="1800" dirty="0">
@@ -5518,7 +5340,36 @@
                 <a:latin typeface="Calibri" panose="020F0502020204030204" pitchFamily="34" charset="0"/>
                 <a:ea typeface="Times New Roman" panose="02020603050405020304" pitchFamily="18" charset="0"/>
               </a:rPr>
-              <a:t> ha un </a:t>
+              <a:t> un catalogo di prodotti venduti da diversi fornitori.</a:t>
+            </a:r>
+          </a:p>
+          <a:p>
+            <a:pPr marL="0" indent="0">
+              <a:buNone/>
+            </a:pPr>
+            <a:r>
+              <a:rPr lang="it-IT" sz="1800" dirty="0">
+                <a:effectLst/>
+                <a:latin typeface="Calibri" panose="020F0502020204030204" pitchFamily="34" charset="0"/>
+                <a:ea typeface="Times New Roman" panose="02020603050405020304" pitchFamily="18" charset="0"/>
+              </a:rPr>
+              <a:t>…</a:t>
+            </a:r>
+          </a:p>
+          <a:p>
+            <a:pPr marL="0" indent="0">
+              <a:buNone/>
+            </a:pPr>
+            <a:r>
+              <a:rPr lang="it-IT" sz="1800" dirty="0">
+                <a:solidFill>
+                  <a:srgbClr val="000000"/>
+                </a:solidFill>
+                <a:effectLst/>
+                <a:latin typeface="Calibri" panose="020F0502020204030204" pitchFamily="34" charset="0"/>
+                <a:ea typeface="Times New Roman" panose="02020603050405020304" pitchFamily="18" charset="0"/>
+              </a:rPr>
+              <a:t>Dopo il login, l’utente accede a una pagina HOME che mostra (come tutte le altre pagine) un menù con i link HOME, CARRELLO, ORDINI, un campo di ricerca e una lista </a:t>
             </a:r>
             <a:r>
               <a:rPr lang="it-IT" sz="1800" dirty="0">
@@ -5529,18 +5380,26 @@
                 <a:latin typeface="Calibri" panose="020F0502020204030204" pitchFamily="34" charset="0"/>
                 <a:ea typeface="Times New Roman" panose="02020603050405020304" pitchFamily="18" charset="0"/>
               </a:rPr>
-              <a:t>codice</a:t>
-            </a:r>
-            <a:r>
-              <a:rPr lang="it-IT" sz="1800" dirty="0">
-                <a:solidFill>
-                  <a:srgbClr val="000000"/>
-                </a:solidFill>
-                <a:effectLst/>
-                <a:latin typeface="Calibri" panose="020F0502020204030204" pitchFamily="34" charset="0"/>
-                <a:ea typeface="Times New Roman" panose="02020603050405020304" pitchFamily="18" charset="0"/>
-              </a:rPr>
-              <a:t>, il </a:t>
+              <a:t>degli ultimi </a:t>
+            </a:r>
+            <a:r>
+              <a:rPr lang="it-IT" sz="1800" dirty="0">
+                <a:effectLst/>
+                <a:latin typeface="Calibri" panose="020F0502020204030204" pitchFamily="34" charset="0"/>
+                <a:ea typeface="Times New Roman" panose="02020603050405020304" pitchFamily="18" charset="0"/>
+              </a:rPr>
+              <a:t>cinque</a:t>
+            </a:r>
+            <a:r>
+              <a:rPr lang="it-IT" sz="1800" dirty="0">
+                <a:solidFill>
+                  <a:schemeClr val="accent1"/>
+                </a:solidFill>
+                <a:effectLst/>
+                <a:latin typeface="Calibri" panose="020F0502020204030204" pitchFamily="34" charset="0"/>
+                <a:ea typeface="Times New Roman" panose="02020603050405020304" pitchFamily="18" charset="0"/>
+              </a:rPr>
+              <a:t> </a:t>
             </a:r>
             <a:r>
               <a:rPr lang="it-IT" sz="1800" dirty="0">
@@ -5551,12 +5410,12 @@
                 <a:latin typeface="Calibri" panose="020F0502020204030204" pitchFamily="34" charset="0"/>
                 <a:ea typeface="Times New Roman" panose="02020603050405020304" pitchFamily="18" charset="0"/>
               </a:rPr>
-              <a:t>nome</a:t>
-            </a:r>
-            <a:r>
-              <a:rPr lang="it-IT" sz="1800" dirty="0">
-                <a:solidFill>
-                  <a:srgbClr val="000000"/>
+              <a:t>prodotti</a:t>
+            </a:r>
+            <a:r>
+              <a:rPr lang="it-IT" sz="1800" dirty="0">
+                <a:solidFill>
+                  <a:schemeClr val="accent1"/>
                 </a:solidFill>
                 <a:effectLst/>
                 <a:latin typeface="Calibri" panose="020F0502020204030204" pitchFamily="34" charset="0"/>
@@ -5566,6 +5425,25 @@
             </a:r>
             <a:r>
               <a:rPr lang="it-IT" sz="1800" dirty="0">
+                <a:effectLst/>
+                <a:latin typeface="Calibri" panose="020F0502020204030204" pitchFamily="34" charset="0"/>
+                <a:ea typeface="Times New Roman" panose="02020603050405020304" pitchFamily="18" charset="0"/>
+              </a:rPr>
+              <a:t>visualizzati</a:t>
+            </a:r>
+            <a:r>
+              <a:rPr lang="it-IT" sz="1800" dirty="0">
+                <a:solidFill>
+                  <a:schemeClr val="accent1"/>
+                </a:solidFill>
+                <a:effectLst/>
+                <a:latin typeface="Calibri" panose="020F0502020204030204" pitchFamily="34" charset="0"/>
+                <a:ea typeface="Times New Roman" panose="02020603050405020304" pitchFamily="18" charset="0"/>
+              </a:rPr>
+              <a:t> </a:t>
+            </a:r>
+            <a:r>
+              <a:rPr lang="it-IT" sz="1800" dirty="0">
                 <a:solidFill>
                   <a:srgbClr val="FF0000"/>
                 </a:solidFill>
@@ -5573,137 +5451,16 @@
                 <a:latin typeface="Calibri" panose="020F0502020204030204" pitchFamily="34" charset="0"/>
                 <a:ea typeface="Times New Roman" panose="02020603050405020304" pitchFamily="18" charset="0"/>
               </a:rPr>
-              <a:t>del fornitore</a:t>
-            </a:r>
-            <a:r>
-              <a:rPr lang="it-IT" sz="1800" dirty="0">
-                <a:solidFill>
-                  <a:srgbClr val="000000"/>
-                </a:solidFill>
-                <a:effectLst/>
-                <a:latin typeface="Calibri" panose="020F0502020204030204" pitchFamily="34" charset="0"/>
-                <a:ea typeface="Times New Roman" panose="02020603050405020304" pitchFamily="18" charset="0"/>
-              </a:rPr>
-              <a:t>, </a:t>
-            </a:r>
-            <a:r>
-              <a:rPr lang="it-IT" sz="1800" dirty="0">
-                <a:solidFill>
-                  <a:srgbClr val="FF0000"/>
-                </a:solidFill>
-                <a:effectLst/>
-                <a:latin typeface="Calibri" panose="020F0502020204030204" pitchFamily="34" charset="0"/>
-                <a:ea typeface="Times New Roman" panose="02020603050405020304" pitchFamily="18" charset="0"/>
-              </a:rPr>
-              <a:t>l’elenco degli articoli</a:t>
-            </a:r>
-            <a:r>
-              <a:rPr lang="it-IT" sz="1800" dirty="0">
-                <a:solidFill>
-                  <a:srgbClr val="000000"/>
-                </a:solidFill>
-                <a:effectLst/>
-                <a:latin typeface="Calibri" panose="020F0502020204030204" pitchFamily="34" charset="0"/>
-                <a:ea typeface="Times New Roman" panose="02020603050405020304" pitchFamily="18" charset="0"/>
-              </a:rPr>
-              <a:t>, un </a:t>
-            </a:r>
-            <a:r>
-              <a:rPr lang="it-IT" sz="1800" dirty="0">
-                <a:solidFill>
-                  <a:srgbClr val="FF0000"/>
-                </a:solidFill>
-                <a:effectLst/>
-                <a:latin typeface="Calibri" panose="020F0502020204030204" pitchFamily="34" charset="0"/>
-                <a:ea typeface="Times New Roman" panose="02020603050405020304" pitchFamily="18" charset="0"/>
-              </a:rPr>
-              <a:t>valore </a:t>
-            </a:r>
-            <a:r>
-              <a:rPr lang="it-IT" sz="1800" dirty="0">
-                <a:solidFill>
-                  <a:srgbClr val="000000"/>
-                </a:solidFill>
-                <a:effectLst/>
-                <a:latin typeface="Calibri" panose="020F0502020204030204" pitchFamily="34" charset="0"/>
-                <a:ea typeface="Times New Roman" panose="02020603050405020304" pitchFamily="18" charset="0"/>
-              </a:rPr>
-              <a:t>totale composto dalla somma del valore degli articoli e delle spese di spedizione, una </a:t>
-            </a:r>
-            <a:r>
-              <a:rPr lang="it-IT" sz="1800" dirty="0">
-                <a:solidFill>
-                  <a:srgbClr val="FF0000"/>
-                </a:solidFill>
-                <a:effectLst/>
-                <a:latin typeface="Calibri" panose="020F0502020204030204" pitchFamily="34" charset="0"/>
-                <a:ea typeface="Times New Roman" panose="02020603050405020304" pitchFamily="18" charset="0"/>
-              </a:rPr>
-              <a:t>data</a:t>
-            </a:r>
-            <a:r>
-              <a:rPr lang="it-IT" sz="1800" dirty="0">
-                <a:solidFill>
-                  <a:srgbClr val="000000"/>
-                </a:solidFill>
-                <a:effectLst/>
-                <a:latin typeface="Calibri" panose="020F0502020204030204" pitchFamily="34" charset="0"/>
-                <a:ea typeface="Times New Roman" panose="02020603050405020304" pitchFamily="18" charset="0"/>
-              </a:rPr>
-              <a:t> di spedizione e </a:t>
-            </a:r>
-            <a:r>
-              <a:rPr lang="it-IT" sz="1800" dirty="0">
-                <a:solidFill>
-                  <a:srgbClr val="FF0000"/>
-                </a:solidFill>
-                <a:effectLst/>
-                <a:latin typeface="Calibri" panose="020F0502020204030204" pitchFamily="34" charset="0"/>
-                <a:ea typeface="Times New Roman" panose="02020603050405020304" pitchFamily="18" charset="0"/>
-              </a:rPr>
-              <a:t>l’indirizzo</a:t>
-            </a:r>
-            <a:r>
-              <a:rPr lang="it-IT" sz="1800" dirty="0">
-                <a:solidFill>
-                  <a:srgbClr val="000000"/>
-                </a:solidFill>
-                <a:effectLst/>
-                <a:latin typeface="Calibri" panose="020F0502020204030204" pitchFamily="34" charset="0"/>
-                <a:ea typeface="Times New Roman" panose="02020603050405020304" pitchFamily="18" charset="0"/>
-              </a:rPr>
-              <a:t> di spedizione dell’utente.</a:t>
-            </a:r>
-            <a:r>
-              <a:rPr lang="it-IT" sz="1800" dirty="0">
-                <a:solidFill>
-                  <a:srgbClr val="000000"/>
-                </a:solidFill>
+              <a:t>dall’utente</a:t>
+            </a:r>
+            <a:r>
+              <a:rPr lang="it-IT" sz="1800" dirty="0">
+                <a:effectLst/>
                 <a:latin typeface="Calibri" panose="020F0502020204030204" pitchFamily="34" charset="0"/>
                 <a:ea typeface="Times New Roman" panose="02020603050405020304" pitchFamily="18" charset="0"/>
               </a:rPr>
               <a:t>»</a:t>
             </a:r>
-          </a:p>
-          <a:p>
-            <a:pPr marL="0" indent="0">
-              <a:buNone/>
-            </a:pPr>
-            <a:r>
-              <a:rPr lang="it-IT" sz="1800" dirty="0">
-                <a:solidFill>
-                  <a:srgbClr val="000000"/>
-                </a:solidFill>
-                <a:latin typeface="Calibri" panose="020F0502020204030204" pitchFamily="34" charset="0"/>
-                <a:ea typeface="Times New Roman" panose="02020603050405020304" pitchFamily="18" charset="0"/>
-              </a:rPr>
-              <a:t>Abbiamo deciso di salvare le informazioni necessarie in due tabelle, una contenente i dati dell’ordine e una contenete i dettagli riguardanti il contenuto dell’ordine.</a:t>
-            </a:r>
-          </a:p>
-          <a:p>
-            <a:pPr marL="0" indent="0">
-              <a:buNone/>
-            </a:pPr>
             <a:endParaRPr lang="en-US" sz="1800" dirty="0">
               <a:latin typeface="Hind"/>
               <a:ea typeface="+mj-ea"/>
@@ -5714,6 +5471,16 @@
             <a:pPr marL="0" indent="0">
               <a:buNone/>
             </a:pPr>
+            <a:endParaRPr lang="en-US" sz="1800" dirty="0">
+              <a:latin typeface="Hind"/>
+              <a:ea typeface="+mj-ea"/>
+              <a:cs typeface="+mj-cs"/>
+            </a:endParaRPr>
+          </a:p>
+          <a:p>
+            <a:pPr marL="0" indent="0">
+              <a:buNone/>
+            </a:pPr>
             <a:r>
               <a:rPr lang="en-US" sz="1800" dirty="0">
                 <a:latin typeface="Hind"/>
@@ -5723,23 +5490,52 @@
               <a:t>CREATE TABLE IF NOT EXISTS `</a:t>
             </a:r>
             <a:r>
+              <a:rPr lang="en-US" sz="1800" dirty="0">
+                <a:solidFill>
+                  <a:srgbClr val="FFC000"/>
+                </a:solidFill>
+                <a:latin typeface="Hind"/>
+                <a:ea typeface="+mj-ea"/>
+                <a:cs typeface="+mj-cs"/>
+              </a:rPr>
+              <a:t>view</a:t>
+            </a:r>
+            <a:r>
+              <a:rPr lang="en-US" sz="1800" dirty="0">
+                <a:latin typeface="Hind"/>
+                <a:ea typeface="+mj-ea"/>
+                <a:cs typeface="+mj-cs"/>
+              </a:rPr>
+              <a:t>` (  </a:t>
+            </a:r>
+          </a:p>
+          <a:p>
+            <a:pPr marL="0" indent="0">
+              <a:buNone/>
+            </a:pPr>
+            <a:r>
+              <a:rPr lang="en-US" sz="1800" dirty="0">
+                <a:latin typeface="Hind"/>
+                <a:ea typeface="+mj-ea"/>
+                <a:cs typeface="+mj-cs"/>
+              </a:rPr>
+              <a:t>`</a:t>
+            </a:r>
+            <a:r>
               <a:rPr lang="en-US" sz="1800" dirty="0" err="1">
-                <a:solidFill>
-                  <a:srgbClr val="FFC000"/>
-                </a:solidFill>
-                <a:latin typeface="Hind"/>
-                <a:ea typeface="+mj-ea"/>
-                <a:cs typeface="+mj-cs"/>
-              </a:rPr>
-              <a:t>order_info</a:t>
-            </a:r>
-            <a:r>
-              <a:rPr lang="en-US" sz="1800" dirty="0">
-                <a:latin typeface="Hind"/>
-                <a:ea typeface="+mj-ea"/>
-                <a:cs typeface="+mj-cs"/>
-              </a:rPr>
-              <a:t>` (  </a:t>
+                <a:latin typeface="Hind"/>
+                <a:ea typeface="+mj-ea"/>
+                <a:cs typeface="+mj-cs"/>
+              </a:rPr>
+              <a:t>id_user</a:t>
+            </a:r>
+            <a:r>
+              <a:rPr lang="en-US" sz="1800" dirty="0">
+                <a:latin typeface="Hind"/>
+                <a:ea typeface="+mj-ea"/>
+                <a:cs typeface="+mj-cs"/>
+              </a:rPr>
+              <a:t>` INT NOT NULL,  </a:t>
             </a:r>
           </a:p>
           <a:p>
@@ -5752,7 +5548,23 @@
                 <a:ea typeface="+mj-ea"/>
                 <a:cs typeface="+mj-cs"/>
               </a:rPr>
-              <a:t>`id` CHAR(36) NOT NULL,  </a:t>
+              <a:t>`</a:t>
+            </a:r>
+            <a:r>
+              <a:rPr lang="en-US" sz="1800" dirty="0" err="1">
+                <a:latin typeface="Hind"/>
+                <a:ea typeface="+mj-ea"/>
+                <a:cs typeface="+mj-cs"/>
+              </a:rPr>
+              <a:t>id_item</a:t>
+            </a:r>
+            <a:r>
+              <a:rPr lang="en-US" sz="1800" dirty="0">
+                <a:latin typeface="Hind"/>
+                <a:ea typeface="+mj-ea"/>
+                <a:cs typeface="+mj-cs"/>
+              </a:rPr>
+              <a:t>` INT NOT NULL,  </a:t>
             </a:r>
           </a:p>
           <a:p>
@@ -5765,7 +5577,20 @@
                 <a:ea typeface="+mj-ea"/>
                 <a:cs typeface="+mj-cs"/>
               </a:rPr>
-              <a:t>`</a:t>
+              <a:t>`date` TIMESTAMP NOT NULL,  </a:t>
+            </a:r>
+          </a:p>
+          <a:p>
+            <a:pPr marL="0" indent="0">
+              <a:buNone/>
+            </a:pPr>
+            <a:r>
+              <a:rPr lang="en-US" sz="1800" dirty="0">
+                <a:latin typeface="Hind"/>
+                <a:ea typeface="+mj-ea"/>
+                <a:cs typeface="+mj-cs"/>
+              </a:rPr>
+              <a:t>PRIMARY KEY (`</a:t>
             </a:r>
             <a:r>
               <a:rPr lang="en-US" sz="1800" dirty="0" err="1">
@@ -5781,7 +5606,23 @@
                 <a:ea typeface="+mj-ea"/>
                 <a:cs typeface="+mj-cs"/>
               </a:rPr>
-              <a:t>` INT NOT NULL, </a:t>
+              <a:t>`, `</a:t>
+            </a:r>
+            <a:r>
+              <a:rPr lang="en-US" sz="1800" dirty="0" err="1">
+                <a:latin typeface="Hind"/>
+                <a:ea typeface="+mj-ea"/>
+                <a:cs typeface="+mj-cs"/>
+              </a:rPr>
+              <a:t>id_item`,`date</a:t>
+            </a:r>
+            <a:r>
+              <a:rPr lang="en-US" sz="1800" dirty="0">
+                <a:latin typeface="Hind"/>
+                <a:ea typeface="+mj-ea"/>
+                <a:cs typeface="+mj-cs"/>
+              </a:rPr>
+              <a:t>`), </a:t>
             </a:r>
           </a:p>
           <a:p>
@@ -5794,7 +5635,7 @@
                 <a:ea typeface="+mj-ea"/>
                 <a:cs typeface="+mj-cs"/>
               </a:rPr>
-              <a:t>`</a:t>
+              <a:t>CONSTRAINT `</a:t>
             </a:r>
             <a:r>
               <a:rPr lang="en-US" sz="1800" dirty="0" err="1">
@@ -5802,15 +5643,31 @@
                 <a:ea typeface="+mj-ea"/>
                 <a:cs typeface="+mj-cs"/>
               </a:rPr>
-              <a:t>id_vendor</a:t>
-            </a:r>
-            <a:r>
-              <a:rPr lang="en-US" sz="1800" dirty="0">
-                <a:latin typeface="Hind"/>
-                <a:ea typeface="+mj-ea"/>
-                <a:cs typeface="+mj-cs"/>
-              </a:rPr>
-              <a:t>` INT NOT NULL,  </a:t>
+              <a:t>view_id_item</a:t>
+            </a:r>
+            <a:r>
+              <a:rPr lang="en-US" sz="1800" dirty="0">
+                <a:latin typeface="Hind"/>
+                <a:ea typeface="+mj-ea"/>
+                <a:cs typeface="+mj-cs"/>
+              </a:rPr>
+              <a:t>`    FOREIGN KEY (`</a:t>
+            </a:r>
+            <a:r>
+              <a:rPr lang="en-US" sz="1800" dirty="0" err="1">
+                <a:latin typeface="Hind"/>
+                <a:ea typeface="+mj-ea"/>
+                <a:cs typeface="+mj-cs"/>
+              </a:rPr>
+              <a:t>id_item</a:t>
+            </a:r>
+            <a:r>
+              <a:rPr lang="en-US" sz="1800" dirty="0">
+                <a:latin typeface="Hind"/>
+                <a:ea typeface="+mj-ea"/>
+                <a:cs typeface="+mj-cs"/>
+              </a:rPr>
+              <a:t>`)    REFERENCES `item` (`id`)    ON DELETE CASCADE    ON UPDATE CASCADE,  </a:t>
             </a:r>
           </a:p>
           <a:p>
@@ -5823,20 +5680,7 @@
                 <a:ea typeface="+mj-ea"/>
                 <a:cs typeface="+mj-cs"/>
               </a:rPr>
-              <a:t>`date` TIMESTAMP NOT NULL,  </a:t>
-            </a:r>
-          </a:p>
-          <a:p>
-            <a:pPr marL="0" indent="0">
-              <a:buNone/>
-            </a:pPr>
-            <a:r>
-              <a:rPr lang="en-US" sz="1800" dirty="0">
-                <a:latin typeface="Hind"/>
-                <a:ea typeface="+mj-ea"/>
-                <a:cs typeface="+mj-cs"/>
-              </a:rPr>
-              <a:t>`</a:t>
+              <a:t>CONSTRAINT `</a:t>
             </a:r>
             <a:r>
               <a:rPr lang="en-US" sz="1800" dirty="0" err="1">
@@ -5844,41 +5688,15 @@
                 <a:ea typeface="+mj-ea"/>
                 <a:cs typeface="+mj-cs"/>
               </a:rPr>
-              <a:t>shipping_cost</a:t>
-            </a:r>
-            <a:r>
-              <a:rPr lang="en-US" sz="1800" dirty="0">
-                <a:latin typeface="Hind"/>
-                <a:ea typeface="+mj-ea"/>
-                <a:cs typeface="+mj-cs"/>
-              </a:rPr>
-              <a:t>` FLOAT NOT NULL,  </a:t>
-            </a:r>
-          </a:p>
-          <a:p>
-            <a:pPr marL="0" indent="0">
-              <a:buNone/>
-            </a:pPr>
-            <a:r>
-              <a:rPr lang="en-US" sz="1800" dirty="0">
-                <a:latin typeface="Hind"/>
-                <a:ea typeface="+mj-ea"/>
-                <a:cs typeface="+mj-cs"/>
-              </a:rPr>
-              <a:t>PRIMARY KEY (`id`),  </a:t>
-            </a:r>
-          </a:p>
-          <a:p>
-            <a:pPr marL="0" indent="0">
-              <a:buNone/>
-            </a:pPr>
-            <a:r>
-              <a:rPr lang="en-US" sz="1800" dirty="0">
-                <a:latin typeface="Hind"/>
-                <a:ea typeface="+mj-ea"/>
-                <a:cs typeface="+mj-cs"/>
-              </a:rPr>
-              <a:t>CONSTRAINT `</a:t>
+              <a:t>view_id_user</a:t>
+            </a:r>
+            <a:r>
+              <a:rPr lang="en-US" sz="1800" dirty="0">
+                <a:latin typeface="Hind"/>
+                <a:ea typeface="+mj-ea"/>
+                <a:cs typeface="+mj-cs"/>
+              </a:rPr>
+              <a:t>`    FOREIGN KEY (`</a:t>
             </a:r>
             <a:r>
               <a:rPr lang="en-US" sz="1800" dirty="0" err="1">
@@ -5886,22 +5704,6 @@
                 <a:ea typeface="+mj-ea"/>
                 <a:cs typeface="+mj-cs"/>
               </a:rPr>
-              <a:t>order_info_id_user</a:t>
-            </a:r>
-            <a:r>
-              <a:rPr lang="en-US" sz="1800" dirty="0">
-                <a:latin typeface="Hind"/>
-                <a:ea typeface="+mj-ea"/>
-                <a:cs typeface="+mj-cs"/>
-              </a:rPr>
-              <a:t>`    FOREIGN KEY (`</a:t>
-            </a:r>
-            <a:r>
-              <a:rPr lang="en-US" sz="1800" dirty="0" err="1">
-                <a:latin typeface="Hind"/>
-                <a:ea typeface="+mj-ea"/>
-                <a:cs typeface="+mj-cs"/>
-              </a:rPr>
               <a:t>id_user</a:t>
             </a:r>
             <a:r>
@@ -5910,52 +5712,7 @@
                 <a:ea typeface="+mj-ea"/>
                 <a:cs typeface="+mj-cs"/>
               </a:rPr>
-              <a:t>`)    REFERENCES `user` (`id`)    ON UPDATE CASCADE,  </a:t>
-            </a:r>
-          </a:p>
-          <a:p>
-            <a:pPr marL="0" indent="0">
-              <a:buNone/>
-            </a:pPr>
-            <a:r>
-              <a:rPr lang="en-US" sz="1800" dirty="0">
-                <a:latin typeface="Hind"/>
-                <a:ea typeface="+mj-ea"/>
-                <a:cs typeface="+mj-cs"/>
-              </a:rPr>
-              <a:t>CONSTRAINT `</a:t>
-            </a:r>
-            <a:r>
-              <a:rPr lang="en-US" sz="1800" dirty="0" err="1">
-                <a:latin typeface="Hind"/>
-                <a:ea typeface="+mj-ea"/>
-                <a:cs typeface="+mj-cs"/>
-              </a:rPr>
-              <a:t>order_info_id_vendor</a:t>
-            </a:r>
-            <a:r>
-              <a:rPr lang="en-US" sz="1800" dirty="0">
-                <a:latin typeface="Hind"/>
-                <a:ea typeface="+mj-ea"/>
-                <a:cs typeface="+mj-cs"/>
-              </a:rPr>
-              <a:t>`    FOREIGN KEY (`</a:t>
-            </a:r>
-            <a:r>
-              <a:rPr lang="en-US" sz="1800" dirty="0" err="1">
-                <a:latin typeface="Hind"/>
-                <a:ea typeface="+mj-ea"/>
-                <a:cs typeface="+mj-cs"/>
-              </a:rPr>
-              <a:t>id_vendor</a:t>
-            </a:r>
-            <a:r>
-              <a:rPr lang="en-US" sz="1800" dirty="0">
-                <a:latin typeface="Hind"/>
-                <a:ea typeface="+mj-ea"/>
-                <a:cs typeface="+mj-cs"/>
-              </a:rPr>
-              <a:t>`)    REFERENCES `vendor` (`id`)    ON UPDATE CASCADE)</a:t>
+              <a:t>`)    REFERENCES `user` (`id`)    ON DELETE CASCADE    ON UPDATE CASCADE)</a:t>
             </a:r>
           </a:p>
         </p:txBody>
@@ -5963,7 +5720,7 @@
     </p:spTree>
     <p:extLst>
       <p:ext uri="{BB962C8B-B14F-4D97-AF65-F5344CB8AC3E}">
-        <p14:creationId xmlns:p14="http://schemas.microsoft.com/office/powerpoint/2010/main" val="2740465825"/>
+        <p14:creationId xmlns:p14="http://schemas.microsoft.com/office/powerpoint/2010/main" val="145711944"/>
       </p:ext>
     </p:extLst>
   </p:cSld>
@@ -6048,6 +5805,582 @@
             <p:ph idx="1"/>
           </p:nvPr>
         </p:nvSpPr>
+        <p:spPr>
+          <a:xfrm>
+            <a:off x="838200" y="1825624"/>
+            <a:ext cx="10515600" cy="4840989"/>
+          </a:xfrm>
+        </p:spPr>
+        <p:txBody>
+          <a:bodyPr>
+            <a:normAutofit fontScale="92500" lnSpcReduction="10000"/>
+          </a:bodyPr>
+          <a:lstStyle/>
+          <a:p>
+            <a:pPr marL="0" indent="0">
+              <a:buNone/>
+            </a:pPr>
+            <a:r>
+              <a:rPr lang="it-IT" sz="1800" dirty="0">
+                <a:solidFill>
+                  <a:srgbClr val="000000"/>
+                </a:solidFill>
+                <a:effectLst/>
+                <a:latin typeface="Calibri" panose="020F0502020204030204" pitchFamily="34" charset="0"/>
+                <a:ea typeface="Times New Roman" panose="02020603050405020304" pitchFamily="18" charset="0"/>
+              </a:rPr>
+              <a:t>«Un </a:t>
+            </a:r>
+            <a:r>
+              <a:rPr lang="it-IT" sz="1800" b="1" dirty="0">
+                <a:solidFill>
+                  <a:srgbClr val="FFC000"/>
+                </a:solidFill>
+                <a:effectLst/>
+                <a:latin typeface="Calibri" panose="020F0502020204030204" pitchFamily="34" charset="0"/>
+                <a:ea typeface="Times New Roman" panose="02020603050405020304" pitchFamily="18" charset="0"/>
+              </a:rPr>
+              <a:t>ordine</a:t>
+            </a:r>
+            <a:r>
+              <a:rPr lang="it-IT" sz="1800" dirty="0">
+                <a:solidFill>
+                  <a:srgbClr val="000000"/>
+                </a:solidFill>
+                <a:effectLst/>
+                <a:latin typeface="Calibri" panose="020F0502020204030204" pitchFamily="34" charset="0"/>
+                <a:ea typeface="Times New Roman" panose="02020603050405020304" pitchFamily="18" charset="0"/>
+              </a:rPr>
+              <a:t> ha un </a:t>
+            </a:r>
+            <a:r>
+              <a:rPr lang="it-IT" sz="1800" dirty="0">
+                <a:solidFill>
+                  <a:srgbClr val="FF0000"/>
+                </a:solidFill>
+                <a:effectLst/>
+                <a:latin typeface="Calibri" panose="020F0502020204030204" pitchFamily="34" charset="0"/>
+                <a:ea typeface="Times New Roman" panose="02020603050405020304" pitchFamily="18" charset="0"/>
+              </a:rPr>
+              <a:t>codice</a:t>
+            </a:r>
+            <a:r>
+              <a:rPr lang="it-IT" sz="1800" dirty="0">
+                <a:solidFill>
+                  <a:srgbClr val="000000"/>
+                </a:solidFill>
+                <a:effectLst/>
+                <a:latin typeface="Calibri" panose="020F0502020204030204" pitchFamily="34" charset="0"/>
+                <a:ea typeface="Times New Roman" panose="02020603050405020304" pitchFamily="18" charset="0"/>
+              </a:rPr>
+              <a:t>, il </a:t>
+            </a:r>
+            <a:r>
+              <a:rPr lang="it-IT" sz="1800" dirty="0">
+                <a:solidFill>
+                  <a:srgbClr val="FF0000"/>
+                </a:solidFill>
+                <a:effectLst/>
+                <a:latin typeface="Calibri" panose="020F0502020204030204" pitchFamily="34" charset="0"/>
+                <a:ea typeface="Times New Roman" panose="02020603050405020304" pitchFamily="18" charset="0"/>
+              </a:rPr>
+              <a:t>nome</a:t>
+            </a:r>
+            <a:r>
+              <a:rPr lang="it-IT" sz="1800" dirty="0">
+                <a:solidFill>
+                  <a:srgbClr val="000000"/>
+                </a:solidFill>
+                <a:effectLst/>
+                <a:latin typeface="Calibri" panose="020F0502020204030204" pitchFamily="34" charset="0"/>
+                <a:ea typeface="Times New Roman" panose="02020603050405020304" pitchFamily="18" charset="0"/>
+              </a:rPr>
+              <a:t> </a:t>
+            </a:r>
+            <a:r>
+              <a:rPr lang="it-IT" sz="1800" dirty="0">
+                <a:solidFill>
+                  <a:srgbClr val="FF0000"/>
+                </a:solidFill>
+                <a:effectLst/>
+                <a:latin typeface="Calibri" panose="020F0502020204030204" pitchFamily="34" charset="0"/>
+                <a:ea typeface="Times New Roman" panose="02020603050405020304" pitchFamily="18" charset="0"/>
+              </a:rPr>
+              <a:t>del fornitore</a:t>
+            </a:r>
+            <a:r>
+              <a:rPr lang="it-IT" sz="1800" dirty="0">
+                <a:solidFill>
+                  <a:srgbClr val="000000"/>
+                </a:solidFill>
+                <a:effectLst/>
+                <a:latin typeface="Calibri" panose="020F0502020204030204" pitchFamily="34" charset="0"/>
+                <a:ea typeface="Times New Roman" panose="02020603050405020304" pitchFamily="18" charset="0"/>
+              </a:rPr>
+              <a:t>, </a:t>
+            </a:r>
+            <a:r>
+              <a:rPr lang="it-IT" sz="1800" dirty="0">
+                <a:solidFill>
+                  <a:srgbClr val="FF0000"/>
+                </a:solidFill>
+                <a:effectLst/>
+                <a:latin typeface="Calibri" panose="020F0502020204030204" pitchFamily="34" charset="0"/>
+                <a:ea typeface="Times New Roman" panose="02020603050405020304" pitchFamily="18" charset="0"/>
+              </a:rPr>
+              <a:t>l’elenco degli articoli</a:t>
+            </a:r>
+            <a:r>
+              <a:rPr lang="it-IT" sz="1800" dirty="0">
+                <a:solidFill>
+                  <a:srgbClr val="000000"/>
+                </a:solidFill>
+                <a:effectLst/>
+                <a:latin typeface="Calibri" panose="020F0502020204030204" pitchFamily="34" charset="0"/>
+                <a:ea typeface="Times New Roman" panose="02020603050405020304" pitchFamily="18" charset="0"/>
+              </a:rPr>
+              <a:t>, un </a:t>
+            </a:r>
+            <a:r>
+              <a:rPr lang="it-IT" sz="1800" dirty="0">
+                <a:solidFill>
+                  <a:srgbClr val="FF0000"/>
+                </a:solidFill>
+                <a:effectLst/>
+                <a:latin typeface="Calibri" panose="020F0502020204030204" pitchFamily="34" charset="0"/>
+                <a:ea typeface="Times New Roman" panose="02020603050405020304" pitchFamily="18" charset="0"/>
+              </a:rPr>
+              <a:t>valore </a:t>
+            </a:r>
+            <a:r>
+              <a:rPr lang="it-IT" sz="1800" dirty="0">
+                <a:solidFill>
+                  <a:srgbClr val="000000"/>
+                </a:solidFill>
+                <a:effectLst/>
+                <a:latin typeface="Calibri" panose="020F0502020204030204" pitchFamily="34" charset="0"/>
+                <a:ea typeface="Times New Roman" panose="02020603050405020304" pitchFamily="18" charset="0"/>
+              </a:rPr>
+              <a:t>totale composto dalla somma del valore degli articoli e delle spese di spedizione, una </a:t>
+            </a:r>
+            <a:r>
+              <a:rPr lang="it-IT" sz="1800" dirty="0">
+                <a:solidFill>
+                  <a:srgbClr val="FF0000"/>
+                </a:solidFill>
+                <a:effectLst/>
+                <a:latin typeface="Calibri" panose="020F0502020204030204" pitchFamily="34" charset="0"/>
+                <a:ea typeface="Times New Roman" panose="02020603050405020304" pitchFamily="18" charset="0"/>
+              </a:rPr>
+              <a:t>data</a:t>
+            </a:r>
+            <a:r>
+              <a:rPr lang="it-IT" sz="1800" dirty="0">
+                <a:solidFill>
+                  <a:srgbClr val="000000"/>
+                </a:solidFill>
+                <a:effectLst/>
+                <a:latin typeface="Calibri" panose="020F0502020204030204" pitchFamily="34" charset="0"/>
+                <a:ea typeface="Times New Roman" panose="02020603050405020304" pitchFamily="18" charset="0"/>
+              </a:rPr>
+              <a:t> di spedizione e </a:t>
+            </a:r>
+            <a:r>
+              <a:rPr lang="it-IT" sz="1800" dirty="0">
+                <a:solidFill>
+                  <a:srgbClr val="FF0000"/>
+                </a:solidFill>
+                <a:effectLst/>
+                <a:latin typeface="Calibri" panose="020F0502020204030204" pitchFamily="34" charset="0"/>
+                <a:ea typeface="Times New Roman" panose="02020603050405020304" pitchFamily="18" charset="0"/>
+              </a:rPr>
+              <a:t>l’indirizzo</a:t>
+            </a:r>
+            <a:r>
+              <a:rPr lang="it-IT" sz="1800" dirty="0">
+                <a:solidFill>
+                  <a:srgbClr val="000000"/>
+                </a:solidFill>
+                <a:effectLst/>
+                <a:latin typeface="Calibri" panose="020F0502020204030204" pitchFamily="34" charset="0"/>
+                <a:ea typeface="Times New Roman" panose="02020603050405020304" pitchFamily="18" charset="0"/>
+              </a:rPr>
+              <a:t> di spedizione dell’utente.</a:t>
+            </a:r>
+            <a:r>
+              <a:rPr lang="it-IT" sz="1800" dirty="0">
+                <a:solidFill>
+                  <a:srgbClr val="000000"/>
+                </a:solidFill>
+                <a:latin typeface="Calibri" panose="020F0502020204030204" pitchFamily="34" charset="0"/>
+                <a:ea typeface="Times New Roman" panose="02020603050405020304" pitchFamily="18" charset="0"/>
+              </a:rPr>
+              <a:t>»</a:t>
+            </a:r>
+          </a:p>
+          <a:p>
+            <a:pPr marL="0" indent="0">
+              <a:buNone/>
+            </a:pPr>
+            <a:r>
+              <a:rPr lang="it-IT" sz="1800" dirty="0">
+                <a:solidFill>
+                  <a:srgbClr val="000000"/>
+                </a:solidFill>
+                <a:latin typeface="Calibri" panose="020F0502020204030204" pitchFamily="34" charset="0"/>
+                <a:ea typeface="Times New Roman" panose="02020603050405020304" pitchFamily="18" charset="0"/>
+              </a:rPr>
+              <a:t>Abbiamo deciso di salvare le informazioni necessarie in due tabelle, una contenente i dati dell’ordine e una contenete i dettagli riguardanti il contenuto dell’ordine.</a:t>
+            </a:r>
+          </a:p>
+          <a:p>
+            <a:pPr marL="0" indent="0">
+              <a:buNone/>
+            </a:pPr>
+            <a:endParaRPr lang="en-US" sz="1800" dirty="0">
+              <a:latin typeface="Hind"/>
+              <a:ea typeface="+mj-ea"/>
+              <a:cs typeface="+mj-cs"/>
+            </a:endParaRPr>
+          </a:p>
+          <a:p>
+            <a:pPr marL="0" indent="0">
+              <a:buNone/>
+            </a:pPr>
+            <a:r>
+              <a:rPr lang="en-US" sz="1800" dirty="0">
+                <a:latin typeface="Hind"/>
+                <a:ea typeface="+mj-ea"/>
+                <a:cs typeface="+mj-cs"/>
+              </a:rPr>
+              <a:t>CREATE TABLE IF NOT EXISTS `</a:t>
+            </a:r>
+            <a:r>
+              <a:rPr lang="en-US" sz="1800" dirty="0" err="1">
+                <a:solidFill>
+                  <a:srgbClr val="FFC000"/>
+                </a:solidFill>
+                <a:latin typeface="Hind"/>
+                <a:ea typeface="+mj-ea"/>
+                <a:cs typeface="+mj-cs"/>
+              </a:rPr>
+              <a:t>order_info</a:t>
+            </a:r>
+            <a:r>
+              <a:rPr lang="en-US" sz="1800" dirty="0">
+                <a:latin typeface="Hind"/>
+                <a:ea typeface="+mj-ea"/>
+                <a:cs typeface="+mj-cs"/>
+              </a:rPr>
+              <a:t>` (  </a:t>
+            </a:r>
+          </a:p>
+          <a:p>
+            <a:pPr marL="0" indent="0">
+              <a:buNone/>
+            </a:pPr>
+            <a:r>
+              <a:rPr lang="en-US" sz="1800" dirty="0">
+                <a:latin typeface="Hind"/>
+                <a:ea typeface="+mj-ea"/>
+                <a:cs typeface="+mj-cs"/>
+              </a:rPr>
+              <a:t>`id` CHAR(36) NOT NULL,  </a:t>
+            </a:r>
+          </a:p>
+          <a:p>
+            <a:pPr marL="0" indent="0">
+              <a:buNone/>
+            </a:pPr>
+            <a:r>
+              <a:rPr lang="en-US" sz="1800" dirty="0">
+                <a:latin typeface="Hind"/>
+                <a:ea typeface="+mj-ea"/>
+                <a:cs typeface="+mj-cs"/>
+              </a:rPr>
+              <a:t>`</a:t>
+            </a:r>
+            <a:r>
+              <a:rPr lang="en-US" sz="1800" dirty="0" err="1">
+                <a:latin typeface="Hind"/>
+                <a:ea typeface="+mj-ea"/>
+                <a:cs typeface="+mj-cs"/>
+              </a:rPr>
+              <a:t>id_user</a:t>
+            </a:r>
+            <a:r>
+              <a:rPr lang="en-US" sz="1800" dirty="0">
+                <a:latin typeface="Hind"/>
+                <a:ea typeface="+mj-ea"/>
+                <a:cs typeface="+mj-cs"/>
+              </a:rPr>
+              <a:t>` INT NOT NULL, </a:t>
+            </a:r>
+          </a:p>
+          <a:p>
+            <a:pPr marL="0" indent="0">
+              <a:buNone/>
+            </a:pPr>
+            <a:r>
+              <a:rPr lang="en-US" sz="1800" dirty="0">
+                <a:latin typeface="Hind"/>
+                <a:ea typeface="+mj-ea"/>
+                <a:cs typeface="+mj-cs"/>
+              </a:rPr>
+              <a:t>`</a:t>
+            </a:r>
+            <a:r>
+              <a:rPr lang="en-US" sz="1800" dirty="0" err="1">
+                <a:latin typeface="Hind"/>
+                <a:ea typeface="+mj-ea"/>
+                <a:cs typeface="+mj-cs"/>
+              </a:rPr>
+              <a:t>id_vendor</a:t>
+            </a:r>
+            <a:r>
+              <a:rPr lang="en-US" sz="1800" dirty="0">
+                <a:latin typeface="Hind"/>
+                <a:ea typeface="+mj-ea"/>
+                <a:cs typeface="+mj-cs"/>
+              </a:rPr>
+              <a:t>` INT NOT NULL,  </a:t>
+            </a:r>
+          </a:p>
+          <a:p>
+            <a:pPr marL="0" indent="0">
+              <a:buNone/>
+            </a:pPr>
+            <a:r>
+              <a:rPr lang="en-US" sz="1800" dirty="0">
+                <a:latin typeface="Hind"/>
+                <a:ea typeface="+mj-ea"/>
+                <a:cs typeface="+mj-cs"/>
+              </a:rPr>
+              <a:t>`date` TIMESTAMP NOT NULL,  </a:t>
+            </a:r>
+          </a:p>
+          <a:p>
+            <a:pPr marL="0" indent="0">
+              <a:buNone/>
+            </a:pPr>
+            <a:r>
+              <a:rPr lang="en-US" sz="1800" dirty="0">
+                <a:latin typeface="Hind"/>
+                <a:ea typeface="+mj-ea"/>
+                <a:cs typeface="+mj-cs"/>
+              </a:rPr>
+              <a:t>`</a:t>
+            </a:r>
+            <a:r>
+              <a:rPr lang="en-US" sz="1800" dirty="0" err="1">
+                <a:latin typeface="Hind"/>
+                <a:ea typeface="+mj-ea"/>
+                <a:cs typeface="+mj-cs"/>
+              </a:rPr>
+              <a:t>shipping_cost</a:t>
+            </a:r>
+            <a:r>
+              <a:rPr lang="en-US" sz="1800" dirty="0">
+                <a:latin typeface="Hind"/>
+                <a:ea typeface="+mj-ea"/>
+                <a:cs typeface="+mj-cs"/>
+              </a:rPr>
+              <a:t>` FLOAT NOT NULL,  </a:t>
+            </a:r>
+          </a:p>
+          <a:p>
+            <a:pPr marL="0" indent="0">
+              <a:buNone/>
+            </a:pPr>
+            <a:r>
+              <a:rPr lang="en-US" sz="1800" dirty="0">
+                <a:latin typeface="Hind"/>
+                <a:ea typeface="+mj-ea"/>
+                <a:cs typeface="+mj-cs"/>
+              </a:rPr>
+              <a:t>PRIMARY KEY (`id`),  </a:t>
+            </a:r>
+          </a:p>
+          <a:p>
+            <a:pPr marL="0" indent="0">
+              <a:buNone/>
+            </a:pPr>
+            <a:r>
+              <a:rPr lang="en-US" sz="1800" dirty="0">
+                <a:latin typeface="Hind"/>
+                <a:ea typeface="+mj-ea"/>
+                <a:cs typeface="+mj-cs"/>
+              </a:rPr>
+              <a:t>CONSTRAINT `</a:t>
+            </a:r>
+            <a:r>
+              <a:rPr lang="en-US" sz="1800" dirty="0" err="1">
+                <a:latin typeface="Hind"/>
+                <a:ea typeface="+mj-ea"/>
+                <a:cs typeface="+mj-cs"/>
+              </a:rPr>
+              <a:t>order_info_id_user</a:t>
+            </a:r>
+            <a:r>
+              <a:rPr lang="en-US" sz="1800" dirty="0">
+                <a:latin typeface="Hind"/>
+                <a:ea typeface="+mj-ea"/>
+                <a:cs typeface="+mj-cs"/>
+              </a:rPr>
+              <a:t>`    FOREIGN KEY (`</a:t>
+            </a:r>
+            <a:r>
+              <a:rPr lang="en-US" sz="1800" dirty="0" err="1">
+                <a:latin typeface="Hind"/>
+                <a:ea typeface="+mj-ea"/>
+                <a:cs typeface="+mj-cs"/>
+              </a:rPr>
+              <a:t>id_user</a:t>
+            </a:r>
+            <a:r>
+              <a:rPr lang="en-US" sz="1800" dirty="0">
+                <a:latin typeface="Hind"/>
+                <a:ea typeface="+mj-ea"/>
+                <a:cs typeface="+mj-cs"/>
+              </a:rPr>
+              <a:t>`)    REFERENCES `user` (`id`)    ON UPDATE CASCADE,  </a:t>
+            </a:r>
+          </a:p>
+          <a:p>
+            <a:pPr marL="0" indent="0">
+              <a:buNone/>
+            </a:pPr>
+            <a:r>
+              <a:rPr lang="en-US" sz="1800" dirty="0">
+                <a:latin typeface="Hind"/>
+                <a:ea typeface="+mj-ea"/>
+                <a:cs typeface="+mj-cs"/>
+              </a:rPr>
+              <a:t>CONSTRAINT `</a:t>
+            </a:r>
+            <a:r>
+              <a:rPr lang="en-US" sz="1800" dirty="0" err="1">
+                <a:latin typeface="Hind"/>
+                <a:ea typeface="+mj-ea"/>
+                <a:cs typeface="+mj-cs"/>
+              </a:rPr>
+              <a:t>order_info_id_vendor</a:t>
+            </a:r>
+            <a:r>
+              <a:rPr lang="en-US" sz="1800" dirty="0">
+                <a:latin typeface="Hind"/>
+                <a:ea typeface="+mj-ea"/>
+                <a:cs typeface="+mj-cs"/>
+              </a:rPr>
+              <a:t>`    FOREIGN KEY (`</a:t>
+            </a:r>
+            <a:r>
+              <a:rPr lang="en-US" sz="1800" dirty="0" err="1">
+                <a:latin typeface="Hind"/>
+                <a:ea typeface="+mj-ea"/>
+                <a:cs typeface="+mj-cs"/>
+              </a:rPr>
+              <a:t>id_vendor</a:t>
+            </a:r>
+            <a:r>
+              <a:rPr lang="en-US" sz="1800" dirty="0">
+                <a:latin typeface="Hind"/>
+                <a:ea typeface="+mj-ea"/>
+                <a:cs typeface="+mj-cs"/>
+              </a:rPr>
+              <a:t>`)    REFERENCES `vendor` (`id`)    ON UPDATE CASCADE)</a:t>
+            </a:r>
+          </a:p>
+        </p:txBody>
+      </p:sp>
+    </p:spTree>
+    <p:extLst>
+      <p:ext uri="{BB962C8B-B14F-4D97-AF65-F5344CB8AC3E}">
+        <p14:creationId xmlns:p14="http://schemas.microsoft.com/office/powerpoint/2010/main" val="2740465825"/>
+      </p:ext>
+    </p:extLst>
+  </p:cSld>
+  <p:clrMapOvr>
+    <a:masterClrMapping/>
+  </p:clrMapOvr>
+</p:sld>
+</file>
+
+<file path=ppt/slides/slide16.xml><?xml version="1.0" encoding="utf-8"?>
+<p:sld xmlns:a="http://schemas.openxmlformats.org/drawingml/2006/main" xmlns:r="http://schemas.openxmlformats.org/officeDocument/2006/relationships" xmlns:p="http://schemas.openxmlformats.org/presentationml/2006/main">
+  <p:cSld>
+    <p:spTree>
+      <p:nvGrpSpPr>
+        <p:cNvPr id="1" name=""/>
+        <p:cNvGrpSpPr/>
+        <p:nvPr/>
+      </p:nvGrpSpPr>
+      <p:grpSpPr>
+        <a:xfrm>
+          <a:off x="0" y="0"/>
+          <a:ext cx="0" cy="0"/>
+          <a:chOff x="0" y="0"/>
+          <a:chExt cx="0" cy="0"/>
+        </a:xfrm>
+      </p:grpSpPr>
+      <p:sp>
+        <p:nvSpPr>
+          <p:cNvPr id="2" name="Titolo 1">
+            <a:extLst>
+              <a:ext uri="{FF2B5EF4-FFF2-40B4-BE49-F238E27FC236}">
+                <a16:creationId xmlns:a16="http://schemas.microsoft.com/office/drawing/2014/main" id="{21046205-7257-47FD-A07F-1B1048C90351}"/>
+              </a:ext>
+            </a:extLst>
+          </p:cNvPr>
+          <p:cNvSpPr>
+            <a:spLocks noGrp="1"/>
+          </p:cNvSpPr>
+          <p:nvPr>
+            <p:ph type="title"/>
+          </p:nvPr>
+        </p:nvSpPr>
+        <p:spPr/>
+        <p:txBody>
+          <a:bodyPr>
+            <a:normAutofit/>
+          </a:bodyPr>
+          <a:lstStyle/>
+          <a:p>
+            <a:r>
+              <a:rPr lang="it-IT" sz="4000" b="1" dirty="0">
+                <a:latin typeface="Hind"/>
+              </a:rPr>
+              <a:t>Design del Database </a:t>
+            </a:r>
+            <a:r>
+              <a:rPr lang="it-IT" sz="4000" dirty="0"/>
+              <a:t>– </a:t>
+            </a:r>
+            <a:r>
+              <a:rPr lang="it-IT" sz="4000" dirty="0">
+                <a:latin typeface="Hind"/>
+              </a:rPr>
+              <a:t>Definizione delle tabelle</a:t>
+            </a:r>
+          </a:p>
+        </p:txBody>
+      </p:sp>
+      <p:sp>
+        <p:nvSpPr>
+          <p:cNvPr id="3" name="Segnaposto contenuto 2">
+            <a:extLst>
+              <a:ext uri="{FF2B5EF4-FFF2-40B4-BE49-F238E27FC236}">
+                <a16:creationId xmlns:a16="http://schemas.microsoft.com/office/drawing/2014/main" id="{80869FFB-E925-4364-8C80-6479C4DD48B5}"/>
+              </a:ext>
+            </a:extLst>
+          </p:cNvPr>
+          <p:cNvSpPr>
+            <a:spLocks noGrp="1"/>
+          </p:cNvSpPr>
+          <p:nvPr>
+            <p:ph idx="1"/>
+          </p:nvPr>
+        </p:nvSpPr>
         <p:spPr/>
         <p:txBody>
           <a:bodyPr>
@@ -6538,6 +6871,1061 @@
     <p:extLst>
       <p:ext uri="{BB962C8B-B14F-4D97-AF65-F5344CB8AC3E}">
         <p14:creationId xmlns:p14="http://schemas.microsoft.com/office/powerpoint/2010/main" val="487181871"/>
+      </p:ext>
+    </p:extLst>
+  </p:cSld>
+  <p:clrMapOvr>
+    <a:masterClrMapping/>
+  </p:clrMapOvr>
+</p:sld>
+</file>
+
+<file path=ppt/slides/slide17.xml><?xml version="1.0" encoding="utf-8"?>
+<p:sld xmlns:a="http://schemas.openxmlformats.org/drawingml/2006/main" xmlns:r="http://schemas.openxmlformats.org/officeDocument/2006/relationships" xmlns:p="http://schemas.openxmlformats.org/presentationml/2006/main">
+  <p:cSld>
+    <p:spTree>
+      <p:nvGrpSpPr>
+        <p:cNvPr id="1" name=""/>
+        <p:cNvGrpSpPr/>
+        <p:nvPr/>
+      </p:nvGrpSpPr>
+      <p:grpSpPr>
+        <a:xfrm>
+          <a:off x="0" y="0"/>
+          <a:ext cx="0" cy="0"/>
+          <a:chOff x="0" y="0"/>
+          <a:chExt cx="0" cy="0"/>
+        </a:xfrm>
+      </p:grpSpPr>
+      <p:sp>
+        <p:nvSpPr>
+          <p:cNvPr id="2" name="Titolo 1">
+            <a:extLst>
+              <a:ext uri="{FF2B5EF4-FFF2-40B4-BE49-F238E27FC236}">
+                <a16:creationId xmlns:a16="http://schemas.microsoft.com/office/drawing/2014/main" id="{0F94461B-F5C8-4552-878F-BA385C4A8495}"/>
+              </a:ext>
+            </a:extLst>
+          </p:cNvPr>
+          <p:cNvSpPr>
+            <a:spLocks noGrp="1"/>
+          </p:cNvSpPr>
+          <p:nvPr>
+            <p:ph type="title"/>
+          </p:nvPr>
+        </p:nvSpPr>
+        <p:spPr/>
+        <p:txBody>
+          <a:bodyPr/>
+          <a:lstStyle/>
+          <a:p>
+            <a:r>
+              <a:rPr lang="it-IT" sz="4000" b="1" dirty="0">
+                <a:latin typeface="Hind"/>
+              </a:rPr>
+              <a:t>Componenti </a:t>
+            </a:r>
+            <a:r>
+              <a:rPr lang="it-IT" sz="4000" dirty="0">
+                <a:latin typeface="Hind"/>
+              </a:rPr>
+              <a:t>– Model Objects (</a:t>
+            </a:r>
+            <a:r>
+              <a:rPr lang="it-IT" sz="4000" dirty="0" err="1">
+                <a:latin typeface="Hind"/>
+              </a:rPr>
+              <a:t>Beans</a:t>
+            </a:r>
+            <a:r>
+              <a:rPr lang="it-IT" sz="4000" dirty="0">
+                <a:latin typeface="Hind"/>
+              </a:rPr>
+              <a:t>)</a:t>
+            </a:r>
+          </a:p>
+        </p:txBody>
+      </p:sp>
+      <p:sp>
+        <p:nvSpPr>
+          <p:cNvPr id="3" name="Segnaposto contenuto 2">
+            <a:extLst>
+              <a:ext uri="{FF2B5EF4-FFF2-40B4-BE49-F238E27FC236}">
+                <a16:creationId xmlns:a16="http://schemas.microsoft.com/office/drawing/2014/main" id="{9964ED60-4162-4FF8-A2AB-8CAF75EC9B9C}"/>
+              </a:ext>
+            </a:extLst>
+          </p:cNvPr>
+          <p:cNvSpPr>
+            <a:spLocks noGrp="1"/>
+          </p:cNvSpPr>
+          <p:nvPr>
+            <p:ph idx="1"/>
+          </p:nvPr>
+        </p:nvSpPr>
+        <p:spPr/>
+        <p:txBody>
+          <a:bodyPr>
+            <a:normAutofit fontScale="85000" lnSpcReduction="20000"/>
+          </a:bodyPr>
+          <a:lstStyle/>
+          <a:p>
+            <a:pPr>
+              <a:buFont typeface="Wingdings" panose="05000000000000000000" pitchFamily="2" charset="2"/>
+              <a:buChar char="q"/>
+            </a:pPr>
+            <a:r>
+              <a:rPr lang="en-US" dirty="0"/>
+              <a:t>User </a:t>
+            </a:r>
+          </a:p>
+          <a:p>
+            <a:pPr>
+              <a:buFont typeface="Wingdings" panose="05000000000000000000" pitchFamily="2" charset="2"/>
+              <a:buChar char="q"/>
+            </a:pPr>
+            <a:r>
+              <a:rPr lang="en-US" dirty="0"/>
+              <a:t>Item </a:t>
+            </a:r>
+          </a:p>
+          <a:p>
+            <a:pPr>
+              <a:buFont typeface="Wingdings" panose="05000000000000000000" pitchFamily="2" charset="2"/>
+              <a:buChar char="q"/>
+            </a:pPr>
+            <a:r>
+              <a:rPr lang="en-US" dirty="0" err="1"/>
+              <a:t>ExtendedItem</a:t>
+            </a:r>
+            <a:r>
+              <a:rPr lang="en-US" dirty="0"/>
+              <a:t> </a:t>
+            </a:r>
+          </a:p>
+          <a:p>
+            <a:pPr>
+              <a:buFont typeface="Wingdings" panose="05000000000000000000" pitchFamily="2" charset="2"/>
+              <a:buChar char="q"/>
+            </a:pPr>
+            <a:r>
+              <a:rPr lang="en-US" dirty="0" err="1"/>
+              <a:t>SelectedItem</a:t>
+            </a:r>
+            <a:endParaRPr lang="en-US" dirty="0"/>
+          </a:p>
+          <a:p>
+            <a:pPr>
+              <a:buFont typeface="Wingdings" panose="05000000000000000000" pitchFamily="2" charset="2"/>
+              <a:buChar char="q"/>
+            </a:pPr>
+            <a:r>
+              <a:rPr lang="en-US" dirty="0" err="1"/>
+              <a:t>OrderedItem</a:t>
+            </a:r>
+            <a:r>
+              <a:rPr lang="en-US" dirty="0"/>
+              <a:t> </a:t>
+            </a:r>
+          </a:p>
+          <a:p>
+            <a:pPr>
+              <a:buFont typeface="Wingdings" panose="05000000000000000000" pitchFamily="2" charset="2"/>
+              <a:buChar char="q"/>
+            </a:pPr>
+            <a:r>
+              <a:rPr lang="en-US" dirty="0"/>
+              <a:t>View </a:t>
+            </a:r>
+          </a:p>
+          <a:p>
+            <a:pPr>
+              <a:buFont typeface="Wingdings" panose="05000000000000000000" pitchFamily="2" charset="2"/>
+              <a:buChar char="q"/>
+            </a:pPr>
+            <a:r>
+              <a:rPr lang="en-US" dirty="0"/>
+              <a:t>Vendor </a:t>
+            </a:r>
+          </a:p>
+          <a:p>
+            <a:pPr>
+              <a:buFont typeface="Wingdings" panose="05000000000000000000" pitchFamily="2" charset="2"/>
+              <a:buChar char="q"/>
+            </a:pPr>
+            <a:r>
+              <a:rPr lang="en-US" dirty="0" err="1"/>
+              <a:t>ShippingRange</a:t>
+            </a:r>
+            <a:r>
+              <a:rPr lang="en-US" dirty="0"/>
+              <a:t> </a:t>
+            </a:r>
+          </a:p>
+          <a:p>
+            <a:pPr>
+              <a:buFont typeface="Wingdings" panose="05000000000000000000" pitchFamily="2" charset="2"/>
+              <a:buChar char="q"/>
+            </a:pPr>
+            <a:r>
+              <a:rPr lang="en-US" dirty="0"/>
+              <a:t>Price </a:t>
+            </a:r>
+          </a:p>
+          <a:p>
+            <a:pPr>
+              <a:buFont typeface="Wingdings" panose="05000000000000000000" pitchFamily="2" charset="2"/>
+              <a:buChar char="q"/>
+            </a:pPr>
+            <a:r>
+              <a:rPr lang="en-US" dirty="0" err="1"/>
+              <a:t>OrderInfo</a:t>
+            </a:r>
+            <a:r>
+              <a:rPr lang="en-US" dirty="0"/>
+              <a:t> </a:t>
+            </a:r>
+          </a:p>
+          <a:p>
+            <a:pPr>
+              <a:buFont typeface="Wingdings" panose="05000000000000000000" pitchFamily="2" charset="2"/>
+              <a:buChar char="q"/>
+            </a:pPr>
+            <a:r>
+              <a:rPr lang="en-US" dirty="0" err="1"/>
+              <a:t>ErrorMessage</a:t>
+            </a:r>
+            <a:endParaRPr lang="it-IT" dirty="0"/>
+          </a:p>
+        </p:txBody>
+      </p:sp>
+    </p:spTree>
+    <p:extLst>
+      <p:ext uri="{BB962C8B-B14F-4D97-AF65-F5344CB8AC3E}">
+        <p14:creationId xmlns:p14="http://schemas.microsoft.com/office/powerpoint/2010/main" val="2888857202"/>
+      </p:ext>
+    </p:extLst>
+  </p:cSld>
+  <p:clrMapOvr>
+    <a:masterClrMapping/>
+  </p:clrMapOvr>
+</p:sld>
+</file>
+
+<file path=ppt/slides/slide18.xml><?xml version="1.0" encoding="utf-8"?>
+<p:sld xmlns:a="http://schemas.openxmlformats.org/drawingml/2006/main" xmlns:r="http://schemas.openxmlformats.org/officeDocument/2006/relationships" xmlns:p="http://schemas.openxmlformats.org/presentationml/2006/main">
+  <p:cSld>
+    <p:spTree>
+      <p:nvGrpSpPr>
+        <p:cNvPr id="1" name=""/>
+        <p:cNvGrpSpPr/>
+        <p:nvPr/>
+      </p:nvGrpSpPr>
+      <p:grpSpPr>
+        <a:xfrm>
+          <a:off x="0" y="0"/>
+          <a:ext cx="0" cy="0"/>
+          <a:chOff x="0" y="0"/>
+          <a:chExt cx="0" cy="0"/>
+        </a:xfrm>
+      </p:grpSpPr>
+      <p:sp>
+        <p:nvSpPr>
+          <p:cNvPr id="2" name="Titolo 1">
+            <a:extLst>
+              <a:ext uri="{FF2B5EF4-FFF2-40B4-BE49-F238E27FC236}">
+                <a16:creationId xmlns:a16="http://schemas.microsoft.com/office/drawing/2014/main" id="{0F94461B-F5C8-4552-878F-BA385C4A8495}"/>
+              </a:ext>
+            </a:extLst>
+          </p:cNvPr>
+          <p:cNvSpPr>
+            <a:spLocks noGrp="1"/>
+          </p:cNvSpPr>
+          <p:nvPr>
+            <p:ph type="title"/>
+          </p:nvPr>
+        </p:nvSpPr>
+        <p:spPr/>
+        <p:txBody>
+          <a:bodyPr/>
+          <a:lstStyle/>
+          <a:p>
+            <a:r>
+              <a:rPr lang="it-IT" sz="4000" b="1" dirty="0">
+                <a:latin typeface="Hind"/>
+              </a:rPr>
+              <a:t>Componenti </a:t>
+            </a:r>
+            <a:r>
+              <a:rPr lang="it-IT" sz="4000" dirty="0">
+                <a:latin typeface="Hind"/>
+              </a:rPr>
+              <a:t>– Data Access Objects (Classes)</a:t>
+            </a:r>
+          </a:p>
+        </p:txBody>
+      </p:sp>
+      <p:sp>
+        <p:nvSpPr>
+          <p:cNvPr id="3" name="Segnaposto contenuto 2">
+            <a:extLst>
+              <a:ext uri="{FF2B5EF4-FFF2-40B4-BE49-F238E27FC236}">
+                <a16:creationId xmlns:a16="http://schemas.microsoft.com/office/drawing/2014/main" id="{9964ED60-4162-4FF8-A2AB-8CAF75EC9B9C}"/>
+              </a:ext>
+            </a:extLst>
+          </p:cNvPr>
+          <p:cNvSpPr>
+            <a:spLocks noGrp="1"/>
+          </p:cNvSpPr>
+          <p:nvPr>
+            <p:ph idx="1"/>
+          </p:nvPr>
+        </p:nvSpPr>
+        <p:spPr/>
+        <p:txBody>
+          <a:bodyPr>
+            <a:normAutofit fontScale="85000" lnSpcReduction="20000"/>
+          </a:bodyPr>
+          <a:lstStyle/>
+          <a:p>
+            <a:pPr marL="0" indent="0">
+              <a:buNone/>
+            </a:pPr>
+            <a:r>
+              <a:rPr lang="it-IT" dirty="0" err="1"/>
+              <a:t>UserDAO</a:t>
+            </a:r>
+            <a:r>
+              <a:rPr lang="it-IT" dirty="0"/>
+              <a:t> </a:t>
+            </a:r>
+          </a:p>
+          <a:p>
+            <a:pPr lvl="1">
+              <a:buFont typeface="Wingdings" panose="05000000000000000000" pitchFamily="2" charset="2"/>
+              <a:buChar char="q"/>
+            </a:pPr>
+            <a:r>
+              <a:rPr lang="it-IT" dirty="0" err="1"/>
+              <a:t>checkCredentials</a:t>
+            </a:r>
+            <a:r>
+              <a:rPr lang="it-IT" dirty="0"/>
+              <a:t> (</a:t>
+            </a:r>
+            <a:r>
+              <a:rPr lang="it-IT" dirty="0" err="1"/>
+              <a:t>String</a:t>
+            </a:r>
+            <a:r>
+              <a:rPr lang="it-IT" dirty="0"/>
+              <a:t> email, </a:t>
+            </a:r>
+            <a:r>
+              <a:rPr lang="it-IT" dirty="0" err="1"/>
+              <a:t>String</a:t>
+            </a:r>
+            <a:r>
+              <a:rPr lang="it-IT" dirty="0"/>
+              <a:t> </a:t>
+            </a:r>
+            <a:r>
+              <a:rPr lang="it-IT" dirty="0" err="1"/>
+              <a:t>pwd</a:t>
+            </a:r>
+            <a:r>
+              <a:rPr lang="it-IT" dirty="0"/>
+              <a:t>) </a:t>
+            </a:r>
+          </a:p>
+          <a:p>
+            <a:pPr lvl="1">
+              <a:buFont typeface="Wingdings" panose="05000000000000000000" pitchFamily="2" charset="2"/>
+              <a:buChar char="q"/>
+            </a:pPr>
+            <a:r>
+              <a:rPr lang="it-IT" dirty="0" err="1"/>
+              <a:t>createUser</a:t>
+            </a:r>
+            <a:r>
+              <a:rPr lang="it-IT" dirty="0"/>
+              <a:t> (</a:t>
+            </a:r>
+            <a:r>
+              <a:rPr lang="it-IT" dirty="0" err="1"/>
+              <a:t>String</a:t>
+            </a:r>
+            <a:r>
+              <a:rPr lang="it-IT" dirty="0"/>
+              <a:t> name, </a:t>
+            </a:r>
+            <a:r>
+              <a:rPr lang="it-IT" dirty="0" err="1"/>
+              <a:t>String</a:t>
+            </a:r>
+            <a:r>
+              <a:rPr lang="it-IT" dirty="0"/>
+              <a:t> </a:t>
+            </a:r>
+            <a:r>
+              <a:rPr lang="it-IT" dirty="0" err="1"/>
+              <a:t>surname</a:t>
+            </a:r>
+            <a:r>
+              <a:rPr lang="it-IT" dirty="0"/>
+              <a:t>, </a:t>
+            </a:r>
+            <a:r>
+              <a:rPr lang="it-IT" dirty="0" err="1"/>
+              <a:t>String</a:t>
+            </a:r>
+            <a:r>
+              <a:rPr lang="it-IT" dirty="0"/>
+              <a:t> email, </a:t>
+            </a:r>
+            <a:r>
+              <a:rPr lang="it-IT" dirty="0" err="1"/>
+              <a:t>String</a:t>
+            </a:r>
+            <a:r>
+              <a:rPr lang="it-IT" dirty="0"/>
+              <a:t> </a:t>
+            </a:r>
+            <a:r>
+              <a:rPr lang="it-IT" dirty="0" err="1"/>
+              <a:t>pwd</a:t>
+            </a:r>
+            <a:r>
+              <a:rPr lang="it-IT" dirty="0"/>
+              <a:t>, </a:t>
+            </a:r>
+            <a:r>
+              <a:rPr lang="it-IT" dirty="0" err="1"/>
+              <a:t>String</a:t>
+            </a:r>
+            <a:r>
+              <a:rPr lang="it-IT" dirty="0"/>
+              <a:t> </a:t>
+            </a:r>
+            <a:r>
+              <a:rPr lang="it-IT" dirty="0" err="1"/>
+              <a:t>address</a:t>
+            </a:r>
+            <a:r>
+              <a:rPr lang="it-IT" dirty="0"/>
+              <a:t>) </a:t>
+            </a:r>
+          </a:p>
+          <a:p>
+            <a:pPr marL="0" indent="0">
+              <a:buNone/>
+            </a:pPr>
+            <a:endParaRPr lang="it-IT" dirty="0"/>
+          </a:p>
+          <a:p>
+            <a:pPr marL="0" indent="0">
+              <a:buNone/>
+            </a:pPr>
+            <a:r>
+              <a:rPr lang="it-IT" dirty="0" err="1"/>
+              <a:t>ItemDAO</a:t>
+            </a:r>
+            <a:r>
+              <a:rPr lang="it-IT" dirty="0"/>
+              <a:t> </a:t>
+            </a:r>
+          </a:p>
+          <a:p>
+            <a:pPr lvl="1">
+              <a:buFont typeface="Wingdings" panose="05000000000000000000" pitchFamily="2" charset="2"/>
+              <a:buChar char="q"/>
+            </a:pPr>
+            <a:r>
+              <a:rPr lang="it-IT" dirty="0" err="1"/>
+              <a:t>findOneByItemId</a:t>
+            </a:r>
+            <a:r>
+              <a:rPr lang="it-IT" dirty="0"/>
+              <a:t> (</a:t>
+            </a:r>
+            <a:r>
+              <a:rPr lang="it-IT" dirty="0" err="1"/>
+              <a:t>int</a:t>
+            </a:r>
+            <a:r>
+              <a:rPr lang="it-IT" dirty="0"/>
+              <a:t> items) </a:t>
+            </a:r>
+          </a:p>
+          <a:p>
+            <a:pPr lvl="1">
+              <a:buFont typeface="Wingdings" panose="05000000000000000000" pitchFamily="2" charset="2"/>
+              <a:buChar char="q"/>
+            </a:pPr>
+            <a:r>
+              <a:rPr lang="it-IT" dirty="0" err="1"/>
+              <a:t>findManyByItemsId</a:t>
+            </a:r>
+            <a:r>
+              <a:rPr lang="it-IT" dirty="0"/>
+              <a:t> (</a:t>
+            </a:r>
+            <a:r>
+              <a:rPr lang="it-IT" dirty="0" err="1"/>
+              <a:t>ArrayList</a:t>
+            </a:r>
+            <a:r>
+              <a:rPr lang="it-IT" dirty="0"/>
+              <a:t> items) </a:t>
+            </a:r>
+          </a:p>
+          <a:p>
+            <a:pPr lvl="1">
+              <a:buFont typeface="Wingdings" panose="05000000000000000000" pitchFamily="2" charset="2"/>
+              <a:buChar char="q"/>
+            </a:pPr>
+            <a:r>
+              <a:rPr lang="it-IT" dirty="0" err="1"/>
+              <a:t>findLastViewedByUserId</a:t>
+            </a:r>
+            <a:r>
+              <a:rPr lang="it-IT" dirty="0"/>
+              <a:t> (</a:t>
+            </a:r>
+            <a:r>
+              <a:rPr lang="it-IT" dirty="0" err="1"/>
+              <a:t>int</a:t>
+            </a:r>
+            <a:r>
+              <a:rPr lang="it-IT" dirty="0"/>
+              <a:t> </a:t>
+            </a:r>
+            <a:r>
+              <a:rPr lang="it-IT" dirty="0" err="1"/>
+              <a:t>userID</a:t>
+            </a:r>
+            <a:r>
+              <a:rPr lang="it-IT" dirty="0"/>
+              <a:t>) </a:t>
+            </a:r>
+          </a:p>
+          <a:p>
+            <a:pPr lvl="1">
+              <a:buFont typeface="Wingdings" panose="05000000000000000000" pitchFamily="2" charset="2"/>
+              <a:buChar char="q"/>
+            </a:pPr>
+            <a:r>
+              <a:rPr lang="it-IT" dirty="0" err="1"/>
+              <a:t>findManyByCategoryAndNumber</a:t>
+            </a:r>
+            <a:r>
+              <a:rPr lang="it-IT" dirty="0"/>
+              <a:t> (</a:t>
+            </a:r>
+            <a:r>
+              <a:rPr lang="it-IT" dirty="0" err="1"/>
+              <a:t>String</a:t>
+            </a:r>
+            <a:r>
+              <a:rPr lang="it-IT" dirty="0"/>
+              <a:t> </a:t>
+            </a:r>
+            <a:r>
+              <a:rPr lang="it-IT" dirty="0" err="1"/>
+              <a:t>category</a:t>
+            </a:r>
+            <a:r>
+              <a:rPr lang="it-IT" dirty="0"/>
+              <a:t>, </a:t>
+            </a:r>
+            <a:r>
+              <a:rPr lang="it-IT" dirty="0" err="1"/>
+              <a:t>int</a:t>
+            </a:r>
+            <a:r>
+              <a:rPr lang="it-IT" dirty="0"/>
+              <a:t> </a:t>
+            </a:r>
+            <a:r>
+              <a:rPr lang="it-IT" dirty="0" err="1"/>
+              <a:t>number</a:t>
+            </a:r>
+            <a:r>
+              <a:rPr lang="it-IT" dirty="0"/>
+              <a:t>) </a:t>
+            </a:r>
+          </a:p>
+          <a:p>
+            <a:pPr lvl="1">
+              <a:buFont typeface="Wingdings" panose="05000000000000000000" pitchFamily="2" charset="2"/>
+              <a:buChar char="q"/>
+            </a:pPr>
+            <a:r>
+              <a:rPr lang="it-IT" dirty="0" err="1"/>
+              <a:t>findManyByWord</a:t>
+            </a:r>
+            <a:r>
+              <a:rPr lang="it-IT" dirty="0"/>
+              <a:t> (</a:t>
+            </a:r>
+            <a:r>
+              <a:rPr lang="it-IT" dirty="0" err="1"/>
+              <a:t>String</a:t>
+            </a:r>
+            <a:r>
+              <a:rPr lang="it-IT" dirty="0"/>
+              <a:t> </a:t>
+            </a:r>
+            <a:r>
+              <a:rPr lang="it-IT" dirty="0" err="1"/>
+              <a:t>research</a:t>
+            </a:r>
+            <a:r>
+              <a:rPr lang="it-IT" dirty="0"/>
+              <a:t>) </a:t>
+            </a:r>
+          </a:p>
+          <a:p>
+            <a:pPr marL="0" indent="0">
+              <a:buNone/>
+            </a:pPr>
+            <a:endParaRPr lang="it-IT" dirty="0"/>
+          </a:p>
+          <a:p>
+            <a:pPr marL="0" indent="0">
+              <a:buNone/>
+            </a:pPr>
+            <a:r>
+              <a:rPr lang="it-IT" dirty="0" err="1"/>
+              <a:t>ExtendedItemDAO</a:t>
+            </a:r>
+            <a:r>
+              <a:rPr lang="it-IT" dirty="0"/>
+              <a:t> </a:t>
+            </a:r>
+          </a:p>
+          <a:p>
+            <a:pPr lvl="1">
+              <a:buFont typeface="Wingdings" panose="05000000000000000000" pitchFamily="2" charset="2"/>
+              <a:buChar char="q"/>
+            </a:pPr>
+            <a:r>
+              <a:rPr lang="it-IT" dirty="0" err="1"/>
+              <a:t>findManyItemsDetailsByItemsId</a:t>
+            </a:r>
+            <a:r>
+              <a:rPr lang="it-IT" dirty="0"/>
+              <a:t> (List items) </a:t>
+            </a:r>
+          </a:p>
+        </p:txBody>
+      </p:sp>
+    </p:spTree>
+    <p:extLst>
+      <p:ext uri="{BB962C8B-B14F-4D97-AF65-F5344CB8AC3E}">
+        <p14:creationId xmlns:p14="http://schemas.microsoft.com/office/powerpoint/2010/main" val="2499302817"/>
+      </p:ext>
+    </p:extLst>
+  </p:cSld>
+  <p:clrMapOvr>
+    <a:masterClrMapping/>
+  </p:clrMapOvr>
+</p:sld>
+</file>
+
+<file path=ppt/slides/slide19.xml><?xml version="1.0" encoding="utf-8"?>
+<p:sld xmlns:a="http://schemas.openxmlformats.org/drawingml/2006/main" xmlns:r="http://schemas.openxmlformats.org/officeDocument/2006/relationships" xmlns:p="http://schemas.openxmlformats.org/presentationml/2006/main">
+  <p:cSld>
+    <p:spTree>
+      <p:nvGrpSpPr>
+        <p:cNvPr id="1" name=""/>
+        <p:cNvGrpSpPr/>
+        <p:nvPr/>
+      </p:nvGrpSpPr>
+      <p:grpSpPr>
+        <a:xfrm>
+          <a:off x="0" y="0"/>
+          <a:ext cx="0" cy="0"/>
+          <a:chOff x="0" y="0"/>
+          <a:chExt cx="0" cy="0"/>
+        </a:xfrm>
+      </p:grpSpPr>
+      <p:sp>
+        <p:nvSpPr>
+          <p:cNvPr id="2" name="Titolo 1">
+            <a:extLst>
+              <a:ext uri="{FF2B5EF4-FFF2-40B4-BE49-F238E27FC236}">
+                <a16:creationId xmlns:a16="http://schemas.microsoft.com/office/drawing/2014/main" id="{0F94461B-F5C8-4552-878F-BA385C4A8495}"/>
+              </a:ext>
+            </a:extLst>
+          </p:cNvPr>
+          <p:cNvSpPr>
+            <a:spLocks noGrp="1"/>
+          </p:cNvSpPr>
+          <p:nvPr>
+            <p:ph type="title"/>
+          </p:nvPr>
+        </p:nvSpPr>
+        <p:spPr/>
+        <p:txBody>
+          <a:bodyPr/>
+          <a:lstStyle/>
+          <a:p>
+            <a:r>
+              <a:rPr lang="it-IT" sz="4000" b="1" dirty="0">
+                <a:latin typeface="Hind"/>
+              </a:rPr>
+              <a:t>Componenti </a:t>
+            </a:r>
+            <a:r>
+              <a:rPr lang="it-IT" sz="4000" dirty="0">
+                <a:latin typeface="Hind"/>
+              </a:rPr>
+              <a:t>– Data Access Objects (Classes)</a:t>
+            </a:r>
+          </a:p>
+        </p:txBody>
+      </p:sp>
+      <p:sp>
+        <p:nvSpPr>
+          <p:cNvPr id="3" name="Segnaposto contenuto 2">
+            <a:extLst>
+              <a:ext uri="{FF2B5EF4-FFF2-40B4-BE49-F238E27FC236}">
+                <a16:creationId xmlns:a16="http://schemas.microsoft.com/office/drawing/2014/main" id="{9964ED60-4162-4FF8-A2AB-8CAF75EC9B9C}"/>
+              </a:ext>
+            </a:extLst>
+          </p:cNvPr>
+          <p:cNvSpPr>
+            <a:spLocks noGrp="1"/>
+          </p:cNvSpPr>
+          <p:nvPr>
+            <p:ph idx="1"/>
+          </p:nvPr>
+        </p:nvSpPr>
+        <p:spPr/>
+        <p:txBody>
+          <a:bodyPr>
+            <a:normAutofit fontScale="70000" lnSpcReduction="20000"/>
+          </a:bodyPr>
+          <a:lstStyle/>
+          <a:p>
+            <a:pPr marL="0" indent="0">
+              <a:buNone/>
+            </a:pPr>
+            <a:r>
+              <a:rPr lang="it-IT" dirty="0" err="1"/>
+              <a:t>OrderDAO</a:t>
+            </a:r>
+            <a:r>
+              <a:rPr lang="it-IT" dirty="0"/>
+              <a:t> </a:t>
+            </a:r>
+          </a:p>
+          <a:p>
+            <a:pPr lvl="1">
+              <a:buFont typeface="Wingdings" panose="05000000000000000000" pitchFamily="2" charset="2"/>
+              <a:buChar char="q"/>
+            </a:pPr>
+            <a:r>
+              <a:rPr lang="it-IT" dirty="0" err="1"/>
+              <a:t>findOrdersByUserID</a:t>
+            </a:r>
+            <a:r>
+              <a:rPr lang="it-IT" dirty="0"/>
+              <a:t> (</a:t>
+            </a:r>
+            <a:r>
+              <a:rPr lang="it-IT" dirty="0" err="1"/>
+              <a:t>int</a:t>
+            </a:r>
+            <a:r>
+              <a:rPr lang="it-IT" dirty="0"/>
+              <a:t> </a:t>
+            </a:r>
+            <a:r>
+              <a:rPr lang="it-IT" dirty="0" err="1"/>
+              <a:t>userID</a:t>
+            </a:r>
+            <a:r>
+              <a:rPr lang="it-IT" dirty="0"/>
+              <a:t>) </a:t>
+            </a:r>
+          </a:p>
+          <a:p>
+            <a:pPr lvl="1">
+              <a:buFont typeface="Wingdings" panose="05000000000000000000" pitchFamily="2" charset="2"/>
+              <a:buChar char="q"/>
+            </a:pPr>
+            <a:r>
+              <a:rPr lang="it-IT" dirty="0" err="1"/>
+              <a:t>createOrder</a:t>
+            </a:r>
+            <a:r>
+              <a:rPr lang="it-IT" dirty="0"/>
+              <a:t>(</a:t>
+            </a:r>
+            <a:r>
+              <a:rPr lang="it-IT" dirty="0" err="1"/>
+              <a:t>int</a:t>
+            </a:r>
+            <a:r>
+              <a:rPr lang="it-IT" dirty="0"/>
+              <a:t> </a:t>
+            </a:r>
+            <a:r>
+              <a:rPr lang="it-IT" dirty="0" err="1"/>
+              <a:t>userID</a:t>
+            </a:r>
+            <a:r>
+              <a:rPr lang="it-IT" dirty="0"/>
+              <a:t>, </a:t>
+            </a:r>
+            <a:r>
+              <a:rPr lang="it-IT" dirty="0" err="1"/>
+              <a:t>int</a:t>
+            </a:r>
+            <a:r>
+              <a:rPr lang="it-IT" dirty="0"/>
+              <a:t> </a:t>
+            </a:r>
+            <a:r>
+              <a:rPr lang="it-IT" dirty="0" err="1"/>
+              <a:t>vendorID</a:t>
+            </a:r>
+            <a:r>
+              <a:rPr lang="it-IT" dirty="0"/>
+              <a:t>, float </a:t>
+            </a:r>
+            <a:r>
+              <a:rPr lang="it-IT" dirty="0" err="1"/>
+              <a:t>shipping_cost</a:t>
+            </a:r>
+            <a:r>
+              <a:rPr lang="it-IT" dirty="0"/>
+              <a:t>, List items)</a:t>
+            </a:r>
+          </a:p>
+          <a:p>
+            <a:pPr marL="0" indent="0">
+              <a:buNone/>
+            </a:pPr>
+            <a:endParaRPr lang="it-IT" dirty="0"/>
+          </a:p>
+          <a:p>
+            <a:pPr marL="0" indent="0">
+              <a:buNone/>
+            </a:pPr>
+            <a:r>
+              <a:rPr lang="it-IT" dirty="0" err="1"/>
+              <a:t>ViewDAO</a:t>
+            </a:r>
+            <a:r>
+              <a:rPr lang="it-IT" dirty="0"/>
+              <a:t> </a:t>
+            </a:r>
+          </a:p>
+          <a:p>
+            <a:pPr lvl="1">
+              <a:buFont typeface="Wingdings" panose="05000000000000000000" pitchFamily="2" charset="2"/>
+              <a:buChar char="q"/>
+            </a:pPr>
+            <a:r>
+              <a:rPr lang="it-IT" dirty="0" err="1"/>
+              <a:t>createOneViewByUserIdAndItemId</a:t>
+            </a:r>
+            <a:r>
+              <a:rPr lang="it-IT" dirty="0"/>
+              <a:t> (</a:t>
+            </a:r>
+            <a:r>
+              <a:rPr lang="it-IT" dirty="0" err="1"/>
+              <a:t>int</a:t>
+            </a:r>
+            <a:r>
+              <a:rPr lang="it-IT" dirty="0"/>
+              <a:t> </a:t>
+            </a:r>
+            <a:r>
+              <a:rPr lang="it-IT" dirty="0" err="1"/>
+              <a:t>userId</a:t>
+            </a:r>
+            <a:r>
+              <a:rPr lang="it-IT" dirty="0"/>
+              <a:t>, </a:t>
+            </a:r>
+            <a:r>
+              <a:rPr lang="it-IT" dirty="0" err="1"/>
+              <a:t>int</a:t>
+            </a:r>
+            <a:r>
+              <a:rPr lang="it-IT" dirty="0"/>
+              <a:t> </a:t>
+            </a:r>
+            <a:r>
+              <a:rPr lang="it-IT" dirty="0" err="1"/>
+              <a:t>itemId</a:t>
+            </a:r>
+            <a:r>
+              <a:rPr lang="it-IT" dirty="0"/>
+              <a:t>) </a:t>
+            </a:r>
+          </a:p>
+          <a:p>
+            <a:pPr marL="0" indent="0">
+              <a:buNone/>
+            </a:pPr>
+            <a:endParaRPr lang="it-IT" dirty="0"/>
+          </a:p>
+          <a:p>
+            <a:pPr marL="0" indent="0">
+              <a:buNone/>
+            </a:pPr>
+            <a:r>
+              <a:rPr lang="it-IT" dirty="0" err="1"/>
+              <a:t>VendorDAO</a:t>
+            </a:r>
+            <a:r>
+              <a:rPr lang="it-IT" dirty="0"/>
+              <a:t> </a:t>
+            </a:r>
+          </a:p>
+          <a:p>
+            <a:pPr lvl="1">
+              <a:buFont typeface="Wingdings" panose="05000000000000000000" pitchFamily="2" charset="2"/>
+              <a:buChar char="q"/>
+            </a:pPr>
+            <a:r>
+              <a:rPr lang="it-IT" dirty="0" err="1"/>
+              <a:t>findManyByVendorsId</a:t>
+            </a:r>
+            <a:r>
+              <a:rPr lang="it-IT" dirty="0"/>
+              <a:t> (List </a:t>
+            </a:r>
+            <a:r>
+              <a:rPr lang="it-IT" dirty="0" err="1"/>
+              <a:t>vendorIDs</a:t>
+            </a:r>
+            <a:r>
+              <a:rPr lang="it-IT" dirty="0"/>
+              <a:t>)</a:t>
+            </a:r>
+          </a:p>
+          <a:p>
+            <a:pPr lvl="1">
+              <a:buFont typeface="Wingdings" panose="05000000000000000000" pitchFamily="2" charset="2"/>
+              <a:buChar char="q"/>
+            </a:pPr>
+            <a:r>
+              <a:rPr lang="it-IT" dirty="0" err="1"/>
+              <a:t>fineOneByVendorId</a:t>
+            </a:r>
+            <a:r>
+              <a:rPr lang="it-IT" dirty="0"/>
+              <a:t> (</a:t>
+            </a:r>
+            <a:r>
+              <a:rPr lang="it-IT" dirty="0" err="1"/>
+              <a:t>Integer</a:t>
+            </a:r>
+            <a:r>
+              <a:rPr lang="it-IT" dirty="0"/>
+              <a:t> </a:t>
+            </a:r>
+            <a:r>
+              <a:rPr lang="it-IT" dirty="0" err="1"/>
+              <a:t>vendorId</a:t>
+            </a:r>
+            <a:r>
+              <a:rPr lang="it-IT" dirty="0"/>
+              <a:t>)</a:t>
+            </a:r>
+          </a:p>
+          <a:p>
+            <a:pPr marL="0" indent="0">
+              <a:buNone/>
+            </a:pPr>
+            <a:endParaRPr lang="it-IT" dirty="0"/>
+          </a:p>
+          <a:p>
+            <a:pPr marL="0" indent="0">
+              <a:buNone/>
+            </a:pPr>
+            <a:r>
+              <a:rPr lang="it-IT" dirty="0"/>
+              <a:t> </a:t>
+            </a:r>
+            <a:r>
+              <a:rPr lang="it-IT" dirty="0" err="1"/>
+              <a:t>PriceDAO</a:t>
+            </a:r>
+            <a:r>
+              <a:rPr lang="it-IT" dirty="0"/>
+              <a:t> </a:t>
+            </a:r>
+          </a:p>
+          <a:p>
+            <a:pPr lvl="1">
+              <a:buFont typeface="Wingdings" panose="05000000000000000000" pitchFamily="2" charset="2"/>
+              <a:buChar char="q"/>
+            </a:pPr>
+            <a:r>
+              <a:rPr lang="it-IT" dirty="0" err="1"/>
+              <a:t>findManyByItemsID</a:t>
+            </a:r>
+            <a:r>
+              <a:rPr lang="it-IT" dirty="0"/>
+              <a:t> (List items)</a:t>
+            </a:r>
+          </a:p>
+          <a:p>
+            <a:pPr lvl="1">
+              <a:buFont typeface="Wingdings" panose="05000000000000000000" pitchFamily="2" charset="2"/>
+              <a:buChar char="q"/>
+            </a:pPr>
+            <a:r>
+              <a:rPr lang="it-IT" dirty="0" err="1"/>
+              <a:t>findLowerPriceByItemId</a:t>
+            </a:r>
+            <a:r>
+              <a:rPr lang="it-IT" dirty="0"/>
+              <a:t> (</a:t>
+            </a:r>
+            <a:r>
+              <a:rPr lang="it-IT" dirty="0" err="1"/>
+              <a:t>ArrayList</a:t>
+            </a:r>
+            <a:r>
+              <a:rPr lang="it-IT" dirty="0"/>
+              <a:t> items) </a:t>
+            </a:r>
+          </a:p>
+          <a:p>
+            <a:pPr lvl="1">
+              <a:buFont typeface="Wingdings" panose="05000000000000000000" pitchFamily="2" charset="2"/>
+              <a:buChar char="q"/>
+            </a:pPr>
+            <a:r>
+              <a:rPr lang="it-IT" dirty="0" err="1"/>
+              <a:t>findManyForEachItemId</a:t>
+            </a:r>
+            <a:r>
+              <a:rPr lang="it-IT" dirty="0"/>
+              <a:t> (List </a:t>
+            </a:r>
+            <a:r>
+              <a:rPr lang="it-IT" dirty="0" err="1"/>
+              <a:t>itemsIDs</a:t>
+            </a:r>
+            <a:r>
+              <a:rPr lang="it-IT" dirty="0"/>
+              <a:t>)</a:t>
+            </a:r>
+          </a:p>
+        </p:txBody>
+      </p:sp>
+    </p:spTree>
+    <p:extLst>
+      <p:ext uri="{BB962C8B-B14F-4D97-AF65-F5344CB8AC3E}">
+        <p14:creationId xmlns:p14="http://schemas.microsoft.com/office/powerpoint/2010/main" val="2886409390"/>
       </p:ext>
     </p:extLst>
   </p:cSld>
@@ -6613,7 +8001,7 @@
         <p:spPr/>
         <p:txBody>
           <a:bodyPr>
-            <a:normAutofit fontScale="92500" lnSpcReduction="10000"/>
+            <a:normAutofit fontScale="92500" lnSpcReduction="20000"/>
           </a:bodyPr>
           <a:lstStyle/>
           <a:p>
@@ -6624,39 +8012,7 @@
                 </a:highlight>
                 <a:latin typeface="Hind"/>
               </a:rPr>
-              <a:t>Testo con le richieste assegnate </a:t>
-            </a:r>
-          </a:p>
-          <a:p>
-            <a:r>
-              <a:rPr lang="it-IT" dirty="0">
-                <a:latin typeface="Hind"/>
-              </a:rPr>
-              <a:t>Strumenti utilizzati per la risoluzione</a:t>
-            </a:r>
-          </a:p>
-          <a:p>
-            <a:r>
-              <a:rPr lang="it-IT" dirty="0">
-                <a:latin typeface="Hind"/>
-              </a:rPr>
-              <a:t>Assunzioni ?</a:t>
-            </a:r>
-          </a:p>
-          <a:p>
-            <a:r>
-              <a:rPr lang="it-IT" dirty="0">
-                <a:latin typeface="Hind"/>
-              </a:rPr>
-              <a:t>Scelte implementative</a:t>
-            </a:r>
-          </a:p>
-          <a:p>
-            <a:r>
-              <a:rPr lang="it-IT" dirty="0">
-                <a:latin typeface="Hind"/>
-              </a:rPr>
-              <a:t>Ulteriori aggiunte</a:t>
+              <a:t>Specifiche del progetto</a:t>
             </a:r>
           </a:p>
           <a:p>
@@ -6667,12 +8023,42 @@
                 </a:highlight>
                 <a:latin typeface="Hind"/>
               </a:rPr>
+              <a:t>Strumenti utilizzati per la risoluzione</a:t>
+            </a:r>
+          </a:p>
+          <a:p>
+            <a:r>
+              <a:rPr lang="it-IT" dirty="0">
+                <a:latin typeface="Hind"/>
+              </a:rPr>
+              <a:t>Scelte implementative (gestione degli errori – filtri – cosa salviamo nella sessione - … )</a:t>
+            </a:r>
+          </a:p>
+          <a:p>
+            <a:r>
+              <a:rPr lang="it-IT" dirty="0">
+                <a:latin typeface="Hind"/>
+              </a:rPr>
+              <a:t>Ulteriori aggiunte (registrazione – logout – autogenerazione del codice dell’ordine)</a:t>
+            </a:r>
+          </a:p>
+          <a:p>
+            <a:r>
+              <a:rPr lang="it-IT" dirty="0">
+                <a:highlight>
+                  <a:srgbClr val="FFFF00"/>
+                </a:highlight>
+                <a:latin typeface="Hind"/>
+              </a:rPr>
               <a:t>Design del Database (schema ER – definizione delle tabelle – righe del testo corrispondenti </a:t>
             </a:r>
           </a:p>
           <a:p>
             <a:r>
               <a:rPr lang="it-IT" dirty="0">
+                <a:highlight>
+                  <a:srgbClr val="FFFF00"/>
+                </a:highlight>
                 <a:latin typeface="Hind"/>
               </a:rPr>
               <a:t>Componenti </a:t>
@@ -6700,6 +8086,1131 @@
     <p:extLst>
       <p:ext uri="{BB962C8B-B14F-4D97-AF65-F5344CB8AC3E}">
         <p14:creationId xmlns:p14="http://schemas.microsoft.com/office/powerpoint/2010/main" val="281242995"/>
+      </p:ext>
+    </p:extLst>
+  </p:cSld>
+  <p:clrMapOvr>
+    <a:masterClrMapping/>
+  </p:clrMapOvr>
+</p:sld>
+</file>
+
+<file path=ppt/slides/slide20.xml><?xml version="1.0" encoding="utf-8"?>
+<p:sld xmlns:a="http://schemas.openxmlformats.org/drawingml/2006/main" xmlns:r="http://schemas.openxmlformats.org/officeDocument/2006/relationships" xmlns:p="http://schemas.openxmlformats.org/presentationml/2006/main">
+  <p:cSld>
+    <p:spTree>
+      <p:nvGrpSpPr>
+        <p:cNvPr id="1" name=""/>
+        <p:cNvGrpSpPr/>
+        <p:nvPr/>
+      </p:nvGrpSpPr>
+      <p:grpSpPr>
+        <a:xfrm>
+          <a:off x="0" y="0"/>
+          <a:ext cx="0" cy="0"/>
+          <a:chOff x="0" y="0"/>
+          <a:chExt cx="0" cy="0"/>
+        </a:xfrm>
+      </p:grpSpPr>
+      <p:sp>
+        <p:nvSpPr>
+          <p:cNvPr id="2" name="Titolo 1">
+            <a:extLst>
+              <a:ext uri="{FF2B5EF4-FFF2-40B4-BE49-F238E27FC236}">
+                <a16:creationId xmlns:a16="http://schemas.microsoft.com/office/drawing/2014/main" id="{0F94461B-F5C8-4552-878F-BA385C4A8495}"/>
+              </a:ext>
+            </a:extLst>
+          </p:cNvPr>
+          <p:cNvSpPr>
+            <a:spLocks noGrp="1"/>
+          </p:cNvSpPr>
+          <p:nvPr>
+            <p:ph type="title"/>
+          </p:nvPr>
+        </p:nvSpPr>
+        <p:spPr/>
+        <p:txBody>
+          <a:bodyPr/>
+          <a:lstStyle/>
+          <a:p>
+            <a:r>
+              <a:rPr lang="it-IT" sz="4000" b="1" dirty="0">
+                <a:latin typeface="Hind"/>
+              </a:rPr>
+              <a:t>Componenti </a:t>
+            </a:r>
+            <a:r>
+              <a:rPr lang="it-IT" sz="4000" dirty="0">
+                <a:latin typeface="Hind"/>
+              </a:rPr>
+              <a:t>– Controllers (</a:t>
+            </a:r>
+            <a:r>
+              <a:rPr lang="it-IT" sz="4000" dirty="0" err="1">
+                <a:latin typeface="Hind"/>
+              </a:rPr>
+              <a:t>servlets</a:t>
+            </a:r>
+            <a:r>
+              <a:rPr lang="it-IT" sz="4000" dirty="0">
+                <a:latin typeface="Hind"/>
+              </a:rPr>
+              <a:t>) </a:t>
+            </a:r>
+          </a:p>
+        </p:txBody>
+      </p:sp>
+      <p:sp>
+        <p:nvSpPr>
+          <p:cNvPr id="3" name="Segnaposto contenuto 2">
+            <a:extLst>
+              <a:ext uri="{FF2B5EF4-FFF2-40B4-BE49-F238E27FC236}">
+                <a16:creationId xmlns:a16="http://schemas.microsoft.com/office/drawing/2014/main" id="{9964ED60-4162-4FF8-A2AB-8CAF75EC9B9C}"/>
+              </a:ext>
+            </a:extLst>
+          </p:cNvPr>
+          <p:cNvSpPr>
+            <a:spLocks noGrp="1"/>
+          </p:cNvSpPr>
+          <p:nvPr>
+            <p:ph idx="1"/>
+          </p:nvPr>
+        </p:nvSpPr>
+        <p:spPr/>
+        <p:txBody>
+          <a:bodyPr>
+            <a:normAutofit lnSpcReduction="10000"/>
+          </a:bodyPr>
+          <a:lstStyle/>
+          <a:p>
+            <a:pPr>
+              <a:buFont typeface="Wingdings" panose="05000000000000000000" pitchFamily="2" charset="2"/>
+              <a:buChar char="q"/>
+            </a:pPr>
+            <a:r>
+              <a:rPr lang="it-IT" sz="2400" dirty="0" err="1"/>
+              <a:t>doLogin</a:t>
+            </a:r>
+            <a:r>
+              <a:rPr lang="it-IT" sz="2400" dirty="0"/>
+              <a:t> </a:t>
+            </a:r>
+          </a:p>
+          <a:p>
+            <a:pPr>
+              <a:buFont typeface="Wingdings" panose="05000000000000000000" pitchFamily="2" charset="2"/>
+              <a:buChar char="q"/>
+            </a:pPr>
+            <a:r>
+              <a:rPr lang="it-IT" sz="2400" dirty="0" err="1"/>
+              <a:t>doLogout</a:t>
+            </a:r>
+            <a:r>
+              <a:rPr lang="it-IT" sz="2400" dirty="0"/>
+              <a:t> </a:t>
+            </a:r>
+          </a:p>
+          <a:p>
+            <a:pPr>
+              <a:buFont typeface="Wingdings" panose="05000000000000000000" pitchFamily="2" charset="2"/>
+              <a:buChar char="q"/>
+            </a:pPr>
+            <a:r>
+              <a:rPr lang="it-IT" sz="2400" dirty="0" err="1"/>
+              <a:t>doRegister</a:t>
+            </a:r>
+            <a:r>
+              <a:rPr lang="it-IT" sz="2400" dirty="0"/>
+              <a:t> </a:t>
+            </a:r>
+          </a:p>
+          <a:p>
+            <a:pPr>
+              <a:buFont typeface="Wingdings" panose="05000000000000000000" pitchFamily="2" charset="2"/>
+              <a:buChar char="q"/>
+            </a:pPr>
+            <a:r>
+              <a:rPr lang="it-IT" sz="2400" dirty="0" err="1"/>
+              <a:t>goHome</a:t>
+            </a:r>
+            <a:r>
+              <a:rPr lang="it-IT" sz="2400" dirty="0"/>
+              <a:t> </a:t>
+            </a:r>
+          </a:p>
+          <a:p>
+            <a:pPr>
+              <a:buFont typeface="Wingdings" panose="05000000000000000000" pitchFamily="2" charset="2"/>
+              <a:buChar char="q"/>
+            </a:pPr>
+            <a:r>
+              <a:rPr lang="it-IT" sz="2400" dirty="0" err="1"/>
+              <a:t>doSearch</a:t>
+            </a:r>
+            <a:r>
+              <a:rPr lang="it-IT" sz="2400" dirty="0">
+                <a:latin typeface="Hind"/>
+              </a:rPr>
+              <a:t> </a:t>
+            </a:r>
+          </a:p>
+          <a:p>
+            <a:pPr>
+              <a:buFont typeface="Wingdings" panose="05000000000000000000" pitchFamily="2" charset="2"/>
+              <a:buChar char="q"/>
+            </a:pPr>
+            <a:r>
+              <a:rPr lang="it-IT" sz="2400" dirty="0" err="1">
+                <a:latin typeface="Hind"/>
+              </a:rPr>
+              <a:t>doView</a:t>
+            </a:r>
+            <a:r>
+              <a:rPr lang="it-IT" sz="2400" dirty="0">
+                <a:latin typeface="Hind"/>
+              </a:rPr>
+              <a:t> </a:t>
+            </a:r>
+          </a:p>
+          <a:p>
+            <a:pPr>
+              <a:buFont typeface="Wingdings" panose="05000000000000000000" pitchFamily="2" charset="2"/>
+              <a:buChar char="q"/>
+            </a:pPr>
+            <a:r>
+              <a:rPr lang="it-IT" sz="2400" dirty="0" err="1"/>
+              <a:t>doAddCart</a:t>
+            </a:r>
+            <a:r>
+              <a:rPr lang="it-IT" sz="2400" dirty="0"/>
+              <a:t> </a:t>
+            </a:r>
+          </a:p>
+          <a:p>
+            <a:pPr>
+              <a:buFont typeface="Wingdings" panose="05000000000000000000" pitchFamily="2" charset="2"/>
+              <a:buChar char="q"/>
+            </a:pPr>
+            <a:r>
+              <a:rPr lang="it-IT" sz="2400" dirty="0" err="1"/>
+              <a:t>goCart</a:t>
+            </a:r>
+            <a:r>
+              <a:rPr lang="it-IT" sz="2400" dirty="0"/>
+              <a:t> </a:t>
+            </a:r>
+          </a:p>
+          <a:p>
+            <a:pPr>
+              <a:buFont typeface="Wingdings" panose="05000000000000000000" pitchFamily="2" charset="2"/>
+              <a:buChar char="q"/>
+            </a:pPr>
+            <a:r>
+              <a:rPr lang="it-IT" sz="2400" dirty="0" err="1"/>
+              <a:t>doOrder</a:t>
+            </a:r>
+            <a:r>
+              <a:rPr lang="it-IT" sz="2400" dirty="0"/>
+              <a:t> </a:t>
+            </a:r>
+          </a:p>
+          <a:p>
+            <a:pPr>
+              <a:buFont typeface="Wingdings" panose="05000000000000000000" pitchFamily="2" charset="2"/>
+              <a:buChar char="q"/>
+            </a:pPr>
+            <a:r>
+              <a:rPr lang="it-IT" sz="2400" dirty="0" err="1"/>
+              <a:t>goOrders</a:t>
+            </a:r>
+            <a:endParaRPr lang="it-IT" sz="2400" dirty="0"/>
+          </a:p>
+        </p:txBody>
+      </p:sp>
+    </p:spTree>
+    <p:extLst>
+      <p:ext uri="{BB962C8B-B14F-4D97-AF65-F5344CB8AC3E}">
+        <p14:creationId xmlns:p14="http://schemas.microsoft.com/office/powerpoint/2010/main" val="335784826"/>
+      </p:ext>
+    </p:extLst>
+  </p:cSld>
+  <p:clrMapOvr>
+    <a:masterClrMapping/>
+  </p:clrMapOvr>
+</p:sld>
+</file>
+
+<file path=ppt/slides/slide21.xml><?xml version="1.0" encoding="utf-8"?>
+<p:sld xmlns:a="http://schemas.openxmlformats.org/drawingml/2006/main" xmlns:r="http://schemas.openxmlformats.org/officeDocument/2006/relationships" xmlns:p="http://schemas.openxmlformats.org/presentationml/2006/main">
+  <p:cSld>
+    <p:spTree>
+      <p:nvGrpSpPr>
+        <p:cNvPr id="1" name=""/>
+        <p:cNvGrpSpPr/>
+        <p:nvPr/>
+      </p:nvGrpSpPr>
+      <p:grpSpPr>
+        <a:xfrm>
+          <a:off x="0" y="0"/>
+          <a:ext cx="0" cy="0"/>
+          <a:chOff x="0" y="0"/>
+          <a:chExt cx="0" cy="0"/>
+        </a:xfrm>
+      </p:grpSpPr>
+      <p:sp>
+        <p:nvSpPr>
+          <p:cNvPr id="2" name="Titolo 1">
+            <a:extLst>
+              <a:ext uri="{FF2B5EF4-FFF2-40B4-BE49-F238E27FC236}">
+                <a16:creationId xmlns:a16="http://schemas.microsoft.com/office/drawing/2014/main" id="{0F94461B-F5C8-4552-878F-BA385C4A8495}"/>
+              </a:ext>
+            </a:extLst>
+          </p:cNvPr>
+          <p:cNvSpPr>
+            <a:spLocks noGrp="1"/>
+          </p:cNvSpPr>
+          <p:nvPr>
+            <p:ph type="title"/>
+          </p:nvPr>
+        </p:nvSpPr>
+        <p:spPr/>
+        <p:txBody>
+          <a:bodyPr/>
+          <a:lstStyle/>
+          <a:p>
+            <a:r>
+              <a:rPr lang="it-IT" sz="4000" b="1" dirty="0">
+                <a:latin typeface="Hind"/>
+              </a:rPr>
+              <a:t>Componenti </a:t>
+            </a:r>
+            <a:r>
+              <a:rPr lang="it-IT" sz="4000" dirty="0">
+                <a:latin typeface="Hind"/>
+              </a:rPr>
+              <a:t>– </a:t>
+            </a:r>
+            <a:r>
+              <a:rPr lang="en-US" sz="4000" dirty="0">
+                <a:latin typeface="Hind"/>
+              </a:rPr>
+              <a:t>Views (Templates) </a:t>
+            </a:r>
+            <a:endParaRPr lang="it-IT" sz="4000" dirty="0">
+              <a:latin typeface="Hind"/>
+            </a:endParaRPr>
+          </a:p>
+        </p:txBody>
+      </p:sp>
+      <p:sp>
+        <p:nvSpPr>
+          <p:cNvPr id="3" name="Segnaposto contenuto 2">
+            <a:extLst>
+              <a:ext uri="{FF2B5EF4-FFF2-40B4-BE49-F238E27FC236}">
+                <a16:creationId xmlns:a16="http://schemas.microsoft.com/office/drawing/2014/main" id="{9964ED60-4162-4FF8-A2AB-8CAF75EC9B9C}"/>
+              </a:ext>
+            </a:extLst>
+          </p:cNvPr>
+          <p:cNvSpPr>
+            <a:spLocks noGrp="1"/>
+          </p:cNvSpPr>
+          <p:nvPr>
+            <p:ph idx="1"/>
+          </p:nvPr>
+        </p:nvSpPr>
+        <p:spPr/>
+        <p:txBody>
+          <a:bodyPr>
+            <a:normAutofit/>
+          </a:bodyPr>
+          <a:lstStyle/>
+          <a:p>
+            <a:pPr>
+              <a:buFont typeface="Wingdings" panose="05000000000000000000" pitchFamily="2" charset="2"/>
+              <a:buChar char="q"/>
+            </a:pPr>
+            <a:r>
+              <a:rPr lang="en-US" dirty="0"/>
+              <a:t>login </a:t>
+            </a:r>
+          </a:p>
+          <a:p>
+            <a:pPr>
+              <a:buFont typeface="Wingdings" panose="05000000000000000000" pitchFamily="2" charset="2"/>
+              <a:buChar char="q"/>
+            </a:pPr>
+            <a:r>
+              <a:rPr lang="en-US" dirty="0"/>
+              <a:t>register </a:t>
+            </a:r>
+          </a:p>
+          <a:p>
+            <a:pPr>
+              <a:buFont typeface="Wingdings" panose="05000000000000000000" pitchFamily="2" charset="2"/>
+              <a:buChar char="q"/>
+            </a:pPr>
+            <a:r>
+              <a:rPr lang="en-US" dirty="0"/>
+              <a:t>home </a:t>
+            </a:r>
+          </a:p>
+          <a:p>
+            <a:pPr>
+              <a:buFont typeface="Wingdings" panose="05000000000000000000" pitchFamily="2" charset="2"/>
+              <a:buChar char="q"/>
+            </a:pPr>
+            <a:r>
+              <a:rPr lang="en-US" dirty="0"/>
+              <a:t>search </a:t>
+            </a:r>
+          </a:p>
+          <a:p>
+            <a:pPr>
+              <a:buFont typeface="Wingdings" panose="05000000000000000000" pitchFamily="2" charset="2"/>
+              <a:buChar char="q"/>
+            </a:pPr>
+            <a:r>
+              <a:rPr lang="en-US" dirty="0"/>
+              <a:t>cart </a:t>
+            </a:r>
+          </a:p>
+          <a:p>
+            <a:pPr>
+              <a:buFont typeface="Wingdings" panose="05000000000000000000" pitchFamily="2" charset="2"/>
+              <a:buChar char="q"/>
+            </a:pPr>
+            <a:r>
+              <a:rPr lang="en-US" dirty="0"/>
+              <a:t>orders</a:t>
+            </a:r>
+            <a:endParaRPr lang="it-IT" dirty="0"/>
+          </a:p>
+        </p:txBody>
+      </p:sp>
+    </p:spTree>
+    <p:extLst>
+      <p:ext uri="{BB962C8B-B14F-4D97-AF65-F5344CB8AC3E}">
+        <p14:creationId xmlns:p14="http://schemas.microsoft.com/office/powerpoint/2010/main" val="3254098408"/>
+      </p:ext>
+    </p:extLst>
+  </p:cSld>
+  <p:clrMapOvr>
+    <a:masterClrMapping/>
+  </p:clrMapOvr>
+</p:sld>
+</file>
+
+<file path=ppt/slides/slide22.xml><?xml version="1.0" encoding="utf-8"?>
+<p:sld xmlns:a="http://schemas.openxmlformats.org/drawingml/2006/main" xmlns:r="http://schemas.openxmlformats.org/officeDocument/2006/relationships" xmlns:p="http://schemas.openxmlformats.org/presentationml/2006/main">
+  <p:cSld>
+    <p:spTree>
+      <p:nvGrpSpPr>
+        <p:cNvPr id="1" name=""/>
+        <p:cNvGrpSpPr/>
+        <p:nvPr/>
+      </p:nvGrpSpPr>
+      <p:grpSpPr>
+        <a:xfrm>
+          <a:off x="0" y="0"/>
+          <a:ext cx="0" cy="0"/>
+          <a:chOff x="0" y="0"/>
+          <a:chExt cx="0" cy="0"/>
+        </a:xfrm>
+      </p:grpSpPr>
+      <p:sp>
+        <p:nvSpPr>
+          <p:cNvPr id="2" name="Titolo 1">
+            <a:extLst>
+              <a:ext uri="{FF2B5EF4-FFF2-40B4-BE49-F238E27FC236}">
+                <a16:creationId xmlns:a16="http://schemas.microsoft.com/office/drawing/2014/main" id="{0F94461B-F5C8-4552-878F-BA385C4A8495}"/>
+              </a:ext>
+            </a:extLst>
+          </p:cNvPr>
+          <p:cNvSpPr>
+            <a:spLocks noGrp="1"/>
+          </p:cNvSpPr>
+          <p:nvPr>
+            <p:ph type="title"/>
+          </p:nvPr>
+        </p:nvSpPr>
+        <p:spPr/>
+        <p:txBody>
+          <a:bodyPr/>
+          <a:lstStyle/>
+          <a:p>
+            <a:r>
+              <a:rPr lang="it-IT" sz="4000" b="1" dirty="0">
+                <a:latin typeface="Hind"/>
+              </a:rPr>
+              <a:t>Componenti </a:t>
+            </a:r>
+            <a:r>
+              <a:rPr lang="it-IT" sz="4000" dirty="0">
+                <a:latin typeface="Hind"/>
+              </a:rPr>
+              <a:t>– </a:t>
+            </a:r>
+            <a:r>
+              <a:rPr lang="en-US" sz="4000" dirty="0">
+                <a:latin typeface="Hind"/>
+              </a:rPr>
+              <a:t>Views (Templates) </a:t>
+            </a:r>
+            <a:endParaRPr lang="it-IT" sz="4000" dirty="0">
+              <a:latin typeface="Hind"/>
+            </a:endParaRPr>
+          </a:p>
+        </p:txBody>
+      </p:sp>
+      <p:sp>
+        <p:nvSpPr>
+          <p:cNvPr id="3" name="Segnaposto contenuto 2">
+            <a:extLst>
+              <a:ext uri="{FF2B5EF4-FFF2-40B4-BE49-F238E27FC236}">
+                <a16:creationId xmlns:a16="http://schemas.microsoft.com/office/drawing/2014/main" id="{9964ED60-4162-4FF8-A2AB-8CAF75EC9B9C}"/>
+              </a:ext>
+            </a:extLst>
+          </p:cNvPr>
+          <p:cNvSpPr>
+            <a:spLocks noGrp="1"/>
+          </p:cNvSpPr>
+          <p:nvPr>
+            <p:ph idx="1"/>
+          </p:nvPr>
+        </p:nvSpPr>
+        <p:spPr/>
+        <p:txBody>
+          <a:bodyPr>
+            <a:normAutofit/>
+          </a:bodyPr>
+          <a:lstStyle/>
+          <a:p>
+            <a:pPr>
+              <a:buFont typeface="Wingdings" panose="05000000000000000000" pitchFamily="2" charset="2"/>
+              <a:buChar char="q"/>
+            </a:pPr>
+            <a:r>
+              <a:rPr lang="en-US" dirty="0"/>
+              <a:t>partials: </a:t>
+            </a:r>
+          </a:p>
+          <a:p>
+            <a:pPr lvl="1">
+              <a:buFont typeface="Wingdings" panose="05000000000000000000" pitchFamily="2" charset="2"/>
+              <a:buChar char="q"/>
+            </a:pPr>
+            <a:r>
+              <a:rPr lang="en-US" dirty="0"/>
+              <a:t>head </a:t>
+            </a:r>
+          </a:p>
+          <a:p>
+            <a:pPr lvl="1">
+              <a:buFont typeface="Wingdings" panose="05000000000000000000" pitchFamily="2" charset="2"/>
+              <a:buChar char="q"/>
+            </a:pPr>
+            <a:r>
+              <a:rPr lang="en-US" dirty="0"/>
+              <a:t>header </a:t>
+            </a:r>
+          </a:p>
+          <a:p>
+            <a:pPr lvl="1">
+              <a:buFont typeface="Wingdings" panose="05000000000000000000" pitchFamily="2" charset="2"/>
+              <a:buChar char="q"/>
+            </a:pPr>
+            <a:r>
+              <a:rPr lang="en-US" dirty="0" err="1"/>
+              <a:t>compressedItem</a:t>
+            </a:r>
+            <a:r>
+              <a:rPr lang="en-US" dirty="0"/>
+              <a:t>  </a:t>
+            </a:r>
+          </a:p>
+          <a:p>
+            <a:pPr lvl="1">
+              <a:buFont typeface="Wingdings" panose="05000000000000000000" pitchFamily="2" charset="2"/>
+              <a:buChar char="q"/>
+            </a:pPr>
+            <a:r>
+              <a:rPr lang="en-US" dirty="0" err="1"/>
+              <a:t>extendedItem</a:t>
+            </a:r>
+            <a:r>
+              <a:rPr lang="en-US" dirty="0"/>
+              <a:t> </a:t>
+            </a:r>
+          </a:p>
+          <a:p>
+            <a:pPr lvl="1">
+              <a:buFont typeface="Wingdings" panose="05000000000000000000" pitchFamily="2" charset="2"/>
+              <a:buChar char="q"/>
+            </a:pPr>
+            <a:r>
+              <a:rPr lang="en-US" dirty="0"/>
+              <a:t>rating </a:t>
+            </a:r>
+          </a:p>
+          <a:p>
+            <a:pPr lvl="1">
+              <a:buFont typeface="Wingdings" panose="05000000000000000000" pitchFamily="2" charset="2"/>
+              <a:buChar char="q"/>
+            </a:pPr>
+            <a:r>
+              <a:rPr lang="en-US" dirty="0"/>
+              <a:t>error</a:t>
+            </a:r>
+            <a:endParaRPr lang="it-IT" dirty="0"/>
+          </a:p>
+        </p:txBody>
+      </p:sp>
+    </p:spTree>
+    <p:extLst>
+      <p:ext uri="{BB962C8B-B14F-4D97-AF65-F5344CB8AC3E}">
+        <p14:creationId xmlns:p14="http://schemas.microsoft.com/office/powerpoint/2010/main" val="1351367922"/>
+      </p:ext>
+    </p:extLst>
+  </p:cSld>
+  <p:clrMapOvr>
+    <a:masterClrMapping/>
+  </p:clrMapOvr>
+</p:sld>
+</file>
+
+<file path=ppt/slides/slide23.xml><?xml version="1.0" encoding="utf-8"?>
+<p:sld xmlns:a="http://schemas.openxmlformats.org/drawingml/2006/main" xmlns:r="http://schemas.openxmlformats.org/officeDocument/2006/relationships" xmlns:p="http://schemas.openxmlformats.org/presentationml/2006/main">
+  <p:cSld>
+    <p:spTree>
+      <p:nvGrpSpPr>
+        <p:cNvPr id="1" name=""/>
+        <p:cNvGrpSpPr/>
+        <p:nvPr/>
+      </p:nvGrpSpPr>
+      <p:grpSpPr>
+        <a:xfrm>
+          <a:off x="0" y="0"/>
+          <a:ext cx="0" cy="0"/>
+          <a:chOff x="0" y="0"/>
+          <a:chExt cx="0" cy="0"/>
+        </a:xfrm>
+      </p:grpSpPr>
+      <p:sp>
+        <p:nvSpPr>
+          <p:cNvPr id="2" name="Titolo 1">
+            <a:extLst>
+              <a:ext uri="{FF2B5EF4-FFF2-40B4-BE49-F238E27FC236}">
+                <a16:creationId xmlns:a16="http://schemas.microsoft.com/office/drawing/2014/main" id="{0F94461B-F5C8-4552-878F-BA385C4A8495}"/>
+              </a:ext>
+            </a:extLst>
+          </p:cNvPr>
+          <p:cNvSpPr>
+            <a:spLocks noGrp="1"/>
+          </p:cNvSpPr>
+          <p:nvPr>
+            <p:ph type="title"/>
+          </p:nvPr>
+        </p:nvSpPr>
+        <p:spPr/>
+        <p:txBody>
+          <a:bodyPr/>
+          <a:lstStyle/>
+          <a:p>
+            <a:r>
+              <a:rPr lang="it-IT" sz="4000" b="1" dirty="0">
+                <a:latin typeface="Hind"/>
+              </a:rPr>
+              <a:t>Componenti </a:t>
+            </a:r>
+            <a:r>
+              <a:rPr lang="it-IT" sz="4000" dirty="0">
+                <a:latin typeface="Hind"/>
+              </a:rPr>
+              <a:t>– </a:t>
+            </a:r>
+            <a:r>
+              <a:rPr lang="en-US" sz="4000" dirty="0" err="1">
+                <a:latin typeface="Hind"/>
+              </a:rPr>
+              <a:t>Filtri</a:t>
+            </a:r>
+            <a:endParaRPr lang="it-IT" sz="4000" dirty="0">
+              <a:latin typeface="Hind"/>
+            </a:endParaRPr>
+          </a:p>
+        </p:txBody>
+      </p:sp>
+      <p:sp>
+        <p:nvSpPr>
+          <p:cNvPr id="3" name="Segnaposto contenuto 2">
+            <a:extLst>
+              <a:ext uri="{FF2B5EF4-FFF2-40B4-BE49-F238E27FC236}">
+                <a16:creationId xmlns:a16="http://schemas.microsoft.com/office/drawing/2014/main" id="{9964ED60-4162-4FF8-A2AB-8CAF75EC9B9C}"/>
+              </a:ext>
+            </a:extLst>
+          </p:cNvPr>
+          <p:cNvSpPr>
+            <a:spLocks noGrp="1"/>
+          </p:cNvSpPr>
+          <p:nvPr>
+            <p:ph idx="1"/>
+          </p:nvPr>
+        </p:nvSpPr>
+        <p:spPr/>
+        <p:txBody>
+          <a:bodyPr>
+            <a:normAutofit/>
+          </a:bodyPr>
+          <a:lstStyle/>
+          <a:p>
+            <a:pPr>
+              <a:buFont typeface="Wingdings" panose="05000000000000000000" pitchFamily="2" charset="2"/>
+              <a:buChar char="q"/>
+            </a:pPr>
+            <a:r>
+              <a:rPr lang="it-IT" dirty="0" err="1"/>
+              <a:t>QueryFilter</a:t>
+            </a:r>
+            <a:endParaRPr lang="it-IT" dirty="0"/>
+          </a:p>
+        </p:txBody>
+      </p:sp>
+    </p:spTree>
+    <p:extLst>
+      <p:ext uri="{BB962C8B-B14F-4D97-AF65-F5344CB8AC3E}">
+        <p14:creationId xmlns:p14="http://schemas.microsoft.com/office/powerpoint/2010/main" val="19811158"/>
+      </p:ext>
+    </p:extLst>
+  </p:cSld>
+  <p:clrMapOvr>
+    <a:masterClrMapping/>
+  </p:clrMapOvr>
+</p:sld>
+</file>
+
+<file path=ppt/slides/slide24.xml><?xml version="1.0" encoding="utf-8"?>
+<p:sld xmlns:a="http://schemas.openxmlformats.org/drawingml/2006/main" xmlns:r="http://schemas.openxmlformats.org/officeDocument/2006/relationships" xmlns:p="http://schemas.openxmlformats.org/presentationml/2006/main">
+  <p:cSld>
+    <p:spTree>
+      <p:nvGrpSpPr>
+        <p:cNvPr id="1" name=""/>
+        <p:cNvGrpSpPr/>
+        <p:nvPr/>
+      </p:nvGrpSpPr>
+      <p:grpSpPr>
+        <a:xfrm>
+          <a:off x="0" y="0"/>
+          <a:ext cx="0" cy="0"/>
+          <a:chOff x="0" y="0"/>
+          <a:chExt cx="0" cy="0"/>
+        </a:xfrm>
+      </p:grpSpPr>
+      <p:sp>
+        <p:nvSpPr>
+          <p:cNvPr id="2" name="Titolo 1">
+            <a:extLst>
+              <a:ext uri="{FF2B5EF4-FFF2-40B4-BE49-F238E27FC236}">
+                <a16:creationId xmlns:a16="http://schemas.microsoft.com/office/drawing/2014/main" id="{0F94461B-F5C8-4552-878F-BA385C4A8495}"/>
+              </a:ext>
+            </a:extLst>
+          </p:cNvPr>
+          <p:cNvSpPr>
+            <a:spLocks noGrp="1"/>
+          </p:cNvSpPr>
+          <p:nvPr>
+            <p:ph type="title"/>
+          </p:nvPr>
+        </p:nvSpPr>
+        <p:spPr/>
+        <p:txBody>
+          <a:bodyPr/>
+          <a:lstStyle/>
+          <a:p>
+            <a:r>
+              <a:rPr lang="it-IT" sz="4000" b="1" dirty="0">
+                <a:latin typeface="Hind"/>
+              </a:rPr>
+              <a:t>Componenti </a:t>
+            </a:r>
+            <a:r>
+              <a:rPr lang="it-IT" sz="4000" dirty="0">
+                <a:latin typeface="Hind"/>
+              </a:rPr>
+              <a:t>– </a:t>
+            </a:r>
+            <a:r>
+              <a:rPr lang="en-US" sz="4000" dirty="0">
+                <a:latin typeface="Hind"/>
+              </a:rPr>
+              <a:t>Utils</a:t>
+            </a:r>
+            <a:endParaRPr lang="it-IT" sz="4000" dirty="0">
+              <a:latin typeface="Hind"/>
+            </a:endParaRPr>
+          </a:p>
+        </p:txBody>
+      </p:sp>
+      <p:sp>
+        <p:nvSpPr>
+          <p:cNvPr id="3" name="Segnaposto contenuto 2">
+            <a:extLst>
+              <a:ext uri="{FF2B5EF4-FFF2-40B4-BE49-F238E27FC236}">
+                <a16:creationId xmlns:a16="http://schemas.microsoft.com/office/drawing/2014/main" id="{9964ED60-4162-4FF8-A2AB-8CAF75EC9B9C}"/>
+              </a:ext>
+            </a:extLst>
+          </p:cNvPr>
+          <p:cNvSpPr>
+            <a:spLocks noGrp="1"/>
+          </p:cNvSpPr>
+          <p:nvPr>
+            <p:ph idx="1"/>
+          </p:nvPr>
+        </p:nvSpPr>
+        <p:spPr/>
+        <p:txBody>
+          <a:bodyPr>
+            <a:normAutofit/>
+          </a:bodyPr>
+          <a:lstStyle/>
+          <a:p>
+            <a:pPr>
+              <a:buFont typeface="Wingdings" panose="05000000000000000000" pitchFamily="2" charset="2"/>
+              <a:buChar char="q"/>
+            </a:pPr>
+            <a:r>
+              <a:rPr lang="it-IT" dirty="0" err="1"/>
+              <a:t>AuthUtils</a:t>
+            </a:r>
+            <a:endParaRPr lang="it-IT" dirty="0"/>
+          </a:p>
+          <a:p>
+            <a:pPr>
+              <a:buFont typeface="Wingdings" panose="05000000000000000000" pitchFamily="2" charset="2"/>
+              <a:buChar char="q"/>
+            </a:pPr>
+            <a:r>
+              <a:rPr lang="it-IT" dirty="0" err="1"/>
+              <a:t>DBConnectionProvider</a:t>
+            </a:r>
+            <a:endParaRPr lang="it-IT" dirty="0"/>
+          </a:p>
+          <a:p>
+            <a:pPr>
+              <a:buFont typeface="Wingdings" panose="05000000000000000000" pitchFamily="2" charset="2"/>
+              <a:buChar char="q"/>
+            </a:pPr>
+            <a:r>
+              <a:rPr lang="it-IT" dirty="0" err="1"/>
+              <a:t>TemplateEngineProvider</a:t>
+            </a:r>
+            <a:endParaRPr lang="it-IT" dirty="0"/>
+          </a:p>
+          <a:p>
+            <a:pPr>
+              <a:buFont typeface="Wingdings" panose="05000000000000000000" pitchFamily="2" charset="2"/>
+              <a:buChar char="q"/>
+            </a:pPr>
+            <a:r>
+              <a:rPr lang="it-IT" dirty="0" err="1"/>
+              <a:t>OrderUtils</a:t>
+            </a:r>
+            <a:endParaRPr lang="it-IT" dirty="0"/>
+          </a:p>
+        </p:txBody>
+      </p:sp>
+    </p:spTree>
+    <p:extLst>
+      <p:ext uri="{BB962C8B-B14F-4D97-AF65-F5344CB8AC3E}">
+        <p14:creationId xmlns:p14="http://schemas.microsoft.com/office/powerpoint/2010/main" val="677287941"/>
+      </p:ext>
+    </p:extLst>
+  </p:cSld>
+  <p:clrMapOvr>
+    <a:masterClrMapping/>
+  </p:clrMapOvr>
+</p:sld>
+</file>
+
+<file path=ppt/slides/slide25.xml><?xml version="1.0" encoding="utf-8"?>
+<p:sld xmlns:a="http://schemas.openxmlformats.org/drawingml/2006/main" xmlns:r="http://schemas.openxmlformats.org/officeDocument/2006/relationships" xmlns:p="http://schemas.openxmlformats.org/presentationml/2006/main">
+  <p:cSld>
+    <p:spTree>
+      <p:nvGrpSpPr>
+        <p:cNvPr id="1" name=""/>
+        <p:cNvGrpSpPr/>
+        <p:nvPr/>
+      </p:nvGrpSpPr>
+      <p:grpSpPr>
+        <a:xfrm>
+          <a:off x="0" y="0"/>
+          <a:ext cx="0" cy="0"/>
+          <a:chOff x="0" y="0"/>
+          <a:chExt cx="0" cy="0"/>
+        </a:xfrm>
+      </p:grpSpPr>
+      <p:sp>
+        <p:nvSpPr>
+          <p:cNvPr id="2" name="Titolo 1">
+            <a:extLst>
+              <a:ext uri="{FF2B5EF4-FFF2-40B4-BE49-F238E27FC236}">
+                <a16:creationId xmlns:a16="http://schemas.microsoft.com/office/drawing/2014/main" id="{6B0E847F-33A2-4DFD-8A08-B5D9B87E2859}"/>
+              </a:ext>
+            </a:extLst>
+          </p:cNvPr>
+          <p:cNvSpPr>
+            <a:spLocks noGrp="1"/>
+          </p:cNvSpPr>
+          <p:nvPr>
+            <p:ph type="title"/>
+          </p:nvPr>
+        </p:nvSpPr>
+        <p:spPr/>
+        <p:txBody>
+          <a:bodyPr>
+            <a:normAutofit/>
+          </a:bodyPr>
+          <a:lstStyle/>
+          <a:p>
+            <a:r>
+              <a:rPr lang="it-IT" sz="4000" b="1" dirty="0">
+                <a:latin typeface="Hind"/>
+              </a:rPr>
+              <a:t>Specifiche del progetto - </a:t>
+            </a:r>
+            <a:r>
+              <a:rPr lang="it-IT" sz="4000" i="0" u="none" strike="noStrike" dirty="0">
+                <a:effectLst/>
+                <a:latin typeface="Hind"/>
+              </a:rPr>
+              <a:t>Versione con JavaScript</a:t>
+            </a:r>
+            <a:endParaRPr lang="it-IT" sz="4000" b="1" dirty="0">
+              <a:latin typeface="Hind"/>
+            </a:endParaRPr>
+          </a:p>
+        </p:txBody>
+      </p:sp>
+      <p:sp>
+        <p:nvSpPr>
+          <p:cNvPr id="3" name="Segnaposto contenuto 2">
+            <a:extLst>
+              <a:ext uri="{FF2B5EF4-FFF2-40B4-BE49-F238E27FC236}">
+                <a16:creationId xmlns:a16="http://schemas.microsoft.com/office/drawing/2014/main" id="{B629B385-86A1-4554-B7DA-7CB9F13052EF}"/>
+              </a:ext>
+            </a:extLst>
+          </p:cNvPr>
+          <p:cNvSpPr>
+            <a:spLocks noGrp="1"/>
+          </p:cNvSpPr>
+          <p:nvPr>
+            <p:ph idx="1"/>
+          </p:nvPr>
+        </p:nvSpPr>
+        <p:spPr>
+          <a:xfrm>
+            <a:off x="838200" y="1825624"/>
+            <a:ext cx="10515600" cy="4667251"/>
+          </a:xfrm>
+        </p:spPr>
+        <p:txBody>
+          <a:bodyPr>
+            <a:normAutofit/>
+          </a:bodyPr>
+          <a:lstStyle/>
+          <a:p>
+            <a:pPr algn="just">
+              <a:lnSpc>
+                <a:spcPct val="115000"/>
+              </a:lnSpc>
+              <a:spcAft>
+                <a:spcPts val="1000"/>
+              </a:spcAft>
+            </a:pPr>
+            <a:r>
+              <a:rPr lang="it-IT" sz="1800" dirty="0">
+                <a:solidFill>
+                  <a:srgbClr val="000000"/>
+                </a:solidFill>
+                <a:effectLst/>
+                <a:latin typeface="Calibri" panose="020F0502020204030204" pitchFamily="34" charset="0"/>
+                <a:ea typeface="Times New Roman" panose="02020603050405020304" pitchFamily="18" charset="0"/>
+                <a:cs typeface="Calibri" panose="020F0502020204030204" pitchFamily="34" charset="0"/>
+              </a:rPr>
+              <a:t>Si realizzi un’applicazione client server web che modifica le specifiche precedenti come segue:</a:t>
+            </a:r>
+            <a:endParaRPr lang="it-IT" sz="1800" dirty="0">
+              <a:effectLst/>
+              <a:latin typeface="Calibri" panose="020F0502020204030204" pitchFamily="34" charset="0"/>
+              <a:ea typeface="Calibri" panose="020F0502020204030204" pitchFamily="34" charset="0"/>
+              <a:cs typeface="Times New Roman" panose="02020603050405020304" pitchFamily="18" charset="0"/>
+            </a:endParaRPr>
+          </a:p>
+          <a:p>
+            <a:pPr marL="342900" lvl="0" indent="-342900" algn="just" fontAlgn="base">
+              <a:lnSpc>
+                <a:spcPct val="115000"/>
+              </a:lnSpc>
+              <a:spcAft>
+                <a:spcPts val="1000"/>
+              </a:spcAft>
+              <a:buSzPts val="1000"/>
+              <a:buFont typeface="Symbol" panose="05050102010706020507" pitchFamily="18" charset="2"/>
+              <a:buChar char=""/>
+              <a:tabLst>
+                <a:tab pos="457200" algn="l"/>
+              </a:tabLst>
+            </a:pPr>
+            <a:r>
+              <a:rPr lang="it-IT" sz="1800" dirty="0">
+                <a:solidFill>
+                  <a:srgbClr val="000000"/>
+                </a:solidFill>
+                <a:effectLst/>
+                <a:latin typeface="Calibri" panose="020F0502020204030204" pitchFamily="34" charset="0"/>
+                <a:ea typeface="Times New Roman" panose="02020603050405020304" pitchFamily="18" charset="0"/>
+                <a:cs typeface="Calibri" panose="020F0502020204030204" pitchFamily="34" charset="0"/>
+              </a:rPr>
+              <a:t>Dopo il login dell’utente, l’intera applicazione è realizzata con un’unica pagina.</a:t>
+            </a:r>
+            <a:endParaRPr lang="it-IT" sz="1800" dirty="0">
+              <a:effectLst/>
+              <a:latin typeface="Calibri" panose="020F0502020204030204" pitchFamily="34" charset="0"/>
+              <a:ea typeface="Calibri" panose="020F0502020204030204" pitchFamily="34" charset="0"/>
+              <a:cs typeface="Times New Roman" panose="02020603050405020304" pitchFamily="18" charset="0"/>
+            </a:endParaRPr>
+          </a:p>
+          <a:p>
+            <a:pPr marL="342900" lvl="0" indent="-342900" algn="just" fontAlgn="base">
+              <a:lnSpc>
+                <a:spcPct val="115000"/>
+              </a:lnSpc>
+              <a:spcAft>
+                <a:spcPts val="1000"/>
+              </a:spcAft>
+              <a:buSzPts val="1000"/>
+              <a:buFont typeface="Symbol" panose="05050102010706020507" pitchFamily="18" charset="2"/>
+              <a:buChar char=""/>
+              <a:tabLst>
+                <a:tab pos="457200" algn="l"/>
+              </a:tabLst>
+            </a:pPr>
+            <a:r>
+              <a:rPr lang="it-IT" sz="1800" dirty="0">
+                <a:solidFill>
+                  <a:srgbClr val="000000"/>
+                </a:solidFill>
+                <a:effectLst/>
+                <a:latin typeface="Calibri" panose="020F0502020204030204" pitchFamily="34" charset="0"/>
+                <a:ea typeface="Times New Roman" panose="02020603050405020304" pitchFamily="18" charset="0"/>
+                <a:cs typeface="Calibri" panose="020F0502020204030204" pitchFamily="34" charset="0"/>
+              </a:rPr>
+              <a:t>Ogni interazione dell’utente è gestita senza ricaricare </a:t>
+            </a:r>
+            <a:r>
+              <a:rPr lang="it-IT" sz="1800" u="sng" dirty="0">
+                <a:solidFill>
+                  <a:srgbClr val="000000"/>
+                </a:solidFill>
+                <a:effectLst/>
+                <a:latin typeface="Calibri" panose="020F0502020204030204" pitchFamily="34" charset="0"/>
+                <a:ea typeface="Times New Roman" panose="02020603050405020304" pitchFamily="18" charset="0"/>
+                <a:cs typeface="Calibri" panose="020F0502020204030204" pitchFamily="34" charset="0"/>
+              </a:rPr>
+              <a:t>completamente</a:t>
+            </a:r>
+            <a:r>
+              <a:rPr lang="it-IT" sz="1800" dirty="0">
+                <a:solidFill>
+                  <a:srgbClr val="000000"/>
+                </a:solidFill>
+                <a:effectLst/>
+                <a:latin typeface="Calibri" panose="020F0502020204030204" pitchFamily="34" charset="0"/>
+                <a:ea typeface="Times New Roman" panose="02020603050405020304" pitchFamily="18" charset="0"/>
+                <a:cs typeface="Calibri" panose="020F0502020204030204" pitchFamily="34" charset="0"/>
+              </a:rPr>
+              <a:t> la pagina, ma produce l’invocazione asincrona del server e l’eventuale modifica del contenuto da aggiornare a seguito dell’evento.</a:t>
+            </a:r>
+            <a:endParaRPr lang="it-IT" sz="1800" dirty="0">
+              <a:effectLst/>
+              <a:latin typeface="Calibri" panose="020F0502020204030204" pitchFamily="34" charset="0"/>
+              <a:ea typeface="Calibri" panose="020F0502020204030204" pitchFamily="34" charset="0"/>
+              <a:cs typeface="Times New Roman" panose="02020603050405020304" pitchFamily="18" charset="0"/>
+            </a:endParaRPr>
+          </a:p>
+          <a:p>
+            <a:pPr marL="342900" lvl="0" indent="-342900" algn="just" fontAlgn="base">
+              <a:lnSpc>
+                <a:spcPct val="115000"/>
+              </a:lnSpc>
+              <a:spcAft>
+                <a:spcPts val="1000"/>
+              </a:spcAft>
+              <a:buSzPts val="1000"/>
+              <a:buFont typeface="Symbol" panose="05050102010706020507" pitchFamily="18" charset="2"/>
+              <a:buChar char=""/>
+              <a:tabLst>
+                <a:tab pos="457200" algn="l"/>
+              </a:tabLst>
+            </a:pPr>
+            <a:r>
+              <a:rPr lang="it-IT" sz="1800" dirty="0">
+                <a:solidFill>
+                  <a:srgbClr val="000000"/>
+                </a:solidFill>
+                <a:effectLst/>
+                <a:latin typeface="Calibri" panose="020F0502020204030204" pitchFamily="34" charset="0"/>
+                <a:ea typeface="Times New Roman" panose="02020603050405020304" pitchFamily="18" charset="0"/>
+                <a:cs typeface="Calibri" panose="020F0502020204030204" pitchFamily="34" charset="0"/>
+              </a:rPr>
+              <a:t>L’applicazione memorizza il contenuto del carrello a lato client.</a:t>
+            </a:r>
+            <a:endParaRPr lang="it-IT" sz="1800" dirty="0">
+              <a:effectLst/>
+              <a:latin typeface="Calibri" panose="020F0502020204030204" pitchFamily="34" charset="0"/>
+              <a:ea typeface="Calibri" panose="020F0502020204030204" pitchFamily="34" charset="0"/>
+              <a:cs typeface="Times New Roman" panose="02020603050405020304" pitchFamily="18" charset="0"/>
+            </a:endParaRPr>
+          </a:p>
+          <a:p>
+            <a:pPr marL="342900" lvl="0" indent="-342900" algn="just" fontAlgn="base">
+              <a:lnSpc>
+                <a:spcPct val="115000"/>
+              </a:lnSpc>
+              <a:spcAft>
+                <a:spcPts val="1000"/>
+              </a:spcAft>
+              <a:buSzPts val="1000"/>
+              <a:buFont typeface="Symbol" panose="05050102010706020507" pitchFamily="18" charset="2"/>
+              <a:buChar char=""/>
+              <a:tabLst>
+                <a:tab pos="457200" algn="l"/>
+              </a:tabLst>
+            </a:pPr>
+            <a:r>
+              <a:rPr lang="it-IT" sz="1800" dirty="0">
+                <a:solidFill>
+                  <a:srgbClr val="000000"/>
+                </a:solidFill>
+                <a:effectLst/>
+                <a:latin typeface="Calibri" panose="020F0502020204030204" pitchFamily="34" charset="0"/>
+                <a:ea typeface="Times New Roman" panose="02020603050405020304" pitchFamily="18" charset="0"/>
+                <a:cs typeface="Calibri" panose="020F0502020204030204" pitchFamily="34" charset="0"/>
+              </a:rPr>
+              <a:t>Nella pagina RISULTATI l’elenco dettagliato degli articoli già nel carrello da parte di un fornitore compare mediante una finestra sovrapposta quando si passa con il mouse sopra il numero che indica quanti articoli del medesimo fornitore sono già nel carrello.</a:t>
+            </a:r>
+            <a:endParaRPr lang="it-IT" sz="1800" dirty="0">
+              <a:effectLst/>
+              <a:latin typeface="Calibri" panose="020F0502020204030204" pitchFamily="34" charset="0"/>
+              <a:ea typeface="Calibri" panose="020F0502020204030204" pitchFamily="34" charset="0"/>
+              <a:cs typeface="Times New Roman" panose="02020603050405020304" pitchFamily="18" charset="0"/>
+            </a:endParaRPr>
+          </a:p>
+        </p:txBody>
+      </p:sp>
+    </p:spTree>
+    <p:extLst>
+      <p:ext uri="{BB962C8B-B14F-4D97-AF65-F5344CB8AC3E}">
+        <p14:creationId xmlns:p14="http://schemas.microsoft.com/office/powerpoint/2010/main" val="1246041793"/>
       </p:ext>
     </p:extLst>
   </p:cSld>
@@ -6756,10 +9267,16 @@
               <a:t>Specifiche del progetto </a:t>
             </a:r>
             <a:r>
+              <a:rPr lang="it-IT" dirty="0">
+                <a:latin typeface="Hind"/>
+              </a:rPr>
+              <a:t>-</a:t>
+            </a:r>
+            <a:r>
               <a:rPr lang="it-IT" b="1" dirty="0">
                 <a:latin typeface="Hind"/>
               </a:rPr>
-              <a:t>- </a:t>
+              <a:t> </a:t>
             </a:r>
             <a:r>
               <a:rPr lang="it-IT" sz="4000" i="0" u="none" strike="noStrike" dirty="0">
@@ -7284,7 +9801,7 @@
           <p:cNvPr id="2" name="Titolo 1">
             <a:extLst>
               <a:ext uri="{FF2B5EF4-FFF2-40B4-BE49-F238E27FC236}">
-                <a16:creationId xmlns:a16="http://schemas.microsoft.com/office/drawing/2014/main" id="{5E693768-0A36-4D3E-9956-D29799316D24}"/>
+                <a16:creationId xmlns:a16="http://schemas.microsoft.com/office/drawing/2014/main" id="{04947483-483C-492A-91EB-2AC18F85D390}"/>
               </a:ext>
             </a:extLst>
           </p:cNvPr>
@@ -7297,65 +9814,90 @@
         </p:nvSpPr>
         <p:spPr/>
         <p:txBody>
-          <a:bodyPr>
-            <a:normAutofit/>
-          </a:bodyPr>
+          <a:bodyPr/>
           <a:lstStyle/>
           <a:p>
             <a:r>
               <a:rPr lang="it-IT" sz="4000" b="1" dirty="0">
                 <a:latin typeface="Hind"/>
               </a:rPr>
-              <a:t>Design del Database </a:t>
-            </a:r>
-            <a:r>
-              <a:rPr lang="it-IT" sz="4000" dirty="0">
-                <a:latin typeface="Hind"/>
-              </a:rPr>
-              <a:t>– Schema ER</a:t>
+              <a:t>Strumenti</a:t>
+            </a:r>
+            <a:r>
+              <a:rPr lang="it-IT" dirty="0"/>
+              <a:t> </a:t>
+            </a:r>
+            <a:r>
+              <a:rPr lang="it-IT" sz="4000" b="1" dirty="0">
+                <a:latin typeface="Hind"/>
+              </a:rPr>
+              <a:t>utilizzati</a:t>
             </a:r>
           </a:p>
         </p:txBody>
       </p:sp>
-      <p:pic>
-        <p:nvPicPr>
-          <p:cNvPr id="5" name="Segnaposto contenuto 4">
-            <a:extLst>
-              <a:ext uri="{FF2B5EF4-FFF2-40B4-BE49-F238E27FC236}">
-                <a16:creationId xmlns:a16="http://schemas.microsoft.com/office/drawing/2014/main" id="{63D55CB6-732D-495D-86D0-512917EF2F70}"/>
-              </a:ext>
-            </a:extLst>
-          </p:cNvPr>
-          <p:cNvPicPr>
-            <a:picLocks noGrp="1" noChangeAspect="1"/>
-          </p:cNvPicPr>
+      <p:sp>
+        <p:nvSpPr>
+          <p:cNvPr id="3" name="Segnaposto contenuto 2">
+            <a:extLst>
+              <a:ext uri="{FF2B5EF4-FFF2-40B4-BE49-F238E27FC236}">
+                <a16:creationId xmlns:a16="http://schemas.microsoft.com/office/drawing/2014/main" id="{5A5E5B2C-CAC2-4839-BC74-3C8BEC14A3F9}"/>
+              </a:ext>
+            </a:extLst>
+          </p:cNvPr>
+          <p:cNvSpPr>
+            <a:spLocks noGrp="1"/>
+          </p:cNvSpPr>
           <p:nvPr>
             <p:ph idx="1"/>
           </p:nvPr>
-        </p:nvPicPr>
-        <p:blipFill>
-          <a:blip r:embed="rId2">
-            <a:extLst>
-              <a:ext uri="{28A0092B-C50C-407E-A947-70E740481C1C}">
-                <a14:useLocalDpi xmlns:a14="http://schemas.microsoft.com/office/drawing/2010/main" val="0"/>
-              </a:ext>
-            </a:extLst>
-          </a:blip>
-          <a:stretch>
-            <a:fillRect/>
-          </a:stretch>
-        </p:blipFill>
-        <p:spPr>
-          <a:xfrm>
-            <a:off x="2354484" y="1405467"/>
-            <a:ext cx="7619250" cy="5286162"/>
-          </a:xfrm>
-        </p:spPr>
-      </p:pic>
+        </p:nvSpPr>
+        <p:spPr/>
+        <p:txBody>
+          <a:bodyPr/>
+          <a:lstStyle/>
+          <a:p>
+            <a:r>
+              <a:rPr lang="it-IT" dirty="0"/>
+              <a:t>Java: jdk-15.03</a:t>
+            </a:r>
+          </a:p>
+          <a:p>
+            <a:r>
+              <a:rPr lang="it-IT" dirty="0"/>
+              <a:t>Server: Tomcat 9 </a:t>
+            </a:r>
+          </a:p>
+          <a:p>
+            <a:r>
+              <a:rPr lang="it-IT" dirty="0"/>
+              <a:t>Database: MySQL</a:t>
+            </a:r>
+          </a:p>
+          <a:p>
+            <a:r>
+              <a:rPr lang="it-IT" dirty="0" err="1"/>
+              <a:t>Templating</a:t>
+            </a:r>
+            <a:r>
+              <a:rPr lang="it-IT" dirty="0"/>
+              <a:t>: </a:t>
+            </a:r>
+            <a:r>
+              <a:rPr lang="it-IT" dirty="0" err="1"/>
+              <a:t>Thymeleaf</a:t>
+            </a:r>
+            <a:r>
+              <a:rPr lang="it-IT" dirty="0"/>
+              <a:t> 3 – JavaScript </a:t>
+            </a:r>
+          </a:p>
+        </p:txBody>
+      </p:sp>
     </p:spTree>
     <p:extLst>
       <p:ext uri="{BB962C8B-B14F-4D97-AF65-F5344CB8AC3E}">
-        <p14:creationId xmlns:p14="http://schemas.microsoft.com/office/powerpoint/2010/main" val="2680103403"/>
+        <p14:creationId xmlns:p14="http://schemas.microsoft.com/office/powerpoint/2010/main" val="1699271434"/>
       </p:ext>
     </p:extLst>
   </p:cSld>
@@ -7387,7 +9929,7 @@
           <p:cNvPr id="2" name="Titolo 1">
             <a:extLst>
               <a:ext uri="{FF2B5EF4-FFF2-40B4-BE49-F238E27FC236}">
-                <a16:creationId xmlns:a16="http://schemas.microsoft.com/office/drawing/2014/main" id="{21046205-7257-47FD-A07F-1B1048C90351}"/>
+                <a16:creationId xmlns:a16="http://schemas.microsoft.com/office/drawing/2014/main" id="{5E693768-0A36-4D3E-9956-D29799316D24}"/>
               </a:ext>
             </a:extLst>
           </p:cNvPr>
@@ -7412,351 +9954,53 @@
               <a:t>Design del Database </a:t>
             </a:r>
             <a:r>
-              <a:rPr lang="it-IT" sz="4000" dirty="0"/>
-              <a:t>– </a:t>
-            </a:r>
-            <a:r>
               <a:rPr lang="it-IT" sz="4000" dirty="0">
                 <a:latin typeface="Hind"/>
               </a:rPr>
-              <a:t>Definizione delle tabelle</a:t>
+              <a:t>– Schema ER</a:t>
             </a:r>
           </a:p>
         </p:txBody>
       </p:sp>
-      <p:sp>
-        <p:nvSpPr>
-          <p:cNvPr id="3" name="Segnaposto contenuto 2">
-            <a:extLst>
-              <a:ext uri="{FF2B5EF4-FFF2-40B4-BE49-F238E27FC236}">
-                <a16:creationId xmlns:a16="http://schemas.microsoft.com/office/drawing/2014/main" id="{80869FFB-E925-4364-8C80-6479C4DD48B5}"/>
-              </a:ext>
-            </a:extLst>
-          </p:cNvPr>
-          <p:cNvSpPr>
-            <a:spLocks noGrp="1"/>
-          </p:cNvSpPr>
+      <p:pic>
+        <p:nvPicPr>
+          <p:cNvPr id="5" name="Segnaposto contenuto 4">
+            <a:extLst>
+              <a:ext uri="{FF2B5EF4-FFF2-40B4-BE49-F238E27FC236}">
+                <a16:creationId xmlns:a16="http://schemas.microsoft.com/office/drawing/2014/main" id="{63D55CB6-732D-495D-86D0-512917EF2F70}"/>
+              </a:ext>
+            </a:extLst>
+          </p:cNvPr>
+          <p:cNvPicPr>
+            <a:picLocks noGrp="1" noChangeAspect="1"/>
+          </p:cNvPicPr>
           <p:nvPr>
             <p:ph idx="1"/>
           </p:nvPr>
-        </p:nvSpPr>
-        <p:spPr/>
-        <p:txBody>
-          <a:bodyPr>
-            <a:normAutofit/>
-          </a:bodyPr>
-          <a:lstStyle/>
-          <a:p>
-            <a:pPr marL="0" indent="0">
-              <a:buNone/>
-            </a:pPr>
-            <a:r>
-              <a:rPr lang="it-IT" sz="1800" dirty="0">
-                <a:solidFill>
-                  <a:srgbClr val="000000"/>
-                </a:solidFill>
-                <a:latin typeface="Calibri" panose="020F0502020204030204" pitchFamily="34" charset="0"/>
-                <a:ea typeface="Times New Roman" panose="02020603050405020304" pitchFamily="18" charset="0"/>
-              </a:rPr>
-              <a:t>«U</a:t>
-            </a:r>
-            <a:r>
-              <a:rPr lang="it-IT" sz="1800" dirty="0">
-                <a:solidFill>
-                  <a:srgbClr val="000000"/>
-                </a:solidFill>
-                <a:effectLst/>
-                <a:latin typeface="Calibri" panose="020F0502020204030204" pitchFamily="34" charset="0"/>
-                <a:ea typeface="Times New Roman" panose="02020603050405020304" pitchFamily="18" charset="0"/>
-              </a:rPr>
-              <a:t>n </a:t>
-            </a:r>
-            <a:r>
-              <a:rPr lang="it-IT" sz="1800" b="1" dirty="0">
-                <a:solidFill>
-                  <a:srgbClr val="FFC000"/>
-                </a:solidFill>
-                <a:effectLst/>
-                <a:latin typeface="Calibri" panose="020F0502020204030204" pitchFamily="34" charset="0"/>
-                <a:ea typeface="Times New Roman" panose="02020603050405020304" pitchFamily="18" charset="0"/>
-              </a:rPr>
-              <a:t>articolo</a:t>
-            </a:r>
-            <a:r>
-              <a:rPr lang="it-IT" sz="1800" dirty="0">
-                <a:solidFill>
-                  <a:srgbClr val="000000"/>
-                </a:solidFill>
-                <a:effectLst/>
-                <a:latin typeface="Calibri" panose="020F0502020204030204" pitchFamily="34" charset="0"/>
-                <a:ea typeface="Times New Roman" panose="02020603050405020304" pitchFamily="18" charset="0"/>
-              </a:rPr>
-              <a:t> ha un </a:t>
-            </a:r>
-            <a:r>
-              <a:rPr lang="it-IT" sz="1800" dirty="0">
-                <a:solidFill>
-                  <a:srgbClr val="FF0000"/>
-                </a:solidFill>
-                <a:effectLst/>
-                <a:latin typeface="Calibri" panose="020F0502020204030204" pitchFamily="34" charset="0"/>
-                <a:ea typeface="Times New Roman" panose="02020603050405020304" pitchFamily="18" charset="0"/>
-              </a:rPr>
-              <a:t>codice</a:t>
-            </a:r>
-            <a:r>
-              <a:rPr lang="it-IT" sz="1800" dirty="0">
-                <a:solidFill>
-                  <a:srgbClr val="000000"/>
-                </a:solidFill>
-                <a:effectLst/>
-                <a:latin typeface="Calibri" panose="020F0502020204030204" pitchFamily="34" charset="0"/>
-                <a:ea typeface="Times New Roman" panose="02020603050405020304" pitchFamily="18" charset="0"/>
-              </a:rPr>
-              <a:t> (campo chiave), un </a:t>
-            </a:r>
-            <a:r>
-              <a:rPr lang="it-IT" sz="1800" dirty="0">
-                <a:solidFill>
-                  <a:srgbClr val="FF0000"/>
-                </a:solidFill>
-                <a:effectLst/>
-                <a:latin typeface="Calibri" panose="020F0502020204030204" pitchFamily="34" charset="0"/>
-                <a:ea typeface="Times New Roman" panose="02020603050405020304" pitchFamily="18" charset="0"/>
-              </a:rPr>
-              <a:t>nome</a:t>
-            </a:r>
-            <a:r>
-              <a:rPr lang="it-IT" sz="1800" dirty="0">
-                <a:solidFill>
-                  <a:srgbClr val="000000"/>
-                </a:solidFill>
-                <a:effectLst/>
-                <a:latin typeface="Calibri" panose="020F0502020204030204" pitchFamily="34" charset="0"/>
-                <a:ea typeface="Times New Roman" panose="02020603050405020304" pitchFamily="18" charset="0"/>
-              </a:rPr>
-              <a:t>, una </a:t>
-            </a:r>
-            <a:r>
-              <a:rPr lang="it-IT" sz="1800" dirty="0">
-                <a:solidFill>
-                  <a:srgbClr val="FF0000"/>
-                </a:solidFill>
-                <a:effectLst/>
-                <a:latin typeface="Calibri" panose="020F0502020204030204" pitchFamily="34" charset="0"/>
-                <a:ea typeface="Times New Roman" panose="02020603050405020304" pitchFamily="18" charset="0"/>
-              </a:rPr>
-              <a:t>descrizione</a:t>
-            </a:r>
-            <a:r>
-              <a:rPr lang="it-IT" sz="1800" dirty="0">
-                <a:solidFill>
-                  <a:srgbClr val="000000"/>
-                </a:solidFill>
-                <a:effectLst/>
-                <a:latin typeface="Calibri" panose="020F0502020204030204" pitchFamily="34" charset="0"/>
-                <a:ea typeface="Times New Roman" panose="02020603050405020304" pitchFamily="18" charset="0"/>
-              </a:rPr>
-              <a:t>, una </a:t>
-            </a:r>
-            <a:r>
-              <a:rPr lang="it-IT" sz="1800" dirty="0">
-                <a:solidFill>
-                  <a:srgbClr val="FF0000"/>
-                </a:solidFill>
-                <a:effectLst/>
-                <a:latin typeface="Calibri" panose="020F0502020204030204" pitchFamily="34" charset="0"/>
-                <a:ea typeface="Times New Roman" panose="02020603050405020304" pitchFamily="18" charset="0"/>
-              </a:rPr>
-              <a:t>categoria</a:t>
-            </a:r>
-            <a:r>
-              <a:rPr lang="it-IT" sz="1800" dirty="0">
-                <a:solidFill>
-                  <a:srgbClr val="000000"/>
-                </a:solidFill>
-                <a:effectLst/>
-                <a:latin typeface="Calibri" panose="020F0502020204030204" pitchFamily="34" charset="0"/>
-                <a:ea typeface="Times New Roman" panose="02020603050405020304" pitchFamily="18" charset="0"/>
-              </a:rPr>
-              <a:t> </a:t>
-            </a:r>
-            <a:r>
-              <a:rPr lang="it-IT" sz="1800" dirty="0">
-                <a:solidFill>
-                  <a:srgbClr val="FF0000"/>
-                </a:solidFill>
-                <a:effectLst/>
-                <a:latin typeface="Calibri" panose="020F0502020204030204" pitchFamily="34" charset="0"/>
-                <a:ea typeface="Times New Roman" panose="02020603050405020304" pitchFamily="18" charset="0"/>
-              </a:rPr>
-              <a:t>merceologica</a:t>
-            </a:r>
-            <a:r>
-              <a:rPr lang="it-IT" sz="1800" dirty="0">
-                <a:solidFill>
-                  <a:srgbClr val="000000"/>
-                </a:solidFill>
-                <a:effectLst/>
-                <a:latin typeface="Calibri" panose="020F0502020204030204" pitchFamily="34" charset="0"/>
-                <a:ea typeface="Times New Roman" panose="02020603050405020304" pitchFamily="18" charset="0"/>
-              </a:rPr>
-              <a:t> e una </a:t>
-            </a:r>
-            <a:r>
-              <a:rPr lang="it-IT" sz="1800" dirty="0">
-                <a:solidFill>
-                  <a:srgbClr val="FF0000"/>
-                </a:solidFill>
-                <a:effectLst/>
-                <a:latin typeface="Calibri" panose="020F0502020204030204" pitchFamily="34" charset="0"/>
-                <a:ea typeface="Times New Roman" panose="02020603050405020304" pitchFamily="18" charset="0"/>
-              </a:rPr>
-              <a:t>foto</a:t>
-            </a:r>
-            <a:r>
-              <a:rPr lang="it-IT" sz="1800" dirty="0">
-                <a:solidFill>
-                  <a:srgbClr val="000000"/>
-                </a:solidFill>
-                <a:effectLst/>
-                <a:latin typeface="Calibri" panose="020F0502020204030204" pitchFamily="34" charset="0"/>
-                <a:ea typeface="Times New Roman" panose="02020603050405020304" pitchFamily="18" charset="0"/>
-              </a:rPr>
-              <a:t>.»</a:t>
-            </a:r>
-            <a:endParaRPr lang="it-IT" sz="1800" dirty="0">
-              <a:latin typeface="Hind"/>
-              <a:ea typeface="+mj-ea"/>
-              <a:cs typeface="+mj-cs"/>
-            </a:endParaRPr>
-          </a:p>
-          <a:p>
-            <a:pPr marL="0" indent="0">
-              <a:buNone/>
-            </a:pPr>
-            <a:endParaRPr lang="en-US" sz="1800" dirty="0">
-              <a:latin typeface="Hind"/>
-              <a:ea typeface="+mj-ea"/>
-              <a:cs typeface="+mj-cs"/>
-            </a:endParaRPr>
-          </a:p>
-          <a:p>
-            <a:pPr marL="0" indent="0">
-              <a:buNone/>
-            </a:pPr>
-            <a:r>
-              <a:rPr lang="en-US" sz="1800" dirty="0">
-                <a:latin typeface="Hind"/>
-                <a:ea typeface="+mj-ea"/>
-                <a:cs typeface="+mj-cs"/>
-              </a:rPr>
-              <a:t>CREATE TABLE IF NOT EXISTS `</a:t>
-            </a:r>
-            <a:r>
-              <a:rPr lang="en-US" sz="1800" dirty="0">
-                <a:solidFill>
-                  <a:srgbClr val="FFC000"/>
-                </a:solidFill>
-                <a:latin typeface="Hind"/>
-                <a:ea typeface="+mj-ea"/>
-                <a:cs typeface="+mj-cs"/>
-              </a:rPr>
-              <a:t>item</a:t>
-            </a:r>
-            <a:r>
-              <a:rPr lang="en-US" sz="1800" dirty="0">
-                <a:latin typeface="Hind"/>
-                <a:ea typeface="+mj-ea"/>
-                <a:cs typeface="+mj-cs"/>
-              </a:rPr>
-              <a:t>` (  </a:t>
-            </a:r>
-          </a:p>
-          <a:p>
-            <a:pPr marL="0" indent="0">
-              <a:buNone/>
-            </a:pPr>
-            <a:r>
-              <a:rPr lang="en-US" sz="1800" dirty="0">
-                <a:latin typeface="Hind"/>
-                <a:ea typeface="+mj-ea"/>
-                <a:cs typeface="+mj-cs"/>
-              </a:rPr>
-              <a:t>`id` INT NOT NULL AUTO_INCREMENT,  </a:t>
-            </a:r>
-          </a:p>
-          <a:p>
-            <a:pPr marL="0" indent="0">
-              <a:buNone/>
-            </a:pPr>
-            <a:r>
-              <a:rPr lang="en-US" sz="1800" dirty="0">
-                <a:latin typeface="Hind"/>
-                <a:ea typeface="+mj-ea"/>
-                <a:cs typeface="+mj-cs"/>
-              </a:rPr>
-              <a:t>`name` VARCHAR(45) NOT NULL,  </a:t>
-            </a:r>
-          </a:p>
-          <a:p>
-            <a:pPr marL="0" indent="0">
-              <a:buNone/>
-            </a:pPr>
-            <a:r>
-              <a:rPr lang="en-US" sz="1800" dirty="0">
-                <a:latin typeface="Hind"/>
-                <a:ea typeface="+mj-ea"/>
-                <a:cs typeface="+mj-cs"/>
-              </a:rPr>
-              <a:t>`description` TEXT NOT NULL,  </a:t>
-            </a:r>
-          </a:p>
-          <a:p>
-            <a:pPr marL="0" indent="0">
-              <a:buNone/>
-            </a:pPr>
-            <a:r>
-              <a:rPr lang="en-US" sz="1800" dirty="0">
-                <a:latin typeface="Hind"/>
-                <a:ea typeface="+mj-ea"/>
-                <a:cs typeface="+mj-cs"/>
-              </a:rPr>
-              <a:t>`category` LONGTEXT NOT NULL,  </a:t>
-            </a:r>
-          </a:p>
-          <a:p>
-            <a:pPr marL="0" indent="0">
-              <a:buNone/>
-            </a:pPr>
-            <a:r>
-              <a:rPr lang="en-US" sz="1800" dirty="0">
-                <a:latin typeface="Hind"/>
-                <a:ea typeface="+mj-ea"/>
-                <a:cs typeface="+mj-cs"/>
-              </a:rPr>
-              <a:t>`picture` VARCHAR(45) NOT NULL,  </a:t>
-            </a:r>
-          </a:p>
-          <a:p>
-            <a:pPr marL="0" indent="0">
-              <a:buNone/>
-            </a:pPr>
-            <a:r>
-              <a:rPr lang="en-US" sz="1800" dirty="0">
-                <a:latin typeface="Hind"/>
-                <a:ea typeface="+mj-ea"/>
-                <a:cs typeface="+mj-cs"/>
-              </a:rPr>
-              <a:t>PRIMARY KEY (`id`))</a:t>
-            </a:r>
-          </a:p>
-        </p:txBody>
-      </p:sp>
+        </p:nvPicPr>
+        <p:blipFill>
+          <a:blip r:embed="rId2">
+            <a:extLst>
+              <a:ext uri="{28A0092B-C50C-407E-A947-70E740481C1C}">
+                <a14:useLocalDpi xmlns:a14="http://schemas.microsoft.com/office/drawing/2010/main" val="0"/>
+              </a:ext>
+            </a:extLst>
+          </a:blip>
+          <a:stretch>
+            <a:fillRect/>
+          </a:stretch>
+        </p:blipFill>
+        <p:spPr>
+          <a:xfrm>
+            <a:off x="2354484" y="1405467"/>
+            <a:ext cx="7619250" cy="5286162"/>
+          </a:xfrm>
+        </p:spPr>
+      </p:pic>
     </p:spTree>
     <p:extLst>
       <p:ext uri="{BB962C8B-B14F-4D97-AF65-F5344CB8AC3E}">
-        <p14:creationId xmlns:p14="http://schemas.microsoft.com/office/powerpoint/2010/main" val="1886747928"/>
+        <p14:creationId xmlns:p14="http://schemas.microsoft.com/office/powerpoint/2010/main" val="2680103403"/>
       </p:ext>
     </p:extLst>
   </p:cSld>
@@ -7856,11 +10100,21 @@
                 <a:solidFill>
                   <a:srgbClr val="000000"/>
                 </a:solidFill>
-                <a:effectLst/>
-                <a:latin typeface="Calibri" panose="020F0502020204030204" pitchFamily="34" charset="0"/>
-                <a:ea typeface="Times New Roman" panose="02020603050405020304" pitchFamily="18" charset="0"/>
-              </a:rPr>
-              <a:t>«Un </a:t>
+                <a:latin typeface="Calibri" panose="020F0502020204030204" pitchFamily="34" charset="0"/>
+                <a:ea typeface="Times New Roman" panose="02020603050405020304" pitchFamily="18" charset="0"/>
+              </a:rPr>
+              <a:t>«U</a:t>
+            </a:r>
+            <a:r>
+              <a:rPr lang="it-IT" sz="1800" dirty="0">
+                <a:solidFill>
+                  <a:srgbClr val="000000"/>
+                </a:solidFill>
+                <a:effectLst/>
+                <a:latin typeface="Calibri" panose="020F0502020204030204" pitchFamily="34" charset="0"/>
+                <a:ea typeface="Times New Roman" panose="02020603050405020304" pitchFamily="18" charset="0"/>
+              </a:rPr>
+              <a:t>n </a:t>
             </a:r>
             <a:r>
               <a:rPr lang="it-IT" sz="1800" b="1" dirty="0">
@@ -7871,7 +10125,7 @@
                 <a:latin typeface="Calibri" panose="020F0502020204030204" pitchFamily="34" charset="0"/>
                 <a:ea typeface="Times New Roman" panose="02020603050405020304" pitchFamily="18" charset="0"/>
               </a:rPr>
-              <a:t>fornitore</a:t>
+              <a:t>articolo</a:t>
             </a:r>
             <a:r>
               <a:rPr lang="it-IT" sz="1800" dirty="0">
@@ -7904,7 +10158,7 @@
                 <a:latin typeface="Calibri" panose="020F0502020204030204" pitchFamily="34" charset="0"/>
                 <a:ea typeface="Times New Roman" panose="02020603050405020304" pitchFamily="18" charset="0"/>
               </a:rPr>
-              <a:t>, un </a:t>
+              <a:t> (campo chiave), un </a:t>
             </a:r>
             <a:r>
               <a:rPr lang="it-IT" sz="1800" dirty="0">
@@ -7937,7 +10191,7 @@
                 <a:latin typeface="Calibri" panose="020F0502020204030204" pitchFamily="34" charset="0"/>
                 <a:ea typeface="Times New Roman" panose="02020603050405020304" pitchFamily="18" charset="0"/>
               </a:rPr>
-              <a:t>valutazione</a:t>
+              <a:t>descrizione</a:t>
             </a:r>
             <a:r>
               <a:rPr lang="it-IT" sz="1800" dirty="0">
@@ -7948,46 +10202,65 @@
                 <a:latin typeface="Calibri" panose="020F0502020204030204" pitchFamily="34" charset="0"/>
                 <a:ea typeface="Times New Roman" panose="02020603050405020304" pitchFamily="18" charset="0"/>
               </a:rPr>
-              <a:t> da 1 a 5 stelle e una </a:t>
-            </a:r>
-            <a:r>
-              <a:rPr lang="it-IT" sz="1800" b="1" dirty="0">
-                <a:solidFill>
-                  <a:srgbClr val="FFC000"/>
-                </a:solidFill>
-                <a:effectLst/>
-                <a:latin typeface="Calibri" panose="020F0502020204030204" pitchFamily="34" charset="0"/>
-                <a:ea typeface="Times New Roman" panose="02020603050405020304" pitchFamily="18" charset="0"/>
-              </a:rPr>
-              <a:t>politica di spedizione</a:t>
-            </a:r>
-            <a:r>
-              <a:rPr lang="it-IT" sz="1800" b="1" dirty="0">
+              <a:t>, una </a:t>
+            </a:r>
+            <a:r>
+              <a:rPr lang="it-IT" sz="1800" dirty="0">
+                <a:solidFill>
+                  <a:srgbClr val="FF0000"/>
+                </a:solidFill>
+                <a:effectLst/>
+                <a:latin typeface="Calibri" panose="020F0502020204030204" pitchFamily="34" charset="0"/>
+                <a:ea typeface="Times New Roman" panose="02020603050405020304" pitchFamily="18" charset="0"/>
+              </a:rPr>
+              <a:t>categoria</a:t>
+            </a:r>
+            <a:r>
+              <a:rPr lang="it-IT" sz="1800" dirty="0">
                 <a:solidFill>
                   <a:srgbClr val="000000"/>
                 </a:solidFill>
-                <a:latin typeface="Calibri" panose="020F0502020204030204" pitchFamily="34" charset="0"/>
-                <a:ea typeface="Times New Roman" panose="02020603050405020304" pitchFamily="18" charset="0"/>
-              </a:rPr>
-              <a:t>.</a:t>
-            </a:r>
-          </a:p>
-          <a:p>
-            <a:pPr marL="0" indent="0">
-              <a:buNone/>
-            </a:pPr>
-            <a:r>
-              <a:rPr lang="it-IT" sz="1800" b="1" dirty="0">
+                <a:effectLst/>
+                <a:latin typeface="Calibri" panose="020F0502020204030204" pitchFamily="34" charset="0"/>
+                <a:ea typeface="Times New Roman" panose="02020603050405020304" pitchFamily="18" charset="0"/>
+              </a:rPr>
+              <a:t> </a:t>
+            </a:r>
+            <a:r>
+              <a:rPr lang="it-IT" sz="1800" dirty="0">
+                <a:solidFill>
+                  <a:srgbClr val="FF0000"/>
+                </a:solidFill>
+                <a:effectLst/>
+                <a:latin typeface="Calibri" panose="020F0502020204030204" pitchFamily="34" charset="0"/>
+                <a:ea typeface="Times New Roman" panose="02020603050405020304" pitchFamily="18" charset="0"/>
+              </a:rPr>
+              <a:t>merceologica</a:t>
+            </a:r>
+            <a:r>
+              <a:rPr lang="it-IT" sz="1800" dirty="0">
                 <a:solidFill>
                   <a:srgbClr val="000000"/>
                 </a:solidFill>
-                <a:latin typeface="Calibri" panose="020F0502020204030204" pitchFamily="34" charset="0"/>
-                <a:ea typeface="Times New Roman" panose="02020603050405020304" pitchFamily="18" charset="0"/>
-              </a:rPr>
-              <a:t> …</a:t>
-            </a:r>
-            <a:r>
-              <a:rPr lang="it-IT" sz="1800" b="1" dirty="0">
+                <a:effectLst/>
+                <a:latin typeface="Calibri" panose="020F0502020204030204" pitchFamily="34" charset="0"/>
+                <a:ea typeface="Times New Roman" panose="02020603050405020304" pitchFamily="18" charset="0"/>
+              </a:rPr>
+              <a:t> e una </a:t>
+            </a:r>
+            <a:r>
+              <a:rPr lang="it-IT" sz="1800" dirty="0">
+                <a:solidFill>
+                  <a:srgbClr val="FF0000"/>
+                </a:solidFill>
+                <a:effectLst/>
+                <a:latin typeface="Calibri" panose="020F0502020204030204" pitchFamily="34" charset="0"/>
+                <a:ea typeface="Times New Roman" panose="02020603050405020304" pitchFamily="18" charset="0"/>
+              </a:rPr>
+              <a:t>foto</a:t>
+            </a:r>
+            <a:r>
+              <a:rPr lang="it-IT" sz="1800" dirty="0">
                 <a:solidFill>
                   <a:srgbClr val="000000"/>
                 </a:solidFill>
@@ -7995,46 +10268,13 @@
                 <a:latin typeface="Calibri" panose="020F0502020204030204" pitchFamily="34" charset="0"/>
                 <a:ea typeface="Times New Roman" panose="02020603050405020304" pitchFamily="18" charset="0"/>
               </a:rPr>
-              <a:t>  </a:t>
-            </a:r>
-          </a:p>
-          <a:p>
-            <a:pPr marL="0" indent="0">
-              <a:buNone/>
-            </a:pPr>
-            <a:r>
-              <a:rPr lang="it-IT" sz="1800" dirty="0">
-                <a:solidFill>
-                  <a:srgbClr val="000000"/>
-                </a:solidFill>
-                <a:effectLst/>
-                <a:latin typeface="Calibri" panose="020F0502020204030204" pitchFamily="34" charset="0"/>
-                <a:ea typeface="Times New Roman" panose="02020603050405020304" pitchFamily="18" charset="0"/>
-              </a:rPr>
-              <a:t>Oltre alla fascia di spesa, il fornitore può anche indicare un importo in euro oltre al quale la </a:t>
-            </a:r>
-            <a:r>
-              <a:rPr lang="it-IT" sz="1800" dirty="0">
-                <a:solidFill>
-                  <a:srgbClr val="FF0000"/>
-                </a:solidFill>
-                <a:effectLst/>
-                <a:latin typeface="Calibri" panose="020F0502020204030204" pitchFamily="34" charset="0"/>
-                <a:ea typeface="Times New Roman" panose="02020603050405020304" pitchFamily="18" charset="0"/>
-              </a:rPr>
-              <a:t>spedizione è gratuita</a:t>
-            </a:r>
-            <a:r>
-              <a:rPr lang="it-IT" sz="1800" dirty="0">
-                <a:solidFill>
-                  <a:srgbClr val="000000"/>
-                </a:solidFill>
-                <a:effectLst/>
-                <a:latin typeface="Calibri" panose="020F0502020204030204" pitchFamily="34" charset="0"/>
-                <a:ea typeface="Times New Roman" panose="02020603050405020304" pitchFamily="18" charset="0"/>
-              </a:rPr>
               <a:t>.»</a:t>
             </a:r>
+            <a:endParaRPr lang="it-IT" sz="1800" dirty="0">
+              <a:latin typeface="Hind"/>
+              <a:ea typeface="+mj-ea"/>
+              <a:cs typeface="+mj-cs"/>
+            </a:endParaRPr>
           </a:p>
           <a:p>
             <a:pPr marL="0" indent="0">
@@ -8067,7 +10307,7 @@
                 <a:ea typeface="+mj-ea"/>
                 <a:cs typeface="+mj-cs"/>
               </a:rPr>
-              <a:t>vendor</a:t>
+              <a:t>item</a:t>
             </a:r>
             <a:r>
               <a:rPr lang="en-US" sz="1800" dirty="0">
@@ -8114,7 +10354,7 @@
                 <a:ea typeface="+mj-ea"/>
                 <a:cs typeface="+mj-cs"/>
               </a:rPr>
-              <a:t>`score` INT NOT NULL,  </a:t>
+              <a:t>`description` TEXT NOT NULL,  </a:t>
             </a:r>
           </a:p>
           <a:p>
@@ -8127,23 +10367,20 @@
                 <a:ea typeface="+mj-ea"/>
                 <a:cs typeface="+mj-cs"/>
               </a:rPr>
-              <a:t>`</a:t>
-            </a:r>
-            <a:r>
-              <a:rPr lang="en-US" sz="1800" dirty="0" err="1">
-                <a:latin typeface="Hind"/>
-                <a:ea typeface="+mj-ea"/>
-                <a:cs typeface="+mj-cs"/>
-              </a:rPr>
-              <a:t>free_limit</a:t>
-            </a:r>
-            <a:r>
-              <a:rPr lang="en-US" sz="1800" dirty="0">
-                <a:latin typeface="Hind"/>
-                <a:ea typeface="+mj-ea"/>
-                <a:cs typeface="+mj-cs"/>
-              </a:rPr>
-              <a:t>` FLOAT NULL DEFAULT NULL,  </a:t>
+              <a:t>`category` LONGTEXT NOT NULL,  </a:t>
+            </a:r>
+          </a:p>
+          <a:p>
+            <a:pPr marL="0" indent="0">
+              <a:buNone/>
+            </a:pPr>
+            <a:r>
+              <a:rPr lang="en-US" sz="1800" dirty="0">
+                <a:latin typeface="Hind"/>
+                <a:ea typeface="+mj-ea"/>
+                <a:cs typeface="+mj-cs"/>
+              </a:rPr>
+              <a:t>`picture` VARCHAR(45) NOT NULL,  </a:t>
             </a:r>
           </a:p>
           <a:p>
@@ -8164,7 +10401,7 @@
     </p:spTree>
     <p:extLst>
       <p:ext uri="{BB962C8B-B14F-4D97-AF65-F5344CB8AC3E}">
-        <p14:creationId xmlns:p14="http://schemas.microsoft.com/office/powerpoint/2010/main" val="1508393104"/>
+        <p14:creationId xmlns:p14="http://schemas.microsoft.com/office/powerpoint/2010/main" val="1886747928"/>
       </p:ext>
     </p:extLst>
   </p:cSld>
@@ -8268,7 +10505,7 @@
                 <a:latin typeface="Calibri" panose="020F0502020204030204" pitchFamily="34" charset="0"/>
                 <a:ea typeface="Times New Roman" panose="02020603050405020304" pitchFamily="18" charset="0"/>
               </a:rPr>
-              <a:t>«Una </a:t>
+              <a:t>«Un </a:t>
             </a:r>
             <a:r>
               <a:rPr lang="it-IT" sz="1800" b="1" dirty="0">
@@ -8279,7 +10516,7 @@
                 <a:latin typeface="Calibri" panose="020F0502020204030204" pitchFamily="34" charset="0"/>
                 <a:ea typeface="Times New Roman" panose="02020603050405020304" pitchFamily="18" charset="0"/>
               </a:rPr>
-              <a:t>fascia di spesa</a:t>
+              <a:t>fornitore</a:t>
             </a:r>
             <a:r>
               <a:rPr lang="it-IT" sz="1800" dirty="0">
@@ -8301,7 +10538,7 @@
                 <a:latin typeface="Calibri" panose="020F0502020204030204" pitchFamily="34" charset="0"/>
                 <a:ea typeface="Times New Roman" panose="02020603050405020304" pitchFamily="18" charset="0"/>
               </a:rPr>
-              <a:t>numero minimo</a:t>
+              <a:t>codice</a:t>
             </a:r>
             <a:r>
               <a:rPr lang="it-IT" sz="1800" dirty="0">
@@ -8323,7 +10560,7 @@
                 <a:latin typeface="Calibri" panose="020F0502020204030204" pitchFamily="34" charset="0"/>
                 <a:ea typeface="Times New Roman" panose="02020603050405020304" pitchFamily="18" charset="0"/>
               </a:rPr>
-              <a:t>numero massimo</a:t>
+              <a:t>nome</a:t>
             </a:r>
             <a:r>
               <a:rPr lang="it-IT" sz="1800" dirty="0">
@@ -8334,7 +10571,7 @@
                 <a:latin typeface="Calibri" panose="020F0502020204030204" pitchFamily="34" charset="0"/>
                 <a:ea typeface="Times New Roman" panose="02020603050405020304" pitchFamily="18" charset="0"/>
               </a:rPr>
-              <a:t> e un </a:t>
+              <a:t>, una </a:t>
             </a:r>
             <a:r>
               <a:rPr lang="it-IT" sz="1800" dirty="0">
@@ -8345,7 +10582,7 @@
                 <a:latin typeface="Calibri" panose="020F0502020204030204" pitchFamily="34" charset="0"/>
                 <a:ea typeface="Times New Roman" panose="02020603050405020304" pitchFamily="18" charset="0"/>
               </a:rPr>
-              <a:t>prezzo</a:t>
+              <a:t>valutazione</a:t>
             </a:r>
             <a:r>
               <a:rPr lang="it-IT" sz="1800" dirty="0">
@@ -8356,7 +10593,92 @@
                 <a:latin typeface="Calibri" panose="020F0502020204030204" pitchFamily="34" charset="0"/>
                 <a:ea typeface="Times New Roman" panose="02020603050405020304" pitchFamily="18" charset="0"/>
               </a:rPr>
-              <a:t>. Ad esempio: da 1 a 3 articoli 15€, da 4 a 10 articoli 20€, oltre a 10 articoli, ecc.»</a:t>
+              <a:t> da 1 a 5 stelle e una </a:t>
+            </a:r>
+            <a:r>
+              <a:rPr lang="it-IT" sz="1800" b="1" dirty="0">
+                <a:solidFill>
+                  <a:srgbClr val="FFC000"/>
+                </a:solidFill>
+                <a:effectLst/>
+                <a:latin typeface="Calibri" panose="020F0502020204030204" pitchFamily="34" charset="0"/>
+                <a:ea typeface="Times New Roman" panose="02020603050405020304" pitchFamily="18" charset="0"/>
+              </a:rPr>
+              <a:t>politica di spedizione</a:t>
+            </a:r>
+            <a:r>
+              <a:rPr lang="it-IT" sz="1800" b="1" dirty="0">
+                <a:solidFill>
+                  <a:srgbClr val="000000"/>
+                </a:solidFill>
+                <a:latin typeface="Calibri" panose="020F0502020204030204" pitchFamily="34" charset="0"/>
+                <a:ea typeface="Times New Roman" panose="02020603050405020304" pitchFamily="18" charset="0"/>
+              </a:rPr>
+              <a:t>.</a:t>
+            </a:r>
+          </a:p>
+          <a:p>
+            <a:pPr marL="0" indent="0">
+              <a:buNone/>
+            </a:pPr>
+            <a:r>
+              <a:rPr lang="it-IT" sz="1800" b="1" dirty="0">
+                <a:solidFill>
+                  <a:srgbClr val="000000"/>
+                </a:solidFill>
+                <a:latin typeface="Calibri" panose="020F0502020204030204" pitchFamily="34" charset="0"/>
+                <a:ea typeface="Times New Roman" panose="02020603050405020304" pitchFamily="18" charset="0"/>
+              </a:rPr>
+              <a:t> …</a:t>
+            </a:r>
+            <a:r>
+              <a:rPr lang="it-IT" sz="1800" b="1" dirty="0">
+                <a:solidFill>
+                  <a:srgbClr val="000000"/>
+                </a:solidFill>
+                <a:effectLst/>
+                <a:latin typeface="Calibri" panose="020F0502020204030204" pitchFamily="34" charset="0"/>
+                <a:ea typeface="Times New Roman" panose="02020603050405020304" pitchFamily="18" charset="0"/>
+              </a:rPr>
+              <a:t>  </a:t>
+            </a:r>
+          </a:p>
+          <a:p>
+            <a:pPr marL="0" indent="0">
+              <a:buNone/>
+            </a:pPr>
+            <a:r>
+              <a:rPr lang="it-IT" sz="1800" dirty="0">
+                <a:solidFill>
+                  <a:srgbClr val="000000"/>
+                </a:solidFill>
+                <a:effectLst/>
+                <a:latin typeface="Calibri" panose="020F0502020204030204" pitchFamily="34" charset="0"/>
+                <a:ea typeface="Times New Roman" panose="02020603050405020304" pitchFamily="18" charset="0"/>
+              </a:rPr>
+              <a:t>Oltre alla fascia di spesa, il fornitore può anche indicare un importo in euro oltre al quale la </a:t>
+            </a:r>
+            <a:r>
+              <a:rPr lang="it-IT" sz="1800" dirty="0">
+                <a:solidFill>
+                  <a:srgbClr val="FF0000"/>
+                </a:solidFill>
+                <a:effectLst/>
+                <a:latin typeface="Calibri" panose="020F0502020204030204" pitchFamily="34" charset="0"/>
+                <a:ea typeface="Times New Roman" panose="02020603050405020304" pitchFamily="18" charset="0"/>
+              </a:rPr>
+              <a:t>spedizione è gratuita</a:t>
+            </a:r>
+            <a:r>
+              <a:rPr lang="it-IT" sz="1800" dirty="0">
+                <a:solidFill>
+                  <a:srgbClr val="000000"/>
+                </a:solidFill>
+                <a:effectLst/>
+                <a:latin typeface="Calibri" panose="020F0502020204030204" pitchFamily="34" charset="0"/>
+                <a:ea typeface="Times New Roman" panose="02020603050405020304" pitchFamily="18" charset="0"/>
+              </a:rPr>
+              <a:t>.»</a:t>
             </a:r>
           </a:p>
           <a:p>
@@ -8390,7 +10712,7 @@
                 <a:ea typeface="+mj-ea"/>
                 <a:cs typeface="+mj-cs"/>
               </a:rPr>
-              <a:t>range</a:t>
+              <a:t>vendor</a:t>
             </a:r>
             <a:r>
               <a:rPr lang="en-US" sz="1800" dirty="0">
@@ -8424,7 +10746,7 @@
                 <a:ea typeface="+mj-ea"/>
                 <a:cs typeface="+mj-cs"/>
               </a:rPr>
-              <a:t>`min` INT NOT NULL,  </a:t>
+              <a:t>`name` VARCHAR(45) NOT NULL,  </a:t>
             </a:r>
           </a:p>
           <a:p>
@@ -8437,7 +10759,7 @@
                 <a:ea typeface="+mj-ea"/>
                 <a:cs typeface="+mj-cs"/>
               </a:rPr>
-              <a:t>`max` INT NOT NULL,  </a:t>
+              <a:t>`score` INT NOT NULL,  </a:t>
             </a:r>
           </a:p>
           <a:p>
@@ -8458,15 +10780,15 @@
                 <a:ea typeface="+mj-ea"/>
                 <a:cs typeface="+mj-cs"/>
               </a:rPr>
-              <a:t>shipping_cost</a:t>
-            </a:r>
-            <a:r>
-              <a:rPr lang="en-US" sz="1800" dirty="0">
-                <a:latin typeface="Hind"/>
-                <a:ea typeface="+mj-ea"/>
-                <a:cs typeface="+mj-cs"/>
-              </a:rPr>
-              <a:t>` FLOAT NOT NULL,  </a:t>
+              <a:t>free_limit</a:t>
+            </a:r>
+            <a:r>
+              <a:rPr lang="en-US" sz="1800" dirty="0">
+                <a:latin typeface="Hind"/>
+                <a:ea typeface="+mj-ea"/>
+                <a:cs typeface="+mj-cs"/>
+              </a:rPr>
+              <a:t>` FLOAT NULL DEFAULT NULL,  </a:t>
             </a:r>
           </a:p>
           <a:p>
@@ -8487,7 +10809,7 @@
     </p:spTree>
     <p:extLst>
       <p:ext uri="{BB962C8B-B14F-4D97-AF65-F5344CB8AC3E}">
-        <p14:creationId xmlns:p14="http://schemas.microsoft.com/office/powerpoint/2010/main" val="72428276"/>
+        <p14:creationId xmlns:p14="http://schemas.microsoft.com/office/powerpoint/2010/main" val="1508393104"/>
       </p:ext>
     </p:extLst>
   </p:cSld>
